--- a/ppt/Consumer_Complaints.pptx
+++ b/ppt/Consumer_Complaints.pptx
@@ -8,6 +8,11 @@
     <p:sldId id="256" r:id="rId2"/>
     <p:sldId id="258" r:id="rId3"/>
     <p:sldId id="257" r:id="rId4"/>
+    <p:sldId id="260" r:id="rId5"/>
+    <p:sldId id="261" r:id="rId6"/>
+    <p:sldId id="262" r:id="rId7"/>
+    <p:sldId id="263" r:id="rId8"/>
+    <p:sldId id="259" r:id="rId9"/>
   </p:sldIdLst>
   <p:sldSz cx="12192000" cy="6858000"/>
   <p:notesSz cx="6858000" cy="9144000"/>
@@ -106,6 +111,11 @@
       </a:defRPr>
     </a:lvl9pPr>
   </p:defaultTextStyle>
+  <p:extLst>
+    <p:ext uri="{EFAFB233-063F-42B5-8137-9DF3F51BA10A}">
+      <p15:sldGuideLst xmlns:p15="http://schemas.microsoft.com/office/powerpoint/2012/main"/>
+    </p:ext>
+  </p:extLst>
 </p:presentation>
 </file>
 
@@ -204,7 +214,7 @@
           <a:effectLst/>
           <a:extLst>
             <a:ext uri="{91240B29-F687-4f45-9708-019B960494DF}">
-              <a14:hiddenLine xmlns:a14="http://schemas.microsoft.com/office/drawing/2010/main" xmlns="" w="9525">
+              <a14:hiddenLine xmlns="" xmlns:a14="http://schemas.microsoft.com/office/drawing/2010/main" w="9525">
                 <a:solidFill>
                   <a:srgbClr val="000000"/>
                 </a:solidFill>
@@ -397,7 +407,7 @@
             <a:fld id="{08B9EBBA-996F-894A-B54A-D6246ED52CEA}" type="datetimeFigureOut">
               <a:rPr lang="en-US" dirty="0"/>
               <a:pPr/>
-              <a:t>8/1/16</a:t>
+              <a:t>8/2/16</a:t>
             </a:fld>
             <a:endParaRPr lang="en-US" dirty="0"/>
           </a:p>
@@ -712,7 +722,7 @@
             <a:fld id="{18C79C5D-2A6F-F04D-97DA-BEF2467B64E4}" type="datetimeFigureOut">
               <a:rPr lang="en-US" dirty="0"/>
               <a:pPr/>
-              <a:t>8/1/16</a:t>
+              <a:t>8/2/16</a:t>
             </a:fld>
             <a:endParaRPr lang="en-US" dirty="0"/>
           </a:p>
@@ -1197,7 +1207,7 @@
             <a:fld id="{8DFA1846-DA80-1C48-A609-854EA85C59AD}" type="datetimeFigureOut">
               <a:rPr lang="en-US" dirty="0"/>
               <a:pPr/>
-              <a:t>8/1/16</a:t>
+              <a:t>8/2/16</a:t>
             </a:fld>
             <a:endParaRPr lang="en-US" dirty="0"/>
           </a:p>
@@ -1563,7 +1573,7 @@
             <a:fld id="{FBF54567-0DE4-3F47-BF90-CB84690072F9}" type="datetimeFigureOut">
               <a:rPr lang="en-US" dirty="0"/>
               <a:pPr/>
-              <a:t>8/1/16</a:t>
+              <a:t>8/2/16</a:t>
             </a:fld>
             <a:endParaRPr lang="en-US" dirty="0"/>
           </a:p>
@@ -1714,7 +1724,7 @@
           <a:ln/>
           <a:extLst>
             <a:ext uri="{91240B29-F687-4f45-9708-019B960494DF}">
-              <a14:hiddenLine xmlns:a14="http://schemas.microsoft.com/office/drawing/2010/main" xmlns="" w="9525">
+              <a14:hiddenLine xmlns="" xmlns:a14="http://schemas.microsoft.com/office/drawing/2010/main" w="9525">
                 <a:solidFill>
                   <a:srgbClr val="000000"/>
                 </a:solidFill>
@@ -1833,7 +1843,7 @@
             <a:fld id="{C6C52C72-DE31-F449-A4ED-4C594FD91407}" type="datetimeFigureOut">
               <a:rPr lang="en-US" dirty="0"/>
               <a:pPr/>
-              <a:t>8/1/16</a:t>
+              <a:t>8/2/16</a:t>
             </a:fld>
             <a:endParaRPr lang="en-US" dirty="0"/>
           </a:p>
@@ -1986,7 +1996,7 @@
           <a:ln/>
           <a:extLst>
             <a:ext uri="{91240B29-F687-4f45-9708-019B960494DF}">
-              <a14:hiddenLine xmlns:a14="http://schemas.microsoft.com/office/drawing/2010/main" xmlns="" w="9525">
+              <a14:hiddenLine xmlns="" xmlns:a14="http://schemas.microsoft.com/office/drawing/2010/main" w="9525">
                 <a:solidFill>
                   <a:srgbClr val="000000"/>
                 </a:solidFill>
@@ -2115,7 +2125,7 @@
             <a:fld id="{ED62726E-379B-B349-9EED-81ED093FA806}" type="datetimeFigureOut">
               <a:rPr lang="en-US" dirty="0"/>
               <a:pPr/>
-              <a:t>8/1/16</a:t>
+              <a:t>8/2/16</a:t>
             </a:fld>
             <a:endParaRPr lang="en-US" dirty="0"/>
           </a:p>
@@ -2266,7 +2276,7 @@
           <a:ln/>
           <a:extLst>
             <a:ext uri="{91240B29-F687-4f45-9708-019B960494DF}">
-              <a14:hiddenLine xmlns:a14="http://schemas.microsoft.com/office/drawing/2010/main" xmlns="" w="9525">
+              <a14:hiddenLine xmlns="" xmlns:a14="http://schemas.microsoft.com/office/drawing/2010/main" w="9525">
                 <a:solidFill>
                   <a:srgbClr val="000000"/>
                 </a:solidFill>
@@ -2395,7 +2405,7 @@
             <a:fld id="{9B3A1323-8D79-1946-B0D7-40001CF92E9D}" type="datetimeFigureOut">
               <a:rPr lang="en-US" dirty="0"/>
               <a:pPr/>
-              <a:t>8/1/16</a:t>
+              <a:t>8/2/16</a:t>
             </a:fld>
             <a:endParaRPr lang="en-US" dirty="0"/>
           </a:p>
@@ -2735,7 +2745,7 @@
             <a:fld id="{8DFA1846-DA80-1C48-A609-854EA85C59AD}" type="datetimeFigureOut">
               <a:rPr lang="en-US" dirty="0"/>
               <a:pPr/>
-              <a:t>8/1/16</a:t>
+              <a:t>8/2/16</a:t>
             </a:fld>
             <a:endParaRPr lang="en-US" dirty="0"/>
           </a:p>
@@ -2886,7 +2896,7 @@
           <a:ln/>
           <a:extLst>
             <a:ext uri="{91240B29-F687-4f45-9708-019B960494DF}">
-              <a14:hiddenLine xmlns:a14="http://schemas.microsoft.com/office/drawing/2010/main" xmlns="" w="9525">
+              <a14:hiddenLine xmlns="" xmlns:a14="http://schemas.microsoft.com/office/drawing/2010/main" w="9525">
                 <a:solidFill>
                   <a:srgbClr val="000000"/>
                 </a:solidFill>
@@ -3071,7 +3081,7 @@
             <a:fld id="{57302355-E14B-8545-A8F8-0FE83CC9D524}" type="datetimeFigureOut">
               <a:rPr lang="en-US" dirty="0"/>
               <a:pPr/>
-              <a:t>8/1/16</a:t>
+              <a:t>8/2/16</a:t>
             </a:fld>
             <a:endParaRPr lang="en-US" dirty="0"/>
           </a:p>
@@ -3222,7 +3232,7 @@
           <a:ln/>
           <a:extLst>
             <a:ext uri="{91240B29-F687-4f45-9708-019B960494DF}">
-              <a14:hiddenLine xmlns:a14="http://schemas.microsoft.com/office/drawing/2010/main" xmlns="" w="9525">
+              <a14:hiddenLine xmlns="" xmlns:a14="http://schemas.microsoft.com/office/drawing/2010/main" w="9525">
                 <a:solidFill>
                   <a:srgbClr val="000000"/>
                 </a:solidFill>
@@ -3545,7 +3555,7 @@
             <a:fld id="{02640F58-564D-2B4F-AE67-E407BA4FCF45}" type="datetimeFigureOut">
               <a:rPr lang="en-US" dirty="0"/>
               <a:pPr/>
-              <a:t>8/1/16</a:t>
+              <a:t>8/2/16</a:t>
             </a:fld>
             <a:endParaRPr lang="en-US" dirty="0"/>
           </a:p>
@@ -3696,7 +3706,7 @@
           <a:ln/>
           <a:extLst>
             <a:ext uri="{91240B29-F687-4f45-9708-019B960494DF}">
-              <a14:hiddenLine xmlns:a14="http://schemas.microsoft.com/office/drawing/2010/main" xmlns="" w="9525">
+              <a14:hiddenLine xmlns="" xmlns:a14="http://schemas.microsoft.com/office/drawing/2010/main" w="9525">
                 <a:solidFill>
                   <a:srgbClr val="000000"/>
                 </a:solidFill>
@@ -3763,7 +3773,7 @@
             <a:fld id="{F13A34C8-038E-2045-AF43-DF7DBB8E0E9E}" type="datetimeFigureOut">
               <a:rPr lang="en-US" dirty="0"/>
               <a:pPr/>
-              <a:t>8/1/16</a:t>
+              <a:t>8/2/16</a:t>
             </a:fld>
             <a:endParaRPr lang="en-US" dirty="0"/>
           </a:p>
@@ -3855,7 +3865,7 @@
             <a:fld id="{8818C68F-D26B-8F47-958C-23B49CF8A634}" type="datetimeFigureOut">
               <a:rPr lang="en-US" dirty="0"/>
               <a:pPr/>
-              <a:t>8/1/16</a:t>
+              <a:t>8/2/16</a:t>
             </a:fld>
             <a:endParaRPr lang="en-US" dirty="0"/>
           </a:p>
@@ -4119,7 +4129,7 @@
           <a:ln/>
           <a:extLst>
             <a:ext uri="{91240B29-F687-4f45-9708-019B960494DF}">
-              <a14:hiddenLine xmlns:a14="http://schemas.microsoft.com/office/drawing/2010/main" xmlns="" w="9525">
+              <a14:hiddenLine xmlns="" xmlns:a14="http://schemas.microsoft.com/office/drawing/2010/main" w="9525">
                 <a:solidFill>
                   <a:srgbClr val="000000"/>
                 </a:solidFill>
@@ -4319,7 +4329,7 @@
             <a:fld id="{D0DF5E60-9974-AC48-9591-99C2BB44B7CF}" type="datetimeFigureOut">
               <a:rPr lang="en-US" dirty="0"/>
               <a:pPr/>
-              <a:t>8/1/16</a:t>
+              <a:t>8/2/16</a:t>
             </a:fld>
             <a:endParaRPr lang="en-US" dirty="0"/>
           </a:p>
@@ -4629,7 +4639,7 @@
             <a:fld id="{18C79C5D-2A6F-F04D-97DA-BEF2467B64E4}" type="datetimeFigureOut">
               <a:rPr lang="en-US" dirty="0"/>
               <a:pPr/>
-              <a:t>8/1/16</a:t>
+              <a:t>8/2/16</a:t>
             </a:fld>
             <a:endParaRPr lang="en-US" dirty="0"/>
           </a:p>
@@ -4896,7 +4906,7 @@
             <a:fld id="{09B482E8-6E0E-1B4F-B1FD-C69DB9E858D9}" type="datetimeFigureOut">
               <a:rPr lang="en-US" dirty="0"/>
               <a:pPr/>
-              <a:t>8/1/16</a:t>
+              <a:t>8/2/16</a:t>
             </a:fld>
             <a:endParaRPr lang="en-US" dirty="0"/>
           </a:p>
@@ -5465,14 +5475,16 @@
           <a:p>
             <a:r>
               <a:rPr lang="en-US" dirty="0" smtClean="0"/>
-              <a:t>Data</a:t>
-            </a:r>
+              <a:t>Data / Data Pipeline</a:t>
+            </a:r>
+            <a:endParaRPr lang="en-US" dirty="0" smtClean="0"/>
           </a:p>
           <a:p>
             <a:r>
               <a:rPr lang="en-US" dirty="0" smtClean="0"/>
-              <a:t>Pipeline</a:t>
-            </a:r>
+              <a:t>Modeling</a:t>
+            </a:r>
+            <a:endParaRPr lang="en-US" dirty="0" smtClean="0"/>
           </a:p>
           <a:p>
             <a:r>
@@ -5542,29 +5554,503 @@
           </a:p>
         </p:txBody>
       </p:sp>
-      <p:sp>
-        <p:nvSpPr>
-          <p:cNvPr id="3" name="Content Placeholder 2"/>
-          <p:cNvSpPr>
-            <a:spLocks noGrp="1"/>
-          </p:cNvSpPr>
+      <p:pic>
+        <p:nvPicPr>
+          <p:cNvPr id="4" name="Content Placeholder 3"/>
+          <p:cNvPicPr>
+            <a:picLocks noGrp="1" noChangeAspect="1"/>
+          </p:cNvPicPr>
           <p:nvPr>
             <p:ph idx="1"/>
           </p:nvPr>
-        </p:nvSpPr>
-        <p:spPr/>
-        <p:txBody>
-          <a:bodyPr/>
-          <a:lstStyle/>
-          <a:p>
-            <a:endParaRPr lang="en-US"/>
-          </a:p>
-        </p:txBody>
-      </p:sp>
+        </p:nvPicPr>
+        <p:blipFill>
+          <a:blip r:embed="rId2">
+            <a:extLst>
+              <a:ext uri="{28A0092B-C50C-407E-A947-70E740481C1C}">
+                <a14:useLocalDpi xmlns:a14="http://schemas.microsoft.com/office/drawing/2010/main" val="0"/>
+              </a:ext>
+            </a:extLst>
+          </a:blip>
+          <a:stretch>
+            <a:fillRect/>
+          </a:stretch>
+        </p:blipFill>
+        <p:spPr>
+          <a:xfrm>
+            <a:off x="3831772" y="1837372"/>
+            <a:ext cx="4778829" cy="4788784"/>
+          </a:xfrm>
+        </p:spPr>
+      </p:pic>
     </p:spTree>
     <p:extLst>
       <p:ext uri="{BB962C8B-B14F-4D97-AF65-F5344CB8AC3E}">
         <p14:creationId xmlns:p14="http://schemas.microsoft.com/office/powerpoint/2010/main" val="1312687995"/>
+      </p:ext>
+    </p:extLst>
+  </p:cSld>
+  <p:clrMapOvr>
+    <a:masterClrMapping/>
+  </p:clrMapOvr>
+</p:sld>
+</file>
+
+<file path=ppt/slides/slide4.xml><?xml version="1.0" encoding="utf-8"?>
+<p:sld xmlns:a="http://schemas.openxmlformats.org/drawingml/2006/main" xmlns:r="http://schemas.openxmlformats.org/officeDocument/2006/relationships" xmlns:p="http://schemas.openxmlformats.org/presentationml/2006/main">
+  <p:cSld>
+    <p:spTree>
+      <p:nvGrpSpPr>
+        <p:cNvPr id="1" name=""/>
+        <p:cNvGrpSpPr/>
+        <p:nvPr/>
+      </p:nvGrpSpPr>
+      <p:grpSpPr>
+        <a:xfrm>
+          <a:off x="0" y="0"/>
+          <a:ext cx="0" cy="0"/>
+          <a:chOff x="0" y="0"/>
+          <a:chExt cx="0" cy="0"/>
+        </a:xfrm>
+      </p:grpSpPr>
+      <p:sp>
+        <p:nvSpPr>
+          <p:cNvPr id="2" name="Title 1"/>
+          <p:cNvSpPr>
+            <a:spLocks noGrp="1"/>
+          </p:cNvSpPr>
+          <p:nvPr>
+            <p:ph type="title"/>
+          </p:nvPr>
+        </p:nvSpPr>
+        <p:spPr/>
+        <p:txBody>
+          <a:bodyPr/>
+          <a:lstStyle/>
+          <a:p>
+            <a:r>
+              <a:rPr lang="en-US" dirty="0" smtClean="0"/>
+              <a:t>Data / Data Pipeline</a:t>
+            </a:r>
+            <a:endParaRPr lang="en-US" dirty="0"/>
+          </a:p>
+        </p:txBody>
+      </p:sp>
+      <p:sp>
+        <p:nvSpPr>
+          <p:cNvPr id="3" name="Content Placeholder 2"/>
+          <p:cNvSpPr>
+            <a:spLocks noGrp="1"/>
+          </p:cNvSpPr>
+          <p:nvPr>
+            <p:ph idx="1"/>
+          </p:nvPr>
+        </p:nvSpPr>
+        <p:spPr/>
+        <p:txBody>
+          <a:bodyPr/>
+          <a:lstStyle/>
+          <a:p>
+            <a:endParaRPr lang="en-US"/>
+          </a:p>
+        </p:txBody>
+      </p:sp>
+    </p:spTree>
+    <p:extLst>
+      <p:ext uri="{BB962C8B-B14F-4D97-AF65-F5344CB8AC3E}">
+        <p14:creationId xmlns:p14="http://schemas.microsoft.com/office/powerpoint/2010/main" val="221429157"/>
+      </p:ext>
+    </p:extLst>
+  </p:cSld>
+  <p:clrMapOvr>
+    <a:masterClrMapping/>
+  </p:clrMapOvr>
+</p:sld>
+</file>
+
+<file path=ppt/slides/slide5.xml><?xml version="1.0" encoding="utf-8"?>
+<p:sld xmlns:a="http://schemas.openxmlformats.org/drawingml/2006/main" xmlns:r="http://schemas.openxmlformats.org/officeDocument/2006/relationships" xmlns:p="http://schemas.openxmlformats.org/presentationml/2006/main">
+  <p:cSld>
+    <p:spTree>
+      <p:nvGrpSpPr>
+        <p:cNvPr id="1" name=""/>
+        <p:cNvGrpSpPr/>
+        <p:nvPr/>
+      </p:nvGrpSpPr>
+      <p:grpSpPr>
+        <a:xfrm>
+          <a:off x="0" y="0"/>
+          <a:ext cx="0" cy="0"/>
+          <a:chOff x="0" y="0"/>
+          <a:chExt cx="0" cy="0"/>
+        </a:xfrm>
+      </p:grpSpPr>
+      <p:sp>
+        <p:nvSpPr>
+          <p:cNvPr id="2" name="Title 1"/>
+          <p:cNvSpPr>
+            <a:spLocks noGrp="1"/>
+          </p:cNvSpPr>
+          <p:nvPr>
+            <p:ph type="title"/>
+          </p:nvPr>
+        </p:nvSpPr>
+        <p:spPr/>
+        <p:txBody>
+          <a:bodyPr/>
+          <a:lstStyle/>
+          <a:p>
+            <a:r>
+              <a:rPr lang="en-US" dirty="0" smtClean="0"/>
+              <a:t>Modeling</a:t>
+            </a:r>
+            <a:endParaRPr lang="en-US" dirty="0"/>
+          </a:p>
+        </p:txBody>
+      </p:sp>
+      <p:sp>
+        <p:nvSpPr>
+          <p:cNvPr id="3" name="Content Placeholder 2"/>
+          <p:cNvSpPr>
+            <a:spLocks noGrp="1"/>
+          </p:cNvSpPr>
+          <p:nvPr>
+            <p:ph idx="1"/>
+          </p:nvPr>
+        </p:nvSpPr>
+        <p:spPr/>
+        <p:txBody>
+          <a:bodyPr/>
+          <a:lstStyle/>
+          <a:p>
+            <a:endParaRPr lang="en-US"/>
+          </a:p>
+        </p:txBody>
+      </p:sp>
+    </p:spTree>
+    <p:extLst>
+      <p:ext uri="{BB962C8B-B14F-4D97-AF65-F5344CB8AC3E}">
+        <p14:creationId xmlns:p14="http://schemas.microsoft.com/office/powerpoint/2010/main" val="98859348"/>
+      </p:ext>
+    </p:extLst>
+  </p:cSld>
+  <p:clrMapOvr>
+    <a:masterClrMapping/>
+  </p:clrMapOvr>
+</p:sld>
+</file>
+
+<file path=ppt/slides/slide6.xml><?xml version="1.0" encoding="utf-8"?>
+<p:sld xmlns:a="http://schemas.openxmlformats.org/drawingml/2006/main" xmlns:r="http://schemas.openxmlformats.org/officeDocument/2006/relationships" xmlns:p="http://schemas.openxmlformats.org/presentationml/2006/main">
+  <p:cSld>
+    <p:spTree>
+      <p:nvGrpSpPr>
+        <p:cNvPr id="1" name=""/>
+        <p:cNvGrpSpPr/>
+        <p:nvPr/>
+      </p:nvGrpSpPr>
+      <p:grpSpPr>
+        <a:xfrm>
+          <a:off x="0" y="0"/>
+          <a:ext cx="0" cy="0"/>
+          <a:chOff x="0" y="0"/>
+          <a:chExt cx="0" cy="0"/>
+        </a:xfrm>
+      </p:grpSpPr>
+      <p:sp>
+        <p:nvSpPr>
+          <p:cNvPr id="2" name="Title 1"/>
+          <p:cNvSpPr>
+            <a:spLocks noGrp="1"/>
+          </p:cNvSpPr>
+          <p:nvPr>
+            <p:ph type="title"/>
+          </p:nvPr>
+        </p:nvSpPr>
+        <p:spPr/>
+        <p:txBody>
+          <a:bodyPr/>
+          <a:lstStyle/>
+          <a:p>
+            <a:r>
+              <a:rPr lang="en-US" dirty="0" smtClean="0"/>
+              <a:t>Results</a:t>
+            </a:r>
+            <a:endParaRPr lang="en-US" dirty="0"/>
+          </a:p>
+        </p:txBody>
+      </p:sp>
+      <p:sp>
+        <p:nvSpPr>
+          <p:cNvPr id="3" name="Content Placeholder 2"/>
+          <p:cNvSpPr>
+            <a:spLocks noGrp="1"/>
+          </p:cNvSpPr>
+          <p:nvPr>
+            <p:ph idx="1"/>
+          </p:nvPr>
+        </p:nvSpPr>
+        <p:spPr/>
+        <p:txBody>
+          <a:bodyPr/>
+          <a:lstStyle/>
+          <a:p>
+            <a:endParaRPr lang="en-US"/>
+          </a:p>
+        </p:txBody>
+      </p:sp>
+    </p:spTree>
+    <p:extLst>
+      <p:ext uri="{BB962C8B-B14F-4D97-AF65-F5344CB8AC3E}">
+        <p14:creationId xmlns:p14="http://schemas.microsoft.com/office/powerpoint/2010/main" val="2089921519"/>
+      </p:ext>
+    </p:extLst>
+  </p:cSld>
+  <p:clrMapOvr>
+    <a:masterClrMapping/>
+  </p:clrMapOvr>
+</p:sld>
+</file>
+
+<file path=ppt/slides/slide7.xml><?xml version="1.0" encoding="utf-8"?>
+<p:sld xmlns:a="http://schemas.openxmlformats.org/drawingml/2006/main" xmlns:r="http://schemas.openxmlformats.org/officeDocument/2006/relationships" xmlns:p="http://schemas.openxmlformats.org/presentationml/2006/main">
+  <p:cSld>
+    <p:spTree>
+      <p:nvGrpSpPr>
+        <p:cNvPr id="1" name=""/>
+        <p:cNvGrpSpPr/>
+        <p:nvPr/>
+      </p:nvGrpSpPr>
+      <p:grpSpPr>
+        <a:xfrm>
+          <a:off x="0" y="0"/>
+          <a:ext cx="0" cy="0"/>
+          <a:chOff x="0" y="0"/>
+          <a:chExt cx="0" cy="0"/>
+        </a:xfrm>
+      </p:grpSpPr>
+      <p:sp>
+        <p:nvSpPr>
+          <p:cNvPr id="2" name="Title 1"/>
+          <p:cNvSpPr>
+            <a:spLocks noGrp="1"/>
+          </p:cNvSpPr>
+          <p:nvPr>
+            <p:ph type="title"/>
+          </p:nvPr>
+        </p:nvSpPr>
+        <p:spPr/>
+        <p:txBody>
+          <a:bodyPr/>
+          <a:lstStyle/>
+          <a:p>
+            <a:r>
+              <a:rPr lang="en-US" dirty="0" smtClean="0"/>
+              <a:t>Recommendations</a:t>
+            </a:r>
+            <a:endParaRPr lang="en-US" dirty="0"/>
+          </a:p>
+        </p:txBody>
+      </p:sp>
+      <p:sp>
+        <p:nvSpPr>
+          <p:cNvPr id="3" name="Content Placeholder 2"/>
+          <p:cNvSpPr>
+            <a:spLocks noGrp="1"/>
+          </p:cNvSpPr>
+          <p:nvPr>
+            <p:ph idx="1"/>
+          </p:nvPr>
+        </p:nvSpPr>
+        <p:spPr/>
+        <p:txBody>
+          <a:bodyPr/>
+          <a:lstStyle/>
+          <a:p>
+            <a:endParaRPr lang="en-US"/>
+          </a:p>
+        </p:txBody>
+      </p:sp>
+    </p:spTree>
+    <p:extLst>
+      <p:ext uri="{BB962C8B-B14F-4D97-AF65-F5344CB8AC3E}">
+        <p14:creationId xmlns:p14="http://schemas.microsoft.com/office/powerpoint/2010/main" val="4437093"/>
+      </p:ext>
+    </p:extLst>
+  </p:cSld>
+  <p:clrMapOvr>
+    <a:masterClrMapping/>
+  </p:clrMapOvr>
+</p:sld>
+</file>
+
+<file path=ppt/slides/slide8.xml><?xml version="1.0" encoding="utf-8"?>
+<p:sld xmlns:a="http://schemas.openxmlformats.org/drawingml/2006/main" xmlns:r="http://schemas.openxmlformats.org/officeDocument/2006/relationships" xmlns:p="http://schemas.openxmlformats.org/presentationml/2006/main">
+  <p:cSld>
+    <p:spTree>
+      <p:nvGrpSpPr>
+        <p:cNvPr id="1" name=""/>
+        <p:cNvGrpSpPr/>
+        <p:nvPr/>
+      </p:nvGrpSpPr>
+      <p:grpSpPr>
+        <a:xfrm>
+          <a:off x="0" y="0"/>
+          <a:ext cx="0" cy="0"/>
+          <a:chOff x="0" y="0"/>
+          <a:chExt cx="0" cy="0"/>
+        </a:xfrm>
+      </p:grpSpPr>
+      <p:sp>
+        <p:nvSpPr>
+          <p:cNvPr id="2" name="Title 1"/>
+          <p:cNvSpPr>
+            <a:spLocks noGrp="1"/>
+          </p:cNvSpPr>
+          <p:nvPr>
+            <p:ph type="title"/>
+          </p:nvPr>
+        </p:nvSpPr>
+        <p:spPr/>
+        <p:txBody>
+          <a:bodyPr/>
+          <a:lstStyle/>
+          <a:p>
+            <a:r>
+              <a:rPr lang="en-US" dirty="0" err="1" smtClean="0"/>
+              <a:t>Refrences</a:t>
+            </a:r>
+            <a:endParaRPr lang="en-US" dirty="0"/>
+          </a:p>
+        </p:txBody>
+      </p:sp>
+      <p:sp>
+        <p:nvSpPr>
+          <p:cNvPr id="3" name="Content Placeholder 2"/>
+          <p:cNvSpPr>
+            <a:spLocks noGrp="1"/>
+          </p:cNvSpPr>
+          <p:nvPr>
+            <p:ph idx="1"/>
+          </p:nvPr>
+        </p:nvSpPr>
+        <p:spPr/>
+        <p:txBody>
+          <a:bodyPr/>
+          <a:lstStyle/>
+          <a:p>
+            <a:r>
+              <a:rPr lang="en-US" dirty="0" smtClean="0"/>
+              <a:t>CODE LOCATION</a:t>
+            </a:r>
+          </a:p>
+          <a:p>
+            <a:pPr lvl="1"/>
+            <a:r>
+              <a:rPr lang="en-US" dirty="0"/>
+              <a:t>https://</a:t>
+            </a:r>
+            <a:r>
+              <a:rPr lang="en-US" dirty="0" err="1"/>
+              <a:t>github.com</a:t>
+            </a:r>
+            <a:r>
+              <a:rPr lang="en-US" dirty="0"/>
+              <a:t>/ChrisMichael11/</a:t>
+            </a:r>
+            <a:r>
+              <a:rPr lang="en-US" dirty="0" err="1"/>
+              <a:t>Consumer_Complaint_Project</a:t>
+            </a:r>
+            <a:endParaRPr lang="en-US" dirty="0"/>
+          </a:p>
+          <a:p>
+            <a:r>
+              <a:rPr lang="en-US" dirty="0" smtClean="0"/>
+              <a:t>REFRENCES</a:t>
+            </a:r>
+          </a:p>
+          <a:p>
+            <a:pPr lvl="1"/>
+            <a:r>
+              <a:rPr lang="en-US" dirty="0" smtClean="0"/>
+              <a:t>Cross </a:t>
+            </a:r>
+            <a:r>
+              <a:rPr lang="en-US" dirty="0"/>
+              <a:t>Industry Standard Process for Data Mining. (2016, March 29). </a:t>
+            </a:r>
+            <a:r>
+              <a:rPr lang="en-US" dirty="0" err="1"/>
+              <a:t>In</a:t>
+            </a:r>
+            <a:r>
+              <a:rPr lang="en-US" i="1" dirty="0" err="1"/>
+              <a:t>Wikipedia</a:t>
+            </a:r>
+            <a:r>
+              <a:rPr lang="en-US" i="1" dirty="0"/>
+              <a:t>, The Free Encyclopedia</a:t>
+            </a:r>
+            <a:r>
+              <a:rPr lang="en-US" dirty="0"/>
+              <a:t>. Retrieved 15:56, August 2, 2016, from </a:t>
+            </a:r>
+            <a:r>
+              <a:rPr lang="en-US" dirty="0">
+                <a:hlinkClick r:id="rId2"/>
+              </a:rPr>
+              <a:t>https://</a:t>
+            </a:r>
+            <a:r>
+              <a:rPr lang="en-US" dirty="0" smtClean="0">
+                <a:hlinkClick r:id="rId2"/>
+              </a:rPr>
+              <a:t>en.wikipedia.org/w/index.php?title=Cross_Industry_Standard_Process_for_Data_Mining&amp;oldid=712521431</a:t>
+            </a:r>
+            <a:endParaRPr lang="en-US" dirty="0" smtClean="0"/>
+          </a:p>
+          <a:p>
+            <a:pPr lvl="1"/>
+            <a:r>
+              <a:rPr lang="en-US" dirty="0">
+                <a:hlinkClick r:id="rId3"/>
+              </a:rPr>
+              <a:t>https://</a:t>
+            </a:r>
+            <a:r>
+              <a:rPr lang="en-US" dirty="0" smtClean="0">
+                <a:hlinkClick r:id="rId3"/>
+              </a:rPr>
+              <a:t>www.kaggle.com/c/word2vec-nlp-tutorial/details/part-2-word-vectors</a:t>
+            </a:r>
+            <a:endParaRPr lang="en-US" dirty="0" smtClean="0"/>
+          </a:p>
+          <a:p>
+            <a:pPr lvl="1"/>
+            <a:r>
+              <a:rPr lang="en-US" dirty="0">
+                <a:hlinkClick r:id="rId4"/>
+              </a:rPr>
+              <a:t>https://</a:t>
+            </a:r>
+            <a:r>
+              <a:rPr lang="en-US" dirty="0" smtClean="0">
+                <a:hlinkClick r:id="rId4"/>
+              </a:rPr>
+              <a:t>pypi.python.org/pypi/pyzipcode</a:t>
+            </a:r>
+            <a:endParaRPr lang="en-US" dirty="0" smtClean="0"/>
+          </a:p>
+          <a:p>
+            <a:endParaRPr lang="en-US" dirty="0"/>
+          </a:p>
+        </p:txBody>
+      </p:sp>
+    </p:spTree>
+    <p:extLst>
+      <p:ext uri="{BB962C8B-B14F-4D97-AF65-F5344CB8AC3E}">
+        <p14:creationId xmlns:p14="http://schemas.microsoft.com/office/powerpoint/2010/main" val="786246462"/>
       </p:ext>
     </p:extLst>
   </p:cSld>

--- a/ppt/Consumer_Complaints.pptx
+++ b/ppt/Consumer_Complaints.pptx
@@ -2,17 +2,19 @@
 <file path=ppt/presentation.xml><?xml version="1.0" encoding="utf-8"?>
 <p:presentation xmlns:a="http://schemas.openxmlformats.org/drawingml/2006/main" xmlns:r="http://schemas.openxmlformats.org/officeDocument/2006/relationships" xmlns:p="http://schemas.openxmlformats.org/presentationml/2006/main" saveSubsetFonts="1" autoCompressPictures="0">
   <p:sldMasterIdLst>
-    <p:sldMasterId id="2147483648" r:id="rId1"/>
+    <p:sldMasterId id="2147483703" r:id="rId1"/>
   </p:sldMasterIdLst>
   <p:sldIdLst>
     <p:sldId id="256" r:id="rId2"/>
     <p:sldId id="258" r:id="rId3"/>
-    <p:sldId id="257" r:id="rId4"/>
-    <p:sldId id="260" r:id="rId5"/>
-    <p:sldId id="261" r:id="rId6"/>
-    <p:sldId id="262" r:id="rId7"/>
-    <p:sldId id="263" r:id="rId8"/>
-    <p:sldId id="259" r:id="rId9"/>
+    <p:sldId id="264" r:id="rId4"/>
+    <p:sldId id="257" r:id="rId5"/>
+    <p:sldId id="260" r:id="rId6"/>
+    <p:sldId id="261" r:id="rId7"/>
+    <p:sldId id="262" r:id="rId8"/>
+    <p:sldId id="263" r:id="rId9"/>
+    <p:sldId id="265" r:id="rId10"/>
+    <p:sldId id="259" r:id="rId11"/>
   </p:sldIdLst>
   <p:sldSz cx="12192000" cy="6858000"/>
   <p:notesSz cx="6858000" cy="9144000"/>
@@ -120,7 +122,7 @@
 </file>
 
 <file path=ppt/slideLayouts/slideLayout1.xml><?xml version="1.0" encoding="utf-8"?>
-<p:sldLayout xmlns:a="http://schemas.openxmlformats.org/drawingml/2006/main" xmlns:r="http://schemas.openxmlformats.org/officeDocument/2006/relationships" xmlns:p="http://schemas.openxmlformats.org/presentationml/2006/main" type="title" preserve="1">
+<p:sldLayout xmlns:a="http://schemas.openxmlformats.org/drawingml/2006/main" xmlns:r="http://schemas.openxmlformats.org/officeDocument/2006/relationships" xmlns:p="http://schemas.openxmlformats.org/presentationml/2006/main" showMasterSp="0" type="title" preserve="1">
   <p:cSld name="Title Slide">
     <p:spTree>
       <p:nvGrpSpPr>
@@ -136,110 +138,319 @@
           <a:chExt cx="0" cy="0"/>
         </a:xfrm>
       </p:grpSpPr>
-      <p:sp>
-        <p:nvSpPr>
-          <p:cNvPr id="11" name="Freeform 6"/>
-          <p:cNvSpPr/>
+      <p:grpSp>
+        <p:nvGrpSpPr>
+          <p:cNvPr id="19" name="Group 18"/>
+          <p:cNvGrpSpPr/>
           <p:nvPr/>
-        </p:nvSpPr>
-        <p:spPr bwMode="auto">
+        </p:nvGrpSpPr>
+        <p:grpSpPr>
           <a:xfrm>
-            <a:off x="0" y="-3175"/>
-            <a:ext cx="12192000" cy="5203825"/>
+            <a:off x="546100" y="-4763"/>
+            <a:ext cx="5014912" cy="6862763"/>
+            <a:chOff x="2928938" y="-4763"/>
+            <a:chExt cx="5014912" cy="6862763"/>
           </a:xfrm>
-          <a:custGeom>
-            <a:avLst/>
-            <a:gdLst/>
-            <a:ahLst/>
-            <a:cxnLst/>
-            <a:rect l="0" t="0" r="r" b="b"/>
-            <a:pathLst>
-              <a:path w="5760" h="3278">
-                <a:moveTo>
-                  <a:pt x="5760" y="0"/>
-                </a:moveTo>
-                <a:lnTo>
-                  <a:pt x="0" y="0"/>
-                </a:lnTo>
-                <a:lnTo>
-                  <a:pt x="0" y="3090"/>
-                </a:lnTo>
-                <a:lnTo>
-                  <a:pt x="943" y="3090"/>
-                </a:lnTo>
-                <a:lnTo>
-                  <a:pt x="1123" y="3270"/>
-                </a:lnTo>
-                <a:lnTo>
-                  <a:pt x="1123" y="3270"/>
-                </a:lnTo>
-                <a:lnTo>
-                  <a:pt x="1127" y="3272"/>
-                </a:lnTo>
-                <a:lnTo>
-                  <a:pt x="1133" y="3275"/>
-                </a:lnTo>
-                <a:lnTo>
-                  <a:pt x="1139" y="3278"/>
-                </a:lnTo>
-                <a:lnTo>
-                  <a:pt x="1144" y="3278"/>
-                </a:lnTo>
-                <a:lnTo>
-                  <a:pt x="1150" y="3278"/>
-                </a:lnTo>
-                <a:lnTo>
-                  <a:pt x="1155" y="3275"/>
-                </a:lnTo>
-                <a:lnTo>
-                  <a:pt x="1161" y="3272"/>
-                </a:lnTo>
-                <a:lnTo>
-                  <a:pt x="1165" y="3270"/>
-                </a:lnTo>
-                <a:lnTo>
-                  <a:pt x="1345" y="3090"/>
-                </a:lnTo>
-                <a:lnTo>
-                  <a:pt x="5760" y="3090"/>
-                </a:lnTo>
-                <a:lnTo>
-                  <a:pt x="5760" y="0"/>
-                </a:lnTo>
-                <a:close/>
-              </a:path>
-            </a:pathLst>
-          </a:custGeom>
-          <a:ln/>
-          <a:effectLst/>
-          <a:extLst>
-            <a:ext uri="{91240B29-F687-4f45-9708-019B960494DF}">
-              <a14:hiddenLine xmlns="" xmlns:a14="http://schemas.microsoft.com/office/drawing/2010/main" w="9525">
-                <a:solidFill>
-                  <a:srgbClr val="000000"/>
-                </a:solidFill>
-                <a:round/>
-                <a:headEnd/>
-                <a:tailEnd/>
-              </a14:hiddenLine>
-            </a:ext>
-          </a:extLst>
-        </p:spPr>
-        <p:style>
-          <a:lnRef idx="1">
-            <a:schemeClr val="accent1"/>
-          </a:lnRef>
-          <a:fillRef idx="3">
-            <a:schemeClr val="accent1"/>
-          </a:fillRef>
-          <a:effectRef idx="2">
-            <a:schemeClr val="accent1"/>
-          </a:effectRef>
-          <a:fontRef idx="minor">
-            <a:schemeClr val="lt1"/>
-          </a:fontRef>
-        </p:style>
-      </p:sp>
+        </p:grpSpPr>
+        <p:sp>
+          <p:nvSpPr>
+            <p:cNvPr id="22" name="Freeform 6"/>
+            <p:cNvSpPr/>
+            <p:nvPr/>
+          </p:nvSpPr>
+          <p:spPr bwMode="auto">
+            <a:xfrm>
+              <a:off x="3367088" y="-4763"/>
+              <a:ext cx="1063625" cy="2782888"/>
+            </a:xfrm>
+            <a:custGeom>
+              <a:avLst/>
+              <a:gdLst/>
+              <a:ahLst/>
+              <a:cxnLst/>
+              <a:rect l="0" t="0" r="r" b="b"/>
+              <a:pathLst>
+                <a:path w="670" h="1753">
+                  <a:moveTo>
+                    <a:pt x="0" y="1696"/>
+                  </a:moveTo>
+                  <a:lnTo>
+                    <a:pt x="225" y="1753"/>
+                  </a:lnTo>
+                  <a:lnTo>
+                    <a:pt x="670" y="0"/>
+                  </a:lnTo>
+                  <a:lnTo>
+                    <a:pt x="430" y="0"/>
+                  </a:lnTo>
+                  <a:lnTo>
+                    <a:pt x="0" y="1696"/>
+                  </a:lnTo>
+                  <a:close/>
+                </a:path>
+              </a:pathLst>
+            </a:custGeom>
+            <a:solidFill>
+              <a:schemeClr val="accent1"/>
+            </a:solidFill>
+            <a:ln>
+              <a:noFill/>
+            </a:ln>
+          </p:spPr>
+        </p:sp>
+        <p:sp>
+          <p:nvSpPr>
+            <p:cNvPr id="23" name="Freeform 7"/>
+            <p:cNvSpPr/>
+            <p:nvPr/>
+          </p:nvSpPr>
+          <p:spPr bwMode="auto">
+            <a:xfrm>
+              <a:off x="2928938" y="-4763"/>
+              <a:ext cx="1035050" cy="2673350"/>
+            </a:xfrm>
+            <a:custGeom>
+              <a:avLst/>
+              <a:gdLst/>
+              <a:ahLst/>
+              <a:cxnLst/>
+              <a:rect l="0" t="0" r="r" b="b"/>
+              <a:pathLst>
+                <a:path w="652" h="1684">
+                  <a:moveTo>
+                    <a:pt x="225" y="1684"/>
+                  </a:moveTo>
+                  <a:lnTo>
+                    <a:pt x="652" y="0"/>
+                  </a:lnTo>
+                  <a:lnTo>
+                    <a:pt x="411" y="0"/>
+                  </a:lnTo>
+                  <a:lnTo>
+                    <a:pt x="0" y="1627"/>
+                  </a:lnTo>
+                  <a:lnTo>
+                    <a:pt x="219" y="1681"/>
+                  </a:lnTo>
+                  <a:lnTo>
+                    <a:pt x="225" y="1684"/>
+                  </a:lnTo>
+                  <a:close/>
+                </a:path>
+              </a:pathLst>
+            </a:custGeom>
+            <a:solidFill>
+              <a:schemeClr val="tx1">
+                <a:lumMod val="65000"/>
+                <a:lumOff val="35000"/>
+              </a:schemeClr>
+            </a:solidFill>
+            <a:ln>
+              <a:noFill/>
+            </a:ln>
+          </p:spPr>
+        </p:sp>
+        <p:sp>
+          <p:nvSpPr>
+            <p:cNvPr id="24" name="Freeform 9"/>
+            <p:cNvSpPr/>
+            <p:nvPr/>
+          </p:nvSpPr>
+          <p:spPr bwMode="auto">
+            <a:xfrm>
+              <a:off x="2928938" y="2582862"/>
+              <a:ext cx="2693987" cy="4275138"/>
+            </a:xfrm>
+            <a:custGeom>
+              <a:avLst/>
+              <a:gdLst/>
+              <a:ahLst/>
+              <a:cxnLst/>
+              <a:rect l="0" t="0" r="r" b="b"/>
+              <a:pathLst>
+                <a:path w="1697" h="2693">
+                  <a:moveTo>
+                    <a:pt x="0" y="0"/>
+                  </a:moveTo>
+                  <a:lnTo>
+                    <a:pt x="1622" y="2693"/>
+                  </a:lnTo>
+                  <a:lnTo>
+                    <a:pt x="1697" y="2693"/>
+                  </a:lnTo>
+                  <a:lnTo>
+                    <a:pt x="0" y="0"/>
+                  </a:lnTo>
+                  <a:close/>
+                </a:path>
+              </a:pathLst>
+            </a:custGeom>
+            <a:solidFill>
+              <a:schemeClr val="tx1">
+                <a:lumMod val="85000"/>
+                <a:lumOff val="15000"/>
+              </a:schemeClr>
+            </a:solidFill>
+            <a:ln>
+              <a:noFill/>
+            </a:ln>
+          </p:spPr>
+        </p:sp>
+        <p:sp>
+          <p:nvSpPr>
+            <p:cNvPr id="25" name="Freeform 10"/>
+            <p:cNvSpPr/>
+            <p:nvPr/>
+          </p:nvSpPr>
+          <p:spPr bwMode="auto">
+            <a:xfrm>
+              <a:off x="3371850" y="2692400"/>
+              <a:ext cx="3332162" cy="4165600"/>
+            </a:xfrm>
+            <a:custGeom>
+              <a:avLst/>
+              <a:gdLst/>
+              <a:ahLst/>
+              <a:cxnLst/>
+              <a:rect l="0" t="0" r="r" b="b"/>
+              <a:pathLst>
+                <a:path w="2099" h="2624">
+                  <a:moveTo>
+                    <a:pt x="2099" y="2624"/>
+                  </a:moveTo>
+                  <a:lnTo>
+                    <a:pt x="0" y="0"/>
+                  </a:lnTo>
+                  <a:lnTo>
+                    <a:pt x="2021" y="2624"/>
+                  </a:lnTo>
+                  <a:lnTo>
+                    <a:pt x="2099" y="2624"/>
+                  </a:lnTo>
+                  <a:close/>
+                </a:path>
+              </a:pathLst>
+            </a:custGeom>
+            <a:solidFill>
+              <a:schemeClr val="accent1">
+                <a:lumMod val="50000"/>
+              </a:schemeClr>
+            </a:solidFill>
+            <a:ln>
+              <a:noFill/>
+            </a:ln>
+          </p:spPr>
+        </p:sp>
+        <p:sp>
+          <p:nvSpPr>
+            <p:cNvPr id="26" name="Freeform 11"/>
+            <p:cNvSpPr/>
+            <p:nvPr/>
+          </p:nvSpPr>
+          <p:spPr bwMode="auto">
+            <a:xfrm>
+              <a:off x="3367088" y="2687637"/>
+              <a:ext cx="4576762" cy="4170363"/>
+            </a:xfrm>
+            <a:custGeom>
+              <a:avLst/>
+              <a:gdLst/>
+              <a:ahLst/>
+              <a:cxnLst/>
+              <a:rect l="0" t="0" r="r" b="b"/>
+              <a:pathLst>
+                <a:path w="2883" h="2627">
+                  <a:moveTo>
+                    <a:pt x="0" y="0"/>
+                  </a:moveTo>
+                  <a:lnTo>
+                    <a:pt x="3" y="3"/>
+                  </a:lnTo>
+                  <a:lnTo>
+                    <a:pt x="2102" y="2627"/>
+                  </a:lnTo>
+                  <a:lnTo>
+                    <a:pt x="2883" y="2627"/>
+                  </a:lnTo>
+                  <a:lnTo>
+                    <a:pt x="225" y="57"/>
+                  </a:lnTo>
+                  <a:lnTo>
+                    <a:pt x="0" y="0"/>
+                  </a:lnTo>
+                  <a:close/>
+                </a:path>
+              </a:pathLst>
+            </a:custGeom>
+            <a:solidFill>
+              <a:schemeClr val="accent1">
+                <a:lumMod val="75000"/>
+              </a:schemeClr>
+            </a:solidFill>
+            <a:ln>
+              <a:noFill/>
+            </a:ln>
+          </p:spPr>
+        </p:sp>
+        <p:sp>
+          <p:nvSpPr>
+            <p:cNvPr id="27" name="Freeform 12"/>
+            <p:cNvSpPr/>
+            <p:nvPr/>
+          </p:nvSpPr>
+          <p:spPr bwMode="auto">
+            <a:xfrm>
+              <a:off x="2928938" y="2578100"/>
+              <a:ext cx="3584575" cy="4279900"/>
+            </a:xfrm>
+            <a:custGeom>
+              <a:avLst/>
+              <a:gdLst/>
+              <a:ahLst/>
+              <a:cxnLst/>
+              <a:rect l="0" t="0" r="r" b="b"/>
+              <a:pathLst>
+                <a:path w="2258" h="2696">
+                  <a:moveTo>
+                    <a:pt x="2258" y="2696"/>
+                  </a:moveTo>
+                  <a:lnTo>
+                    <a:pt x="264" y="111"/>
+                  </a:lnTo>
+                  <a:lnTo>
+                    <a:pt x="228" y="60"/>
+                  </a:lnTo>
+                  <a:lnTo>
+                    <a:pt x="225" y="57"/>
+                  </a:lnTo>
+                  <a:lnTo>
+                    <a:pt x="0" y="0"/>
+                  </a:lnTo>
+                  <a:lnTo>
+                    <a:pt x="0" y="3"/>
+                  </a:lnTo>
+                  <a:lnTo>
+                    <a:pt x="1697" y="2696"/>
+                  </a:lnTo>
+                  <a:lnTo>
+                    <a:pt x="2258" y="2696"/>
+                  </a:lnTo>
+                  <a:close/>
+                </a:path>
+              </a:pathLst>
+            </a:custGeom>
+            <a:solidFill>
+              <a:schemeClr val="tx1">
+                <a:lumMod val="75000"/>
+                <a:lumOff val="25000"/>
+              </a:schemeClr>
+            </a:solidFill>
+            <a:ln>
+              <a:noFill/>
+            </a:ln>
+          </p:spPr>
+        </p:sp>
+      </p:grpSp>
       <p:sp>
         <p:nvSpPr>
           <p:cNvPr id="2" name="Title 1"/>
@@ -252,15 +463,19 @@
         </p:nvSpPr>
         <p:spPr>
           <a:xfrm>
-            <a:off x="810001" y="1449147"/>
-            <a:ext cx="10572000" cy="2971051"/>
+            <a:off x="2928401" y="1380068"/>
+            <a:ext cx="8574622" cy="2616199"/>
           </a:xfrm>
         </p:spPr>
         <p:txBody>
-          <a:bodyPr/>
+          <a:bodyPr anchor="b">
+            <a:normAutofit/>
+          </a:bodyPr>
           <a:lstStyle>
-            <a:lvl1pPr>
-              <a:defRPr sz="5400"/>
+            <a:lvl1pPr algn="r">
+              <a:defRPr sz="6000">
+                <a:effectLst/>
+              </a:defRPr>
             </a:lvl1pPr>
           </a:lstStyle>
           <a:p>
@@ -284,16 +499,18 @@
         </p:nvSpPr>
         <p:spPr>
           <a:xfrm>
-            <a:off x="810001" y="5280847"/>
-            <a:ext cx="10572000" cy="434974"/>
+            <a:off x="4515377" y="3996267"/>
+            <a:ext cx="6987645" cy="1388534"/>
           </a:xfrm>
         </p:spPr>
         <p:txBody>
-          <a:bodyPr anchor="t"/>
+          <a:bodyPr anchor="t">
+            <a:normAutofit/>
+          </a:bodyPr>
           <a:lstStyle>
-            <a:lvl1pPr marL="0" indent="0" algn="l">
-              <a:buNone/>
-              <a:defRPr>
+            <a:lvl1pPr marL="0" indent="0" algn="r">
+              <a:buNone/>
+              <a:defRPr sz="2100">
                 <a:solidFill>
                   <a:schemeClr val="tx1"/>
                 </a:solidFill>
@@ -405,9 +622,9 @@
           <a:lstStyle/>
           <a:p>
             <a:fld id="{08B9EBBA-996F-894A-B54A-D6246ED52CEA}" type="datetimeFigureOut">
-              <a:rPr lang="en-US" dirty="0"/>
+              <a:rPr lang="en-US" smtClean="0"/>
               <a:pPr/>
-              <a:t>8/2/16</a:t>
+              <a:t>8/4/16</a:t>
             </a:fld>
             <a:endParaRPr lang="en-US" dirty="0"/>
           </a:p>
@@ -423,32 +640,37 @@
             <p:ph type="ftr" sz="quarter" idx="11"/>
           </p:nvPr>
         </p:nvSpPr>
+        <p:spPr>
+          <a:xfrm>
+            <a:off x="5332412" y="5883275"/>
+            <a:ext cx="4324044" cy="365125"/>
+          </a:xfrm>
+        </p:spPr>
+        <p:txBody>
+          <a:bodyPr/>
+          <a:lstStyle/>
+          <a:p>
+            <a:endParaRPr lang="en-US" dirty="0"/>
+          </a:p>
+        </p:txBody>
+      </p:sp>
+      <p:sp>
+        <p:nvSpPr>
+          <p:cNvPr id="6" name="Slide Number Placeholder 5"/>
+          <p:cNvSpPr>
+            <a:spLocks noGrp="1"/>
+          </p:cNvSpPr>
+          <p:nvPr>
+            <p:ph type="sldNum" sz="quarter" idx="12"/>
+          </p:nvPr>
+        </p:nvSpPr>
         <p:spPr/>
         <p:txBody>
           <a:bodyPr/>
           <a:lstStyle/>
           <a:p>
-            <a:endParaRPr lang="en-US" dirty="0"/>
-          </a:p>
-        </p:txBody>
-      </p:sp>
-      <p:sp>
-        <p:nvSpPr>
-          <p:cNvPr id="6" name="Slide Number Placeholder 5"/>
-          <p:cNvSpPr>
-            <a:spLocks noGrp="1"/>
-          </p:cNvSpPr>
-          <p:nvPr>
-            <p:ph type="sldNum" sz="quarter" idx="12"/>
-          </p:nvPr>
-        </p:nvSpPr>
-        <p:spPr/>
-        <p:txBody>
-          <a:bodyPr/>
-          <a:lstStyle/>
-          <a:p>
             <a:fld id="{D57F1E4F-1CFF-5643-939E-217C01CDF565}" type="slidenum">
-              <a:rPr lang="en-US" dirty="0"/>
+              <a:rPr lang="en-US" smtClean="0"/>
               <a:pPr/>
               <a:t>‹#›</a:t>
             </a:fld>
@@ -457,6 +679,11 @@
         </p:txBody>
       </p:sp>
     </p:spTree>
+    <p:extLst>
+      <p:ext uri="{BB962C8B-B14F-4D97-AF65-F5344CB8AC3E}">
+        <p14:creationId xmlns:p14="http://schemas.microsoft.com/office/powerpoint/2010/main" val="883556082"/>
+      </p:ext>
+    </p:extLst>
   </p:cSld>
   <p:clrMapOvr>
     <a:masterClrMapping/>
@@ -493,8 +720,8 @@
         </p:nvSpPr>
         <p:spPr>
           <a:xfrm>
-            <a:off x="810000" y="4800600"/>
-            <a:ext cx="10561418" cy="566738"/>
+            <a:off x="1484311" y="4732865"/>
+            <a:ext cx="10018711" cy="566738"/>
           </a:xfrm>
         </p:spPr>
         <p:txBody>
@@ -502,7 +729,7 @@
             <a:normAutofit/>
           </a:bodyPr>
           <a:lstStyle>
-            <a:lvl1pPr algn="l">
+            <a:lvl1pPr algn="ctr">
               <a:defRPr sz="2400" b="0"/>
             </a:lvl1pPr>
           </a:lstStyle>
@@ -517,116 +744,89 @@
       </p:sp>
       <p:sp>
         <p:nvSpPr>
-          <p:cNvPr id="15" name="Picture Placeholder 14"/>
+          <p:cNvPr id="3" name="Picture Placeholder 2"/>
           <p:cNvSpPr>
             <a:spLocks noGrp="1" noChangeAspect="1"/>
           </p:cNvSpPr>
           <p:nvPr>
-            <p:ph type="pic" sz="quarter" idx="13"/>
-          </p:nvPr>
-        </p:nvSpPr>
-        <p:spPr bwMode="auto">
+            <p:ph type="pic" idx="1"/>
+          </p:nvPr>
+        </p:nvSpPr>
+        <p:spPr>
           <a:xfrm>
-            <a:off x="0" y="0"/>
-            <a:ext cx="12192000" cy="4800600"/>
+            <a:off x="2386012" y="932112"/>
+            <a:ext cx="8225944" cy="3164976"/>
           </a:xfrm>
-          <a:custGeom>
-            <a:avLst/>
-            <a:gdLst/>
-            <a:ahLst/>
-            <a:cxnLst/>
-            <a:rect l="0" t="0" r="r" b="b"/>
-            <a:pathLst>
-              <a:path w="5760" h="3289">
-                <a:moveTo>
-                  <a:pt x="5760" y="0"/>
-                </a:moveTo>
-                <a:lnTo>
-                  <a:pt x="0" y="0"/>
-                </a:lnTo>
-                <a:lnTo>
-                  <a:pt x="0" y="3100"/>
-                </a:lnTo>
-                <a:lnTo>
-                  <a:pt x="943" y="3100"/>
-                </a:lnTo>
-                <a:lnTo>
-                  <a:pt x="1123" y="3281"/>
-                </a:lnTo>
-                <a:lnTo>
-                  <a:pt x="1123" y="3281"/>
-                </a:lnTo>
-                <a:lnTo>
-                  <a:pt x="1127" y="3283"/>
-                </a:lnTo>
-                <a:lnTo>
-                  <a:pt x="1133" y="3286"/>
-                </a:lnTo>
-                <a:lnTo>
-                  <a:pt x="1139" y="3289"/>
-                </a:lnTo>
-                <a:lnTo>
-                  <a:pt x="1144" y="3289"/>
-                </a:lnTo>
-                <a:lnTo>
-                  <a:pt x="1150" y="3289"/>
-                </a:lnTo>
-                <a:lnTo>
-                  <a:pt x="1155" y="3286"/>
-                </a:lnTo>
-                <a:lnTo>
-                  <a:pt x="1161" y="3283"/>
-                </a:lnTo>
-                <a:lnTo>
-                  <a:pt x="1165" y="3281"/>
-                </a:lnTo>
-                <a:lnTo>
-                  <a:pt x="1345" y="3100"/>
-                </a:lnTo>
-                <a:lnTo>
-                  <a:pt x="5760" y="3100"/>
-                </a:lnTo>
-                <a:lnTo>
-                  <a:pt x="5760" y="0"/>
-                </a:lnTo>
-                <a:close/>
-              </a:path>
-            </a:pathLst>
-          </a:custGeom>
-          <a:noFill/>
-          <a:ln>
-            <a:solidFill>
-              <a:schemeClr val="tx2"/>
-            </a:solidFill>
+          <a:prstGeom prst="roundRect">
+            <a:avLst>
+              <a:gd name="adj" fmla="val 4380"/>
+            </a:avLst>
+          </a:prstGeom>
+          <a:ln w="38100">
+            <a:gradFill flip="none" rotWithShape="1">
+              <a:gsLst>
+                <a:gs pos="0">
+                  <a:schemeClr val="bg2"/>
+                </a:gs>
+                <a:gs pos="100000">
+                  <a:schemeClr val="bg2">
+                    <a:lumMod val="75000"/>
+                  </a:schemeClr>
+                </a:gs>
+              </a:gsLst>
+              <a:lin ang="5400000" scaled="0"/>
+              <a:tileRect/>
+            </a:gradFill>
           </a:ln>
+          <a:effectLst>
+            <a:innerShdw blurRad="57150" dist="38100" dir="14460000">
+              <a:srgbClr val="000000">
+                <a:alpha val="70000"/>
+              </a:srgbClr>
+            </a:innerShdw>
+          </a:effectLst>
         </p:spPr>
-        <p:style>
-          <a:lnRef idx="1">
-            <a:schemeClr val="accent1"/>
-          </a:lnRef>
-          <a:fillRef idx="3">
-            <a:schemeClr val="accent1"/>
-          </a:fillRef>
-          <a:effectRef idx="2">
-            <a:schemeClr val="accent1"/>
-          </a:effectRef>
-          <a:fontRef idx="minor">
-            <a:schemeClr val="lt1"/>
-          </a:fontRef>
-        </p:style>
-        <p:txBody>
-          <a:bodyPr wrap="square" numCol="1" anchor="t" anchorCtr="0" compatLnSpc="1">
-            <a:prstTxWarp prst="textNoShape">
-              <a:avLst/>
-            </a:prstTxWarp>
+        <p:txBody>
+          <a:bodyPr anchor="t">
             <a:normAutofit/>
           </a:bodyPr>
           <a:lstStyle>
             <a:lvl1pPr marL="0" indent="0" algn="ctr">
-              <a:buFontTx/>
               <a:buNone/>
               <a:defRPr sz="1600"/>
             </a:lvl1pPr>
+            <a:lvl2pPr marL="457200" indent="0">
+              <a:buNone/>
+              <a:defRPr sz="1600"/>
+            </a:lvl2pPr>
+            <a:lvl3pPr marL="914400" indent="0">
+              <a:buNone/>
+              <a:defRPr sz="1600"/>
+            </a:lvl3pPr>
+            <a:lvl4pPr marL="1371600" indent="0">
+              <a:buNone/>
+              <a:defRPr sz="1600"/>
+            </a:lvl4pPr>
+            <a:lvl5pPr marL="1828800" indent="0">
+              <a:buNone/>
+              <a:defRPr sz="1600"/>
+            </a:lvl5pPr>
+            <a:lvl6pPr marL="2286000" indent="0">
+              <a:buNone/>
+              <a:defRPr sz="1600"/>
+            </a:lvl6pPr>
+            <a:lvl7pPr marL="2743200" indent="0">
+              <a:buNone/>
+              <a:defRPr sz="1600"/>
+            </a:lvl7pPr>
+            <a:lvl8pPr marL="3200400" indent="0">
+              <a:buNone/>
+              <a:defRPr sz="1600"/>
+            </a:lvl8pPr>
+            <a:lvl9pPr marL="3657600" indent="0">
+              <a:buNone/>
+              <a:defRPr sz="1600"/>
+            </a:lvl9pPr>
           </a:lstStyle>
           <a:p>
             <a:r>
@@ -649,8 +849,8 @@
         </p:nvSpPr>
         <p:spPr>
           <a:xfrm>
-            <a:off x="810000" y="5367338"/>
-            <a:ext cx="10561418" cy="493712"/>
+            <a:off x="1484311" y="5299603"/>
+            <a:ext cx="10018711" cy="493712"/>
           </a:xfrm>
         </p:spPr>
         <p:txBody>
@@ -658,9 +858,9 @@
             <a:normAutofit/>
           </a:bodyPr>
           <a:lstStyle>
-            <a:lvl1pPr marL="0" indent="0">
-              <a:buNone/>
-              <a:defRPr sz="1200"/>
+            <a:lvl1pPr marL="0" indent="0" algn="ctr">
+              <a:buNone/>
+              <a:defRPr sz="1400"/>
             </a:lvl1pPr>
             <a:lvl2pPr marL="457200" indent="0">
               <a:buNone/>
@@ -719,10 +919,10 @@
           <a:bodyPr/>
           <a:lstStyle/>
           <a:p>
-            <a:fld id="{18C79C5D-2A6F-F04D-97DA-BEF2467B64E4}" type="datetimeFigureOut">
-              <a:rPr lang="en-US" dirty="0"/>
+            <a:fld id="{09B482E8-6E0E-1B4F-B1FD-C69DB9E858D9}" type="datetimeFigureOut">
+              <a:rPr lang="en-US" smtClean="0"/>
               <a:pPr/>
-              <a:t>8/2/16</a:t>
+              <a:t>8/4/16</a:t>
             </a:fld>
             <a:endParaRPr lang="en-US" dirty="0"/>
           </a:p>
@@ -763,7 +963,7 @@
           <a:lstStyle/>
           <a:p>
             <a:fld id="{D57F1E4F-1CFF-5643-939E-217C01CDF565}" type="slidenum">
-              <a:rPr lang="en-US" dirty="0"/>
+              <a:rPr lang="en-US" smtClean="0"/>
               <a:pPr/>
               <a:t>‹#›</a:t>
             </a:fld>
@@ -772,14 +972,271 @@
         </p:txBody>
       </p:sp>
     </p:spTree>
+    <p:extLst>
+      <p:ext uri="{BB962C8B-B14F-4D97-AF65-F5344CB8AC3E}">
+        <p14:creationId xmlns:p14="http://schemas.microsoft.com/office/powerpoint/2010/main" val="1841851596"/>
+      </p:ext>
+    </p:extLst>
   </p:cSld>
   <p:clrMapOvr>
     <a:masterClrMapping/>
   </p:clrMapOvr>
+  <p:hf sldNum="0" hdr="0" ftr="0" dt="0"/>
 </p:sldLayout>
 </file>
 
 <file path=ppt/slideLayouts/slideLayout11.xml><?xml version="1.0" encoding="utf-8"?>
+<p:sldLayout xmlns:a="http://schemas.openxmlformats.org/drawingml/2006/main" xmlns:r="http://schemas.openxmlformats.org/officeDocument/2006/relationships" xmlns:p="http://schemas.openxmlformats.org/presentationml/2006/main" preserve="1">
+  <p:cSld name="Title and Caption">
+    <p:spTree>
+      <p:nvGrpSpPr>
+        <p:cNvPr id="1" name=""/>
+        <p:cNvGrpSpPr/>
+        <p:nvPr/>
+      </p:nvGrpSpPr>
+      <p:grpSpPr>
+        <a:xfrm>
+          <a:off x="0" y="0"/>
+          <a:ext cx="0" cy="0"/>
+          <a:chOff x="0" y="0"/>
+          <a:chExt cx="0" cy="0"/>
+        </a:xfrm>
+      </p:grpSpPr>
+      <p:sp>
+        <p:nvSpPr>
+          <p:cNvPr id="2" name="Title 1"/>
+          <p:cNvSpPr>
+            <a:spLocks noGrp="1"/>
+          </p:cNvSpPr>
+          <p:nvPr>
+            <p:ph type="title"/>
+          </p:nvPr>
+        </p:nvSpPr>
+        <p:spPr>
+          <a:xfrm>
+            <a:off x="1484312" y="685800"/>
+            <a:ext cx="10018711" cy="3048000"/>
+          </a:xfrm>
+        </p:spPr>
+        <p:txBody>
+          <a:bodyPr anchor="ctr">
+            <a:normAutofit/>
+          </a:bodyPr>
+          <a:lstStyle>
+            <a:lvl1pPr algn="ctr">
+              <a:defRPr sz="3200" b="0" cap="none"/>
+            </a:lvl1pPr>
+          </a:lstStyle>
+          <a:p>
+            <a:r>
+              <a:rPr lang="en-US" smtClean="0"/>
+              <a:t>Click to edit Master title style</a:t>
+            </a:r>
+            <a:endParaRPr lang="en-US" dirty="0"/>
+          </a:p>
+        </p:txBody>
+      </p:sp>
+      <p:sp>
+        <p:nvSpPr>
+          <p:cNvPr id="3" name="Text Placeholder 2"/>
+          <p:cNvSpPr>
+            <a:spLocks noGrp="1"/>
+          </p:cNvSpPr>
+          <p:nvPr>
+            <p:ph type="body" idx="1"/>
+          </p:nvPr>
+        </p:nvSpPr>
+        <p:spPr>
+          <a:xfrm>
+            <a:off x="1484312" y="4343400"/>
+            <a:ext cx="10018713" cy="1447800"/>
+          </a:xfrm>
+        </p:spPr>
+        <p:txBody>
+          <a:bodyPr anchor="ctr">
+            <a:normAutofit/>
+          </a:bodyPr>
+          <a:lstStyle>
+            <a:lvl1pPr marL="0" indent="0" algn="ctr">
+              <a:buNone/>
+              <a:defRPr sz="2000">
+                <a:solidFill>
+                  <a:schemeClr val="tx1"/>
+                </a:solidFill>
+              </a:defRPr>
+            </a:lvl1pPr>
+            <a:lvl2pPr marL="457200" indent="0">
+              <a:buNone/>
+              <a:defRPr sz="1800">
+                <a:solidFill>
+                  <a:schemeClr val="tx1">
+                    <a:tint val="75000"/>
+                  </a:schemeClr>
+                </a:solidFill>
+              </a:defRPr>
+            </a:lvl2pPr>
+            <a:lvl3pPr marL="914400" indent="0">
+              <a:buNone/>
+              <a:defRPr sz="1600">
+                <a:solidFill>
+                  <a:schemeClr val="tx1">
+                    <a:tint val="75000"/>
+                  </a:schemeClr>
+                </a:solidFill>
+              </a:defRPr>
+            </a:lvl3pPr>
+            <a:lvl4pPr marL="1371600" indent="0">
+              <a:buNone/>
+              <a:defRPr sz="1400">
+                <a:solidFill>
+                  <a:schemeClr val="tx1">
+                    <a:tint val="75000"/>
+                  </a:schemeClr>
+                </a:solidFill>
+              </a:defRPr>
+            </a:lvl4pPr>
+            <a:lvl5pPr marL="1828800" indent="0">
+              <a:buNone/>
+              <a:defRPr sz="1400">
+                <a:solidFill>
+                  <a:schemeClr val="tx1">
+                    <a:tint val="75000"/>
+                  </a:schemeClr>
+                </a:solidFill>
+              </a:defRPr>
+            </a:lvl5pPr>
+            <a:lvl6pPr marL="2286000" indent="0">
+              <a:buNone/>
+              <a:defRPr sz="1400">
+                <a:solidFill>
+                  <a:schemeClr val="tx1">
+                    <a:tint val="75000"/>
+                  </a:schemeClr>
+                </a:solidFill>
+              </a:defRPr>
+            </a:lvl6pPr>
+            <a:lvl7pPr marL="2743200" indent="0">
+              <a:buNone/>
+              <a:defRPr sz="1400">
+                <a:solidFill>
+                  <a:schemeClr val="tx1">
+                    <a:tint val="75000"/>
+                  </a:schemeClr>
+                </a:solidFill>
+              </a:defRPr>
+            </a:lvl7pPr>
+            <a:lvl8pPr marL="3200400" indent="0">
+              <a:buNone/>
+              <a:defRPr sz="1400">
+                <a:solidFill>
+                  <a:schemeClr val="tx1">
+                    <a:tint val="75000"/>
+                  </a:schemeClr>
+                </a:solidFill>
+              </a:defRPr>
+            </a:lvl8pPr>
+            <a:lvl9pPr marL="3657600" indent="0">
+              <a:buNone/>
+              <a:defRPr sz="1400">
+                <a:solidFill>
+                  <a:schemeClr val="tx1">
+                    <a:tint val="75000"/>
+                  </a:schemeClr>
+                </a:solidFill>
+              </a:defRPr>
+            </a:lvl9pPr>
+          </a:lstStyle>
+          <a:p>
+            <a:pPr lvl="0"/>
+            <a:r>
+              <a:rPr lang="en-US" smtClean="0"/>
+              <a:t>Click to edit Master text styles</a:t>
+            </a:r>
+          </a:p>
+        </p:txBody>
+      </p:sp>
+      <p:sp>
+        <p:nvSpPr>
+          <p:cNvPr id="4" name="Date Placeholder 3"/>
+          <p:cNvSpPr>
+            <a:spLocks noGrp="1"/>
+          </p:cNvSpPr>
+          <p:nvPr>
+            <p:ph type="dt" sz="half" idx="10"/>
+          </p:nvPr>
+        </p:nvSpPr>
+        <p:spPr/>
+        <p:txBody>
+          <a:bodyPr/>
+          <a:lstStyle/>
+          <a:p>
+            <a:fld id="{09B482E8-6E0E-1B4F-B1FD-C69DB9E858D9}" type="datetimeFigureOut">
+              <a:rPr lang="en-US" smtClean="0"/>
+              <a:pPr/>
+              <a:t>8/4/16</a:t>
+            </a:fld>
+            <a:endParaRPr lang="en-US" dirty="0"/>
+          </a:p>
+        </p:txBody>
+      </p:sp>
+      <p:sp>
+        <p:nvSpPr>
+          <p:cNvPr id="5" name="Footer Placeholder 4"/>
+          <p:cNvSpPr>
+            <a:spLocks noGrp="1"/>
+          </p:cNvSpPr>
+          <p:nvPr>
+            <p:ph type="ftr" sz="quarter" idx="11"/>
+          </p:nvPr>
+        </p:nvSpPr>
+        <p:spPr/>
+        <p:txBody>
+          <a:bodyPr/>
+          <a:lstStyle/>
+          <a:p>
+            <a:endParaRPr lang="en-US" dirty="0"/>
+          </a:p>
+        </p:txBody>
+      </p:sp>
+      <p:sp>
+        <p:nvSpPr>
+          <p:cNvPr id="6" name="Slide Number Placeholder 5"/>
+          <p:cNvSpPr>
+            <a:spLocks noGrp="1"/>
+          </p:cNvSpPr>
+          <p:nvPr>
+            <p:ph type="sldNum" sz="quarter" idx="12"/>
+          </p:nvPr>
+        </p:nvSpPr>
+        <p:spPr/>
+        <p:txBody>
+          <a:bodyPr/>
+          <a:lstStyle/>
+          <a:p>
+            <a:fld id="{D57F1E4F-1CFF-5643-939E-217C01CDF565}" type="slidenum">
+              <a:rPr lang="en-US" smtClean="0"/>
+              <a:pPr/>
+              <a:t>‹#›</a:t>
+            </a:fld>
+            <a:endParaRPr lang="en-US" dirty="0"/>
+          </a:p>
+        </p:txBody>
+      </p:sp>
+    </p:spTree>
+    <p:extLst>
+      <p:ext uri="{BB962C8B-B14F-4D97-AF65-F5344CB8AC3E}">
+        <p14:creationId xmlns:p14="http://schemas.microsoft.com/office/powerpoint/2010/main" val="23002467"/>
+      </p:ext>
+    </p:extLst>
+  </p:cSld>
+  <p:clrMapOvr>
+    <a:masterClrMapping/>
+  </p:clrMapOvr>
+  <p:hf sldNum="0" hdr="0" ftr="0" dt="0"/>
+</p:sldLayout>
+</file>
+
+<file path=ppt/slideLayouts/slideLayout12.xml><?xml version="1.0" encoding="utf-8"?>
 <p:sldLayout xmlns:a="http://schemas.openxmlformats.org/drawingml/2006/main" xmlns:r="http://schemas.openxmlformats.org/officeDocument/2006/relationships" xmlns:p="http://schemas.openxmlformats.org/presentationml/2006/main" preserve="1">
   <p:cSld name="Quote with Caption">
     <p:spTree>
@@ -798,268 +1255,354 @@
       </p:grpSpPr>
       <p:sp>
         <p:nvSpPr>
-          <p:cNvPr id="8" name="Freeform 6"/>
-          <p:cNvSpPr>
-            <a:spLocks noChangeAspect="1"/>
-          </p:cNvSpPr>
+          <p:cNvPr id="14" name="TextBox 13"/>
+          <p:cNvSpPr txBox="1"/>
           <p:nvPr/>
-        </p:nvSpPr>
-        <p:spPr bwMode="auto">
-          <a:xfrm>
-            <a:off x="631697" y="1081456"/>
-            <a:ext cx="6332416" cy="3239188"/>
-          </a:xfrm>
-          <a:custGeom>
-            <a:avLst/>
-            <a:gdLst/>
-            <a:ahLst/>
-            <a:cxnLst/>
-            <a:rect l="0" t="0" r="r" b="b"/>
-            <a:pathLst>
-              <a:path w="3384" h="2308">
-                <a:moveTo>
-                  <a:pt x="3340" y="0"/>
-                </a:moveTo>
-                <a:lnTo>
-                  <a:pt x="44" y="0"/>
-                </a:lnTo>
-                <a:lnTo>
-                  <a:pt x="44" y="0"/>
-                </a:lnTo>
-                <a:lnTo>
-                  <a:pt x="34" y="0"/>
-                </a:lnTo>
-                <a:lnTo>
-                  <a:pt x="26" y="4"/>
-                </a:lnTo>
-                <a:lnTo>
-                  <a:pt x="20" y="8"/>
-                </a:lnTo>
-                <a:lnTo>
-                  <a:pt x="12" y="12"/>
-                </a:lnTo>
-                <a:lnTo>
-                  <a:pt x="8" y="20"/>
-                </a:lnTo>
-                <a:lnTo>
-                  <a:pt x="4" y="26"/>
-                </a:lnTo>
-                <a:lnTo>
-                  <a:pt x="0" y="34"/>
-                </a:lnTo>
-                <a:lnTo>
-                  <a:pt x="0" y="44"/>
-                </a:lnTo>
-                <a:lnTo>
-                  <a:pt x="0" y="2076"/>
-                </a:lnTo>
-                <a:lnTo>
-                  <a:pt x="0" y="2076"/>
-                </a:lnTo>
-                <a:lnTo>
-                  <a:pt x="0" y="2086"/>
-                </a:lnTo>
-                <a:lnTo>
-                  <a:pt x="4" y="2094"/>
-                </a:lnTo>
-                <a:lnTo>
-                  <a:pt x="8" y="2100"/>
-                </a:lnTo>
-                <a:lnTo>
-                  <a:pt x="12" y="2108"/>
-                </a:lnTo>
-                <a:lnTo>
-                  <a:pt x="20" y="2112"/>
-                </a:lnTo>
-                <a:lnTo>
-                  <a:pt x="26" y="2116"/>
-                </a:lnTo>
-                <a:lnTo>
-                  <a:pt x="34" y="2120"/>
-                </a:lnTo>
-                <a:lnTo>
-                  <a:pt x="44" y="2120"/>
-                </a:lnTo>
-                <a:lnTo>
-                  <a:pt x="474" y="2120"/>
-                </a:lnTo>
-                <a:lnTo>
-                  <a:pt x="650" y="2296"/>
-                </a:lnTo>
-                <a:lnTo>
-                  <a:pt x="650" y="2296"/>
-                </a:lnTo>
-                <a:lnTo>
-                  <a:pt x="656" y="2300"/>
-                </a:lnTo>
-                <a:lnTo>
-                  <a:pt x="664" y="2304"/>
-                </a:lnTo>
-                <a:lnTo>
-                  <a:pt x="672" y="2308"/>
-                </a:lnTo>
-                <a:lnTo>
-                  <a:pt x="680" y="2308"/>
-                </a:lnTo>
-                <a:lnTo>
-                  <a:pt x="688" y="2308"/>
-                </a:lnTo>
-                <a:lnTo>
-                  <a:pt x="696" y="2304"/>
-                </a:lnTo>
-                <a:lnTo>
-                  <a:pt x="704" y="2300"/>
-                </a:lnTo>
-                <a:lnTo>
-                  <a:pt x="710" y="2296"/>
-                </a:lnTo>
-                <a:lnTo>
-                  <a:pt x="886" y="2120"/>
-                </a:lnTo>
-                <a:lnTo>
-                  <a:pt x="3340" y="2120"/>
-                </a:lnTo>
-                <a:lnTo>
-                  <a:pt x="3340" y="2120"/>
-                </a:lnTo>
-                <a:lnTo>
-                  <a:pt x="3350" y="2120"/>
-                </a:lnTo>
-                <a:lnTo>
-                  <a:pt x="3358" y="2116"/>
-                </a:lnTo>
-                <a:lnTo>
-                  <a:pt x="3364" y="2112"/>
-                </a:lnTo>
-                <a:lnTo>
-                  <a:pt x="3372" y="2108"/>
-                </a:lnTo>
-                <a:lnTo>
-                  <a:pt x="3376" y="2100"/>
-                </a:lnTo>
-                <a:lnTo>
-                  <a:pt x="3380" y="2094"/>
-                </a:lnTo>
-                <a:lnTo>
-                  <a:pt x="3384" y="2086"/>
-                </a:lnTo>
-                <a:lnTo>
-                  <a:pt x="3384" y="2076"/>
-                </a:lnTo>
-                <a:lnTo>
-                  <a:pt x="3384" y="44"/>
-                </a:lnTo>
-                <a:lnTo>
-                  <a:pt x="3384" y="44"/>
-                </a:lnTo>
-                <a:lnTo>
-                  <a:pt x="3384" y="34"/>
-                </a:lnTo>
-                <a:lnTo>
-                  <a:pt x="3380" y="26"/>
-                </a:lnTo>
-                <a:lnTo>
-                  <a:pt x="3376" y="20"/>
-                </a:lnTo>
-                <a:lnTo>
-                  <a:pt x="3372" y="12"/>
-                </a:lnTo>
-                <a:lnTo>
-                  <a:pt x="3364" y="8"/>
-                </a:lnTo>
-                <a:lnTo>
-                  <a:pt x="3358" y="4"/>
-                </a:lnTo>
-                <a:lnTo>
-                  <a:pt x="3350" y="0"/>
-                </a:lnTo>
-                <a:lnTo>
-                  <a:pt x="3340" y="0"/>
-                </a:lnTo>
-                <a:lnTo>
-                  <a:pt x="3340" y="0"/>
-                </a:lnTo>
-                <a:close/>
-              </a:path>
-            </a:pathLst>
-          </a:custGeom>
-          <a:ln>
-            <a:solidFill>
-              <a:schemeClr val="accent1"/>
-            </a:solidFill>
-          </a:ln>
-        </p:spPr>
-        <p:style>
-          <a:lnRef idx="1">
-            <a:schemeClr val="accent1"/>
-          </a:lnRef>
-          <a:fillRef idx="3">
-            <a:schemeClr val="accent1"/>
-          </a:fillRef>
-          <a:effectRef idx="2">
-            <a:schemeClr val="accent1"/>
-          </a:effectRef>
-          <a:fontRef idx="minor">
-            <a:schemeClr val="lt1"/>
-          </a:fontRef>
-        </p:style>
-      </p:sp>
-      <p:sp>
-        <p:nvSpPr>
-          <p:cNvPr id="2" name="Title 1"/>
-          <p:cNvSpPr>
-            <a:spLocks noGrp="1"/>
-          </p:cNvSpPr>
-          <p:nvPr>
-            <p:ph type="title"/>
-          </p:nvPr>
         </p:nvSpPr>
         <p:spPr>
           <a:xfrm>
-            <a:off x="850985" y="1238502"/>
-            <a:ext cx="5893840" cy="2645912"/>
+            <a:off x="1598612" y="863023"/>
+            <a:ext cx="609600" cy="584776"/>
           </a:xfrm>
+          <a:prstGeom prst="rect">
+            <a:avLst/>
+          </a:prstGeom>
         </p:spPr>
         <p:txBody>
-          <a:bodyPr anchor="b"/>
-          <a:lstStyle>
-            <a:lvl1pPr algn="l">
-              <a:defRPr sz="4200" b="1" cap="none"/>
-            </a:lvl1pPr>
-          </a:lstStyle>
-          <a:p>
-            <a:r>
-              <a:rPr lang="en-US" smtClean="0"/>
-              <a:t>Click to edit Master title style</a:t>
-            </a:r>
-            <a:endParaRPr lang="en-US" dirty="0"/>
-          </a:p>
-        </p:txBody>
-      </p:sp>
-      <p:sp>
-        <p:nvSpPr>
-          <p:cNvPr id="3" name="Text Placeholder 2"/>
-          <p:cNvSpPr>
-            <a:spLocks noGrp="1"/>
-          </p:cNvSpPr>
-          <p:nvPr>
-            <p:ph type="body" idx="1"/>
-          </p:nvPr>
-        </p:nvSpPr>
-        <p:spPr>
-          <a:xfrm>
-            <a:off x="853190" y="4443680"/>
-            <a:ext cx="5891636" cy="713241"/>
-          </a:xfrm>
-        </p:spPr>
-        <p:txBody>
-          <a:bodyPr anchor="t">
+          <a:bodyPr vert="horz" lIns="91440" tIns="45720" rIns="91440" bIns="45720" rtlCol="0" anchor="ctr">
             <a:noAutofit/>
           </a:bodyPr>
           <a:lstStyle>
-            <a:lvl1pPr marL="0" indent="0" algn="l">
-              <a:buNone/>
-              <a:defRPr sz="1800">
+            <a:lvl1pPr>
+              <a:spcBef>
+                <a:spcPct val="0"/>
+              </a:spcBef>
+              <a:buNone/>
+              <a:defRPr sz="3200" b="0" cap="all">
+                <a:ln w="3175" cmpd="sng">
+                  <a:noFill/>
+                </a:ln>
+                <a:effectLst>
+                  <a:glow rad="38100">
+                    <a:schemeClr val="bg1">
+                      <a:lumMod val="65000"/>
+                      <a:lumOff val="35000"/>
+                      <a:alpha val="40000"/>
+                    </a:schemeClr>
+                  </a:glow>
+                  <a:outerShdw blurRad="28575" dist="38100" dir="14040000" algn="tl" rotWithShape="0">
+                    <a:srgbClr val="000000">
+                      <a:alpha val="25000"/>
+                    </a:srgbClr>
+                  </a:outerShdw>
+                </a:effectLst>
+              </a:defRPr>
+            </a:lvl1pPr>
+            <a:lvl2pPr>
+              <a:defRPr>
+                <a:solidFill>
+                  <a:schemeClr val="tx2"/>
+                </a:solidFill>
+              </a:defRPr>
+            </a:lvl2pPr>
+            <a:lvl3pPr>
+              <a:defRPr>
+                <a:solidFill>
+                  <a:schemeClr val="tx2"/>
+                </a:solidFill>
+              </a:defRPr>
+            </a:lvl3pPr>
+            <a:lvl4pPr>
+              <a:defRPr>
+                <a:solidFill>
+                  <a:schemeClr val="tx2"/>
+                </a:solidFill>
+              </a:defRPr>
+            </a:lvl4pPr>
+            <a:lvl5pPr>
+              <a:defRPr>
+                <a:solidFill>
+                  <a:schemeClr val="tx2"/>
+                </a:solidFill>
+              </a:defRPr>
+            </a:lvl5pPr>
+            <a:lvl6pPr>
+              <a:defRPr>
+                <a:solidFill>
+                  <a:schemeClr val="tx2"/>
+                </a:solidFill>
+              </a:defRPr>
+            </a:lvl6pPr>
+            <a:lvl7pPr>
+              <a:defRPr>
+                <a:solidFill>
+                  <a:schemeClr val="tx2"/>
+                </a:solidFill>
+              </a:defRPr>
+            </a:lvl7pPr>
+            <a:lvl8pPr>
+              <a:defRPr>
+                <a:solidFill>
+                  <a:schemeClr val="tx2"/>
+                </a:solidFill>
+              </a:defRPr>
+            </a:lvl8pPr>
+            <a:lvl9pPr>
+              <a:defRPr>
+                <a:solidFill>
+                  <a:schemeClr val="tx2"/>
+                </a:solidFill>
+              </a:defRPr>
+            </a:lvl9pPr>
+          </a:lstStyle>
+          <a:p>
+            <a:pPr lvl="0"/>
+            <a:r>
+              <a:rPr lang="en-US" sz="8000" dirty="0">
+                <a:solidFill>
+                  <a:schemeClr val="tx1"/>
+                </a:solidFill>
+                <a:effectLst/>
+              </a:rPr>
+              <a:t>“</a:t>
+            </a:r>
+          </a:p>
+        </p:txBody>
+      </p:sp>
+      <p:sp>
+        <p:nvSpPr>
+          <p:cNvPr id="15" name="TextBox 14"/>
+          <p:cNvSpPr txBox="1"/>
+          <p:nvPr/>
+        </p:nvSpPr>
+        <p:spPr>
+          <a:xfrm>
+            <a:off x="10893425" y="2819399"/>
+            <a:ext cx="609600" cy="584776"/>
+          </a:xfrm>
+          <a:prstGeom prst="rect">
+            <a:avLst/>
+          </a:prstGeom>
+        </p:spPr>
+        <p:txBody>
+          <a:bodyPr vert="horz" lIns="91440" tIns="45720" rIns="91440" bIns="45720" rtlCol="0" anchor="ctr">
+            <a:noAutofit/>
+          </a:bodyPr>
+          <a:lstStyle>
+            <a:lvl1pPr>
+              <a:spcBef>
+                <a:spcPct val="0"/>
+              </a:spcBef>
+              <a:buNone/>
+              <a:defRPr sz="3200" b="0" cap="all">
+                <a:ln w="3175" cmpd="sng">
+                  <a:noFill/>
+                </a:ln>
+                <a:effectLst>
+                  <a:glow rad="38100">
+                    <a:schemeClr val="bg1">
+                      <a:lumMod val="65000"/>
+                      <a:lumOff val="35000"/>
+                      <a:alpha val="40000"/>
+                    </a:schemeClr>
+                  </a:glow>
+                  <a:outerShdw blurRad="28575" dist="38100" dir="14040000" algn="tl" rotWithShape="0">
+                    <a:srgbClr val="000000">
+                      <a:alpha val="25000"/>
+                    </a:srgbClr>
+                  </a:outerShdw>
+                </a:effectLst>
+              </a:defRPr>
+            </a:lvl1pPr>
+            <a:lvl2pPr>
+              <a:defRPr>
+                <a:solidFill>
+                  <a:schemeClr val="tx2"/>
+                </a:solidFill>
+              </a:defRPr>
+            </a:lvl2pPr>
+            <a:lvl3pPr>
+              <a:defRPr>
+                <a:solidFill>
+                  <a:schemeClr val="tx2"/>
+                </a:solidFill>
+              </a:defRPr>
+            </a:lvl3pPr>
+            <a:lvl4pPr>
+              <a:defRPr>
+                <a:solidFill>
+                  <a:schemeClr val="tx2"/>
+                </a:solidFill>
+              </a:defRPr>
+            </a:lvl4pPr>
+            <a:lvl5pPr>
+              <a:defRPr>
+                <a:solidFill>
+                  <a:schemeClr val="tx2"/>
+                </a:solidFill>
+              </a:defRPr>
+            </a:lvl5pPr>
+            <a:lvl6pPr>
+              <a:defRPr>
+                <a:solidFill>
+                  <a:schemeClr val="tx2"/>
+                </a:solidFill>
+              </a:defRPr>
+            </a:lvl6pPr>
+            <a:lvl7pPr>
+              <a:defRPr>
+                <a:solidFill>
+                  <a:schemeClr val="tx2"/>
+                </a:solidFill>
+              </a:defRPr>
+            </a:lvl7pPr>
+            <a:lvl8pPr>
+              <a:defRPr>
+                <a:solidFill>
+                  <a:schemeClr val="tx2"/>
+                </a:solidFill>
+              </a:defRPr>
+            </a:lvl8pPr>
+            <a:lvl9pPr>
+              <a:defRPr>
+                <a:solidFill>
+                  <a:schemeClr val="tx2"/>
+                </a:solidFill>
+              </a:defRPr>
+            </a:lvl9pPr>
+          </a:lstStyle>
+          <a:p>
+            <a:pPr lvl="0" algn="r"/>
+            <a:r>
+              <a:rPr lang="en-US" sz="8000" dirty="0">
+                <a:solidFill>
+                  <a:schemeClr val="tx1"/>
+                </a:solidFill>
+                <a:effectLst/>
+              </a:rPr>
+              <a:t>”</a:t>
+            </a:r>
+          </a:p>
+        </p:txBody>
+      </p:sp>
+      <p:sp>
+        <p:nvSpPr>
+          <p:cNvPr id="2" name="Title 1"/>
+          <p:cNvSpPr>
+            <a:spLocks noGrp="1"/>
+          </p:cNvSpPr>
+          <p:nvPr>
+            <p:ph type="title"/>
+          </p:nvPr>
+        </p:nvSpPr>
+        <p:spPr>
+          <a:xfrm>
+            <a:off x="2208212" y="685800"/>
+            <a:ext cx="8990012" cy="2743199"/>
+          </a:xfrm>
+        </p:spPr>
+        <p:txBody>
+          <a:bodyPr anchor="ctr">
+            <a:normAutofit/>
+          </a:bodyPr>
+          <a:lstStyle>
+            <a:lvl1pPr algn="ctr">
+              <a:defRPr sz="3200" b="0" cap="none">
+                <a:solidFill>
+                  <a:schemeClr val="tx1"/>
+                </a:solidFill>
+              </a:defRPr>
+            </a:lvl1pPr>
+          </a:lstStyle>
+          <a:p>
+            <a:r>
+              <a:rPr lang="en-US" smtClean="0"/>
+              <a:t>Click to edit Master title style</a:t>
+            </a:r>
+            <a:endParaRPr lang="en-US" dirty="0"/>
+          </a:p>
+        </p:txBody>
+      </p:sp>
+      <p:sp>
+        <p:nvSpPr>
+          <p:cNvPr id="10" name="Text Placeholder 9"/>
+          <p:cNvSpPr>
+            <a:spLocks noGrp="1"/>
+          </p:cNvSpPr>
+          <p:nvPr>
+            <p:ph type="body" sz="quarter" idx="13"/>
+          </p:nvPr>
+        </p:nvSpPr>
+        <p:spPr>
+          <a:xfrm>
+            <a:off x="2436811" y="3428999"/>
+            <a:ext cx="8532815" cy="381000"/>
+          </a:xfrm>
+        </p:spPr>
+        <p:txBody>
+          <a:bodyPr anchor="ctr">
+            <a:normAutofit/>
+          </a:bodyPr>
+          <a:lstStyle>
+            <a:lvl1pPr marL="0" indent="0">
+              <a:buFontTx/>
+              <a:buNone/>
+              <a:defRPr sz="1800"/>
+            </a:lvl1pPr>
+            <a:lvl2pPr marL="457200" indent="0">
+              <a:buFontTx/>
+              <a:buNone/>
+              <a:defRPr/>
+            </a:lvl2pPr>
+            <a:lvl3pPr marL="914400" indent="0">
+              <a:buFontTx/>
+              <a:buNone/>
+              <a:defRPr/>
+            </a:lvl3pPr>
+            <a:lvl4pPr marL="1371600" indent="0">
+              <a:buFontTx/>
+              <a:buNone/>
+              <a:defRPr/>
+            </a:lvl4pPr>
+            <a:lvl5pPr marL="1828800" indent="0">
+              <a:buFontTx/>
+              <a:buNone/>
+              <a:defRPr/>
+            </a:lvl5pPr>
+          </a:lstStyle>
+          <a:p>
+            <a:pPr lvl="0"/>
+            <a:r>
+              <a:rPr lang="en-US" smtClean="0"/>
+              <a:t>Click to edit Master text styles</a:t>
+            </a:r>
+          </a:p>
+        </p:txBody>
+      </p:sp>
+      <p:sp>
+        <p:nvSpPr>
+          <p:cNvPr id="3" name="Text Placeholder 2"/>
+          <p:cNvSpPr>
+            <a:spLocks noGrp="1"/>
+          </p:cNvSpPr>
+          <p:nvPr>
+            <p:ph type="body" idx="1"/>
+          </p:nvPr>
+        </p:nvSpPr>
+        <p:spPr>
+          <a:xfrm>
+            <a:off x="1484311" y="4343400"/>
+            <a:ext cx="10018711" cy="1447800"/>
+          </a:xfrm>
+        </p:spPr>
+        <p:txBody>
+          <a:bodyPr anchor="ctr">
+            <a:normAutofit/>
+          </a:bodyPr>
+          <a:lstStyle>
+            <a:lvl1pPr marL="0" indent="0" algn="ctr">
+              <a:buNone/>
+              <a:defRPr sz="2000">
                 <a:solidFill>
                   <a:schemeClr val="tx1"/>
                 </a:solidFill>
@@ -1157,40 +1700,6 @@
       </p:sp>
       <p:sp>
         <p:nvSpPr>
-          <p:cNvPr id="9" name="Text Placeholder 5"/>
-          <p:cNvSpPr>
-            <a:spLocks noGrp="1"/>
-          </p:cNvSpPr>
-          <p:nvPr>
-            <p:ph type="body" sz="quarter" idx="16"/>
-          </p:nvPr>
-        </p:nvSpPr>
-        <p:spPr>
-          <a:xfrm>
-            <a:off x="7574642" y="1081456"/>
-            <a:ext cx="3810001" cy="4075465"/>
-          </a:xfrm>
-        </p:spPr>
-        <p:txBody>
-          <a:bodyPr anchor="t"/>
-          <a:lstStyle>
-            <a:lvl1pPr marL="0" indent="0">
-              <a:buFontTx/>
-              <a:buNone/>
-              <a:defRPr/>
-            </a:lvl1pPr>
-          </a:lstStyle>
-          <a:p>
-            <a:pPr lvl="0"/>
-            <a:r>
-              <a:rPr lang="en-US" smtClean="0"/>
-              <a:t>Click to edit Master text styles</a:t>
-            </a:r>
-          </a:p>
-        </p:txBody>
-      </p:sp>
-      <p:sp>
-        <p:nvSpPr>
           <p:cNvPr id="4" name="Date Placeholder 3"/>
           <p:cNvSpPr>
             <a:spLocks noGrp="1"/>
@@ -1204,10 +1713,10 @@
           <a:bodyPr/>
           <a:lstStyle/>
           <a:p>
-            <a:fld id="{8DFA1846-DA80-1C48-A609-854EA85C59AD}" type="datetimeFigureOut">
-              <a:rPr lang="en-US" dirty="0"/>
+            <a:fld id="{09B482E8-6E0E-1B4F-B1FD-C69DB9E858D9}" type="datetimeFigureOut">
+              <a:rPr lang="en-US" smtClean="0"/>
               <a:pPr/>
-              <a:t>8/2/16</a:t>
+              <a:t>8/4/16</a:t>
             </a:fld>
             <a:endParaRPr lang="en-US" dirty="0"/>
           </a:p>
@@ -1248,7 +1757,7 @@
           <a:lstStyle/>
           <a:p>
             <a:fld id="{D57F1E4F-1CFF-5643-939E-217C01CDF565}" type="slidenum">
-              <a:rPr lang="en-US" dirty="0"/>
+              <a:rPr lang="en-US" smtClean="0"/>
               <a:pPr/>
               <a:t>‹#›</a:t>
             </a:fld>
@@ -1257,14 +1766,20 @@
         </p:txBody>
       </p:sp>
     </p:spTree>
+    <p:extLst>
+      <p:ext uri="{BB962C8B-B14F-4D97-AF65-F5344CB8AC3E}">
+        <p14:creationId xmlns:p14="http://schemas.microsoft.com/office/powerpoint/2010/main" val="55406409"/>
+      </p:ext>
+    </p:extLst>
   </p:cSld>
   <p:clrMapOvr>
     <a:masterClrMapping/>
   </p:clrMapOvr>
+  <p:hf sldNum="0" hdr="0" ftr="0" dt="0"/>
 </p:sldLayout>
 </file>
 
-<file path=ppt/slideLayouts/slideLayout12.xml><?xml version="1.0" encoding="utf-8"?>
+<file path=ppt/slideLayouts/slideLayout13.xml><?xml version="1.0" encoding="utf-8"?>
 <p:sldLayout xmlns:a="http://schemas.openxmlformats.org/drawingml/2006/main" xmlns:r="http://schemas.openxmlformats.org/officeDocument/2006/relationships" xmlns:p="http://schemas.openxmlformats.org/presentationml/2006/main" preserve="1">
   <p:cSld name="Name Card">
     <p:spTree>
@@ -1283,215 +1798,7 @@
       </p:grpSpPr>
       <p:sp>
         <p:nvSpPr>
-          <p:cNvPr id="9" name="Freeform 6"/>
-          <p:cNvSpPr>
-            <a:spLocks noChangeAspect="1"/>
-          </p:cNvSpPr>
-          <p:nvPr/>
-        </p:nvSpPr>
-        <p:spPr bwMode="auto">
-          <a:xfrm>
-            <a:off x="1140884" y="2286585"/>
-            <a:ext cx="4895115" cy="2503972"/>
-          </a:xfrm>
-          <a:custGeom>
-            <a:avLst/>
-            <a:gdLst/>
-            <a:ahLst/>
-            <a:cxnLst/>
-            <a:rect l="0" t="0" r="r" b="b"/>
-            <a:pathLst>
-              <a:path w="3384" h="2308">
-                <a:moveTo>
-                  <a:pt x="3340" y="0"/>
-                </a:moveTo>
-                <a:lnTo>
-                  <a:pt x="44" y="0"/>
-                </a:lnTo>
-                <a:lnTo>
-                  <a:pt x="44" y="0"/>
-                </a:lnTo>
-                <a:lnTo>
-                  <a:pt x="34" y="0"/>
-                </a:lnTo>
-                <a:lnTo>
-                  <a:pt x="26" y="4"/>
-                </a:lnTo>
-                <a:lnTo>
-                  <a:pt x="20" y="8"/>
-                </a:lnTo>
-                <a:lnTo>
-                  <a:pt x="12" y="12"/>
-                </a:lnTo>
-                <a:lnTo>
-                  <a:pt x="8" y="20"/>
-                </a:lnTo>
-                <a:lnTo>
-                  <a:pt x="4" y="26"/>
-                </a:lnTo>
-                <a:lnTo>
-                  <a:pt x="0" y="34"/>
-                </a:lnTo>
-                <a:lnTo>
-                  <a:pt x="0" y="44"/>
-                </a:lnTo>
-                <a:lnTo>
-                  <a:pt x="0" y="2076"/>
-                </a:lnTo>
-                <a:lnTo>
-                  <a:pt x="0" y="2076"/>
-                </a:lnTo>
-                <a:lnTo>
-                  <a:pt x="0" y="2086"/>
-                </a:lnTo>
-                <a:lnTo>
-                  <a:pt x="4" y="2094"/>
-                </a:lnTo>
-                <a:lnTo>
-                  <a:pt x="8" y="2100"/>
-                </a:lnTo>
-                <a:lnTo>
-                  <a:pt x="12" y="2108"/>
-                </a:lnTo>
-                <a:lnTo>
-                  <a:pt x="20" y="2112"/>
-                </a:lnTo>
-                <a:lnTo>
-                  <a:pt x="26" y="2116"/>
-                </a:lnTo>
-                <a:lnTo>
-                  <a:pt x="34" y="2120"/>
-                </a:lnTo>
-                <a:lnTo>
-                  <a:pt x="44" y="2120"/>
-                </a:lnTo>
-                <a:lnTo>
-                  <a:pt x="474" y="2120"/>
-                </a:lnTo>
-                <a:lnTo>
-                  <a:pt x="650" y="2296"/>
-                </a:lnTo>
-                <a:lnTo>
-                  <a:pt x="650" y="2296"/>
-                </a:lnTo>
-                <a:lnTo>
-                  <a:pt x="656" y="2300"/>
-                </a:lnTo>
-                <a:lnTo>
-                  <a:pt x="664" y="2304"/>
-                </a:lnTo>
-                <a:lnTo>
-                  <a:pt x="672" y="2308"/>
-                </a:lnTo>
-                <a:lnTo>
-                  <a:pt x="680" y="2308"/>
-                </a:lnTo>
-                <a:lnTo>
-                  <a:pt x="688" y="2308"/>
-                </a:lnTo>
-                <a:lnTo>
-                  <a:pt x="696" y="2304"/>
-                </a:lnTo>
-                <a:lnTo>
-                  <a:pt x="704" y="2300"/>
-                </a:lnTo>
-                <a:lnTo>
-                  <a:pt x="710" y="2296"/>
-                </a:lnTo>
-                <a:lnTo>
-                  <a:pt x="886" y="2120"/>
-                </a:lnTo>
-                <a:lnTo>
-                  <a:pt x="3340" y="2120"/>
-                </a:lnTo>
-                <a:lnTo>
-                  <a:pt x="3340" y="2120"/>
-                </a:lnTo>
-                <a:lnTo>
-                  <a:pt x="3350" y="2120"/>
-                </a:lnTo>
-                <a:lnTo>
-                  <a:pt x="3358" y="2116"/>
-                </a:lnTo>
-                <a:lnTo>
-                  <a:pt x="3364" y="2112"/>
-                </a:lnTo>
-                <a:lnTo>
-                  <a:pt x="3372" y="2108"/>
-                </a:lnTo>
-                <a:lnTo>
-                  <a:pt x="3376" y="2100"/>
-                </a:lnTo>
-                <a:lnTo>
-                  <a:pt x="3380" y="2094"/>
-                </a:lnTo>
-                <a:lnTo>
-                  <a:pt x="3384" y="2086"/>
-                </a:lnTo>
-                <a:lnTo>
-                  <a:pt x="3384" y="2076"/>
-                </a:lnTo>
-                <a:lnTo>
-                  <a:pt x="3384" y="44"/>
-                </a:lnTo>
-                <a:lnTo>
-                  <a:pt x="3384" y="44"/>
-                </a:lnTo>
-                <a:lnTo>
-                  <a:pt x="3384" y="34"/>
-                </a:lnTo>
-                <a:lnTo>
-                  <a:pt x="3380" y="26"/>
-                </a:lnTo>
-                <a:lnTo>
-                  <a:pt x="3376" y="20"/>
-                </a:lnTo>
-                <a:lnTo>
-                  <a:pt x="3372" y="12"/>
-                </a:lnTo>
-                <a:lnTo>
-                  <a:pt x="3364" y="8"/>
-                </a:lnTo>
-                <a:lnTo>
-                  <a:pt x="3358" y="4"/>
-                </a:lnTo>
-                <a:lnTo>
-                  <a:pt x="3350" y="0"/>
-                </a:lnTo>
-                <a:lnTo>
-                  <a:pt x="3340" y="0"/>
-                </a:lnTo>
-                <a:lnTo>
-                  <a:pt x="3340" y="0"/>
-                </a:lnTo>
-                <a:close/>
-              </a:path>
-            </a:pathLst>
-          </a:custGeom>
-          <a:ln>
-            <a:solidFill>
-              <a:schemeClr val="accent1"/>
-            </a:solidFill>
-          </a:ln>
-        </p:spPr>
-        <p:style>
-          <a:lnRef idx="1">
-            <a:schemeClr val="accent1"/>
-          </a:lnRef>
-          <a:fillRef idx="3">
-            <a:schemeClr val="accent1"/>
-          </a:fillRef>
-          <a:effectRef idx="2">
-            <a:schemeClr val="accent1"/>
-          </a:effectRef>
-          <a:fontRef idx="minor">
-            <a:schemeClr val="lt1"/>
-          </a:fontRef>
-        </p:style>
-      </p:sp>
-      <p:sp>
-        <p:nvSpPr>
-          <p:cNvPr id="38" name="Title 1"/>
+          <p:cNvPr id="2" name="Title 1"/>
           <p:cNvSpPr>
             <a:spLocks noGrp="1"/>
           </p:cNvSpPr>
@@ -1501,15 +1808,17 @@
         </p:nvSpPr>
         <p:spPr>
           <a:xfrm>
-            <a:off x="1357089" y="2435957"/>
-            <a:ext cx="4382521" cy="2007789"/>
+            <a:off x="1484313" y="3308581"/>
+            <a:ext cx="10018709" cy="1468800"/>
           </a:xfrm>
         </p:spPr>
         <p:txBody>
-          <a:bodyPr/>
+          <a:bodyPr anchor="b">
+            <a:normAutofit/>
+          </a:bodyPr>
           <a:lstStyle>
-            <a:lvl1pPr>
-              <a:defRPr sz="3200"/>
+            <a:lvl1pPr algn="r">
+              <a:defRPr sz="3200" b="0" cap="none"/>
             </a:lvl1pPr>
           </a:lstStyle>
           <a:p>
@@ -1523,28 +1832,113 @@
       </p:sp>
       <p:sp>
         <p:nvSpPr>
-          <p:cNvPr id="6" name="Text Placeholder 5"/>
-          <p:cNvSpPr>
-            <a:spLocks noGrp="1"/>
-          </p:cNvSpPr>
-          <p:nvPr>
-            <p:ph type="body" sz="quarter" idx="16"/>
+          <p:cNvPr id="3" name="Text Placeholder 2"/>
+          <p:cNvSpPr>
+            <a:spLocks noGrp="1"/>
+          </p:cNvSpPr>
+          <p:nvPr>
+            <p:ph type="body" idx="1"/>
           </p:nvPr>
         </p:nvSpPr>
         <p:spPr>
           <a:xfrm>
-            <a:off x="6156000" y="2286000"/>
-            <a:ext cx="4880300" cy="2295525"/>
+            <a:off x="1484312" y="4777381"/>
+            <a:ext cx="10018710" cy="860400"/>
           </a:xfrm>
         </p:spPr>
         <p:txBody>
-          <a:bodyPr anchor="t"/>
+          <a:bodyPr anchor="t">
+            <a:normAutofit/>
+          </a:bodyPr>
           <a:lstStyle>
-            <a:lvl1pPr marL="0" indent="0">
-              <a:buFontTx/>
-              <a:buNone/>
-              <a:defRPr/>
+            <a:lvl1pPr marL="0" indent="0" algn="r">
+              <a:buNone/>
+              <a:defRPr sz="2000">
+                <a:solidFill>
+                  <a:schemeClr val="tx1"/>
+                </a:solidFill>
+              </a:defRPr>
             </a:lvl1pPr>
+            <a:lvl2pPr marL="457200" indent="0">
+              <a:buNone/>
+              <a:defRPr sz="1800">
+                <a:solidFill>
+                  <a:schemeClr val="tx1">
+                    <a:tint val="75000"/>
+                  </a:schemeClr>
+                </a:solidFill>
+              </a:defRPr>
+            </a:lvl2pPr>
+            <a:lvl3pPr marL="914400" indent="0">
+              <a:buNone/>
+              <a:defRPr sz="1600">
+                <a:solidFill>
+                  <a:schemeClr val="tx1">
+                    <a:tint val="75000"/>
+                  </a:schemeClr>
+                </a:solidFill>
+              </a:defRPr>
+            </a:lvl3pPr>
+            <a:lvl4pPr marL="1371600" indent="0">
+              <a:buNone/>
+              <a:defRPr sz="1400">
+                <a:solidFill>
+                  <a:schemeClr val="tx1">
+                    <a:tint val="75000"/>
+                  </a:schemeClr>
+                </a:solidFill>
+              </a:defRPr>
+            </a:lvl4pPr>
+            <a:lvl5pPr marL="1828800" indent="0">
+              <a:buNone/>
+              <a:defRPr sz="1400">
+                <a:solidFill>
+                  <a:schemeClr val="tx1">
+                    <a:tint val="75000"/>
+                  </a:schemeClr>
+                </a:solidFill>
+              </a:defRPr>
+            </a:lvl5pPr>
+            <a:lvl6pPr marL="2286000" indent="0">
+              <a:buNone/>
+              <a:defRPr sz="1400">
+                <a:solidFill>
+                  <a:schemeClr val="tx1">
+                    <a:tint val="75000"/>
+                  </a:schemeClr>
+                </a:solidFill>
+              </a:defRPr>
+            </a:lvl6pPr>
+            <a:lvl7pPr marL="2743200" indent="0">
+              <a:buNone/>
+              <a:defRPr sz="1400">
+                <a:solidFill>
+                  <a:schemeClr val="tx1">
+                    <a:tint val="75000"/>
+                  </a:schemeClr>
+                </a:solidFill>
+              </a:defRPr>
+            </a:lvl7pPr>
+            <a:lvl8pPr marL="3200400" indent="0">
+              <a:buNone/>
+              <a:defRPr sz="1400">
+                <a:solidFill>
+                  <a:schemeClr val="tx1">
+                    <a:tint val="75000"/>
+                  </a:schemeClr>
+                </a:solidFill>
+              </a:defRPr>
+            </a:lvl8pPr>
+            <a:lvl9pPr marL="3657600" indent="0">
+              <a:buNone/>
+              <a:defRPr sz="1400">
+                <a:solidFill>
+                  <a:schemeClr val="tx1">
+                    <a:tint val="75000"/>
+                  </a:schemeClr>
+                </a:solidFill>
+              </a:defRPr>
+            </a:lvl9pPr>
           </a:lstStyle>
           <a:p>
             <a:pPr lvl="0"/>
@@ -1557,7 +1951,7 @@
       </p:sp>
       <p:sp>
         <p:nvSpPr>
-          <p:cNvPr id="2" name="Date Placeholder 1"/>
+          <p:cNvPr id="4" name="Date Placeholder 3"/>
           <p:cNvSpPr>
             <a:spLocks noGrp="1"/>
           </p:cNvSpPr>
@@ -1570,10 +1964,10 @@
           <a:bodyPr/>
           <a:lstStyle/>
           <a:p>
-            <a:fld id="{FBF54567-0DE4-3F47-BF90-CB84690072F9}" type="datetimeFigureOut">
-              <a:rPr lang="en-US" dirty="0"/>
+            <a:fld id="{09B482E8-6E0E-1B4F-B1FD-C69DB9E858D9}" type="datetimeFigureOut">
+              <a:rPr lang="en-US" smtClean="0"/>
               <a:pPr/>
-              <a:t>8/2/16</a:t>
+              <a:t>8/4/16</a:t>
             </a:fld>
             <a:endParaRPr lang="en-US" dirty="0"/>
           </a:p>
@@ -1581,7 +1975,7 @@
       </p:sp>
       <p:sp>
         <p:nvSpPr>
-          <p:cNvPr id="3" name="Footer Placeholder 2"/>
+          <p:cNvPr id="5" name="Footer Placeholder 4"/>
           <p:cNvSpPr>
             <a:spLocks noGrp="1"/>
           </p:cNvSpPr>
@@ -1600,7 +1994,7 @@
       </p:sp>
       <p:sp>
         <p:nvSpPr>
-          <p:cNvPr id="4" name="Slide Number Placeholder 3"/>
+          <p:cNvPr id="6" name="Slide Number Placeholder 5"/>
           <p:cNvSpPr>
             <a:spLocks noGrp="1"/>
           </p:cNvSpPr>
@@ -1614,7 +2008,7 @@
           <a:lstStyle/>
           <a:p>
             <a:fld id="{D57F1E4F-1CFF-5643-939E-217C01CDF565}" type="slidenum">
-              <a:rPr lang="en-US" dirty="0"/>
+              <a:rPr lang="en-US" smtClean="0"/>
               <a:pPr/>
               <a:t>‹#›</a:t>
             </a:fld>
@@ -1623,14 +2017,855 @@
         </p:txBody>
       </p:sp>
     </p:spTree>
+    <p:extLst>
+      <p:ext uri="{BB962C8B-B14F-4D97-AF65-F5344CB8AC3E}">
+        <p14:creationId xmlns:p14="http://schemas.microsoft.com/office/powerpoint/2010/main" val="1355096912"/>
+      </p:ext>
+    </p:extLst>
   </p:cSld>
   <p:clrMapOvr>
     <a:masterClrMapping/>
   </p:clrMapOvr>
+  <p:hf sldNum="0" hdr="0" ftr="0" dt="0"/>
 </p:sldLayout>
 </file>
 
-<file path=ppt/slideLayouts/slideLayout13.xml><?xml version="1.0" encoding="utf-8"?>
+<file path=ppt/slideLayouts/slideLayout14.xml><?xml version="1.0" encoding="utf-8"?>
+<p:sldLayout xmlns:a="http://schemas.openxmlformats.org/drawingml/2006/main" xmlns:r="http://schemas.openxmlformats.org/officeDocument/2006/relationships" xmlns:p="http://schemas.openxmlformats.org/presentationml/2006/main" preserve="1">
+  <p:cSld name="Quote Name Card">
+    <p:spTree>
+      <p:nvGrpSpPr>
+        <p:cNvPr id="1" name=""/>
+        <p:cNvGrpSpPr/>
+        <p:nvPr/>
+      </p:nvGrpSpPr>
+      <p:grpSpPr>
+        <a:xfrm>
+          <a:off x="0" y="0"/>
+          <a:ext cx="0" cy="0"/>
+          <a:chOff x="0" y="0"/>
+          <a:chExt cx="0" cy="0"/>
+        </a:xfrm>
+      </p:grpSpPr>
+      <p:sp>
+        <p:nvSpPr>
+          <p:cNvPr id="14" name="TextBox 13"/>
+          <p:cNvSpPr txBox="1"/>
+          <p:nvPr/>
+        </p:nvSpPr>
+        <p:spPr>
+          <a:xfrm>
+            <a:off x="1598612" y="863023"/>
+            <a:ext cx="609600" cy="584776"/>
+          </a:xfrm>
+          <a:prstGeom prst="rect">
+            <a:avLst/>
+          </a:prstGeom>
+        </p:spPr>
+        <p:txBody>
+          <a:bodyPr vert="horz" lIns="91440" tIns="45720" rIns="91440" bIns="45720" rtlCol="0" anchor="ctr">
+            <a:noAutofit/>
+          </a:bodyPr>
+          <a:lstStyle>
+            <a:lvl1pPr>
+              <a:spcBef>
+                <a:spcPct val="0"/>
+              </a:spcBef>
+              <a:buNone/>
+              <a:defRPr sz="3200" b="0" cap="all">
+                <a:ln w="3175" cmpd="sng">
+                  <a:noFill/>
+                </a:ln>
+                <a:effectLst>
+                  <a:glow rad="38100">
+                    <a:schemeClr val="bg1">
+                      <a:lumMod val="65000"/>
+                      <a:lumOff val="35000"/>
+                      <a:alpha val="40000"/>
+                    </a:schemeClr>
+                  </a:glow>
+                  <a:outerShdw blurRad="28575" dist="38100" dir="14040000" algn="tl" rotWithShape="0">
+                    <a:srgbClr val="000000">
+                      <a:alpha val="25000"/>
+                    </a:srgbClr>
+                  </a:outerShdw>
+                </a:effectLst>
+              </a:defRPr>
+            </a:lvl1pPr>
+            <a:lvl2pPr>
+              <a:defRPr>
+                <a:solidFill>
+                  <a:schemeClr val="tx2"/>
+                </a:solidFill>
+              </a:defRPr>
+            </a:lvl2pPr>
+            <a:lvl3pPr>
+              <a:defRPr>
+                <a:solidFill>
+                  <a:schemeClr val="tx2"/>
+                </a:solidFill>
+              </a:defRPr>
+            </a:lvl3pPr>
+            <a:lvl4pPr>
+              <a:defRPr>
+                <a:solidFill>
+                  <a:schemeClr val="tx2"/>
+                </a:solidFill>
+              </a:defRPr>
+            </a:lvl4pPr>
+            <a:lvl5pPr>
+              <a:defRPr>
+                <a:solidFill>
+                  <a:schemeClr val="tx2"/>
+                </a:solidFill>
+              </a:defRPr>
+            </a:lvl5pPr>
+            <a:lvl6pPr>
+              <a:defRPr>
+                <a:solidFill>
+                  <a:schemeClr val="tx2"/>
+                </a:solidFill>
+              </a:defRPr>
+            </a:lvl6pPr>
+            <a:lvl7pPr>
+              <a:defRPr>
+                <a:solidFill>
+                  <a:schemeClr val="tx2"/>
+                </a:solidFill>
+              </a:defRPr>
+            </a:lvl7pPr>
+            <a:lvl8pPr>
+              <a:defRPr>
+                <a:solidFill>
+                  <a:schemeClr val="tx2"/>
+                </a:solidFill>
+              </a:defRPr>
+            </a:lvl8pPr>
+            <a:lvl9pPr>
+              <a:defRPr>
+                <a:solidFill>
+                  <a:schemeClr val="tx2"/>
+                </a:solidFill>
+              </a:defRPr>
+            </a:lvl9pPr>
+          </a:lstStyle>
+          <a:p>
+            <a:pPr lvl="0"/>
+            <a:r>
+              <a:rPr lang="en-US" sz="8000" dirty="0">
+                <a:solidFill>
+                  <a:schemeClr val="tx1"/>
+                </a:solidFill>
+                <a:effectLst/>
+              </a:rPr>
+              <a:t>“</a:t>
+            </a:r>
+          </a:p>
+        </p:txBody>
+      </p:sp>
+      <p:sp>
+        <p:nvSpPr>
+          <p:cNvPr id="15" name="TextBox 14"/>
+          <p:cNvSpPr txBox="1"/>
+          <p:nvPr/>
+        </p:nvSpPr>
+        <p:spPr>
+          <a:xfrm>
+            <a:off x="10893425" y="2819399"/>
+            <a:ext cx="609600" cy="584776"/>
+          </a:xfrm>
+          <a:prstGeom prst="rect">
+            <a:avLst/>
+          </a:prstGeom>
+        </p:spPr>
+        <p:txBody>
+          <a:bodyPr vert="horz" lIns="91440" tIns="45720" rIns="91440" bIns="45720" rtlCol="0" anchor="ctr">
+            <a:noAutofit/>
+          </a:bodyPr>
+          <a:lstStyle>
+            <a:lvl1pPr>
+              <a:spcBef>
+                <a:spcPct val="0"/>
+              </a:spcBef>
+              <a:buNone/>
+              <a:defRPr sz="3200" b="0" cap="all">
+                <a:ln w="3175" cmpd="sng">
+                  <a:noFill/>
+                </a:ln>
+                <a:effectLst>
+                  <a:glow rad="38100">
+                    <a:schemeClr val="bg1">
+                      <a:lumMod val="65000"/>
+                      <a:lumOff val="35000"/>
+                      <a:alpha val="40000"/>
+                    </a:schemeClr>
+                  </a:glow>
+                  <a:outerShdw blurRad="28575" dist="38100" dir="14040000" algn="tl" rotWithShape="0">
+                    <a:srgbClr val="000000">
+                      <a:alpha val="25000"/>
+                    </a:srgbClr>
+                  </a:outerShdw>
+                </a:effectLst>
+              </a:defRPr>
+            </a:lvl1pPr>
+            <a:lvl2pPr>
+              <a:defRPr>
+                <a:solidFill>
+                  <a:schemeClr val="tx2"/>
+                </a:solidFill>
+              </a:defRPr>
+            </a:lvl2pPr>
+            <a:lvl3pPr>
+              <a:defRPr>
+                <a:solidFill>
+                  <a:schemeClr val="tx2"/>
+                </a:solidFill>
+              </a:defRPr>
+            </a:lvl3pPr>
+            <a:lvl4pPr>
+              <a:defRPr>
+                <a:solidFill>
+                  <a:schemeClr val="tx2"/>
+                </a:solidFill>
+              </a:defRPr>
+            </a:lvl4pPr>
+            <a:lvl5pPr>
+              <a:defRPr>
+                <a:solidFill>
+                  <a:schemeClr val="tx2"/>
+                </a:solidFill>
+              </a:defRPr>
+            </a:lvl5pPr>
+            <a:lvl6pPr>
+              <a:defRPr>
+                <a:solidFill>
+                  <a:schemeClr val="tx2"/>
+                </a:solidFill>
+              </a:defRPr>
+            </a:lvl6pPr>
+            <a:lvl7pPr>
+              <a:defRPr>
+                <a:solidFill>
+                  <a:schemeClr val="tx2"/>
+                </a:solidFill>
+              </a:defRPr>
+            </a:lvl7pPr>
+            <a:lvl8pPr>
+              <a:defRPr>
+                <a:solidFill>
+                  <a:schemeClr val="tx2"/>
+                </a:solidFill>
+              </a:defRPr>
+            </a:lvl8pPr>
+            <a:lvl9pPr>
+              <a:defRPr>
+                <a:solidFill>
+                  <a:schemeClr val="tx2"/>
+                </a:solidFill>
+              </a:defRPr>
+            </a:lvl9pPr>
+          </a:lstStyle>
+          <a:p>
+            <a:pPr lvl="0" algn="r"/>
+            <a:r>
+              <a:rPr lang="en-US" sz="8000" dirty="0">
+                <a:solidFill>
+                  <a:schemeClr val="tx1"/>
+                </a:solidFill>
+                <a:effectLst/>
+              </a:rPr>
+              <a:t>”</a:t>
+            </a:r>
+          </a:p>
+        </p:txBody>
+      </p:sp>
+      <p:sp>
+        <p:nvSpPr>
+          <p:cNvPr id="2" name="Title 1"/>
+          <p:cNvSpPr>
+            <a:spLocks noGrp="1"/>
+          </p:cNvSpPr>
+          <p:nvPr>
+            <p:ph type="title"/>
+          </p:nvPr>
+        </p:nvSpPr>
+        <p:spPr>
+          <a:xfrm>
+            <a:off x="2208212" y="685800"/>
+            <a:ext cx="8990012" cy="2743199"/>
+          </a:xfrm>
+        </p:spPr>
+        <p:txBody>
+          <a:bodyPr anchor="ctr">
+            <a:normAutofit/>
+          </a:bodyPr>
+          <a:lstStyle>
+            <a:lvl1pPr algn="ctr">
+              <a:defRPr sz="3200" b="0" cap="none">
+                <a:solidFill>
+                  <a:schemeClr val="tx1"/>
+                </a:solidFill>
+              </a:defRPr>
+            </a:lvl1pPr>
+          </a:lstStyle>
+          <a:p>
+            <a:r>
+              <a:rPr lang="en-US" smtClean="0"/>
+              <a:t>Click to edit Master title style</a:t>
+            </a:r>
+            <a:endParaRPr lang="en-US" dirty="0"/>
+          </a:p>
+        </p:txBody>
+      </p:sp>
+      <p:sp>
+        <p:nvSpPr>
+          <p:cNvPr id="10" name="Text Placeholder 9"/>
+          <p:cNvSpPr>
+            <a:spLocks noGrp="1"/>
+          </p:cNvSpPr>
+          <p:nvPr>
+            <p:ph type="body" sz="quarter" idx="13"/>
+          </p:nvPr>
+        </p:nvSpPr>
+        <p:spPr>
+          <a:xfrm>
+            <a:off x="1484313" y="3886200"/>
+            <a:ext cx="10018710" cy="889000"/>
+          </a:xfrm>
+        </p:spPr>
+        <p:txBody>
+          <a:bodyPr vert="horz" lIns="91440" tIns="45720" rIns="91440" bIns="45720" rtlCol="0" anchor="b">
+            <a:normAutofit/>
+          </a:bodyPr>
+          <a:lstStyle>
+            <a:lvl1pPr algn="r">
+              <a:buNone/>
+              <a:defRPr lang="en-US" sz="2400" b="0" cap="none" dirty="0">
+                <a:ln w="3175" cmpd="sng">
+                  <a:noFill/>
+                </a:ln>
+                <a:solidFill>
+                  <a:schemeClr val="tx1"/>
+                </a:solidFill>
+                <a:effectLst/>
+              </a:defRPr>
+            </a:lvl1pPr>
+          </a:lstStyle>
+          <a:p>
+            <a:pPr marL="0" lvl="0">
+              <a:spcBef>
+                <a:spcPct val="0"/>
+              </a:spcBef>
+              <a:buNone/>
+            </a:pPr>
+            <a:r>
+              <a:rPr lang="en-US" smtClean="0"/>
+              <a:t>Click to edit Master text styles</a:t>
+            </a:r>
+          </a:p>
+        </p:txBody>
+      </p:sp>
+      <p:sp>
+        <p:nvSpPr>
+          <p:cNvPr id="3" name="Text Placeholder 2"/>
+          <p:cNvSpPr>
+            <a:spLocks noGrp="1"/>
+          </p:cNvSpPr>
+          <p:nvPr>
+            <p:ph type="body" idx="1"/>
+          </p:nvPr>
+        </p:nvSpPr>
+        <p:spPr>
+          <a:xfrm>
+            <a:off x="1484312" y="4775200"/>
+            <a:ext cx="10018710" cy="1016000"/>
+          </a:xfrm>
+        </p:spPr>
+        <p:txBody>
+          <a:bodyPr anchor="t">
+            <a:normAutofit/>
+          </a:bodyPr>
+          <a:lstStyle>
+            <a:lvl1pPr marL="0" indent="0" algn="r">
+              <a:buNone/>
+              <a:defRPr sz="1800">
+                <a:solidFill>
+                  <a:schemeClr val="tx1"/>
+                </a:solidFill>
+              </a:defRPr>
+            </a:lvl1pPr>
+            <a:lvl2pPr marL="457200" indent="0">
+              <a:buNone/>
+              <a:defRPr sz="1800">
+                <a:solidFill>
+                  <a:schemeClr val="tx1">
+                    <a:tint val="75000"/>
+                  </a:schemeClr>
+                </a:solidFill>
+              </a:defRPr>
+            </a:lvl2pPr>
+            <a:lvl3pPr marL="914400" indent="0">
+              <a:buNone/>
+              <a:defRPr sz="1600">
+                <a:solidFill>
+                  <a:schemeClr val="tx1">
+                    <a:tint val="75000"/>
+                  </a:schemeClr>
+                </a:solidFill>
+              </a:defRPr>
+            </a:lvl3pPr>
+            <a:lvl4pPr marL="1371600" indent="0">
+              <a:buNone/>
+              <a:defRPr sz="1400">
+                <a:solidFill>
+                  <a:schemeClr val="tx1">
+                    <a:tint val="75000"/>
+                  </a:schemeClr>
+                </a:solidFill>
+              </a:defRPr>
+            </a:lvl4pPr>
+            <a:lvl5pPr marL="1828800" indent="0">
+              <a:buNone/>
+              <a:defRPr sz="1400">
+                <a:solidFill>
+                  <a:schemeClr val="tx1">
+                    <a:tint val="75000"/>
+                  </a:schemeClr>
+                </a:solidFill>
+              </a:defRPr>
+            </a:lvl5pPr>
+            <a:lvl6pPr marL="2286000" indent="0">
+              <a:buNone/>
+              <a:defRPr sz="1400">
+                <a:solidFill>
+                  <a:schemeClr val="tx1">
+                    <a:tint val="75000"/>
+                  </a:schemeClr>
+                </a:solidFill>
+              </a:defRPr>
+            </a:lvl6pPr>
+            <a:lvl7pPr marL="2743200" indent="0">
+              <a:buNone/>
+              <a:defRPr sz="1400">
+                <a:solidFill>
+                  <a:schemeClr val="tx1">
+                    <a:tint val="75000"/>
+                  </a:schemeClr>
+                </a:solidFill>
+              </a:defRPr>
+            </a:lvl7pPr>
+            <a:lvl8pPr marL="3200400" indent="0">
+              <a:buNone/>
+              <a:defRPr sz="1400">
+                <a:solidFill>
+                  <a:schemeClr val="tx1">
+                    <a:tint val="75000"/>
+                  </a:schemeClr>
+                </a:solidFill>
+              </a:defRPr>
+            </a:lvl8pPr>
+            <a:lvl9pPr marL="3657600" indent="0">
+              <a:buNone/>
+              <a:defRPr sz="1400">
+                <a:solidFill>
+                  <a:schemeClr val="tx1">
+                    <a:tint val="75000"/>
+                  </a:schemeClr>
+                </a:solidFill>
+              </a:defRPr>
+            </a:lvl9pPr>
+          </a:lstStyle>
+          <a:p>
+            <a:pPr lvl="0"/>
+            <a:r>
+              <a:rPr lang="en-US" smtClean="0"/>
+              <a:t>Click to edit Master text styles</a:t>
+            </a:r>
+          </a:p>
+        </p:txBody>
+      </p:sp>
+      <p:sp>
+        <p:nvSpPr>
+          <p:cNvPr id="4" name="Date Placeholder 3"/>
+          <p:cNvSpPr>
+            <a:spLocks noGrp="1"/>
+          </p:cNvSpPr>
+          <p:nvPr>
+            <p:ph type="dt" sz="half" idx="10"/>
+          </p:nvPr>
+        </p:nvSpPr>
+        <p:spPr/>
+        <p:txBody>
+          <a:bodyPr/>
+          <a:lstStyle/>
+          <a:p>
+            <a:fld id="{09B482E8-6E0E-1B4F-B1FD-C69DB9E858D9}" type="datetimeFigureOut">
+              <a:rPr lang="en-US" smtClean="0"/>
+              <a:pPr/>
+              <a:t>8/4/16</a:t>
+            </a:fld>
+            <a:endParaRPr lang="en-US" dirty="0"/>
+          </a:p>
+        </p:txBody>
+      </p:sp>
+      <p:sp>
+        <p:nvSpPr>
+          <p:cNvPr id="5" name="Footer Placeholder 4"/>
+          <p:cNvSpPr>
+            <a:spLocks noGrp="1"/>
+          </p:cNvSpPr>
+          <p:nvPr>
+            <p:ph type="ftr" sz="quarter" idx="11"/>
+          </p:nvPr>
+        </p:nvSpPr>
+        <p:spPr/>
+        <p:txBody>
+          <a:bodyPr/>
+          <a:lstStyle/>
+          <a:p>
+            <a:endParaRPr lang="en-US" dirty="0"/>
+          </a:p>
+        </p:txBody>
+      </p:sp>
+      <p:sp>
+        <p:nvSpPr>
+          <p:cNvPr id="6" name="Slide Number Placeholder 5"/>
+          <p:cNvSpPr>
+            <a:spLocks noGrp="1"/>
+          </p:cNvSpPr>
+          <p:nvPr>
+            <p:ph type="sldNum" sz="quarter" idx="12"/>
+          </p:nvPr>
+        </p:nvSpPr>
+        <p:spPr/>
+        <p:txBody>
+          <a:bodyPr/>
+          <a:lstStyle/>
+          <a:p>
+            <a:fld id="{D57F1E4F-1CFF-5643-939E-217C01CDF565}" type="slidenum">
+              <a:rPr lang="en-US" smtClean="0"/>
+              <a:pPr/>
+              <a:t>‹#›</a:t>
+            </a:fld>
+            <a:endParaRPr lang="en-US" dirty="0"/>
+          </a:p>
+        </p:txBody>
+      </p:sp>
+    </p:spTree>
+    <p:extLst>
+      <p:ext uri="{BB962C8B-B14F-4D97-AF65-F5344CB8AC3E}">
+        <p14:creationId xmlns:p14="http://schemas.microsoft.com/office/powerpoint/2010/main" val="1049723549"/>
+      </p:ext>
+    </p:extLst>
+  </p:cSld>
+  <p:clrMapOvr>
+    <a:masterClrMapping/>
+  </p:clrMapOvr>
+  <p:hf sldNum="0" hdr="0" ftr="0" dt="0"/>
+</p:sldLayout>
+</file>
+
+<file path=ppt/slideLayouts/slideLayout15.xml><?xml version="1.0" encoding="utf-8"?>
+<p:sldLayout xmlns:a="http://schemas.openxmlformats.org/drawingml/2006/main" xmlns:r="http://schemas.openxmlformats.org/officeDocument/2006/relationships" xmlns:p="http://schemas.openxmlformats.org/presentationml/2006/main" preserve="1">
+  <p:cSld name="True or False">
+    <p:spTree>
+      <p:nvGrpSpPr>
+        <p:cNvPr id="1" name=""/>
+        <p:cNvGrpSpPr/>
+        <p:nvPr/>
+      </p:nvGrpSpPr>
+      <p:grpSpPr>
+        <a:xfrm>
+          <a:off x="0" y="0"/>
+          <a:ext cx="0" cy="0"/>
+          <a:chOff x="0" y="0"/>
+          <a:chExt cx="0" cy="0"/>
+        </a:xfrm>
+      </p:grpSpPr>
+      <p:sp>
+        <p:nvSpPr>
+          <p:cNvPr id="2" name="Title 1"/>
+          <p:cNvSpPr>
+            <a:spLocks noGrp="1"/>
+          </p:cNvSpPr>
+          <p:nvPr>
+            <p:ph type="title"/>
+          </p:nvPr>
+        </p:nvSpPr>
+        <p:spPr>
+          <a:xfrm>
+            <a:off x="1484313" y="685800"/>
+            <a:ext cx="10018712" cy="2727325"/>
+          </a:xfrm>
+        </p:spPr>
+        <p:txBody>
+          <a:bodyPr vert="horz" lIns="91440" tIns="45720" rIns="91440" bIns="45720" rtlCol="0" anchor="ctr">
+            <a:normAutofit/>
+          </a:bodyPr>
+          <a:lstStyle>
+            <a:lvl1pPr>
+              <a:defRPr lang="en-US" b="0" dirty="0"/>
+            </a:lvl1pPr>
+          </a:lstStyle>
+          <a:p>
+            <a:pPr marL="0" lvl="0"/>
+            <a:r>
+              <a:rPr lang="en-US" smtClean="0"/>
+              <a:t>Click to edit Master title style</a:t>
+            </a:r>
+            <a:endParaRPr lang="en-US" dirty="0"/>
+          </a:p>
+        </p:txBody>
+      </p:sp>
+      <p:sp>
+        <p:nvSpPr>
+          <p:cNvPr id="10" name="Text Placeholder 9"/>
+          <p:cNvSpPr>
+            <a:spLocks noGrp="1"/>
+          </p:cNvSpPr>
+          <p:nvPr>
+            <p:ph type="body" sz="quarter" idx="13"/>
+          </p:nvPr>
+        </p:nvSpPr>
+        <p:spPr>
+          <a:xfrm>
+            <a:off x="1484312" y="3505200"/>
+            <a:ext cx="10018713" cy="838200"/>
+          </a:xfrm>
+        </p:spPr>
+        <p:txBody>
+          <a:bodyPr vert="horz" lIns="91440" tIns="45720" rIns="91440" bIns="45720" rtlCol="0" anchor="b">
+            <a:normAutofit/>
+          </a:bodyPr>
+          <a:lstStyle>
+            <a:lvl1pPr>
+              <a:buNone/>
+              <a:defRPr lang="en-US" sz="2800" b="0" cap="none" dirty="0">
+                <a:ln w="3175" cmpd="sng">
+                  <a:noFill/>
+                </a:ln>
+                <a:solidFill>
+                  <a:schemeClr val="tx1"/>
+                </a:solidFill>
+                <a:effectLst/>
+              </a:defRPr>
+            </a:lvl1pPr>
+          </a:lstStyle>
+          <a:p>
+            <a:pPr marL="0" lvl="0">
+              <a:spcBef>
+                <a:spcPct val="0"/>
+              </a:spcBef>
+              <a:buNone/>
+            </a:pPr>
+            <a:r>
+              <a:rPr lang="en-US" smtClean="0"/>
+              <a:t>Click to edit Master text styles</a:t>
+            </a:r>
+          </a:p>
+        </p:txBody>
+      </p:sp>
+      <p:sp>
+        <p:nvSpPr>
+          <p:cNvPr id="3" name="Text Placeholder 2"/>
+          <p:cNvSpPr>
+            <a:spLocks noGrp="1"/>
+          </p:cNvSpPr>
+          <p:nvPr>
+            <p:ph type="body" idx="1"/>
+          </p:nvPr>
+        </p:nvSpPr>
+        <p:spPr>
+          <a:xfrm>
+            <a:off x="1484311" y="4343400"/>
+            <a:ext cx="10018713" cy="1447800"/>
+          </a:xfrm>
+        </p:spPr>
+        <p:txBody>
+          <a:bodyPr anchor="t">
+            <a:normAutofit/>
+          </a:bodyPr>
+          <a:lstStyle>
+            <a:lvl1pPr marL="0" indent="0" algn="l">
+              <a:buNone/>
+              <a:defRPr sz="1800">
+                <a:solidFill>
+                  <a:schemeClr val="tx1"/>
+                </a:solidFill>
+              </a:defRPr>
+            </a:lvl1pPr>
+            <a:lvl2pPr marL="457200" indent="0">
+              <a:buNone/>
+              <a:defRPr sz="1800">
+                <a:solidFill>
+                  <a:schemeClr val="tx1">
+                    <a:tint val="75000"/>
+                  </a:schemeClr>
+                </a:solidFill>
+              </a:defRPr>
+            </a:lvl2pPr>
+            <a:lvl3pPr marL="914400" indent="0">
+              <a:buNone/>
+              <a:defRPr sz="1600">
+                <a:solidFill>
+                  <a:schemeClr val="tx1">
+                    <a:tint val="75000"/>
+                  </a:schemeClr>
+                </a:solidFill>
+              </a:defRPr>
+            </a:lvl3pPr>
+            <a:lvl4pPr marL="1371600" indent="0">
+              <a:buNone/>
+              <a:defRPr sz="1400">
+                <a:solidFill>
+                  <a:schemeClr val="tx1">
+                    <a:tint val="75000"/>
+                  </a:schemeClr>
+                </a:solidFill>
+              </a:defRPr>
+            </a:lvl4pPr>
+            <a:lvl5pPr marL="1828800" indent="0">
+              <a:buNone/>
+              <a:defRPr sz="1400">
+                <a:solidFill>
+                  <a:schemeClr val="tx1">
+                    <a:tint val="75000"/>
+                  </a:schemeClr>
+                </a:solidFill>
+              </a:defRPr>
+            </a:lvl5pPr>
+            <a:lvl6pPr marL="2286000" indent="0">
+              <a:buNone/>
+              <a:defRPr sz="1400">
+                <a:solidFill>
+                  <a:schemeClr val="tx1">
+                    <a:tint val="75000"/>
+                  </a:schemeClr>
+                </a:solidFill>
+              </a:defRPr>
+            </a:lvl6pPr>
+            <a:lvl7pPr marL="2743200" indent="0">
+              <a:buNone/>
+              <a:defRPr sz="1400">
+                <a:solidFill>
+                  <a:schemeClr val="tx1">
+                    <a:tint val="75000"/>
+                  </a:schemeClr>
+                </a:solidFill>
+              </a:defRPr>
+            </a:lvl7pPr>
+            <a:lvl8pPr marL="3200400" indent="0">
+              <a:buNone/>
+              <a:defRPr sz="1400">
+                <a:solidFill>
+                  <a:schemeClr val="tx1">
+                    <a:tint val="75000"/>
+                  </a:schemeClr>
+                </a:solidFill>
+              </a:defRPr>
+            </a:lvl8pPr>
+            <a:lvl9pPr marL="3657600" indent="0">
+              <a:buNone/>
+              <a:defRPr sz="1400">
+                <a:solidFill>
+                  <a:schemeClr val="tx1">
+                    <a:tint val="75000"/>
+                  </a:schemeClr>
+                </a:solidFill>
+              </a:defRPr>
+            </a:lvl9pPr>
+          </a:lstStyle>
+          <a:p>
+            <a:pPr lvl="0"/>
+            <a:r>
+              <a:rPr lang="en-US" smtClean="0"/>
+              <a:t>Click to edit Master text styles</a:t>
+            </a:r>
+          </a:p>
+        </p:txBody>
+      </p:sp>
+      <p:sp>
+        <p:nvSpPr>
+          <p:cNvPr id="4" name="Date Placeholder 3"/>
+          <p:cNvSpPr>
+            <a:spLocks noGrp="1"/>
+          </p:cNvSpPr>
+          <p:nvPr>
+            <p:ph type="dt" sz="half" idx="10"/>
+          </p:nvPr>
+        </p:nvSpPr>
+        <p:spPr/>
+        <p:txBody>
+          <a:bodyPr/>
+          <a:lstStyle/>
+          <a:p>
+            <a:fld id="{09B482E8-6E0E-1B4F-B1FD-C69DB9E858D9}" type="datetimeFigureOut">
+              <a:rPr lang="en-US" smtClean="0"/>
+              <a:pPr/>
+              <a:t>8/4/16</a:t>
+            </a:fld>
+            <a:endParaRPr lang="en-US" dirty="0"/>
+          </a:p>
+        </p:txBody>
+      </p:sp>
+      <p:sp>
+        <p:nvSpPr>
+          <p:cNvPr id="5" name="Footer Placeholder 4"/>
+          <p:cNvSpPr>
+            <a:spLocks noGrp="1"/>
+          </p:cNvSpPr>
+          <p:nvPr>
+            <p:ph type="ftr" sz="quarter" idx="11"/>
+          </p:nvPr>
+        </p:nvSpPr>
+        <p:spPr/>
+        <p:txBody>
+          <a:bodyPr/>
+          <a:lstStyle/>
+          <a:p>
+            <a:endParaRPr lang="en-US" dirty="0"/>
+          </a:p>
+        </p:txBody>
+      </p:sp>
+      <p:sp>
+        <p:nvSpPr>
+          <p:cNvPr id="6" name="Slide Number Placeholder 5"/>
+          <p:cNvSpPr>
+            <a:spLocks noGrp="1"/>
+          </p:cNvSpPr>
+          <p:nvPr>
+            <p:ph type="sldNum" sz="quarter" idx="12"/>
+          </p:nvPr>
+        </p:nvSpPr>
+        <p:spPr/>
+        <p:txBody>
+          <a:bodyPr/>
+          <a:lstStyle/>
+          <a:p>
+            <a:fld id="{D57F1E4F-1CFF-5643-939E-217C01CDF565}" type="slidenum">
+              <a:rPr lang="en-US" smtClean="0"/>
+              <a:pPr/>
+              <a:t>‹#›</a:t>
+            </a:fld>
+            <a:endParaRPr lang="en-US" dirty="0"/>
+          </a:p>
+        </p:txBody>
+      </p:sp>
+    </p:spTree>
+    <p:extLst>
+      <p:ext uri="{BB962C8B-B14F-4D97-AF65-F5344CB8AC3E}">
+        <p14:creationId xmlns:p14="http://schemas.microsoft.com/office/powerpoint/2010/main" val="1125527938"/>
+      </p:ext>
+    </p:extLst>
+  </p:cSld>
+  <p:clrMapOvr>
+    <a:masterClrMapping/>
+  </p:clrMapOvr>
+  <p:hf sldNum="0" hdr="0" ftr="0" dt="0"/>
+</p:sldLayout>
+</file>
+
+<file path=ppt/slideLayouts/slideLayout16.xml><?xml version="1.0" encoding="utf-8"?>
 <p:sldLayout xmlns:a="http://schemas.openxmlformats.org/drawingml/2006/main" xmlns:r="http://schemas.openxmlformats.org/officeDocument/2006/relationships" xmlns:p="http://schemas.openxmlformats.org/presentationml/2006/main" type="vertTx" preserve="1">
   <p:cSld name="Title and Vertical Text">
     <p:spTree>
@@ -1649,109 +2884,6 @@
       </p:grpSpPr>
       <p:sp>
         <p:nvSpPr>
-          <p:cNvPr id="7" name="Freeform 6"/>
-          <p:cNvSpPr/>
-          <p:nvPr/>
-        </p:nvSpPr>
-        <p:spPr bwMode="auto">
-          <a:xfrm>
-            <a:off x="0" y="0"/>
-            <a:ext cx="12192000" cy="2185988"/>
-          </a:xfrm>
-          <a:custGeom>
-            <a:avLst/>
-            <a:gdLst/>
-            <a:ahLst/>
-            <a:cxnLst/>
-            <a:rect l="0" t="0" r="r" b="b"/>
-            <a:pathLst>
-              <a:path w="5760" h="1377">
-                <a:moveTo>
-                  <a:pt x="5760" y="0"/>
-                </a:moveTo>
-                <a:lnTo>
-                  <a:pt x="0" y="0"/>
-                </a:lnTo>
-                <a:lnTo>
-                  <a:pt x="0" y="1189"/>
-                </a:lnTo>
-                <a:lnTo>
-                  <a:pt x="943" y="1189"/>
-                </a:lnTo>
-                <a:lnTo>
-                  <a:pt x="1123" y="1369"/>
-                </a:lnTo>
-                <a:lnTo>
-                  <a:pt x="1123" y="1369"/>
-                </a:lnTo>
-                <a:lnTo>
-                  <a:pt x="1127" y="1371"/>
-                </a:lnTo>
-                <a:lnTo>
-                  <a:pt x="1133" y="1374"/>
-                </a:lnTo>
-                <a:lnTo>
-                  <a:pt x="1139" y="1377"/>
-                </a:lnTo>
-                <a:lnTo>
-                  <a:pt x="1144" y="1377"/>
-                </a:lnTo>
-                <a:lnTo>
-                  <a:pt x="1150" y="1377"/>
-                </a:lnTo>
-                <a:lnTo>
-                  <a:pt x="1155" y="1374"/>
-                </a:lnTo>
-                <a:lnTo>
-                  <a:pt x="1161" y="1371"/>
-                </a:lnTo>
-                <a:lnTo>
-                  <a:pt x="1165" y="1369"/>
-                </a:lnTo>
-                <a:lnTo>
-                  <a:pt x="1345" y="1189"/>
-                </a:lnTo>
-                <a:lnTo>
-                  <a:pt x="5760" y="1189"/>
-                </a:lnTo>
-                <a:lnTo>
-                  <a:pt x="5760" y="0"/>
-                </a:lnTo>
-                <a:close/>
-              </a:path>
-            </a:pathLst>
-          </a:custGeom>
-          <a:ln/>
-          <a:extLst>
-            <a:ext uri="{91240B29-F687-4f45-9708-019B960494DF}">
-              <a14:hiddenLine xmlns="" xmlns:a14="http://schemas.microsoft.com/office/drawing/2010/main" w="9525">
-                <a:solidFill>
-                  <a:srgbClr val="000000"/>
-                </a:solidFill>
-                <a:round/>
-                <a:headEnd/>
-                <a:tailEnd/>
-              </a14:hiddenLine>
-            </a:ext>
-          </a:extLst>
-        </p:spPr>
-        <p:style>
-          <a:lnRef idx="1">
-            <a:schemeClr val="accent1"/>
-          </a:lnRef>
-          <a:fillRef idx="3">
-            <a:schemeClr val="accent1"/>
-          </a:fillRef>
-          <a:effectRef idx="2">
-            <a:schemeClr val="accent1"/>
-          </a:effectRef>
-          <a:fontRef idx="minor">
-            <a:schemeClr val="lt1"/>
-          </a:fontRef>
-        </p:style>
-      </p:sp>
-      <p:sp>
-        <p:nvSpPr>
           <p:cNvPr id="2" name="Title 1"/>
           <p:cNvSpPr>
             <a:spLocks noGrp="1"/>
@@ -1763,7 +2895,11 @@
         <p:spPr/>
         <p:txBody>
           <a:bodyPr/>
-          <a:lstStyle/>
+          <a:lstStyle>
+            <a:lvl1pPr algn="ctr">
+              <a:defRPr/>
+            </a:lvl1pPr>
+          </a:lstStyle>
           <a:p>
             <a:r>
               <a:rPr lang="en-US" smtClean="0"/>
@@ -1841,9 +2977,9 @@
           <a:lstStyle/>
           <a:p>
             <a:fld id="{C6C52C72-DE31-F449-A4ED-4C594FD91407}" type="datetimeFigureOut">
-              <a:rPr lang="en-US" dirty="0"/>
+              <a:rPr lang="en-US" smtClean="0"/>
               <a:pPr/>
-              <a:t>8/2/16</a:t>
+              <a:t>8/4/16</a:t>
             </a:fld>
             <a:endParaRPr lang="en-US" dirty="0"/>
           </a:p>
@@ -1884,7 +3020,7 @@
           <a:lstStyle/>
           <a:p>
             <a:fld id="{D57F1E4F-1CFF-5643-939E-217C01CDF565}" type="slidenum">
-              <a:rPr lang="en-US" dirty="0"/>
+              <a:rPr lang="en-US" smtClean="0"/>
               <a:pPr/>
               <a:t>‹#›</a:t>
             </a:fld>
@@ -1893,6 +3029,11 @@
         </p:txBody>
       </p:sp>
     </p:spTree>
+    <p:extLst>
+      <p:ext uri="{BB962C8B-B14F-4D97-AF65-F5344CB8AC3E}">
+        <p14:creationId xmlns:p14="http://schemas.microsoft.com/office/powerpoint/2010/main" val="1712091190"/>
+      </p:ext>
+    </p:extLst>
   </p:cSld>
   <p:clrMapOvr>
     <a:masterClrMapping/>
@@ -1900,7 +3041,7 @@
 </p:sldLayout>
 </file>
 
-<file path=ppt/slideLayouts/slideLayout14.xml><?xml version="1.0" encoding="utf-8"?>
+<file path=ppt/slideLayouts/slideLayout17.xml><?xml version="1.0" encoding="utf-8"?>
 <p:sldLayout xmlns:a="http://schemas.openxmlformats.org/drawingml/2006/main" xmlns:r="http://schemas.openxmlformats.org/officeDocument/2006/relationships" xmlns:p="http://schemas.openxmlformats.org/presentationml/2006/main" type="vertTitleAndTx" preserve="1">
   <p:cSld name="Vertical Title and Text">
     <p:spTree>
@@ -1919,111 +3060,6 @@
       </p:grpSpPr>
       <p:sp>
         <p:nvSpPr>
-          <p:cNvPr id="12" name="Freeform 6"/>
-          <p:cNvSpPr>
-            <a:spLocks noChangeAspect="1"/>
-          </p:cNvSpPr>
-          <p:nvPr/>
-        </p:nvSpPr>
-        <p:spPr bwMode="auto">
-          <a:xfrm>
-            <a:off x="7669651" y="446089"/>
-            <a:ext cx="4522349" cy="5414962"/>
-          </a:xfrm>
-          <a:custGeom>
-            <a:avLst/>
-            <a:gdLst/>
-            <a:ahLst/>
-            <a:cxnLst/>
-            <a:rect l="0" t="0" r="r" b="b"/>
-            <a:pathLst>
-              <a:path w="2879" h="4320">
-                <a:moveTo>
-                  <a:pt x="183" y="0"/>
-                </a:moveTo>
-                <a:lnTo>
-                  <a:pt x="183" y="1197"/>
-                </a:lnTo>
-                <a:lnTo>
-                  <a:pt x="8" y="1372"/>
-                </a:lnTo>
-                <a:lnTo>
-                  <a:pt x="8" y="1372"/>
-                </a:lnTo>
-                <a:lnTo>
-                  <a:pt x="6" y="1376"/>
-                </a:lnTo>
-                <a:lnTo>
-                  <a:pt x="3" y="1382"/>
-                </a:lnTo>
-                <a:lnTo>
-                  <a:pt x="0" y="1387"/>
-                </a:lnTo>
-                <a:lnTo>
-                  <a:pt x="0" y="1393"/>
-                </a:lnTo>
-                <a:lnTo>
-                  <a:pt x="0" y="1399"/>
-                </a:lnTo>
-                <a:lnTo>
-                  <a:pt x="3" y="1404"/>
-                </a:lnTo>
-                <a:lnTo>
-                  <a:pt x="6" y="1410"/>
-                </a:lnTo>
-                <a:lnTo>
-                  <a:pt x="8" y="1414"/>
-                </a:lnTo>
-                <a:lnTo>
-                  <a:pt x="183" y="1589"/>
-                </a:lnTo>
-                <a:lnTo>
-                  <a:pt x="183" y="4320"/>
-                </a:lnTo>
-                <a:lnTo>
-                  <a:pt x="2879" y="4320"/>
-                </a:lnTo>
-                <a:lnTo>
-                  <a:pt x="2879" y="0"/>
-                </a:lnTo>
-                <a:lnTo>
-                  <a:pt x="183" y="0"/>
-                </a:lnTo>
-                <a:close/>
-              </a:path>
-            </a:pathLst>
-          </a:custGeom>
-          <a:ln/>
-          <a:extLst>
-            <a:ext uri="{91240B29-F687-4f45-9708-019B960494DF}">
-              <a14:hiddenLine xmlns="" xmlns:a14="http://schemas.microsoft.com/office/drawing/2010/main" w="9525">
-                <a:solidFill>
-                  <a:srgbClr val="000000"/>
-                </a:solidFill>
-                <a:round/>
-                <a:headEnd/>
-                <a:tailEnd/>
-              </a14:hiddenLine>
-            </a:ext>
-          </a:extLst>
-        </p:spPr>
-        <p:style>
-          <a:lnRef idx="1">
-            <a:schemeClr val="accent1"/>
-          </a:lnRef>
-          <a:fillRef idx="3">
-            <a:schemeClr val="accent1"/>
-          </a:fillRef>
-          <a:effectRef idx="2">
-            <a:schemeClr val="accent1"/>
-          </a:effectRef>
-          <a:fontRef idx="minor">
-            <a:schemeClr val="lt1"/>
-          </a:fontRef>
-        </p:style>
-      </p:sp>
-      <p:sp>
-        <p:nvSpPr>
           <p:cNvPr id="2" name="Vertical Title 1"/>
           <p:cNvSpPr>
             <a:spLocks noGrp="1"/>
@@ -2034,8 +3070,8 @@
         </p:nvSpPr>
         <p:spPr>
           <a:xfrm>
-            <a:off x="8183540" y="586171"/>
-            <a:ext cx="2494791" cy="5134798"/>
+            <a:off x="9732655" y="685800"/>
+            <a:ext cx="1770369" cy="5105400"/>
           </a:xfrm>
         </p:spPr>
         <p:txBody>
@@ -2062,8 +3098,8 @@
         </p:nvSpPr>
         <p:spPr>
           <a:xfrm>
-            <a:off x="810001" y="446089"/>
-            <a:ext cx="6611540" cy="5414962"/>
+            <a:off x="1484312" y="685800"/>
+            <a:ext cx="8019742" cy="5105400"/>
           </a:xfrm>
         </p:spPr>
         <p:txBody>
@@ -2123,9 +3159,9 @@
           <a:lstStyle/>
           <a:p>
             <a:fld id="{ED62726E-379B-B349-9EED-81ED093FA806}" type="datetimeFigureOut">
-              <a:rPr lang="en-US" dirty="0"/>
+              <a:rPr lang="en-US" smtClean="0"/>
               <a:pPr/>
-              <a:t>8/2/16</a:t>
+              <a:t>8/4/16</a:t>
             </a:fld>
             <a:endParaRPr lang="en-US" dirty="0"/>
           </a:p>
@@ -2166,7 +3202,7 @@
           <a:lstStyle/>
           <a:p>
             <a:fld id="{D57F1E4F-1CFF-5643-939E-217C01CDF565}" type="slidenum">
-              <a:rPr lang="en-US" dirty="0"/>
+              <a:rPr lang="en-US" smtClean="0"/>
               <a:pPr/>
               <a:t>‹#›</a:t>
             </a:fld>
@@ -2175,6 +3211,11 @@
         </p:txBody>
       </p:sp>
     </p:spTree>
+    <p:extLst>
+      <p:ext uri="{BB962C8B-B14F-4D97-AF65-F5344CB8AC3E}">
+        <p14:creationId xmlns:p14="http://schemas.microsoft.com/office/powerpoint/2010/main" val="983244177"/>
+      </p:ext>
+    </p:extLst>
   </p:cSld>
   <p:clrMapOvr>
     <a:masterClrMapping/>
@@ -2201,252 +3242,144 @@
       </p:grpSpPr>
       <p:sp>
         <p:nvSpPr>
-          <p:cNvPr id="11" name="Freeform 6"/>
-          <p:cNvSpPr/>
-          <p:nvPr/>
-        </p:nvSpPr>
-        <p:spPr bwMode="auto">
-          <a:xfrm>
-            <a:off x="0" y="0"/>
-            <a:ext cx="12192000" cy="2185988"/>
-          </a:xfrm>
-          <a:custGeom>
-            <a:avLst/>
-            <a:gdLst/>
-            <a:ahLst/>
-            <a:cxnLst/>
-            <a:rect l="0" t="0" r="r" b="b"/>
-            <a:pathLst>
-              <a:path w="5760" h="1377">
-                <a:moveTo>
-                  <a:pt x="5760" y="0"/>
-                </a:moveTo>
-                <a:lnTo>
-                  <a:pt x="0" y="0"/>
-                </a:lnTo>
-                <a:lnTo>
-                  <a:pt x="0" y="1189"/>
-                </a:lnTo>
-                <a:lnTo>
-                  <a:pt x="943" y="1189"/>
-                </a:lnTo>
-                <a:lnTo>
-                  <a:pt x="1123" y="1369"/>
-                </a:lnTo>
-                <a:lnTo>
-                  <a:pt x="1123" y="1369"/>
-                </a:lnTo>
-                <a:lnTo>
-                  <a:pt x="1127" y="1371"/>
-                </a:lnTo>
-                <a:lnTo>
-                  <a:pt x="1133" y="1374"/>
-                </a:lnTo>
-                <a:lnTo>
-                  <a:pt x="1139" y="1377"/>
-                </a:lnTo>
-                <a:lnTo>
-                  <a:pt x="1144" y="1377"/>
-                </a:lnTo>
-                <a:lnTo>
-                  <a:pt x="1150" y="1377"/>
-                </a:lnTo>
-                <a:lnTo>
-                  <a:pt x="1155" y="1374"/>
-                </a:lnTo>
-                <a:lnTo>
-                  <a:pt x="1161" y="1371"/>
-                </a:lnTo>
-                <a:lnTo>
-                  <a:pt x="1165" y="1369"/>
-                </a:lnTo>
-                <a:lnTo>
-                  <a:pt x="1345" y="1189"/>
-                </a:lnTo>
-                <a:lnTo>
-                  <a:pt x="5760" y="1189"/>
-                </a:lnTo>
-                <a:lnTo>
-                  <a:pt x="5760" y="0"/>
-                </a:lnTo>
-                <a:close/>
-              </a:path>
-            </a:pathLst>
-          </a:custGeom>
-          <a:ln/>
-          <a:extLst>
-            <a:ext uri="{91240B29-F687-4f45-9708-019B960494DF}">
-              <a14:hiddenLine xmlns="" xmlns:a14="http://schemas.microsoft.com/office/drawing/2010/main" w="9525">
-                <a:solidFill>
-                  <a:srgbClr val="000000"/>
-                </a:solidFill>
-                <a:round/>
-                <a:headEnd/>
-                <a:tailEnd/>
-              </a14:hiddenLine>
-            </a:ext>
-          </a:extLst>
-        </p:spPr>
-        <p:style>
-          <a:lnRef idx="1">
-            <a:schemeClr val="accent1"/>
-          </a:lnRef>
-          <a:fillRef idx="3">
-            <a:schemeClr val="accent1"/>
-          </a:fillRef>
-          <a:effectRef idx="2">
-            <a:schemeClr val="accent1"/>
-          </a:effectRef>
-          <a:fontRef idx="minor">
-            <a:schemeClr val="lt1"/>
-          </a:fontRef>
-        </p:style>
-      </p:sp>
-      <p:sp>
-        <p:nvSpPr>
           <p:cNvPr id="2" name="Title 1"/>
           <p:cNvSpPr>
             <a:spLocks noGrp="1"/>
           </p:cNvSpPr>
           <p:nvPr>
             <p:ph type="title"/>
+          </p:nvPr>
+        </p:nvSpPr>
+        <p:spPr/>
+        <p:txBody>
+          <a:bodyPr/>
+          <a:lstStyle/>
+          <a:p>
+            <a:r>
+              <a:rPr lang="en-US" smtClean="0"/>
+              <a:t>Click to edit Master title style</a:t>
+            </a:r>
+            <a:endParaRPr lang="en-US" dirty="0"/>
+          </a:p>
+        </p:txBody>
+      </p:sp>
+      <p:sp>
+        <p:nvSpPr>
+          <p:cNvPr id="3" name="Content Placeholder 2"/>
+          <p:cNvSpPr>
+            <a:spLocks noGrp="1"/>
+          </p:cNvSpPr>
+          <p:nvPr>
+            <p:ph idx="1"/>
+          </p:nvPr>
+        </p:nvSpPr>
+        <p:spPr/>
+        <p:txBody>
+          <a:bodyPr anchor="ctr"/>
+          <a:lstStyle/>
+          <a:p>
+            <a:pPr lvl="0"/>
+            <a:r>
+              <a:rPr lang="en-US" smtClean="0"/>
+              <a:t>Click to edit Master text styles</a:t>
+            </a:r>
+          </a:p>
+          <a:p>
+            <a:pPr lvl="1"/>
+            <a:r>
+              <a:rPr lang="en-US" smtClean="0"/>
+              <a:t>Second level</a:t>
+            </a:r>
+          </a:p>
+          <a:p>
+            <a:pPr lvl="2"/>
+            <a:r>
+              <a:rPr lang="en-US" smtClean="0"/>
+              <a:t>Third level</a:t>
+            </a:r>
+          </a:p>
+          <a:p>
+            <a:pPr lvl="3"/>
+            <a:r>
+              <a:rPr lang="en-US" smtClean="0"/>
+              <a:t>Fourth level</a:t>
+            </a:r>
+          </a:p>
+          <a:p>
+            <a:pPr lvl="4"/>
+            <a:r>
+              <a:rPr lang="en-US" smtClean="0"/>
+              <a:t>Fifth level</a:t>
+            </a:r>
+            <a:endParaRPr lang="en-US" dirty="0"/>
+          </a:p>
+        </p:txBody>
+      </p:sp>
+      <p:sp>
+        <p:nvSpPr>
+          <p:cNvPr id="4" name="Date Placeholder 3"/>
+          <p:cNvSpPr>
+            <a:spLocks noGrp="1"/>
+          </p:cNvSpPr>
+          <p:nvPr>
+            <p:ph type="dt" sz="half" idx="10"/>
+          </p:nvPr>
+        </p:nvSpPr>
+        <p:spPr/>
+        <p:txBody>
+          <a:bodyPr/>
+          <a:lstStyle/>
+          <a:p>
+            <a:fld id="{9B3A1323-8D79-1946-B0D7-40001CF92E9D}" type="datetimeFigureOut">
+              <a:rPr lang="en-US" smtClean="0"/>
+              <a:pPr/>
+              <a:t>8/4/16</a:t>
+            </a:fld>
+            <a:endParaRPr lang="en-US" dirty="0"/>
+          </a:p>
+        </p:txBody>
+      </p:sp>
+      <p:sp>
+        <p:nvSpPr>
+          <p:cNvPr id="5" name="Footer Placeholder 4"/>
+          <p:cNvSpPr>
+            <a:spLocks noGrp="1"/>
+          </p:cNvSpPr>
+          <p:nvPr>
+            <p:ph type="ftr" sz="quarter" idx="11"/>
+          </p:nvPr>
+        </p:nvSpPr>
+        <p:spPr/>
+        <p:txBody>
+          <a:bodyPr/>
+          <a:lstStyle/>
+          <a:p>
+            <a:endParaRPr lang="en-US" dirty="0"/>
+          </a:p>
+        </p:txBody>
+      </p:sp>
+      <p:sp>
+        <p:nvSpPr>
+          <p:cNvPr id="6" name="Slide Number Placeholder 5"/>
+          <p:cNvSpPr>
+            <a:spLocks noGrp="1"/>
+          </p:cNvSpPr>
+          <p:nvPr>
+            <p:ph type="sldNum" sz="quarter" idx="12"/>
           </p:nvPr>
         </p:nvSpPr>
         <p:spPr>
           <a:xfrm>
-            <a:off x="810000" y="447188"/>
-            <a:ext cx="10571998" cy="970450"/>
+            <a:off x="10951856" y="5867131"/>
+            <a:ext cx="551167" cy="365125"/>
           </a:xfrm>
         </p:spPr>
         <p:txBody>
           <a:bodyPr/>
           <a:lstStyle/>
           <a:p>
-            <a:r>
-              <a:rPr lang="en-US" smtClean="0"/>
-              <a:t>Click to edit Master title style</a:t>
-            </a:r>
-            <a:endParaRPr lang="en-US" dirty="0"/>
-          </a:p>
-        </p:txBody>
-      </p:sp>
-      <p:sp>
-        <p:nvSpPr>
-          <p:cNvPr id="3" name="Content Placeholder 2"/>
-          <p:cNvSpPr>
-            <a:spLocks noGrp="1"/>
-          </p:cNvSpPr>
-          <p:nvPr>
-            <p:ph idx="1"/>
-          </p:nvPr>
-        </p:nvSpPr>
-        <p:spPr>
-          <a:xfrm>
-            <a:off x="818712" y="2222287"/>
-            <a:ext cx="10554574" cy="3636511"/>
-          </a:xfrm>
-        </p:spPr>
-        <p:txBody>
-          <a:bodyPr/>
-          <a:lstStyle/>
-          <a:p>
-            <a:pPr lvl="0"/>
-            <a:r>
-              <a:rPr lang="en-US" smtClean="0"/>
-              <a:t>Click to edit Master text styles</a:t>
-            </a:r>
-          </a:p>
-          <a:p>
-            <a:pPr lvl="1"/>
-            <a:r>
-              <a:rPr lang="en-US" smtClean="0"/>
-              <a:t>Second level</a:t>
-            </a:r>
-          </a:p>
-          <a:p>
-            <a:pPr lvl="2"/>
-            <a:r>
-              <a:rPr lang="en-US" smtClean="0"/>
-              <a:t>Third level</a:t>
-            </a:r>
-          </a:p>
-          <a:p>
-            <a:pPr lvl="3"/>
-            <a:r>
-              <a:rPr lang="en-US" smtClean="0"/>
-              <a:t>Fourth level</a:t>
-            </a:r>
-          </a:p>
-          <a:p>
-            <a:pPr lvl="4"/>
-            <a:r>
-              <a:rPr lang="en-US" smtClean="0"/>
-              <a:t>Fifth level</a:t>
-            </a:r>
-            <a:endParaRPr lang="en-US" dirty="0"/>
-          </a:p>
-        </p:txBody>
-      </p:sp>
-      <p:sp>
-        <p:nvSpPr>
-          <p:cNvPr id="4" name="Date Placeholder 3"/>
-          <p:cNvSpPr>
-            <a:spLocks noGrp="1"/>
-          </p:cNvSpPr>
-          <p:nvPr>
-            <p:ph type="dt" sz="half" idx="10"/>
-          </p:nvPr>
-        </p:nvSpPr>
-        <p:spPr/>
-        <p:txBody>
-          <a:bodyPr/>
-          <a:lstStyle/>
-          <a:p>
-            <a:fld id="{9B3A1323-8D79-1946-B0D7-40001CF92E9D}" type="datetimeFigureOut">
-              <a:rPr lang="en-US" dirty="0"/>
-              <a:pPr/>
-              <a:t>8/2/16</a:t>
-            </a:fld>
-            <a:endParaRPr lang="en-US" dirty="0"/>
-          </a:p>
-        </p:txBody>
-      </p:sp>
-      <p:sp>
-        <p:nvSpPr>
-          <p:cNvPr id="5" name="Footer Placeholder 4"/>
-          <p:cNvSpPr>
-            <a:spLocks noGrp="1"/>
-          </p:cNvSpPr>
-          <p:nvPr>
-            <p:ph type="ftr" sz="quarter" idx="11"/>
-          </p:nvPr>
-        </p:nvSpPr>
-        <p:spPr/>
-        <p:txBody>
-          <a:bodyPr/>
-          <a:lstStyle/>
-          <a:p>
-            <a:endParaRPr lang="en-US" dirty="0"/>
-          </a:p>
-        </p:txBody>
-      </p:sp>
-      <p:sp>
-        <p:nvSpPr>
-          <p:cNvPr id="6" name="Slide Number Placeholder 5"/>
-          <p:cNvSpPr>
-            <a:spLocks noGrp="1"/>
-          </p:cNvSpPr>
-          <p:nvPr>
-            <p:ph type="sldNum" sz="quarter" idx="12"/>
-          </p:nvPr>
-        </p:nvSpPr>
-        <p:spPr/>
-        <p:txBody>
-          <a:bodyPr/>
-          <a:lstStyle/>
-          <a:p>
             <a:fld id="{D57F1E4F-1CFF-5643-939E-217C01CDF565}" type="slidenum">
-              <a:rPr lang="en-US" dirty="0"/>
+              <a:rPr lang="en-US" smtClean="0"/>
               <a:pPr/>
               <a:t>‹#›</a:t>
             </a:fld>
@@ -2455,6 +3388,11 @@
         </p:txBody>
       </p:sp>
     </p:spTree>
+    <p:extLst>
+      <p:ext uri="{BB962C8B-B14F-4D97-AF65-F5344CB8AC3E}">
+        <p14:creationId xmlns:p14="http://schemas.microsoft.com/office/powerpoint/2010/main" val="77651169"/>
+      </p:ext>
+    </p:extLst>
   </p:cSld>
   <p:clrMapOvr>
     <a:masterClrMapping/>
@@ -2481,103 +3419,6 @@
       </p:grpSpPr>
       <p:sp>
         <p:nvSpPr>
-          <p:cNvPr id="10" name="Freeform 7"/>
-          <p:cNvSpPr/>
-          <p:nvPr/>
-        </p:nvSpPr>
-        <p:spPr bwMode="auto">
-          <a:xfrm>
-            <a:off x="0" y="1"/>
-            <a:ext cx="12192000" cy="5203825"/>
-          </a:xfrm>
-          <a:custGeom>
-            <a:avLst/>
-            <a:gdLst/>
-            <a:ahLst/>
-            <a:cxnLst/>
-            <a:rect l="0" t="0" r="r" b="b"/>
-            <a:pathLst>
-              <a:path w="5760" h="3278">
-                <a:moveTo>
-                  <a:pt x="0" y="0"/>
-                </a:moveTo>
-                <a:lnTo>
-                  <a:pt x="5760" y="0"/>
-                </a:lnTo>
-                <a:lnTo>
-                  <a:pt x="5760" y="3090"/>
-                </a:lnTo>
-                <a:lnTo>
-                  <a:pt x="4817" y="3090"/>
-                </a:lnTo>
-                <a:lnTo>
-                  <a:pt x="4637" y="3270"/>
-                </a:lnTo>
-                <a:lnTo>
-                  <a:pt x="4637" y="3270"/>
-                </a:lnTo>
-                <a:lnTo>
-                  <a:pt x="4633" y="3272"/>
-                </a:lnTo>
-                <a:lnTo>
-                  <a:pt x="4627" y="3275"/>
-                </a:lnTo>
-                <a:lnTo>
-                  <a:pt x="4621" y="3278"/>
-                </a:lnTo>
-                <a:lnTo>
-                  <a:pt x="4616" y="3278"/>
-                </a:lnTo>
-                <a:lnTo>
-                  <a:pt x="4610" y="3278"/>
-                </a:lnTo>
-                <a:lnTo>
-                  <a:pt x="4605" y="3275"/>
-                </a:lnTo>
-                <a:lnTo>
-                  <a:pt x="4599" y="3272"/>
-                </a:lnTo>
-                <a:lnTo>
-                  <a:pt x="4595" y="3270"/>
-                </a:lnTo>
-                <a:lnTo>
-                  <a:pt x="4415" y="3090"/>
-                </a:lnTo>
-                <a:lnTo>
-                  <a:pt x="0" y="3090"/>
-                </a:lnTo>
-                <a:lnTo>
-                  <a:pt x="0" y="0"/>
-                </a:lnTo>
-                <a:lnTo>
-                  <a:pt x="0" y="0"/>
-                </a:lnTo>
-                <a:close/>
-              </a:path>
-            </a:pathLst>
-          </a:custGeom>
-          <a:ln>
-            <a:headEnd/>
-            <a:tailEnd/>
-          </a:ln>
-        </p:spPr>
-        <p:style>
-          <a:lnRef idx="1">
-            <a:schemeClr val="accent1"/>
-          </a:lnRef>
-          <a:fillRef idx="3">
-            <a:schemeClr val="accent1"/>
-          </a:fillRef>
-          <a:effectRef idx="2">
-            <a:schemeClr val="accent1"/>
-          </a:effectRef>
-          <a:fontRef idx="minor">
-            <a:schemeClr val="lt1"/>
-          </a:fontRef>
-        </p:style>
-      </p:sp>
-      <p:sp>
-        <p:nvSpPr>
           <p:cNvPr id="2" name="Title 1"/>
           <p:cNvSpPr>
             <a:spLocks noGrp="1"/>
@@ -2588,15 +3429,15 @@
         </p:nvSpPr>
         <p:spPr>
           <a:xfrm>
-            <a:off x="810000" y="2951396"/>
-            <a:ext cx="10561418" cy="1468800"/>
+            <a:off x="2572279" y="2666999"/>
+            <a:ext cx="8930747" cy="2110382"/>
           </a:xfrm>
         </p:spPr>
         <p:txBody>
           <a:bodyPr anchor="b"/>
           <a:lstStyle>
             <a:lvl1pPr algn="r">
-              <a:defRPr sz="4800" b="1" cap="none"/>
+              <a:defRPr sz="4000" b="0" cap="none"/>
             </a:lvl1pPr>
           </a:lstStyle>
           <a:p>
@@ -2620,18 +3461,18 @@
         </p:nvSpPr>
         <p:spPr>
           <a:xfrm>
-            <a:off x="810000" y="5281201"/>
-            <a:ext cx="10561418" cy="433955"/>
+            <a:off x="2572278" y="4777381"/>
+            <a:ext cx="8930748" cy="860400"/>
           </a:xfrm>
         </p:spPr>
         <p:txBody>
           <a:bodyPr anchor="t">
-            <a:noAutofit/>
+            <a:normAutofit/>
           </a:bodyPr>
           <a:lstStyle>
             <a:lvl1pPr marL="0" indent="0" algn="r">
               <a:buNone/>
-              <a:defRPr sz="1800">
+              <a:defRPr sz="2000">
                 <a:solidFill>
                   <a:schemeClr val="tx1"/>
                 </a:solidFill>
@@ -2743,9 +3584,9 @@
           <a:lstStyle/>
           <a:p>
             <a:fld id="{8DFA1846-DA80-1C48-A609-854EA85C59AD}" type="datetimeFigureOut">
-              <a:rPr lang="en-US" dirty="0"/>
+              <a:rPr lang="en-US" smtClean="0"/>
               <a:pPr/>
-              <a:t>8/2/16</a:t>
+              <a:t>8/4/16</a:t>
             </a:fld>
             <a:endParaRPr lang="en-US" dirty="0"/>
           </a:p>
@@ -2786,7 +3627,7 @@
           <a:lstStyle/>
           <a:p>
             <a:fld id="{D57F1E4F-1CFF-5643-939E-217C01CDF565}" type="slidenum">
-              <a:rPr lang="en-US" dirty="0"/>
+              <a:rPr lang="en-US" smtClean="0"/>
               <a:pPr/>
               <a:t>‹#›</a:t>
             </a:fld>
@@ -2795,6 +3636,11 @@
         </p:txBody>
       </p:sp>
     </p:spTree>
+    <p:extLst>
+      <p:ext uri="{BB962C8B-B14F-4D97-AF65-F5344CB8AC3E}">
+        <p14:creationId xmlns:p14="http://schemas.microsoft.com/office/powerpoint/2010/main" val="1560623654"/>
+      </p:ext>
+    </p:extLst>
   </p:cSld>
   <p:clrMapOvr>
     <a:masterClrMapping/>
@@ -2821,151 +3667,81 @@
       </p:grpSpPr>
       <p:sp>
         <p:nvSpPr>
-          <p:cNvPr id="8" name="Freeform 6"/>
-          <p:cNvSpPr/>
-          <p:nvPr/>
-        </p:nvSpPr>
-        <p:spPr bwMode="auto">
-          <a:xfrm>
-            <a:off x="0" y="0"/>
-            <a:ext cx="12192000" cy="2185988"/>
-          </a:xfrm>
-          <a:custGeom>
-            <a:avLst/>
-            <a:gdLst/>
-            <a:ahLst/>
-            <a:cxnLst/>
-            <a:rect l="0" t="0" r="r" b="b"/>
-            <a:pathLst>
-              <a:path w="5760" h="1377">
-                <a:moveTo>
-                  <a:pt x="5760" y="0"/>
-                </a:moveTo>
-                <a:lnTo>
-                  <a:pt x="0" y="0"/>
-                </a:lnTo>
-                <a:lnTo>
-                  <a:pt x="0" y="1189"/>
-                </a:lnTo>
-                <a:lnTo>
-                  <a:pt x="943" y="1189"/>
-                </a:lnTo>
-                <a:lnTo>
-                  <a:pt x="1123" y="1369"/>
-                </a:lnTo>
-                <a:lnTo>
-                  <a:pt x="1123" y="1369"/>
-                </a:lnTo>
-                <a:lnTo>
-                  <a:pt x="1127" y="1371"/>
-                </a:lnTo>
-                <a:lnTo>
-                  <a:pt x="1133" y="1374"/>
-                </a:lnTo>
-                <a:lnTo>
-                  <a:pt x="1139" y="1377"/>
-                </a:lnTo>
-                <a:lnTo>
-                  <a:pt x="1144" y="1377"/>
-                </a:lnTo>
-                <a:lnTo>
-                  <a:pt x="1150" y="1377"/>
-                </a:lnTo>
-                <a:lnTo>
-                  <a:pt x="1155" y="1374"/>
-                </a:lnTo>
-                <a:lnTo>
-                  <a:pt x="1161" y="1371"/>
-                </a:lnTo>
-                <a:lnTo>
-                  <a:pt x="1165" y="1369"/>
-                </a:lnTo>
-                <a:lnTo>
-                  <a:pt x="1345" y="1189"/>
-                </a:lnTo>
-                <a:lnTo>
-                  <a:pt x="5760" y="1189"/>
-                </a:lnTo>
-                <a:lnTo>
-                  <a:pt x="5760" y="0"/>
-                </a:lnTo>
-                <a:close/>
-              </a:path>
-            </a:pathLst>
-          </a:custGeom>
-          <a:ln/>
-          <a:extLst>
-            <a:ext uri="{91240B29-F687-4f45-9708-019B960494DF}">
-              <a14:hiddenLine xmlns="" xmlns:a14="http://schemas.microsoft.com/office/drawing/2010/main" w="9525">
-                <a:solidFill>
-                  <a:srgbClr val="000000"/>
-                </a:solidFill>
-                <a:round/>
-                <a:headEnd/>
-                <a:tailEnd/>
-              </a14:hiddenLine>
-            </a:ext>
-          </a:extLst>
-        </p:spPr>
-        <p:style>
-          <a:lnRef idx="1">
-            <a:schemeClr val="accent1"/>
-          </a:lnRef>
-          <a:fillRef idx="3">
-            <a:schemeClr val="accent1"/>
-          </a:fillRef>
-          <a:effectRef idx="2">
-            <a:schemeClr val="accent1"/>
-          </a:effectRef>
-          <a:fontRef idx="minor">
-            <a:schemeClr val="lt1"/>
-          </a:fontRef>
-        </p:style>
-      </p:sp>
-      <p:sp>
-        <p:nvSpPr>
           <p:cNvPr id="2" name="Title 1"/>
           <p:cNvSpPr>
             <a:spLocks noGrp="1"/>
           </p:cNvSpPr>
           <p:nvPr>
             <p:ph type="title"/>
-          </p:nvPr>
-        </p:nvSpPr>
-        <p:spPr/>
-        <p:txBody>
-          <a:bodyPr/>
-          <a:lstStyle/>
-          <a:p>
-            <a:r>
-              <a:rPr lang="en-US" smtClean="0"/>
-              <a:t>Click to edit Master title style</a:t>
-            </a:r>
-            <a:endParaRPr lang="en-US" dirty="0"/>
-          </a:p>
-        </p:txBody>
-      </p:sp>
-      <p:sp>
-        <p:nvSpPr>
-          <p:cNvPr id="3" name="Content Placeholder 2"/>
-          <p:cNvSpPr>
-            <a:spLocks noGrp="1"/>
-          </p:cNvSpPr>
-          <p:nvPr>
-            <p:ph sz="half" idx="1"/>
           </p:nvPr>
         </p:nvSpPr>
         <p:spPr>
           <a:xfrm>
-            <a:off x="818712" y="2222287"/>
-            <a:ext cx="5185873" cy="3638763"/>
+            <a:off x="1484311" y="685800"/>
+            <a:ext cx="10018713" cy="1752599"/>
+          </a:xfrm>
+        </p:spPr>
+        <p:txBody>
+          <a:bodyPr/>
+          <a:lstStyle/>
+          <a:p>
+            <a:r>
+              <a:rPr lang="en-US" smtClean="0"/>
+              <a:t>Click to edit Master title style</a:t>
+            </a:r>
+            <a:endParaRPr lang="en-US" dirty="0"/>
+          </a:p>
+        </p:txBody>
+      </p:sp>
+      <p:sp>
+        <p:nvSpPr>
+          <p:cNvPr id="3" name="Content Placeholder 2"/>
+          <p:cNvSpPr>
+            <a:spLocks noGrp="1"/>
+          </p:cNvSpPr>
+          <p:nvPr>
+            <p:ph sz="half" idx="1"/>
+          </p:nvPr>
+        </p:nvSpPr>
+        <p:spPr>
+          <a:xfrm>
+            <a:off x="1484312" y="2666999"/>
+            <a:ext cx="4895055" cy="3124201"/>
           </a:xfrm>
         </p:spPr>
         <p:txBody>
           <a:bodyPr>
             <a:normAutofit/>
           </a:bodyPr>
-          <a:lstStyle/>
+          <a:lstStyle>
+            <a:lvl1pPr>
+              <a:defRPr sz="1800"/>
+            </a:lvl1pPr>
+            <a:lvl2pPr>
+              <a:defRPr sz="1600"/>
+            </a:lvl2pPr>
+            <a:lvl3pPr>
+              <a:defRPr sz="1400"/>
+            </a:lvl3pPr>
+            <a:lvl4pPr>
+              <a:defRPr sz="1200"/>
+            </a:lvl4pPr>
+            <a:lvl5pPr>
+              <a:defRPr sz="1200"/>
+            </a:lvl5pPr>
+            <a:lvl6pPr>
+              <a:defRPr sz="1200"/>
+            </a:lvl6pPr>
+            <a:lvl7pPr>
+              <a:defRPr sz="1200"/>
+            </a:lvl7pPr>
+            <a:lvl8pPr>
+              <a:defRPr sz="1200"/>
+            </a:lvl8pPr>
+            <a:lvl9pPr>
+              <a:defRPr sz="1200"/>
+            </a:lvl9pPr>
+          </a:lstStyle>
           <a:p>
             <a:pPr lvl="0"/>
             <a:r>
@@ -3016,15 +3792,43 @@
         </p:nvSpPr>
         <p:spPr>
           <a:xfrm>
-            <a:off x="6187415" y="2222287"/>
-            <a:ext cx="5194583" cy="3638764"/>
+            <a:off x="6607967" y="2667000"/>
+            <a:ext cx="4895056" cy="3124200"/>
           </a:xfrm>
         </p:spPr>
         <p:txBody>
           <a:bodyPr>
             <a:normAutofit/>
           </a:bodyPr>
-          <a:lstStyle/>
+          <a:lstStyle>
+            <a:lvl1pPr>
+              <a:defRPr sz="1800"/>
+            </a:lvl1pPr>
+            <a:lvl2pPr>
+              <a:defRPr sz="1600"/>
+            </a:lvl2pPr>
+            <a:lvl3pPr>
+              <a:defRPr sz="1400"/>
+            </a:lvl3pPr>
+            <a:lvl4pPr>
+              <a:defRPr sz="1200"/>
+            </a:lvl4pPr>
+            <a:lvl5pPr>
+              <a:defRPr sz="1200"/>
+            </a:lvl5pPr>
+            <a:lvl6pPr>
+              <a:defRPr sz="1200"/>
+            </a:lvl6pPr>
+            <a:lvl7pPr>
+              <a:defRPr sz="1200"/>
+            </a:lvl7pPr>
+            <a:lvl8pPr>
+              <a:defRPr sz="1200"/>
+            </a:lvl8pPr>
+            <a:lvl9pPr>
+              <a:defRPr sz="1200"/>
+            </a:lvl9pPr>
+          </a:lstStyle>
           <a:p>
             <a:pPr lvl="0"/>
             <a:r>
@@ -3079,9 +3883,9 @@
           <a:lstStyle/>
           <a:p>
             <a:fld id="{57302355-E14B-8545-A8F8-0FE83CC9D524}" type="datetimeFigureOut">
-              <a:rPr lang="en-US" dirty="0"/>
+              <a:rPr lang="en-US" smtClean="0"/>
               <a:pPr/>
-              <a:t>8/2/16</a:t>
+              <a:t>8/4/16</a:t>
             </a:fld>
             <a:endParaRPr lang="en-US" dirty="0"/>
           </a:p>
@@ -3122,7 +3926,7 @@
           <a:lstStyle/>
           <a:p>
             <a:fld id="{D57F1E4F-1CFF-5643-939E-217C01CDF565}" type="slidenum">
-              <a:rPr lang="en-US" dirty="0"/>
+              <a:rPr lang="en-US" smtClean="0"/>
               <a:pPr/>
               <a:t>‹#›</a:t>
             </a:fld>
@@ -3131,6 +3935,11 @@
         </p:txBody>
       </p:sp>
     </p:spTree>
+    <p:extLst>
+      <p:ext uri="{BB962C8B-B14F-4D97-AF65-F5344CB8AC3E}">
+        <p14:creationId xmlns:p14="http://schemas.microsoft.com/office/powerpoint/2010/main" val="36488320"/>
+      </p:ext>
+    </p:extLst>
   </p:cSld>
   <p:clrMapOvr>
     <a:masterClrMapping/>
@@ -3157,109 +3966,6 @@
       </p:grpSpPr>
       <p:sp>
         <p:nvSpPr>
-          <p:cNvPr id="10" name="Freeform 6"/>
-          <p:cNvSpPr/>
-          <p:nvPr/>
-        </p:nvSpPr>
-        <p:spPr bwMode="auto">
-          <a:xfrm>
-            <a:off x="0" y="0"/>
-            <a:ext cx="12192000" cy="2185988"/>
-          </a:xfrm>
-          <a:custGeom>
-            <a:avLst/>
-            <a:gdLst/>
-            <a:ahLst/>
-            <a:cxnLst/>
-            <a:rect l="0" t="0" r="r" b="b"/>
-            <a:pathLst>
-              <a:path w="5760" h="1377">
-                <a:moveTo>
-                  <a:pt x="5760" y="0"/>
-                </a:moveTo>
-                <a:lnTo>
-                  <a:pt x="0" y="0"/>
-                </a:lnTo>
-                <a:lnTo>
-                  <a:pt x="0" y="1189"/>
-                </a:lnTo>
-                <a:lnTo>
-                  <a:pt x="943" y="1189"/>
-                </a:lnTo>
-                <a:lnTo>
-                  <a:pt x="1123" y="1369"/>
-                </a:lnTo>
-                <a:lnTo>
-                  <a:pt x="1123" y="1369"/>
-                </a:lnTo>
-                <a:lnTo>
-                  <a:pt x="1127" y="1371"/>
-                </a:lnTo>
-                <a:lnTo>
-                  <a:pt x="1133" y="1374"/>
-                </a:lnTo>
-                <a:lnTo>
-                  <a:pt x="1139" y="1377"/>
-                </a:lnTo>
-                <a:lnTo>
-                  <a:pt x="1144" y="1377"/>
-                </a:lnTo>
-                <a:lnTo>
-                  <a:pt x="1150" y="1377"/>
-                </a:lnTo>
-                <a:lnTo>
-                  <a:pt x="1155" y="1374"/>
-                </a:lnTo>
-                <a:lnTo>
-                  <a:pt x="1161" y="1371"/>
-                </a:lnTo>
-                <a:lnTo>
-                  <a:pt x="1165" y="1369"/>
-                </a:lnTo>
-                <a:lnTo>
-                  <a:pt x="1345" y="1189"/>
-                </a:lnTo>
-                <a:lnTo>
-                  <a:pt x="5760" y="1189"/>
-                </a:lnTo>
-                <a:lnTo>
-                  <a:pt x="5760" y="0"/>
-                </a:lnTo>
-                <a:close/>
-              </a:path>
-            </a:pathLst>
-          </a:custGeom>
-          <a:ln/>
-          <a:extLst>
-            <a:ext uri="{91240B29-F687-4f45-9708-019B960494DF}">
-              <a14:hiddenLine xmlns="" xmlns:a14="http://schemas.microsoft.com/office/drawing/2010/main" w="9525">
-                <a:solidFill>
-                  <a:srgbClr val="000000"/>
-                </a:solidFill>
-                <a:round/>
-                <a:headEnd/>
-                <a:tailEnd/>
-              </a14:hiddenLine>
-            </a:ext>
-          </a:extLst>
-        </p:spPr>
-        <p:style>
-          <a:lnRef idx="1">
-            <a:schemeClr val="accent1"/>
-          </a:lnRef>
-          <a:fillRef idx="3">
-            <a:schemeClr val="accent1"/>
-          </a:fillRef>
-          <a:effectRef idx="2">
-            <a:schemeClr val="accent1"/>
-          </a:effectRef>
-          <a:fontRef idx="minor">
-            <a:schemeClr val="lt1"/>
-          </a:fontRef>
-        </p:style>
-      </p:sp>
-      <p:sp>
-        <p:nvSpPr>
           <p:cNvPr id="2" name="Title 1"/>
           <p:cNvSpPr>
             <a:spLocks noGrp="1"/>
@@ -3297,8 +4003,8 @@
         </p:nvSpPr>
         <p:spPr>
           <a:xfrm>
-            <a:off x="814728" y="2174875"/>
-            <a:ext cx="5189857" cy="576262"/>
+            <a:off x="1772179" y="2658533"/>
+            <a:ext cx="4607188" cy="576262"/>
           </a:xfrm>
         </p:spPr>
         <p:txBody>
@@ -3306,9 +4012,15 @@
             <a:noAutofit/>
           </a:bodyPr>
           <a:lstStyle>
-            <a:lvl1pPr marL="0" indent="0" algn="ctr">
-              <a:buNone/>
-              <a:defRPr sz="2000" b="0"/>
+            <a:lvl1pPr marL="0" indent="0">
+              <a:buNone/>
+              <a:defRPr sz="2800" b="0">
+                <a:solidFill>
+                  <a:schemeClr val="accent1">
+                    <a:lumMod val="75000"/>
+                  </a:schemeClr>
+                </a:solidFill>
+              </a:defRPr>
             </a:lvl1pPr>
             <a:lvl2pPr marL="457200" indent="0">
               <a:buNone/>
@@ -3364,15 +4076,43 @@
         </p:nvSpPr>
         <p:spPr>
           <a:xfrm>
-            <a:off x="814729" y="2751138"/>
-            <a:ext cx="5189856" cy="3109913"/>
+            <a:off x="1484311" y="3335337"/>
+            <a:ext cx="4895056" cy="2455862"/>
           </a:xfrm>
         </p:spPr>
         <p:txBody>
           <a:bodyPr anchor="t">
             <a:normAutofit/>
           </a:bodyPr>
-          <a:lstStyle/>
+          <a:lstStyle>
+            <a:lvl1pPr>
+              <a:defRPr sz="1800"/>
+            </a:lvl1pPr>
+            <a:lvl2pPr>
+              <a:defRPr sz="1600"/>
+            </a:lvl2pPr>
+            <a:lvl3pPr>
+              <a:defRPr sz="1400"/>
+            </a:lvl3pPr>
+            <a:lvl4pPr>
+              <a:defRPr sz="1200"/>
+            </a:lvl4pPr>
+            <a:lvl5pPr>
+              <a:defRPr sz="1200"/>
+            </a:lvl5pPr>
+            <a:lvl6pPr>
+              <a:defRPr sz="1200"/>
+            </a:lvl6pPr>
+            <a:lvl7pPr>
+              <a:defRPr sz="1200"/>
+            </a:lvl7pPr>
+            <a:lvl8pPr>
+              <a:defRPr sz="1200"/>
+            </a:lvl8pPr>
+            <a:lvl9pPr>
+              <a:defRPr sz="1200"/>
+            </a:lvl9pPr>
+          </a:lstStyle>
           <a:p>
             <a:pPr lvl="0"/>
             <a:r>
@@ -3423,8 +4163,8 @@
         </p:nvSpPr>
         <p:spPr>
           <a:xfrm>
-            <a:off x="6187415" y="2174875"/>
-            <a:ext cx="5194583" cy="576262"/>
+            <a:off x="6880487" y="2667000"/>
+            <a:ext cx="4622537" cy="576262"/>
           </a:xfrm>
         </p:spPr>
         <p:txBody>
@@ -3432,9 +4172,15 @@
             <a:noAutofit/>
           </a:bodyPr>
           <a:lstStyle>
-            <a:lvl1pPr marL="0" indent="0" algn="ctr">
-              <a:buNone/>
-              <a:defRPr sz="2000" b="0"/>
+            <a:lvl1pPr marL="0" indent="0">
+              <a:buNone/>
+              <a:defRPr sz="2800" b="0">
+                <a:solidFill>
+                  <a:schemeClr val="accent1">
+                    <a:lumMod val="75000"/>
+                  </a:schemeClr>
+                </a:solidFill>
+              </a:defRPr>
             </a:lvl1pPr>
             <a:lvl2pPr marL="457200" indent="0">
               <a:buNone/>
@@ -3490,15 +4236,43 @@
         </p:nvSpPr>
         <p:spPr>
           <a:xfrm>
-            <a:off x="6187415" y="2751138"/>
-            <a:ext cx="5194583" cy="3109913"/>
+            <a:off x="6607967" y="3335337"/>
+            <a:ext cx="4895056" cy="2455862"/>
           </a:xfrm>
         </p:spPr>
         <p:txBody>
           <a:bodyPr anchor="t">
             <a:normAutofit/>
           </a:bodyPr>
-          <a:lstStyle/>
+          <a:lstStyle>
+            <a:lvl1pPr>
+              <a:defRPr sz="1800"/>
+            </a:lvl1pPr>
+            <a:lvl2pPr>
+              <a:defRPr sz="1600"/>
+            </a:lvl2pPr>
+            <a:lvl3pPr>
+              <a:defRPr sz="1400"/>
+            </a:lvl3pPr>
+            <a:lvl4pPr>
+              <a:defRPr sz="1200"/>
+            </a:lvl4pPr>
+            <a:lvl5pPr>
+              <a:defRPr sz="1200"/>
+            </a:lvl5pPr>
+            <a:lvl6pPr>
+              <a:defRPr sz="1200"/>
+            </a:lvl6pPr>
+            <a:lvl7pPr>
+              <a:defRPr sz="1200"/>
+            </a:lvl7pPr>
+            <a:lvl8pPr>
+              <a:defRPr sz="1200"/>
+            </a:lvl8pPr>
+            <a:lvl9pPr>
+              <a:defRPr sz="1200"/>
+            </a:lvl9pPr>
+          </a:lstStyle>
           <a:p>
             <a:pPr lvl="0"/>
             <a:r>
@@ -3553,9 +4327,9 @@
           <a:lstStyle/>
           <a:p>
             <a:fld id="{02640F58-564D-2B4F-AE67-E407BA4FCF45}" type="datetimeFigureOut">
-              <a:rPr lang="en-US" dirty="0"/>
+              <a:rPr lang="en-US" smtClean="0"/>
               <a:pPr/>
-              <a:t>8/2/16</a:t>
+              <a:t>8/4/16</a:t>
             </a:fld>
             <a:endParaRPr lang="en-US" dirty="0"/>
           </a:p>
@@ -3596,7 +4370,7 @@
           <a:lstStyle/>
           <a:p>
             <a:fld id="{D57F1E4F-1CFF-5643-939E-217C01CDF565}" type="slidenum">
-              <a:rPr lang="en-US" dirty="0"/>
+              <a:rPr lang="en-US" smtClean="0"/>
               <a:pPr/>
               <a:t>‹#›</a:t>
             </a:fld>
@@ -3605,6 +4379,11 @@
         </p:txBody>
       </p:sp>
     </p:spTree>
+    <p:extLst>
+      <p:ext uri="{BB962C8B-B14F-4D97-AF65-F5344CB8AC3E}">
+        <p14:creationId xmlns:p14="http://schemas.microsoft.com/office/powerpoint/2010/main" val="1226354845"/>
+      </p:ext>
+    </p:extLst>
   </p:cSld>
   <p:clrMapOvr>
     <a:masterClrMapping/>
@@ -3631,109 +4410,6 @@
       </p:grpSpPr>
       <p:sp>
         <p:nvSpPr>
-          <p:cNvPr id="6" name="Freeform 6"/>
-          <p:cNvSpPr/>
-          <p:nvPr/>
-        </p:nvSpPr>
-        <p:spPr bwMode="auto">
-          <a:xfrm>
-            <a:off x="0" y="0"/>
-            <a:ext cx="12192000" cy="2185988"/>
-          </a:xfrm>
-          <a:custGeom>
-            <a:avLst/>
-            <a:gdLst/>
-            <a:ahLst/>
-            <a:cxnLst/>
-            <a:rect l="0" t="0" r="r" b="b"/>
-            <a:pathLst>
-              <a:path w="5760" h="1377">
-                <a:moveTo>
-                  <a:pt x="5760" y="0"/>
-                </a:moveTo>
-                <a:lnTo>
-                  <a:pt x="0" y="0"/>
-                </a:lnTo>
-                <a:lnTo>
-                  <a:pt x="0" y="1189"/>
-                </a:lnTo>
-                <a:lnTo>
-                  <a:pt x="943" y="1189"/>
-                </a:lnTo>
-                <a:lnTo>
-                  <a:pt x="1123" y="1369"/>
-                </a:lnTo>
-                <a:lnTo>
-                  <a:pt x="1123" y="1369"/>
-                </a:lnTo>
-                <a:lnTo>
-                  <a:pt x="1127" y="1371"/>
-                </a:lnTo>
-                <a:lnTo>
-                  <a:pt x="1133" y="1374"/>
-                </a:lnTo>
-                <a:lnTo>
-                  <a:pt x="1139" y="1377"/>
-                </a:lnTo>
-                <a:lnTo>
-                  <a:pt x="1144" y="1377"/>
-                </a:lnTo>
-                <a:lnTo>
-                  <a:pt x="1150" y="1377"/>
-                </a:lnTo>
-                <a:lnTo>
-                  <a:pt x="1155" y="1374"/>
-                </a:lnTo>
-                <a:lnTo>
-                  <a:pt x="1161" y="1371"/>
-                </a:lnTo>
-                <a:lnTo>
-                  <a:pt x="1165" y="1369"/>
-                </a:lnTo>
-                <a:lnTo>
-                  <a:pt x="1345" y="1189"/>
-                </a:lnTo>
-                <a:lnTo>
-                  <a:pt x="5760" y="1189"/>
-                </a:lnTo>
-                <a:lnTo>
-                  <a:pt x="5760" y="0"/>
-                </a:lnTo>
-                <a:close/>
-              </a:path>
-            </a:pathLst>
-          </a:custGeom>
-          <a:ln/>
-          <a:extLst>
-            <a:ext uri="{91240B29-F687-4f45-9708-019B960494DF}">
-              <a14:hiddenLine xmlns="" xmlns:a14="http://schemas.microsoft.com/office/drawing/2010/main" w="9525">
-                <a:solidFill>
-                  <a:srgbClr val="000000"/>
-                </a:solidFill>
-                <a:round/>
-                <a:headEnd/>
-                <a:tailEnd/>
-              </a14:hiddenLine>
-            </a:ext>
-          </a:extLst>
-        </p:spPr>
-        <p:style>
-          <a:lnRef idx="1">
-            <a:schemeClr val="accent1"/>
-          </a:lnRef>
-          <a:fillRef idx="3">
-            <a:schemeClr val="accent1"/>
-          </a:fillRef>
-          <a:effectRef idx="2">
-            <a:schemeClr val="accent1"/>
-          </a:effectRef>
-          <a:fontRef idx="minor">
-            <a:schemeClr val="lt1"/>
-          </a:fontRef>
-        </p:style>
-      </p:sp>
-      <p:sp>
-        <p:nvSpPr>
           <p:cNvPr id="2" name="Title 1"/>
           <p:cNvSpPr>
             <a:spLocks noGrp="1"/>
@@ -3771,9 +4447,9 @@
           <a:lstStyle/>
           <a:p>
             <a:fld id="{F13A34C8-038E-2045-AF43-DF7DBB8E0E9E}" type="datetimeFigureOut">
-              <a:rPr lang="en-US" dirty="0"/>
+              <a:rPr lang="en-US" smtClean="0"/>
               <a:pPr/>
-              <a:t>8/2/16</a:t>
+              <a:t>8/4/16</a:t>
             </a:fld>
             <a:endParaRPr lang="en-US" dirty="0"/>
           </a:p>
@@ -3814,7 +4490,7 @@
           <a:lstStyle/>
           <a:p>
             <a:fld id="{D57F1E4F-1CFF-5643-939E-217C01CDF565}" type="slidenum">
-              <a:rPr lang="en-US" dirty="0"/>
+              <a:rPr lang="en-US" smtClean="0"/>
               <a:pPr/>
               <a:t>‹#›</a:t>
             </a:fld>
@@ -3823,6 +4499,11 @@
         </p:txBody>
       </p:sp>
     </p:spTree>
+    <p:extLst>
+      <p:ext uri="{BB962C8B-B14F-4D97-AF65-F5344CB8AC3E}">
+        <p14:creationId xmlns:p14="http://schemas.microsoft.com/office/powerpoint/2010/main" val="1945319656"/>
+      </p:ext>
+    </p:extLst>
   </p:cSld>
   <p:clrMapOvr>
     <a:masterClrMapping/>
@@ -3863,9 +4544,9 @@
           <a:lstStyle/>
           <a:p>
             <a:fld id="{8818C68F-D26B-8F47-958C-23B49CF8A634}" type="datetimeFigureOut">
-              <a:rPr lang="en-US" dirty="0"/>
+              <a:rPr lang="en-US" smtClean="0"/>
               <a:pPr/>
-              <a:t>8/2/16</a:t>
+              <a:t>8/4/16</a:t>
             </a:fld>
             <a:endParaRPr lang="en-US" dirty="0"/>
           </a:p>
@@ -3906,7 +4587,7 @@
           <a:lstStyle/>
           <a:p>
             <a:fld id="{D57F1E4F-1CFF-5643-939E-217C01CDF565}" type="slidenum">
-              <a:rPr lang="en-US" dirty="0"/>
+              <a:rPr lang="en-US" smtClean="0"/>
               <a:pPr/>
               <a:t>‹#›</a:t>
             </a:fld>
@@ -3915,6 +4596,11 @@
         </p:txBody>
       </p:sp>
     </p:spTree>
+    <p:extLst>
+      <p:ext uri="{BB962C8B-B14F-4D97-AF65-F5344CB8AC3E}">
+        <p14:creationId xmlns:p14="http://schemas.microsoft.com/office/powerpoint/2010/main" val="1696416464"/>
+      </p:ext>
+    </p:extLst>
   </p:cSld>
   <p:clrMapOvr>
     <a:masterClrMapping/>
@@ -3941,222 +4627,6 @@
       </p:grpSpPr>
       <p:sp>
         <p:nvSpPr>
-          <p:cNvPr id="12" name="Freeform 6"/>
-          <p:cNvSpPr>
-            <a:spLocks noChangeAspect="1"/>
-          </p:cNvSpPr>
-          <p:nvPr/>
-        </p:nvSpPr>
-        <p:spPr bwMode="auto">
-          <a:xfrm>
-            <a:off x="1073151" y="446087"/>
-            <a:ext cx="3547533" cy="1814651"/>
-          </a:xfrm>
-          <a:custGeom>
-            <a:avLst/>
-            <a:gdLst/>
-            <a:ahLst/>
-            <a:cxnLst/>
-            <a:rect l="0" t="0" r="r" b="b"/>
-            <a:pathLst>
-              <a:path w="3384" h="2308">
-                <a:moveTo>
-                  <a:pt x="3340" y="0"/>
-                </a:moveTo>
-                <a:lnTo>
-                  <a:pt x="44" y="0"/>
-                </a:lnTo>
-                <a:lnTo>
-                  <a:pt x="44" y="0"/>
-                </a:lnTo>
-                <a:lnTo>
-                  <a:pt x="34" y="0"/>
-                </a:lnTo>
-                <a:lnTo>
-                  <a:pt x="26" y="4"/>
-                </a:lnTo>
-                <a:lnTo>
-                  <a:pt x="20" y="8"/>
-                </a:lnTo>
-                <a:lnTo>
-                  <a:pt x="12" y="12"/>
-                </a:lnTo>
-                <a:lnTo>
-                  <a:pt x="8" y="20"/>
-                </a:lnTo>
-                <a:lnTo>
-                  <a:pt x="4" y="26"/>
-                </a:lnTo>
-                <a:lnTo>
-                  <a:pt x="0" y="34"/>
-                </a:lnTo>
-                <a:lnTo>
-                  <a:pt x="0" y="44"/>
-                </a:lnTo>
-                <a:lnTo>
-                  <a:pt x="0" y="2076"/>
-                </a:lnTo>
-                <a:lnTo>
-                  <a:pt x="0" y="2076"/>
-                </a:lnTo>
-                <a:lnTo>
-                  <a:pt x="0" y="2086"/>
-                </a:lnTo>
-                <a:lnTo>
-                  <a:pt x="4" y="2094"/>
-                </a:lnTo>
-                <a:lnTo>
-                  <a:pt x="8" y="2100"/>
-                </a:lnTo>
-                <a:lnTo>
-                  <a:pt x="12" y="2108"/>
-                </a:lnTo>
-                <a:lnTo>
-                  <a:pt x="20" y="2112"/>
-                </a:lnTo>
-                <a:lnTo>
-                  <a:pt x="26" y="2116"/>
-                </a:lnTo>
-                <a:lnTo>
-                  <a:pt x="34" y="2120"/>
-                </a:lnTo>
-                <a:lnTo>
-                  <a:pt x="44" y="2120"/>
-                </a:lnTo>
-                <a:lnTo>
-                  <a:pt x="474" y="2120"/>
-                </a:lnTo>
-                <a:lnTo>
-                  <a:pt x="650" y="2296"/>
-                </a:lnTo>
-                <a:lnTo>
-                  <a:pt x="650" y="2296"/>
-                </a:lnTo>
-                <a:lnTo>
-                  <a:pt x="656" y="2300"/>
-                </a:lnTo>
-                <a:lnTo>
-                  <a:pt x="664" y="2304"/>
-                </a:lnTo>
-                <a:lnTo>
-                  <a:pt x="672" y="2308"/>
-                </a:lnTo>
-                <a:lnTo>
-                  <a:pt x="680" y="2308"/>
-                </a:lnTo>
-                <a:lnTo>
-                  <a:pt x="688" y="2308"/>
-                </a:lnTo>
-                <a:lnTo>
-                  <a:pt x="696" y="2304"/>
-                </a:lnTo>
-                <a:lnTo>
-                  <a:pt x="704" y="2300"/>
-                </a:lnTo>
-                <a:lnTo>
-                  <a:pt x="710" y="2296"/>
-                </a:lnTo>
-                <a:lnTo>
-                  <a:pt x="886" y="2120"/>
-                </a:lnTo>
-                <a:lnTo>
-                  <a:pt x="3340" y="2120"/>
-                </a:lnTo>
-                <a:lnTo>
-                  <a:pt x="3340" y="2120"/>
-                </a:lnTo>
-                <a:lnTo>
-                  <a:pt x="3350" y="2120"/>
-                </a:lnTo>
-                <a:lnTo>
-                  <a:pt x="3358" y="2116"/>
-                </a:lnTo>
-                <a:lnTo>
-                  <a:pt x="3364" y="2112"/>
-                </a:lnTo>
-                <a:lnTo>
-                  <a:pt x="3372" y="2108"/>
-                </a:lnTo>
-                <a:lnTo>
-                  <a:pt x="3376" y="2100"/>
-                </a:lnTo>
-                <a:lnTo>
-                  <a:pt x="3380" y="2094"/>
-                </a:lnTo>
-                <a:lnTo>
-                  <a:pt x="3384" y="2086"/>
-                </a:lnTo>
-                <a:lnTo>
-                  <a:pt x="3384" y="2076"/>
-                </a:lnTo>
-                <a:lnTo>
-                  <a:pt x="3384" y="44"/>
-                </a:lnTo>
-                <a:lnTo>
-                  <a:pt x="3384" y="44"/>
-                </a:lnTo>
-                <a:lnTo>
-                  <a:pt x="3384" y="34"/>
-                </a:lnTo>
-                <a:lnTo>
-                  <a:pt x="3380" y="26"/>
-                </a:lnTo>
-                <a:lnTo>
-                  <a:pt x="3376" y="20"/>
-                </a:lnTo>
-                <a:lnTo>
-                  <a:pt x="3372" y="12"/>
-                </a:lnTo>
-                <a:lnTo>
-                  <a:pt x="3364" y="8"/>
-                </a:lnTo>
-                <a:lnTo>
-                  <a:pt x="3358" y="4"/>
-                </a:lnTo>
-                <a:lnTo>
-                  <a:pt x="3350" y="0"/>
-                </a:lnTo>
-                <a:lnTo>
-                  <a:pt x="3340" y="0"/>
-                </a:lnTo>
-                <a:lnTo>
-                  <a:pt x="3340" y="0"/>
-                </a:lnTo>
-                <a:close/>
-              </a:path>
-            </a:pathLst>
-          </a:custGeom>
-          <a:ln/>
-          <a:extLst>
-            <a:ext uri="{91240B29-F687-4f45-9708-019B960494DF}">
-              <a14:hiddenLine xmlns="" xmlns:a14="http://schemas.microsoft.com/office/drawing/2010/main" w="9525">
-                <a:solidFill>
-                  <a:srgbClr val="000000"/>
-                </a:solidFill>
-                <a:round/>
-                <a:headEnd/>
-                <a:tailEnd/>
-              </a14:hiddenLine>
-            </a:ext>
-          </a:extLst>
-        </p:spPr>
-        <p:style>
-          <a:lnRef idx="1">
-            <a:schemeClr val="accent1"/>
-          </a:lnRef>
-          <a:fillRef idx="3">
-            <a:schemeClr val="accent1"/>
-          </a:fillRef>
-          <a:effectRef idx="2">
-            <a:schemeClr val="accent1"/>
-          </a:effectRef>
-          <a:fontRef idx="minor">
-            <a:schemeClr val="lt1"/>
-          </a:fontRef>
-        </p:style>
-      </p:sp>
-      <p:sp>
-        <p:nvSpPr>
           <p:cNvPr id="2" name="Title 1"/>
           <p:cNvSpPr>
             <a:spLocks noGrp="1"/>
@@ -4167,15 +4637,17 @@
         </p:nvSpPr>
         <p:spPr>
           <a:xfrm>
-            <a:off x="1073151" y="446088"/>
-            <a:ext cx="3547533" cy="1618396"/>
+            <a:off x="1484312" y="1600200"/>
+            <a:ext cx="3549121" cy="1371600"/>
           </a:xfrm>
         </p:spPr>
         <p:txBody>
-          <a:bodyPr anchor="b"/>
+          <a:bodyPr anchor="b">
+            <a:normAutofit/>
+          </a:bodyPr>
           <a:lstStyle>
-            <a:lvl1pPr algn="l">
-              <a:defRPr sz="2000" b="1"/>
+            <a:lvl1pPr algn="ctr">
+              <a:defRPr sz="2400" b="0"/>
             </a:lvl1pPr>
           </a:lstStyle>
           <a:p>
@@ -4199,75 +4671,105 @@
         </p:nvSpPr>
         <p:spPr>
           <a:xfrm>
-            <a:off x="4855633" y="446088"/>
-            <a:ext cx="6252633" cy="5414963"/>
+            <a:off x="5262033" y="685799"/>
+            <a:ext cx="6240990" cy="5105401"/>
+          </a:xfrm>
+        </p:spPr>
+        <p:txBody>
+          <a:bodyPr anchor="ctr">
+            <a:normAutofit/>
+          </a:bodyPr>
+          <a:lstStyle>
+            <a:lvl1pPr>
+              <a:defRPr sz="2000"/>
+            </a:lvl1pPr>
+            <a:lvl2pPr>
+              <a:defRPr sz="1800"/>
+            </a:lvl2pPr>
+            <a:lvl3pPr>
+              <a:defRPr sz="1600"/>
+            </a:lvl3pPr>
+            <a:lvl4pPr>
+              <a:defRPr sz="1400"/>
+            </a:lvl4pPr>
+            <a:lvl5pPr>
+              <a:defRPr sz="1400"/>
+            </a:lvl5pPr>
+            <a:lvl6pPr>
+              <a:defRPr sz="1400"/>
+            </a:lvl6pPr>
+            <a:lvl7pPr>
+              <a:defRPr sz="1400"/>
+            </a:lvl7pPr>
+            <a:lvl8pPr>
+              <a:defRPr sz="1400"/>
+            </a:lvl8pPr>
+            <a:lvl9pPr>
+              <a:defRPr sz="1400"/>
+            </a:lvl9pPr>
+          </a:lstStyle>
+          <a:p>
+            <a:pPr lvl="0"/>
+            <a:r>
+              <a:rPr lang="en-US" smtClean="0"/>
+              <a:t>Click to edit Master text styles</a:t>
+            </a:r>
+          </a:p>
+          <a:p>
+            <a:pPr lvl="1"/>
+            <a:r>
+              <a:rPr lang="en-US" smtClean="0"/>
+              <a:t>Second level</a:t>
+            </a:r>
+          </a:p>
+          <a:p>
+            <a:pPr lvl="2"/>
+            <a:r>
+              <a:rPr lang="en-US" smtClean="0"/>
+              <a:t>Third level</a:t>
+            </a:r>
+          </a:p>
+          <a:p>
+            <a:pPr lvl="3"/>
+            <a:r>
+              <a:rPr lang="en-US" smtClean="0"/>
+              <a:t>Fourth level</a:t>
+            </a:r>
+          </a:p>
+          <a:p>
+            <a:pPr lvl="4"/>
+            <a:r>
+              <a:rPr lang="en-US" smtClean="0"/>
+              <a:t>Fifth level</a:t>
+            </a:r>
+            <a:endParaRPr lang="en-US" dirty="0"/>
+          </a:p>
+        </p:txBody>
+      </p:sp>
+      <p:sp>
+        <p:nvSpPr>
+          <p:cNvPr id="4" name="Text Placeholder 3"/>
+          <p:cNvSpPr>
+            <a:spLocks noGrp="1"/>
+          </p:cNvSpPr>
+          <p:nvPr>
+            <p:ph type="body" sz="half" idx="2"/>
+          </p:nvPr>
+        </p:nvSpPr>
+        <p:spPr>
+          <a:xfrm>
+            <a:off x="1484312" y="2971800"/>
+            <a:ext cx="3549121" cy="1828800"/>
           </a:xfrm>
         </p:spPr>
         <p:txBody>
           <a:bodyPr>
             <a:normAutofit/>
           </a:bodyPr>
-          <a:lstStyle/>
-          <a:p>
-            <a:pPr lvl="0"/>
-            <a:r>
-              <a:rPr lang="en-US" smtClean="0"/>
-              <a:t>Click to edit Master text styles</a:t>
-            </a:r>
-          </a:p>
-          <a:p>
-            <a:pPr lvl="1"/>
-            <a:r>
-              <a:rPr lang="en-US" smtClean="0"/>
-              <a:t>Second level</a:t>
-            </a:r>
-          </a:p>
-          <a:p>
-            <a:pPr lvl="2"/>
-            <a:r>
-              <a:rPr lang="en-US" smtClean="0"/>
-              <a:t>Third level</a:t>
-            </a:r>
-          </a:p>
-          <a:p>
-            <a:pPr lvl="3"/>
-            <a:r>
-              <a:rPr lang="en-US" smtClean="0"/>
-              <a:t>Fourth level</a:t>
-            </a:r>
-          </a:p>
-          <a:p>
-            <a:pPr lvl="4"/>
-            <a:r>
-              <a:rPr lang="en-US" smtClean="0"/>
-              <a:t>Fifth level</a:t>
-            </a:r>
-            <a:endParaRPr lang="en-US" dirty="0"/>
-          </a:p>
-        </p:txBody>
-      </p:sp>
-      <p:sp>
-        <p:nvSpPr>
-          <p:cNvPr id="4" name="Text Placeholder 3"/>
-          <p:cNvSpPr>
-            <a:spLocks noGrp="1"/>
-          </p:cNvSpPr>
-          <p:nvPr>
-            <p:ph type="body" sz="half" idx="2"/>
-          </p:nvPr>
-        </p:nvSpPr>
-        <p:spPr>
-          <a:xfrm>
-            <a:off x="1073151" y="2260738"/>
-            <a:ext cx="3547533" cy="3600311"/>
-          </a:xfrm>
-        </p:spPr>
-        <p:txBody>
-          <a:bodyPr/>
           <a:lstStyle>
-            <a:lvl1pPr marL="0" indent="0">
-              <a:buNone/>
-              <a:defRPr sz="1400"/>
+            <a:lvl1pPr marL="0" indent="0" algn="ctr">
+              <a:buNone/>
+              <a:defRPr sz="1600"/>
             </a:lvl1pPr>
             <a:lvl2pPr marL="457200" indent="0">
               <a:buNone/>
@@ -4327,9 +4829,9 @@
           <a:lstStyle/>
           <a:p>
             <a:fld id="{D0DF5E60-9974-AC48-9591-99C2BB44B7CF}" type="datetimeFigureOut">
-              <a:rPr lang="en-US" dirty="0"/>
+              <a:rPr lang="en-US" smtClean="0"/>
               <a:pPr/>
-              <a:t>8/2/16</a:t>
+              <a:t>8/4/16</a:t>
             </a:fld>
             <a:endParaRPr lang="en-US" dirty="0"/>
           </a:p>
@@ -4370,7 +4872,7 @@
           <a:lstStyle/>
           <a:p>
             <a:fld id="{D57F1E4F-1CFF-5643-939E-217C01CDF565}" type="slidenum">
-              <a:rPr lang="en-US" dirty="0"/>
+              <a:rPr lang="en-US" smtClean="0"/>
               <a:pPr/>
               <a:t>‹#›</a:t>
             </a:fld>
@@ -4379,6 +4881,11 @@
         </p:txBody>
       </p:sp>
     </p:spTree>
+    <p:extLst>
+      <p:ext uri="{BB962C8B-B14F-4D97-AF65-F5344CB8AC3E}">
+        <p14:creationId xmlns:p14="http://schemas.microsoft.com/office/powerpoint/2010/main" val="1678612876"/>
+      </p:ext>
+    </p:extLst>
   </p:cSld>
   <p:clrMapOvr>
     <a:masterClrMapping/>
@@ -4415,8 +4922,8 @@
         </p:nvSpPr>
         <p:spPr>
           <a:xfrm>
-            <a:off x="814728" y="727522"/>
-            <a:ext cx="4852988" cy="1617163"/>
+            <a:off x="1482724" y="1752599"/>
+            <a:ext cx="5426158" cy="1371600"/>
           </a:xfrm>
         </p:spPr>
         <p:txBody>
@@ -4424,8 +4931,8 @@
             <a:normAutofit/>
           </a:bodyPr>
           <a:lstStyle>
-            <a:lvl1pPr algn="l">
-              <a:defRPr sz="2400" b="0"/>
+            <a:lvl1pPr algn="ctr">
+              <a:defRPr sz="2800" b="0"/>
             </a:lvl1pPr>
           </a:lstStyle>
           <a:p>
@@ -4439,140 +4946,123 @@
       </p:sp>
       <p:sp>
         <p:nvSpPr>
-          <p:cNvPr id="9" name="Picture Placeholder 11"/>
+          <p:cNvPr id="14" name="Picture Placeholder 2"/>
           <p:cNvSpPr>
             <a:spLocks noGrp="1" noChangeAspect="1"/>
           </p:cNvSpPr>
           <p:nvPr>
-            <p:ph type="pic" sz="quarter" idx="13"/>
-          </p:nvPr>
-        </p:nvSpPr>
-        <p:spPr bwMode="auto">
-          <a:xfrm>
-            <a:off x="6098117" y="0"/>
-            <a:ext cx="6093883" cy="6858000"/>
-          </a:xfrm>
-          <a:custGeom>
-            <a:avLst/>
-            <a:gdLst/>
-            <a:ahLst/>
-            <a:cxnLst/>
-            <a:rect l="0" t="0" r="r" b="b"/>
-            <a:pathLst>
-              <a:path w="2879" h="4320">
-                <a:moveTo>
-                  <a:pt x="183" y="0"/>
-                </a:moveTo>
-                <a:lnTo>
-                  <a:pt x="183" y="1197"/>
-                </a:lnTo>
-                <a:lnTo>
-                  <a:pt x="8" y="1372"/>
-                </a:lnTo>
-                <a:lnTo>
-                  <a:pt x="8" y="1372"/>
-                </a:lnTo>
-                <a:lnTo>
-                  <a:pt x="6" y="1376"/>
-                </a:lnTo>
-                <a:lnTo>
-                  <a:pt x="3" y="1382"/>
-                </a:lnTo>
-                <a:lnTo>
-                  <a:pt x="0" y="1387"/>
-                </a:lnTo>
-                <a:lnTo>
-                  <a:pt x="0" y="1393"/>
-                </a:lnTo>
-                <a:lnTo>
-                  <a:pt x="0" y="1399"/>
-                </a:lnTo>
-                <a:lnTo>
-                  <a:pt x="3" y="1404"/>
-                </a:lnTo>
-                <a:lnTo>
-                  <a:pt x="6" y="1410"/>
-                </a:lnTo>
-                <a:lnTo>
-                  <a:pt x="8" y="1414"/>
-                </a:lnTo>
-                <a:lnTo>
-                  <a:pt x="183" y="1589"/>
-                </a:lnTo>
-                <a:lnTo>
-                  <a:pt x="183" y="4320"/>
-                </a:lnTo>
-                <a:lnTo>
-                  <a:pt x="2879" y="4320"/>
-                </a:lnTo>
-                <a:lnTo>
-                  <a:pt x="2879" y="0"/>
-                </a:lnTo>
-                <a:lnTo>
-                  <a:pt x="183" y="0"/>
-                </a:lnTo>
-                <a:close/>
-              </a:path>
-            </a:pathLst>
-          </a:custGeom>
-          <a:noFill/>
-          <a:ln w="9525">
-            <a:solidFill>
-              <a:schemeClr val="tx2"/>
-            </a:solidFill>
-            <a:round/>
-            <a:headEnd/>
-            <a:tailEnd/>
-          </a:ln>
-          <a:effectLst/>
-        </p:spPr>
-        <p:txBody>
-          <a:bodyPr wrap="square" numCol="1" anchor="t" anchorCtr="0" compatLnSpc="1">
-            <a:prstTxWarp prst="textNoShape">
-              <a:avLst/>
-            </a:prstTxWarp>
-            <a:normAutofit/>
-          </a:bodyPr>
-          <a:lstStyle>
-            <a:lvl1pPr algn="ctr">
-              <a:buFontTx/>
-              <a:buNone/>
-              <a:defRPr sz="1400"/>
-            </a:lvl1pPr>
-          </a:lstStyle>
-          <a:p>
-            <a:r>
-              <a:rPr lang="en-US" smtClean="0"/>
-              <a:t>Drag picture to placeholder or click icon to add</a:t>
-            </a:r>
-            <a:endParaRPr lang="en-US" dirty="0"/>
-          </a:p>
-        </p:txBody>
-      </p:sp>
-      <p:sp>
-        <p:nvSpPr>
-          <p:cNvPr id="4" name="Text Placeholder 3"/>
-          <p:cNvSpPr>
-            <a:spLocks noGrp="1"/>
-          </p:cNvSpPr>
-          <p:nvPr>
-            <p:ph type="body" sz="half" idx="2"/>
+            <p:ph type="pic" idx="1"/>
           </p:nvPr>
         </p:nvSpPr>
         <p:spPr>
           <a:xfrm>
-            <a:off x="814728" y="2344684"/>
-            <a:ext cx="4852988" cy="3516365"/>
+            <a:off x="7594682" y="914400"/>
+            <a:ext cx="3280974" cy="4572000"/>
           </a:xfrm>
+          <a:prstGeom prst="roundRect">
+            <a:avLst>
+              <a:gd name="adj" fmla="val 4280"/>
+            </a:avLst>
+          </a:prstGeom>
+          <a:ln w="38100">
+            <a:gradFill flip="none" rotWithShape="1">
+              <a:gsLst>
+                <a:gs pos="0">
+                  <a:schemeClr val="bg2"/>
+                </a:gs>
+                <a:gs pos="100000">
+                  <a:schemeClr val="bg2">
+                    <a:lumMod val="75000"/>
+                  </a:schemeClr>
+                </a:gs>
+              </a:gsLst>
+              <a:lin ang="5400000" scaled="0"/>
+              <a:tileRect/>
+            </a:gradFill>
+          </a:ln>
+          <a:effectLst>
+            <a:innerShdw blurRad="57150" dist="38100" dir="14460000">
+              <a:srgbClr val="000000">
+                <a:alpha val="70000"/>
+              </a:srgbClr>
+            </a:innerShdw>
+          </a:effectLst>
         </p:spPr>
         <p:txBody>
           <a:bodyPr anchor="t">
             <a:normAutofit/>
           </a:bodyPr>
           <a:lstStyle>
-            <a:lvl1pPr marL="0" indent="0">
-              <a:buNone/>
-              <a:defRPr sz="1200"/>
+            <a:lvl1pPr marL="0" indent="0" algn="ctr">
+              <a:buNone/>
+              <a:defRPr sz="1600"/>
+            </a:lvl1pPr>
+            <a:lvl2pPr marL="457200" indent="0">
+              <a:buNone/>
+              <a:defRPr sz="1600"/>
+            </a:lvl2pPr>
+            <a:lvl3pPr marL="914400" indent="0">
+              <a:buNone/>
+              <a:defRPr sz="1600"/>
+            </a:lvl3pPr>
+            <a:lvl4pPr marL="1371600" indent="0">
+              <a:buNone/>
+              <a:defRPr sz="1600"/>
+            </a:lvl4pPr>
+            <a:lvl5pPr marL="1828800" indent="0">
+              <a:buNone/>
+              <a:defRPr sz="1600"/>
+            </a:lvl5pPr>
+            <a:lvl6pPr marL="2286000" indent="0">
+              <a:buNone/>
+              <a:defRPr sz="1600"/>
+            </a:lvl6pPr>
+            <a:lvl7pPr marL="2743200" indent="0">
+              <a:buNone/>
+              <a:defRPr sz="1600"/>
+            </a:lvl7pPr>
+            <a:lvl8pPr marL="3200400" indent="0">
+              <a:buNone/>
+              <a:defRPr sz="1600"/>
+            </a:lvl8pPr>
+            <a:lvl9pPr marL="3657600" indent="0">
+              <a:buNone/>
+              <a:defRPr sz="1600"/>
+            </a:lvl9pPr>
+          </a:lstStyle>
+          <a:p>
+            <a:r>
+              <a:rPr lang="en-US" smtClean="0"/>
+              <a:t>Drag picture to placeholder or click icon to add</a:t>
+            </a:r>
+            <a:endParaRPr lang="en-US" dirty="0"/>
+          </a:p>
+        </p:txBody>
+      </p:sp>
+      <p:sp>
+        <p:nvSpPr>
+          <p:cNvPr id="4" name="Text Placeholder 3"/>
+          <p:cNvSpPr>
+            <a:spLocks noGrp="1"/>
+          </p:cNvSpPr>
+          <p:nvPr>
+            <p:ph type="body" sz="half" idx="2"/>
+          </p:nvPr>
+        </p:nvSpPr>
+        <p:spPr>
+          <a:xfrm>
+            <a:off x="1482724" y="3124199"/>
+            <a:ext cx="5426158" cy="1828800"/>
+          </a:xfrm>
+        </p:spPr>
+        <p:txBody>
+          <a:bodyPr>
+            <a:normAutofit/>
+          </a:bodyPr>
+          <a:lstStyle>
+            <a:lvl1pPr marL="0" indent="0" algn="ctr">
+              <a:buNone/>
+              <a:defRPr sz="1800"/>
             </a:lvl1pPr>
             <a:lvl2pPr marL="457200" indent="0">
               <a:buNone/>
@@ -4626,20 +5116,15 @@
             <p:ph type="dt" sz="half" idx="10"/>
           </p:nvPr>
         </p:nvSpPr>
-        <p:spPr>
-          <a:xfrm>
-            <a:off x="3885810" y="6041362"/>
-            <a:ext cx="976879" cy="365125"/>
-          </a:xfrm>
-        </p:spPr>
+        <p:spPr/>
         <p:txBody>
           <a:bodyPr/>
           <a:lstStyle/>
           <a:p>
             <a:fld id="{18C79C5D-2A6F-F04D-97DA-BEF2467B64E4}" type="datetimeFigureOut">
-              <a:rPr lang="en-US" dirty="0"/>
+              <a:rPr lang="en-US" smtClean="0"/>
               <a:pPr/>
-              <a:t>8/2/16</a:t>
+              <a:t>8/4/16</a:t>
             </a:fld>
             <a:endParaRPr lang="en-US" dirty="0"/>
           </a:p>
@@ -4655,12 +5140,7 @@
             <p:ph type="ftr" sz="quarter" idx="11"/>
           </p:nvPr>
         </p:nvSpPr>
-        <p:spPr>
-          <a:xfrm>
-            <a:off x="590396" y="6041362"/>
-            <a:ext cx="3295413" cy="365125"/>
-          </a:xfrm>
-        </p:spPr>
+        <p:spPr/>
         <p:txBody>
           <a:bodyPr/>
           <a:lstStyle/>
@@ -4679,18 +5159,13 @@
             <p:ph type="sldNum" sz="quarter" idx="12"/>
           </p:nvPr>
         </p:nvSpPr>
-        <p:spPr>
-          <a:xfrm>
-            <a:off x="4862689" y="5915888"/>
-            <a:ext cx="1062155" cy="490599"/>
-          </a:xfrm>
-        </p:spPr>
+        <p:spPr/>
         <p:txBody>
           <a:bodyPr/>
           <a:lstStyle/>
           <a:p>
             <a:fld id="{D57F1E4F-1CFF-5643-939E-217C01CDF565}" type="slidenum">
-              <a:rPr lang="en-US" dirty="0"/>
+              <a:rPr lang="en-US" smtClean="0"/>
               <a:pPr/>
               <a:t>‹#›</a:t>
             </a:fld>
@@ -4699,6 +5174,11 @@
         </p:txBody>
       </p:sp>
     </p:spTree>
+    <p:extLst>
+      <p:ext uri="{BB962C8B-B14F-4D97-AF65-F5344CB8AC3E}">
+        <p14:creationId xmlns:p14="http://schemas.microsoft.com/office/powerpoint/2010/main" val="953936293"/>
+      </p:ext>
+    </p:extLst>
   </p:cSld>
   <p:clrMapOvr>
     <a:masterClrMapping/>
@@ -4710,7 +5190,7 @@
 <p:sldMaster xmlns:a="http://schemas.openxmlformats.org/drawingml/2006/main" xmlns:r="http://schemas.openxmlformats.org/officeDocument/2006/relationships" xmlns:p="http://schemas.openxmlformats.org/presentationml/2006/main">
   <p:cSld>
     <p:bg>
-      <p:bgRef idx="1001">
+      <p:bgRef idx="1003">
         <a:schemeClr val="bg2"/>
       </p:bgRef>
     </p:bg>
@@ -4728,6 +5208,322 @@
           <a:chExt cx="0" cy="0"/>
         </a:xfrm>
       </p:grpSpPr>
+      <p:grpSp>
+        <p:nvGrpSpPr>
+          <p:cNvPr id="7" name="Group 6"/>
+          <p:cNvGrpSpPr/>
+          <p:nvPr/>
+        </p:nvGrpSpPr>
+        <p:grpSpPr>
+          <a:xfrm>
+            <a:off x="150812" y="0"/>
+            <a:ext cx="2436813" cy="6858001"/>
+            <a:chOff x="1320800" y="0"/>
+            <a:chExt cx="2436813" cy="6858001"/>
+          </a:xfrm>
+        </p:grpSpPr>
+        <p:sp>
+          <p:nvSpPr>
+            <p:cNvPr id="8" name="Freeform 6"/>
+            <p:cNvSpPr/>
+            <p:nvPr/>
+          </p:nvSpPr>
+          <p:spPr bwMode="auto">
+            <a:xfrm>
+              <a:off x="1627188" y="0"/>
+              <a:ext cx="1122363" cy="5329238"/>
+            </a:xfrm>
+            <a:custGeom>
+              <a:avLst/>
+              <a:gdLst/>
+              <a:ahLst/>
+              <a:cxnLst/>
+              <a:rect l="0" t="0" r="r" b="b"/>
+              <a:pathLst>
+                <a:path w="707" h="3357">
+                  <a:moveTo>
+                    <a:pt x="0" y="3330"/>
+                  </a:moveTo>
+                  <a:lnTo>
+                    <a:pt x="156" y="3357"/>
+                  </a:lnTo>
+                  <a:lnTo>
+                    <a:pt x="707" y="0"/>
+                  </a:lnTo>
+                  <a:lnTo>
+                    <a:pt x="547" y="0"/>
+                  </a:lnTo>
+                  <a:lnTo>
+                    <a:pt x="0" y="3330"/>
+                  </a:lnTo>
+                  <a:close/>
+                </a:path>
+              </a:pathLst>
+            </a:custGeom>
+            <a:solidFill>
+              <a:schemeClr val="accent1"/>
+            </a:solidFill>
+            <a:ln>
+              <a:noFill/>
+            </a:ln>
+          </p:spPr>
+        </p:sp>
+        <p:sp>
+          <p:nvSpPr>
+            <p:cNvPr id="9" name="Freeform 7"/>
+            <p:cNvSpPr/>
+            <p:nvPr/>
+          </p:nvSpPr>
+          <p:spPr bwMode="auto">
+            <a:xfrm>
+              <a:off x="1320800" y="0"/>
+              <a:ext cx="1117600" cy="5276850"/>
+            </a:xfrm>
+            <a:custGeom>
+              <a:avLst/>
+              <a:gdLst/>
+              <a:ahLst/>
+              <a:cxnLst/>
+              <a:rect l="0" t="0" r="r" b="b"/>
+              <a:pathLst>
+                <a:path w="704" h="3324">
+                  <a:moveTo>
+                    <a:pt x="704" y="0"/>
+                  </a:moveTo>
+                  <a:lnTo>
+                    <a:pt x="545" y="0"/>
+                  </a:lnTo>
+                  <a:lnTo>
+                    <a:pt x="0" y="3300"/>
+                  </a:lnTo>
+                  <a:lnTo>
+                    <a:pt x="157" y="3324"/>
+                  </a:lnTo>
+                  <a:lnTo>
+                    <a:pt x="704" y="0"/>
+                  </a:lnTo>
+                  <a:close/>
+                </a:path>
+              </a:pathLst>
+            </a:custGeom>
+            <a:solidFill>
+              <a:schemeClr val="tx1">
+                <a:lumMod val="65000"/>
+                <a:lumOff val="35000"/>
+              </a:schemeClr>
+            </a:solidFill>
+            <a:ln>
+              <a:noFill/>
+            </a:ln>
+          </p:spPr>
+        </p:sp>
+        <p:sp>
+          <p:nvSpPr>
+            <p:cNvPr id="10" name="Freeform 8"/>
+            <p:cNvSpPr/>
+            <p:nvPr/>
+          </p:nvSpPr>
+          <p:spPr bwMode="auto">
+            <a:xfrm>
+              <a:off x="1320800" y="5238750"/>
+              <a:ext cx="1228725" cy="1619250"/>
+            </a:xfrm>
+            <a:custGeom>
+              <a:avLst/>
+              <a:gdLst/>
+              <a:ahLst/>
+              <a:cxnLst/>
+              <a:rect l="0" t="0" r="r" b="b"/>
+              <a:pathLst>
+                <a:path w="774" h="1020">
+                  <a:moveTo>
+                    <a:pt x="0" y="0"/>
+                  </a:moveTo>
+                  <a:lnTo>
+                    <a:pt x="740" y="1020"/>
+                  </a:lnTo>
+                  <a:lnTo>
+                    <a:pt x="774" y="1020"/>
+                  </a:lnTo>
+                  <a:lnTo>
+                    <a:pt x="0" y="0"/>
+                  </a:lnTo>
+                  <a:close/>
+                </a:path>
+              </a:pathLst>
+            </a:custGeom>
+            <a:solidFill>
+              <a:schemeClr val="tx1">
+                <a:lumMod val="85000"/>
+                <a:lumOff val="15000"/>
+              </a:schemeClr>
+            </a:solidFill>
+            <a:ln>
+              <a:noFill/>
+            </a:ln>
+          </p:spPr>
+        </p:sp>
+        <p:sp>
+          <p:nvSpPr>
+            <p:cNvPr id="11" name="Freeform 9"/>
+            <p:cNvSpPr/>
+            <p:nvPr/>
+          </p:nvSpPr>
+          <p:spPr bwMode="auto">
+            <a:xfrm>
+              <a:off x="1627188" y="5291138"/>
+              <a:ext cx="1495425" cy="1566863"/>
+            </a:xfrm>
+            <a:custGeom>
+              <a:avLst/>
+              <a:gdLst/>
+              <a:ahLst/>
+              <a:cxnLst/>
+              <a:rect l="0" t="0" r="r" b="b"/>
+              <a:pathLst>
+                <a:path w="942" h="987">
+                  <a:moveTo>
+                    <a:pt x="0" y="0"/>
+                  </a:moveTo>
+                  <a:lnTo>
+                    <a:pt x="909" y="987"/>
+                  </a:lnTo>
+                  <a:lnTo>
+                    <a:pt x="942" y="987"/>
+                  </a:lnTo>
+                  <a:lnTo>
+                    <a:pt x="0" y="0"/>
+                  </a:lnTo>
+                  <a:close/>
+                </a:path>
+              </a:pathLst>
+            </a:custGeom>
+            <a:solidFill>
+              <a:schemeClr val="accent1">
+                <a:lumMod val="50000"/>
+              </a:schemeClr>
+            </a:solidFill>
+            <a:ln>
+              <a:noFill/>
+            </a:ln>
+          </p:spPr>
+        </p:sp>
+        <p:sp>
+          <p:nvSpPr>
+            <p:cNvPr id="12" name="Freeform 10"/>
+            <p:cNvSpPr/>
+            <p:nvPr/>
+          </p:nvSpPr>
+          <p:spPr bwMode="auto">
+            <a:xfrm>
+              <a:off x="1627188" y="5286375"/>
+              <a:ext cx="2130425" cy="1571625"/>
+            </a:xfrm>
+            <a:custGeom>
+              <a:avLst/>
+              <a:gdLst/>
+              <a:ahLst/>
+              <a:cxnLst/>
+              <a:rect l="0" t="0" r="r" b="b"/>
+              <a:pathLst>
+                <a:path w="1342" h="990">
+                  <a:moveTo>
+                    <a:pt x="0" y="3"/>
+                  </a:moveTo>
+                  <a:lnTo>
+                    <a:pt x="942" y="990"/>
+                  </a:lnTo>
+                  <a:lnTo>
+                    <a:pt x="1342" y="990"/>
+                  </a:lnTo>
+                  <a:lnTo>
+                    <a:pt x="156" y="27"/>
+                  </a:lnTo>
+                  <a:lnTo>
+                    <a:pt x="0" y="0"/>
+                  </a:lnTo>
+                  <a:lnTo>
+                    <a:pt x="0" y="3"/>
+                  </a:lnTo>
+                  <a:close/>
+                </a:path>
+              </a:pathLst>
+            </a:custGeom>
+            <a:solidFill>
+              <a:schemeClr val="accent1">
+                <a:lumMod val="75000"/>
+              </a:schemeClr>
+            </a:solidFill>
+            <a:ln>
+              <a:noFill/>
+            </a:ln>
+          </p:spPr>
+        </p:sp>
+        <p:sp>
+          <p:nvSpPr>
+            <p:cNvPr id="13" name="Freeform 11"/>
+            <p:cNvSpPr/>
+            <p:nvPr/>
+          </p:nvSpPr>
+          <p:spPr bwMode="auto">
+            <a:xfrm>
+              <a:off x="1320800" y="5238750"/>
+              <a:ext cx="1695450" cy="1619250"/>
+            </a:xfrm>
+            <a:custGeom>
+              <a:avLst/>
+              <a:gdLst/>
+              <a:ahLst/>
+              <a:cxnLst/>
+              <a:rect l="0" t="0" r="r" b="b"/>
+              <a:pathLst>
+                <a:path w="1068" h="1020">
+                  <a:moveTo>
+                    <a:pt x="1068" y="1020"/>
+                  </a:moveTo>
+                  <a:lnTo>
+                    <a:pt x="184" y="60"/>
+                  </a:lnTo>
+                  <a:lnTo>
+                    <a:pt x="154" y="27"/>
+                  </a:lnTo>
+                  <a:lnTo>
+                    <a:pt x="157" y="27"/>
+                  </a:lnTo>
+                  <a:lnTo>
+                    <a:pt x="157" y="24"/>
+                  </a:lnTo>
+                  <a:lnTo>
+                    <a:pt x="154" y="24"/>
+                  </a:lnTo>
+                  <a:lnTo>
+                    <a:pt x="0" y="0"/>
+                  </a:lnTo>
+                  <a:lnTo>
+                    <a:pt x="0" y="0"/>
+                  </a:lnTo>
+                  <a:lnTo>
+                    <a:pt x="774" y="1020"/>
+                  </a:lnTo>
+                  <a:lnTo>
+                    <a:pt x="1068" y="1020"/>
+                  </a:lnTo>
+                  <a:close/>
+                </a:path>
+              </a:pathLst>
+            </a:custGeom>
+            <a:solidFill>
+              <a:schemeClr val="tx1">
+                <a:lumMod val="75000"/>
+                <a:lumOff val="25000"/>
+              </a:schemeClr>
+            </a:solidFill>
+            <a:ln>
+              <a:noFill/>
+            </a:ln>
+          </p:spPr>
+        </p:sp>
+      </p:grpSp>
       <p:sp>
         <p:nvSpPr>
           <p:cNvPr id="2" name="Title Placeholder 1"/>
@@ -4740,59 +5536,13 @@
         </p:nvSpPr>
         <p:spPr>
           <a:xfrm>
-            <a:off x="810000" y="447188"/>
-            <a:ext cx="10571998" cy="970450"/>
+            <a:off x="1484311" y="685800"/>
+            <a:ext cx="10018713" cy="1752599"/>
           </a:xfrm>
           <a:prstGeom prst="rect">
             <a:avLst/>
           </a:prstGeom>
-          <a:effectLst>
-            <a:outerShdw blurRad="50800" dir="14400000">
-              <a:srgbClr val="000000">
-                <a:alpha val="60000"/>
-              </a:srgbClr>
-            </a:outerShdw>
-          </a:effectLst>
-        </p:spPr>
-        <p:txBody>
-          <a:bodyPr vert="horz" lIns="91440" tIns="45720" rIns="91440" bIns="45720" rtlCol="0" anchor="b">
-            <a:noAutofit/>
-          </a:bodyPr>
-          <a:lstStyle/>
-          <a:p>
-            <a:r>
-              <a:rPr lang="en-US" smtClean="0"/>
-              <a:t>Click to edit Master title style</a:t>
-            </a:r>
-            <a:endParaRPr lang="en-US" dirty="0"/>
-          </a:p>
-        </p:txBody>
-      </p:sp>
-      <p:sp>
-        <p:nvSpPr>
-          <p:cNvPr id="3" name="Text Placeholder 2"/>
-          <p:cNvSpPr>
-            <a:spLocks noGrp="1"/>
-          </p:cNvSpPr>
-          <p:nvPr>
-            <p:ph type="body" idx="1"/>
-          </p:nvPr>
-        </p:nvSpPr>
-        <p:spPr>
-          <a:xfrm>
-            <a:off x="810000" y="2184401"/>
-            <a:ext cx="10563285" cy="3674397"/>
-          </a:xfrm>
-          <a:prstGeom prst="rect">
-            <a:avLst/>
-          </a:prstGeom>
-          <a:effectLst>
-            <a:outerShdw blurRad="50800" dir="14400000">
-              <a:srgbClr val="000000">
-                <a:alpha val="40000"/>
-              </a:srgbClr>
-            </a:outerShdw>
-          </a:effectLst>
+          <a:effectLst/>
         </p:spPr>
         <p:txBody>
           <a:bodyPr vert="horz" lIns="91440" tIns="45720" rIns="91440" bIns="45720" rtlCol="0" anchor="ctr">
@@ -4800,74 +5550,72 @@
           </a:bodyPr>
           <a:lstStyle/>
           <a:p>
-            <a:pPr lvl="0"/>
-            <a:r>
-              <a:rPr lang="en-US" smtClean="0"/>
-              <a:t>Click to edit Master text styles</a:t>
-            </a:r>
-          </a:p>
-          <a:p>
-            <a:pPr lvl="1"/>
-            <a:r>
-              <a:rPr lang="en-US" smtClean="0"/>
-              <a:t>Second level</a:t>
-            </a:r>
-          </a:p>
-          <a:p>
-            <a:pPr lvl="2"/>
-            <a:r>
-              <a:rPr lang="en-US" smtClean="0"/>
-              <a:t>Third level</a:t>
-            </a:r>
-          </a:p>
-          <a:p>
-            <a:pPr lvl="3"/>
-            <a:r>
-              <a:rPr lang="en-US" smtClean="0"/>
-              <a:t>Fourth level</a:t>
-            </a:r>
-          </a:p>
-          <a:p>
-            <a:pPr lvl="4"/>
-            <a:r>
-              <a:rPr lang="en-US" smtClean="0"/>
-              <a:t>Fifth level</a:t>
-            </a:r>
-            <a:endParaRPr lang="en-US" dirty="0"/>
-          </a:p>
-        </p:txBody>
-      </p:sp>
-      <p:sp>
-        <p:nvSpPr>
-          <p:cNvPr id="5" name="Footer Placeholder 4"/>
-          <p:cNvSpPr>
-            <a:spLocks noGrp="1"/>
-          </p:cNvSpPr>
-          <p:nvPr>
-            <p:ph type="ftr" sz="quarter" idx="3"/>
+            <a:r>
+              <a:rPr lang="en-US" smtClean="0"/>
+              <a:t>Click to edit Master title style</a:t>
+            </a:r>
+            <a:endParaRPr lang="en-US" dirty="0"/>
+          </a:p>
+        </p:txBody>
+      </p:sp>
+      <p:sp>
+        <p:nvSpPr>
+          <p:cNvPr id="3" name="Text Placeholder 2"/>
+          <p:cNvSpPr>
+            <a:spLocks noGrp="1"/>
+          </p:cNvSpPr>
+          <p:nvPr>
+            <p:ph type="body" idx="1"/>
           </p:nvPr>
         </p:nvSpPr>
         <p:spPr>
           <a:xfrm>
-            <a:off x="451514" y="6041362"/>
-            <a:ext cx="8644320" cy="365125"/>
+            <a:off x="1484310" y="2666999"/>
+            <a:ext cx="10018713" cy="3124201"/>
           </a:xfrm>
           <a:prstGeom prst="rect">
             <a:avLst/>
           </a:prstGeom>
         </p:spPr>
         <p:txBody>
-          <a:bodyPr vert="horz" lIns="91440" tIns="45720" rIns="91440" bIns="45720" rtlCol="0" anchor="b"/>
-          <a:lstStyle>
-            <a:lvl1pPr algn="l">
-              <a:defRPr sz="900">
-                <a:solidFill>
-                  <a:schemeClr val="tx1"/>
-                </a:solidFill>
-              </a:defRPr>
-            </a:lvl1pPr>
-          </a:lstStyle>
-          <a:p>
+          <a:bodyPr vert="horz" lIns="91440" tIns="45720" rIns="91440" bIns="45720" rtlCol="0" anchor="ctr">
+            <a:normAutofit/>
+          </a:bodyPr>
+          <a:lstStyle/>
+          <a:p>
+            <a:pPr lvl="0"/>
+            <a:r>
+              <a:rPr lang="en-US" smtClean="0"/>
+              <a:t>Click to edit Master text styles</a:t>
+            </a:r>
+          </a:p>
+          <a:p>
+            <a:pPr lvl="1"/>
+            <a:r>
+              <a:rPr lang="en-US" smtClean="0"/>
+              <a:t>Second level</a:t>
+            </a:r>
+          </a:p>
+          <a:p>
+            <a:pPr lvl="2"/>
+            <a:r>
+              <a:rPr lang="en-US" smtClean="0"/>
+              <a:t>Third level</a:t>
+            </a:r>
+          </a:p>
+          <a:p>
+            <a:pPr lvl="3"/>
+            <a:r>
+              <a:rPr lang="en-US" smtClean="0"/>
+              <a:t>Fourth level</a:t>
+            </a:r>
+          </a:p>
+          <a:p>
+            <a:pPr lvl="4"/>
+            <a:r>
+              <a:rPr lang="en-US" smtClean="0"/>
+              <a:t>Fifth level</a:t>
+            </a:r>
             <a:endParaRPr lang="en-US" dirty="0"/>
           </a:p>
         </p:txBody>
@@ -4884,29 +5632,31 @@
         </p:nvSpPr>
         <p:spPr>
           <a:xfrm>
-            <a:off x="9334626" y="6041362"/>
-            <a:ext cx="1343706" cy="365125"/>
+            <a:off x="9732656" y="5883275"/>
+            <a:ext cx="1143000" cy="365125"/>
           </a:xfrm>
           <a:prstGeom prst="rect">
             <a:avLst/>
           </a:prstGeom>
         </p:spPr>
         <p:txBody>
-          <a:bodyPr vert="horz" lIns="91440" tIns="45720" rIns="91440" bIns="45720" rtlCol="0" anchor="b"/>
+          <a:bodyPr vert="horz" lIns="91440" tIns="45720" rIns="91440" bIns="45720" rtlCol="0" anchor="ctr"/>
           <a:lstStyle>
             <a:lvl1pPr algn="r">
-              <a:defRPr sz="900">
+              <a:defRPr sz="1000" b="0" i="0">
                 <a:solidFill>
                   <a:schemeClr val="tx1"/>
                 </a:solidFill>
+                <a:effectLst/>
+                <a:latin typeface="+mn-lt"/>
               </a:defRPr>
             </a:lvl1pPr>
           </a:lstStyle>
           <a:p>
             <a:fld id="{09B482E8-6E0E-1B4F-B1FD-C69DB9E858D9}" type="datetimeFigureOut">
-              <a:rPr lang="en-US" dirty="0"/>
+              <a:rPr lang="en-US" smtClean="0"/>
               <a:pPr/>
-              <a:t>8/2/16</a:t>
+              <a:t>8/4/16</a:t>
             </a:fld>
             <a:endParaRPr lang="en-US" dirty="0"/>
           </a:p>
@@ -4914,37 +5664,76 @@
       </p:sp>
       <p:sp>
         <p:nvSpPr>
-          <p:cNvPr id="6" name="Slide Number Placeholder 5"/>
-          <p:cNvSpPr>
-            <a:spLocks noGrp="1"/>
-          </p:cNvSpPr>
-          <p:nvPr>
-            <p:ph type="sldNum" sz="quarter" idx="4"/>
+          <p:cNvPr id="5" name="Footer Placeholder 4"/>
+          <p:cNvSpPr>
+            <a:spLocks noGrp="1"/>
+          </p:cNvSpPr>
+          <p:nvPr>
+            <p:ph type="ftr" sz="quarter" idx="3"/>
           </p:nvPr>
         </p:nvSpPr>
         <p:spPr>
           <a:xfrm>
-            <a:off x="10678331" y="5915888"/>
-            <a:ext cx="1062155" cy="490599"/>
+            <a:off x="2572279" y="5883275"/>
+            <a:ext cx="7084177" cy="365125"/>
           </a:xfrm>
           <a:prstGeom prst="rect">
             <a:avLst/>
           </a:prstGeom>
         </p:spPr>
         <p:txBody>
-          <a:bodyPr vert="horz" lIns="91440" tIns="45720" rIns="91440" bIns="10800" rtlCol="0" anchor="b"/>
+          <a:bodyPr vert="horz" lIns="91440" tIns="45720" rIns="91440" bIns="45720" rtlCol="0" anchor="ctr"/>
+          <a:lstStyle>
+            <a:lvl1pPr algn="l">
+              <a:defRPr sz="1000" b="0" i="0">
+                <a:solidFill>
+                  <a:schemeClr val="tx1"/>
+                </a:solidFill>
+                <a:effectLst/>
+                <a:latin typeface="+mn-lt"/>
+              </a:defRPr>
+            </a:lvl1pPr>
+          </a:lstStyle>
+          <a:p>
+            <a:endParaRPr lang="en-US" dirty="0"/>
+          </a:p>
+        </p:txBody>
+      </p:sp>
+      <p:sp>
+        <p:nvSpPr>
+          <p:cNvPr id="6" name="Slide Number Placeholder 5"/>
+          <p:cNvSpPr>
+            <a:spLocks noGrp="1"/>
+          </p:cNvSpPr>
+          <p:nvPr>
+            <p:ph type="sldNum" sz="quarter" idx="4"/>
+          </p:nvPr>
+        </p:nvSpPr>
+        <p:spPr>
+          <a:xfrm>
+            <a:off x="10951856" y="5883275"/>
+            <a:ext cx="551167" cy="365125"/>
+          </a:xfrm>
+          <a:prstGeom prst="rect">
+            <a:avLst/>
+          </a:prstGeom>
+        </p:spPr>
+        <p:txBody>
+          <a:bodyPr vert="horz" lIns="91440" tIns="45720" rIns="91440" bIns="45720" rtlCol="0" anchor="ctr"/>
           <a:lstStyle>
             <a:lvl1pPr algn="r">
-              <a:defRPr sz="2000">
-                <a:solidFill>
-                  <a:schemeClr val="accent1"/>
-                </a:solidFill>
+              <a:defRPr sz="1000" b="0" i="0">
+                <a:solidFill>
+                  <a:schemeClr val="tx1"/>
+                </a:solidFill>
+                <a:effectLst/>
+                <a:latin typeface="+mn-lt"/>
               </a:defRPr>
             </a:lvl1pPr>
           </a:lstStyle>
           <a:p>
             <a:fld id="{D57F1E4F-1CFF-5643-939E-217C01CDF565}" type="slidenum">
-              <a:rPr lang="en-US" dirty="0"/>
+              <a:rPr lang="en-US" smtClean="0"/>
               <a:pPr/>
               <a:t>‹#›</a:t>
             </a:fld>
@@ -4953,36 +5742,48 @@
         </p:txBody>
       </p:sp>
     </p:spTree>
+    <p:extLst>
+      <p:ext uri="{BB962C8B-B14F-4D97-AF65-F5344CB8AC3E}">
+        <p14:creationId xmlns:p14="http://schemas.microsoft.com/office/powerpoint/2010/main" val="674950448"/>
+      </p:ext>
+    </p:extLst>
   </p:cSld>
-  <p:clrMap bg1="dk1" tx1="lt1" bg2="dk2" tx2="lt2" accent1="accent1" accent2="accent2" accent3="accent3" accent4="accent4" accent5="accent5" accent6="accent6" hlink="hlink" folHlink="folHlink"/>
+  <p:clrMap bg1="lt1" tx1="dk1" bg2="lt2" tx2="dk2" accent1="accent1" accent2="accent2" accent3="accent3" accent4="accent4" accent5="accent5" accent6="accent6" hlink="hlink" folHlink="folHlink"/>
   <p:sldLayoutIdLst>
-    <p:sldLayoutId id="2147483649" r:id="rId1"/>
-    <p:sldLayoutId id="2147483650" r:id="rId2"/>
-    <p:sldLayoutId id="2147483651" r:id="rId3"/>
-    <p:sldLayoutId id="2147483652" r:id="rId4"/>
-    <p:sldLayoutId id="2147483653" r:id="rId5"/>
-    <p:sldLayoutId id="2147483654" r:id="rId6"/>
-    <p:sldLayoutId id="2147483655" r:id="rId7"/>
-    <p:sldLayoutId id="2147483656" r:id="rId8"/>
-    <p:sldLayoutId id="2147483663" r:id="rId9"/>
-    <p:sldLayoutId id="2147483657" r:id="rId10"/>
-    <p:sldLayoutId id="2147483666" r:id="rId11"/>
-    <p:sldLayoutId id="2147483661" r:id="rId12"/>
-    <p:sldLayoutId id="2147483658" r:id="rId13"/>
-    <p:sldLayoutId id="2147483659" r:id="rId14"/>
+    <p:sldLayoutId id="2147483704" r:id="rId1"/>
+    <p:sldLayoutId id="2147483705" r:id="rId2"/>
+    <p:sldLayoutId id="2147483706" r:id="rId3"/>
+    <p:sldLayoutId id="2147483707" r:id="rId4"/>
+    <p:sldLayoutId id="2147483708" r:id="rId5"/>
+    <p:sldLayoutId id="2147483709" r:id="rId6"/>
+    <p:sldLayoutId id="2147483710" r:id="rId7"/>
+    <p:sldLayoutId id="2147483711" r:id="rId8"/>
+    <p:sldLayoutId id="2147483712" r:id="rId9"/>
+    <p:sldLayoutId id="2147483713" r:id="rId10"/>
+    <p:sldLayoutId id="2147483714" r:id="rId11"/>
+    <p:sldLayoutId id="2147483715" r:id="rId12"/>
+    <p:sldLayoutId id="2147483716" r:id="rId13"/>
+    <p:sldLayoutId id="2147483717" r:id="rId14"/>
+    <p:sldLayoutId id="2147483718" r:id="rId15"/>
+    <p:sldLayoutId id="2147483719" r:id="rId16"/>
+    <p:sldLayoutId id="2147483720" r:id="rId17"/>
   </p:sldLayoutIdLst>
   <p:hf sldNum="0" hdr="0" ftr="0" dt="0"/>
   <p:txStyles>
     <p:titleStyle>
-      <a:lvl1pPr algn="l" defTabSz="457200" rtl="0" eaLnBrk="1" latinLnBrk="0" hangingPunct="1">
+      <a:lvl1pPr algn="ctr" defTabSz="457200" rtl="0" eaLnBrk="1" latinLnBrk="0" hangingPunct="1">
         <a:spcBef>
           <a:spcPct val="0"/>
         </a:spcBef>
         <a:buNone/>
-        <a:defRPr sz="4000" b="1" kern="1200">
+        <a:defRPr sz="4000" kern="1200" cap="none">
+          <a:ln w="3175" cmpd="sng">
+            <a:noFill/>
+          </a:ln>
           <a:solidFill>
-            <a:srgbClr val="FEFEFE"/>
+            <a:schemeClr val="tx1"/>
           </a:solidFill>
+          <a:effectLst/>
           <a:latin typeface="+mj-lt"/>
           <a:ea typeface="+mj-ea"/>
           <a:cs typeface="+mj-cs"/>
@@ -5046,7 +5847,7 @@
       </a:lvl9pPr>
     </p:titleStyle>
     <p:bodyStyle>
-      <a:lvl1pPr marL="342900" indent="-342900" algn="l" defTabSz="457200" rtl="0" eaLnBrk="1" latinLnBrk="0" hangingPunct="1">
+      <a:lvl1pPr marL="285750" indent="-285750" algn="l" defTabSz="457200" rtl="0" eaLnBrk="1" latinLnBrk="0" hangingPunct="1">
         <a:spcBef>
           <a:spcPct val="20000"/>
         </a:spcBef>
@@ -5054,14 +5855,18 @@
           <a:spcPts val="600"/>
         </a:spcAft>
         <a:buClr>
-          <a:schemeClr val="accent1"/>
+          <a:schemeClr val="accent1">
+            <a:lumMod val="75000"/>
+          </a:schemeClr>
         </a:buClr>
-        <a:buFont typeface="Wingdings 2" charset="2"/>
-        <a:buChar char=""/>
-        <a:defRPr sz="1800" kern="1200">
+        <a:buSzPct val="145000"/>
+        <a:buFont typeface="Arial"/>
+        <a:buChar char="•"/>
+        <a:defRPr sz="2400" kern="1200" cap="none">
           <a:solidFill>
             <a:schemeClr val="tx1"/>
           </a:solidFill>
+          <a:effectLst/>
           <a:latin typeface="+mn-lt"/>
           <a:ea typeface="+mn-ea"/>
           <a:cs typeface="+mn-cs"/>
@@ -5075,20 +5880,24 @@
           <a:spcPts val="600"/>
         </a:spcAft>
         <a:buClr>
-          <a:schemeClr val="accent1"/>
+          <a:schemeClr val="accent1">
+            <a:lumMod val="75000"/>
+          </a:schemeClr>
         </a:buClr>
-        <a:buFont typeface="Wingdings 2" charset="2"/>
-        <a:buChar char=""/>
-        <a:defRPr sz="1600" kern="1200">
+        <a:buSzPct val="145000"/>
+        <a:buFont typeface="Arial"/>
+        <a:buChar char="•"/>
+        <a:defRPr sz="2000" kern="1200" cap="none">
           <a:solidFill>
             <a:schemeClr val="tx1"/>
           </a:solidFill>
+          <a:effectLst/>
           <a:latin typeface="+mn-lt"/>
           <a:ea typeface="+mn-ea"/>
           <a:cs typeface="+mn-cs"/>
         </a:defRPr>
       </a:lvl2pPr>
-      <a:lvl3pPr marL="1143000" indent="-228600" algn="l" defTabSz="457200" rtl="0" eaLnBrk="1" latinLnBrk="0" hangingPunct="1">
+      <a:lvl3pPr marL="1200150" indent="-285750" algn="l" defTabSz="457200" rtl="0" eaLnBrk="1" latinLnBrk="0" hangingPunct="1">
         <a:spcBef>
           <a:spcPct val="20000"/>
         </a:spcBef>
@@ -5096,20 +5905,24 @@
           <a:spcPts val="600"/>
         </a:spcAft>
         <a:buClr>
-          <a:schemeClr val="accent1"/>
+          <a:schemeClr val="accent1">
+            <a:lumMod val="75000"/>
+          </a:schemeClr>
         </a:buClr>
-        <a:buFont typeface="Wingdings 2" charset="2"/>
-        <a:buChar char=""/>
-        <a:defRPr sz="1400" kern="1200">
+        <a:buSzPct val="145000"/>
+        <a:buFont typeface="Arial"/>
+        <a:buChar char="•"/>
+        <a:defRPr sz="1800" kern="1200" cap="none">
           <a:solidFill>
             <a:schemeClr val="tx1"/>
           </a:solidFill>
+          <a:effectLst/>
           <a:latin typeface="+mn-lt"/>
           <a:ea typeface="+mn-ea"/>
           <a:cs typeface="+mn-cs"/>
         </a:defRPr>
       </a:lvl3pPr>
-      <a:lvl4pPr marL="1600200" indent="-228600" algn="l" defTabSz="457200" rtl="0" eaLnBrk="1" latinLnBrk="0" hangingPunct="1">
+      <a:lvl4pPr marL="1543050" indent="-171450" algn="l" defTabSz="457200" rtl="0" eaLnBrk="1" latinLnBrk="0" hangingPunct="1">
         <a:spcBef>
           <a:spcPct val="20000"/>
         </a:spcBef>
@@ -5117,20 +5930,24 @@
           <a:spcPts val="600"/>
         </a:spcAft>
         <a:buClr>
-          <a:schemeClr val="accent1"/>
+          <a:schemeClr val="accent1">
+            <a:lumMod val="75000"/>
+          </a:schemeClr>
         </a:buClr>
-        <a:buFont typeface="Wingdings 2" charset="2"/>
-        <a:buChar char=""/>
-        <a:defRPr sz="1200" kern="1200">
+        <a:buSzPct val="145000"/>
+        <a:buFont typeface="Arial"/>
+        <a:buChar char="•"/>
+        <a:defRPr sz="1600" kern="1200" cap="none">
           <a:solidFill>
             <a:schemeClr val="tx1"/>
           </a:solidFill>
+          <a:effectLst/>
           <a:latin typeface="+mn-lt"/>
           <a:ea typeface="+mn-ea"/>
           <a:cs typeface="+mn-cs"/>
         </a:defRPr>
       </a:lvl4pPr>
-      <a:lvl5pPr marL="2057400" indent="-228600" algn="l" defTabSz="457200" rtl="0" eaLnBrk="1" latinLnBrk="0" hangingPunct="1">
+      <a:lvl5pPr marL="2000250" indent="-171450" algn="l" defTabSz="457200" rtl="0" eaLnBrk="1" latinLnBrk="0" hangingPunct="1">
         <a:spcBef>
           <a:spcPct val="20000"/>
         </a:spcBef>
@@ -5138,20 +5955,24 @@
           <a:spcPts val="600"/>
         </a:spcAft>
         <a:buClr>
-          <a:schemeClr val="accent1"/>
+          <a:schemeClr val="accent1">
+            <a:lumMod val="75000"/>
+          </a:schemeClr>
         </a:buClr>
-        <a:buFont typeface="Wingdings 2" charset="2"/>
-        <a:buChar char=""/>
-        <a:defRPr sz="1200" kern="1200">
+        <a:buSzPct val="145000"/>
+        <a:buFont typeface="Arial"/>
+        <a:buChar char="•"/>
+        <a:defRPr sz="1400" kern="1200" cap="none">
           <a:solidFill>
             <a:schemeClr val="tx1"/>
           </a:solidFill>
+          <a:effectLst/>
           <a:latin typeface="+mn-lt"/>
           <a:ea typeface="+mn-ea"/>
           <a:cs typeface="+mn-cs"/>
         </a:defRPr>
       </a:lvl5pPr>
-      <a:lvl6pPr marL="2400000" indent="-228600" algn="l" defTabSz="457200" rtl="0" eaLnBrk="1" latinLnBrk="0" hangingPunct="1">
+      <a:lvl6pPr marL="2514600" indent="-228600" algn="l" defTabSz="457200" rtl="0" eaLnBrk="1" latinLnBrk="0" hangingPunct="1">
         <a:spcBef>
           <a:spcPct val="20000"/>
         </a:spcBef>
@@ -5159,20 +5980,24 @@
           <a:spcPts val="600"/>
         </a:spcAft>
         <a:buClr>
-          <a:schemeClr val="accent1"/>
+          <a:schemeClr val="accent1">
+            <a:lumMod val="75000"/>
+          </a:schemeClr>
         </a:buClr>
-        <a:buFont typeface="Wingdings 2" charset="2"/>
-        <a:buChar char=""/>
-        <a:defRPr sz="1200" kern="1200">
+        <a:buSzPct val="145000"/>
+        <a:buFont typeface="Arial"/>
+        <a:buChar char="•"/>
+        <a:defRPr sz="1400" kern="1200" cap="none">
           <a:solidFill>
             <a:schemeClr val="tx1"/>
           </a:solidFill>
+          <a:effectLst/>
           <a:latin typeface="+mn-lt"/>
           <a:ea typeface="+mn-ea"/>
           <a:cs typeface="+mn-cs"/>
         </a:defRPr>
       </a:lvl6pPr>
-      <a:lvl7pPr marL="2800000" indent="-228600" algn="l" defTabSz="457200" rtl="0" eaLnBrk="1" latinLnBrk="0" hangingPunct="1">
+      <a:lvl7pPr marL="2971800" indent="-228600" algn="l" defTabSz="457200" rtl="0" eaLnBrk="1" latinLnBrk="0" hangingPunct="1">
         <a:spcBef>
           <a:spcPct val="20000"/>
         </a:spcBef>
@@ -5180,20 +6005,24 @@
           <a:spcPts val="600"/>
         </a:spcAft>
         <a:buClr>
-          <a:schemeClr val="accent1"/>
+          <a:schemeClr val="accent1">
+            <a:lumMod val="75000"/>
+          </a:schemeClr>
         </a:buClr>
-        <a:buFont typeface="Wingdings 2" charset="2"/>
-        <a:buChar char=""/>
-        <a:defRPr sz="1200" kern="1200">
+        <a:buSzPct val="145000"/>
+        <a:buFont typeface="Arial"/>
+        <a:buChar char="•"/>
+        <a:defRPr sz="1400" kern="1200" cap="none">
           <a:solidFill>
             <a:schemeClr val="tx1"/>
           </a:solidFill>
+          <a:effectLst/>
           <a:latin typeface="+mn-lt"/>
           <a:ea typeface="+mn-ea"/>
           <a:cs typeface="+mn-cs"/>
         </a:defRPr>
       </a:lvl7pPr>
-      <a:lvl8pPr marL="3200000" indent="-228600" algn="l" defTabSz="457200" rtl="0" eaLnBrk="1" latinLnBrk="0" hangingPunct="1">
+      <a:lvl8pPr marL="3429000" indent="-228600" algn="l" defTabSz="457200" rtl="0" eaLnBrk="1" latinLnBrk="0" hangingPunct="1">
         <a:spcBef>
           <a:spcPct val="20000"/>
         </a:spcBef>
@@ -5201,20 +6030,24 @@
           <a:spcPts val="600"/>
         </a:spcAft>
         <a:buClr>
-          <a:schemeClr val="accent1"/>
+          <a:schemeClr val="accent1">
+            <a:lumMod val="75000"/>
+          </a:schemeClr>
         </a:buClr>
-        <a:buFont typeface="Wingdings 2" charset="2"/>
-        <a:buChar char=""/>
-        <a:defRPr sz="1200" kern="1200">
+        <a:buSzPct val="145000"/>
+        <a:buFont typeface="Arial"/>
+        <a:buChar char="•"/>
+        <a:defRPr sz="1400" kern="1200" cap="none">
           <a:solidFill>
             <a:schemeClr val="tx1"/>
           </a:solidFill>
+          <a:effectLst/>
           <a:latin typeface="+mn-lt"/>
           <a:ea typeface="+mn-ea"/>
           <a:cs typeface="+mn-cs"/>
         </a:defRPr>
       </a:lvl8pPr>
-      <a:lvl9pPr marL="3600000" indent="-228600" algn="l" defTabSz="457200" rtl="0" eaLnBrk="1" latinLnBrk="0" hangingPunct="1">
+      <a:lvl9pPr marL="3886200" indent="-228600" algn="l" defTabSz="457200" rtl="0" eaLnBrk="1" latinLnBrk="0" hangingPunct="1">
         <a:spcBef>
           <a:spcPct val="20000"/>
         </a:spcBef>
@@ -5222,14 +6055,18 @@
           <a:spcPts val="600"/>
         </a:spcAft>
         <a:buClr>
-          <a:schemeClr val="accent1"/>
+          <a:schemeClr val="accent1">
+            <a:lumMod val="75000"/>
+          </a:schemeClr>
         </a:buClr>
-        <a:buFont typeface="Wingdings 2" charset="2"/>
-        <a:buChar char=""/>
-        <a:defRPr sz="1200" kern="1200">
+        <a:buSzPct val="145000"/>
+        <a:buFont typeface="Arial"/>
+        <a:buChar char="•"/>
+        <a:defRPr sz="1400" kern="1200" cap="none">
           <a:solidFill>
             <a:schemeClr val="tx1"/>
           </a:solidFill>
+          <a:effectLst/>
           <a:latin typeface="+mn-lt"/>
           <a:ea typeface="+mn-ea"/>
           <a:cs typeface="+mn-cs"/>
@@ -5394,7 +6231,21 @@
           <a:p>
             <a:r>
               <a:rPr lang="en-US" dirty="0" smtClean="0"/>
-              <a:t>Chris Michael | Galvanize Seattle Cohort 4</a:t>
+              <a:t>Chris Michael | Galvanize </a:t>
+            </a:r>
+            <a:r>
+              <a:rPr lang="en-US" dirty="0" smtClean="0"/>
+              <a:t>Data Science Immersive </a:t>
+            </a:r>
+          </a:p>
+          <a:p>
+            <a:r>
+              <a:rPr lang="en-US" dirty="0" smtClean="0"/>
+              <a:t>Seattle </a:t>
+            </a:r>
+            <a:r>
+              <a:rPr lang="en-US" dirty="0" smtClean="0"/>
+              <a:t>Cohort 4</a:t>
             </a:r>
           </a:p>
         </p:txBody>
@@ -5403,6 +6254,159 @@
     <p:extLst>
       <p:ext uri="{BB962C8B-B14F-4D97-AF65-F5344CB8AC3E}">
         <p14:creationId xmlns:p14="http://schemas.microsoft.com/office/powerpoint/2010/main" val="176539212"/>
+      </p:ext>
+    </p:extLst>
+  </p:cSld>
+  <p:clrMapOvr>
+    <a:masterClrMapping/>
+  </p:clrMapOvr>
+</p:sld>
+</file>
+
+<file path=ppt/slides/slide10.xml><?xml version="1.0" encoding="utf-8"?>
+<p:sld xmlns:a="http://schemas.openxmlformats.org/drawingml/2006/main" xmlns:r="http://schemas.openxmlformats.org/officeDocument/2006/relationships" xmlns:p="http://schemas.openxmlformats.org/presentationml/2006/main">
+  <p:cSld>
+    <p:spTree>
+      <p:nvGrpSpPr>
+        <p:cNvPr id="1" name=""/>
+        <p:cNvGrpSpPr/>
+        <p:nvPr/>
+      </p:nvGrpSpPr>
+      <p:grpSpPr>
+        <a:xfrm>
+          <a:off x="0" y="0"/>
+          <a:ext cx="0" cy="0"/>
+          <a:chOff x="0" y="0"/>
+          <a:chExt cx="0" cy="0"/>
+        </a:xfrm>
+      </p:grpSpPr>
+      <p:sp>
+        <p:nvSpPr>
+          <p:cNvPr id="2" name="Title 1"/>
+          <p:cNvSpPr>
+            <a:spLocks noGrp="1"/>
+          </p:cNvSpPr>
+          <p:nvPr>
+            <p:ph type="title"/>
+          </p:nvPr>
+        </p:nvSpPr>
+        <p:spPr/>
+        <p:txBody>
+          <a:bodyPr/>
+          <a:lstStyle/>
+          <a:p>
+            <a:r>
+              <a:rPr lang="en-US" dirty="0" err="1" smtClean="0"/>
+              <a:t>Refrences</a:t>
+            </a:r>
+            <a:endParaRPr lang="en-US" dirty="0"/>
+          </a:p>
+        </p:txBody>
+      </p:sp>
+      <p:sp>
+        <p:nvSpPr>
+          <p:cNvPr id="3" name="Content Placeholder 2"/>
+          <p:cNvSpPr>
+            <a:spLocks noGrp="1"/>
+          </p:cNvSpPr>
+          <p:nvPr>
+            <p:ph idx="1"/>
+          </p:nvPr>
+        </p:nvSpPr>
+        <p:spPr/>
+        <p:txBody>
+          <a:bodyPr>
+            <a:normAutofit/>
+          </a:bodyPr>
+          <a:lstStyle/>
+          <a:p>
+            <a:r>
+              <a:rPr lang="en-US" dirty="0" smtClean="0"/>
+              <a:t>REFRENCES</a:t>
+            </a:r>
+            <a:endParaRPr lang="en-US" dirty="0" smtClean="0"/>
+          </a:p>
+          <a:p>
+            <a:pPr lvl="1"/>
+            <a:r>
+              <a:rPr lang="en-US" dirty="0" smtClean="0"/>
+              <a:t>Cross </a:t>
+            </a:r>
+            <a:r>
+              <a:rPr lang="en-US" dirty="0"/>
+              <a:t>Industry Standard Process for Data Mining. (2016, March 29). </a:t>
+            </a:r>
+            <a:r>
+              <a:rPr lang="en-US" dirty="0" err="1"/>
+              <a:t>In</a:t>
+            </a:r>
+            <a:r>
+              <a:rPr lang="en-US" i="1" dirty="0" err="1"/>
+              <a:t>Wikipedia</a:t>
+            </a:r>
+            <a:r>
+              <a:rPr lang="en-US" i="1" dirty="0"/>
+              <a:t>, The Free Encyclopedia</a:t>
+            </a:r>
+            <a:r>
+              <a:rPr lang="en-US" dirty="0"/>
+              <a:t>. Retrieved 15:56, August 2, 2016, from </a:t>
+            </a:r>
+            <a:r>
+              <a:rPr lang="en-US" dirty="0">
+                <a:hlinkClick r:id="rId2"/>
+              </a:rPr>
+              <a:t>https://</a:t>
+            </a:r>
+            <a:r>
+              <a:rPr lang="en-US" dirty="0" smtClean="0">
+                <a:hlinkClick r:id="rId2"/>
+              </a:rPr>
+              <a:t>en.wikipedia.org/w/index.php?title=Cross_Industry_Standard_Process_for_Data_Mining&amp;oldid=712521431</a:t>
+            </a:r>
+            <a:endParaRPr lang="en-US" dirty="0" smtClean="0"/>
+          </a:p>
+          <a:p>
+            <a:pPr lvl="1"/>
+            <a:r>
+              <a:rPr lang="en-US" dirty="0">
+                <a:hlinkClick r:id="rId3"/>
+              </a:rPr>
+              <a:t>https://</a:t>
+            </a:r>
+            <a:r>
+              <a:rPr lang="en-US" dirty="0" smtClean="0">
+                <a:hlinkClick r:id="rId3"/>
+              </a:rPr>
+              <a:t>www.kaggle.com/c/word2vec-nlp-tutorial/details/part-2-word-vectors</a:t>
+            </a:r>
+            <a:endParaRPr lang="en-US" dirty="0" smtClean="0"/>
+          </a:p>
+          <a:p>
+            <a:pPr lvl="1"/>
+            <a:r>
+              <a:rPr lang="en-US" dirty="0">
+                <a:hlinkClick r:id="rId4"/>
+              </a:rPr>
+              <a:t>https://</a:t>
+            </a:r>
+            <a:r>
+              <a:rPr lang="en-US" dirty="0" smtClean="0">
+                <a:hlinkClick r:id="rId4"/>
+              </a:rPr>
+              <a:t>pypi.python.org/pypi/pyzipcode</a:t>
+            </a:r>
+            <a:endParaRPr lang="en-US" dirty="0" smtClean="0"/>
+          </a:p>
+          <a:p>
+            <a:endParaRPr lang="en-US" dirty="0"/>
+          </a:p>
+        </p:txBody>
+      </p:sp>
+    </p:spTree>
+    <p:extLst>
+      <p:ext uri="{BB962C8B-B14F-4D97-AF65-F5344CB8AC3E}">
+        <p14:creationId xmlns:p14="http://schemas.microsoft.com/office/powerpoint/2010/main" val="786246462"/>
       </p:ext>
     </p:extLst>
   </p:cSld>
@@ -5469,22 +6473,27 @@
           <a:p>
             <a:r>
               <a:rPr lang="en-US" dirty="0" smtClean="0"/>
+              <a:t>Introduction</a:t>
+            </a:r>
+          </a:p>
+          <a:p>
+            <a:r>
+              <a:rPr lang="en-US" dirty="0" smtClean="0"/>
               <a:t>Objective</a:t>
             </a:r>
+            <a:endParaRPr lang="en-US" dirty="0" smtClean="0"/>
           </a:p>
           <a:p>
             <a:r>
               <a:rPr lang="en-US" dirty="0" smtClean="0"/>
               <a:t>Data / Data Pipeline</a:t>
             </a:r>
-            <a:endParaRPr lang="en-US" dirty="0" smtClean="0"/>
           </a:p>
           <a:p>
             <a:r>
               <a:rPr lang="en-US" dirty="0" smtClean="0"/>
               <a:t>Modeling</a:t>
             </a:r>
-            <a:endParaRPr lang="en-US" dirty="0" smtClean="0"/>
           </a:p>
           <a:p>
             <a:r>
@@ -5548,45 +6557,60 @@
           <a:p>
             <a:r>
               <a:rPr lang="en-US" dirty="0" smtClean="0"/>
-              <a:t>Objective</a:t>
-            </a:r>
-            <a:endParaRPr lang="en-US" dirty="0"/>
-          </a:p>
-        </p:txBody>
-      </p:sp>
-      <p:pic>
-        <p:nvPicPr>
-          <p:cNvPr id="4" name="Content Placeholder 3"/>
-          <p:cNvPicPr>
-            <a:picLocks noGrp="1" noChangeAspect="1"/>
-          </p:cNvPicPr>
+              <a:t>Introduction</a:t>
+            </a:r>
+            <a:endParaRPr lang="en-US" dirty="0"/>
+          </a:p>
+        </p:txBody>
+      </p:sp>
+      <p:sp>
+        <p:nvSpPr>
+          <p:cNvPr id="3" name="Content Placeholder 2"/>
+          <p:cNvSpPr>
+            <a:spLocks noGrp="1"/>
+          </p:cNvSpPr>
           <p:nvPr>
             <p:ph idx="1"/>
           </p:nvPr>
-        </p:nvPicPr>
-        <p:blipFill>
-          <a:blip r:embed="rId2">
-            <a:extLst>
-              <a:ext uri="{28A0092B-C50C-407E-A947-70E740481C1C}">
-                <a14:useLocalDpi xmlns:a14="http://schemas.microsoft.com/office/drawing/2010/main" val="0"/>
-              </a:ext>
-            </a:extLst>
-          </a:blip>
-          <a:stretch>
-            <a:fillRect/>
-          </a:stretch>
-        </p:blipFill>
-        <p:spPr>
-          <a:xfrm>
-            <a:off x="3831772" y="1837372"/>
-            <a:ext cx="4778829" cy="4788784"/>
-          </a:xfrm>
-        </p:spPr>
-      </p:pic>
+        </p:nvSpPr>
+        <p:spPr/>
+        <p:txBody>
+          <a:bodyPr/>
+          <a:lstStyle/>
+          <a:p>
+            <a:r>
+              <a:rPr lang="en-US" dirty="0" smtClean="0"/>
+              <a:t>About me:</a:t>
+            </a:r>
+          </a:p>
+          <a:p>
+            <a:pPr lvl="1"/>
+            <a:r>
+              <a:rPr lang="en-US" dirty="0" smtClean="0"/>
+              <a:t>Mechanical Engineering (BSME)/</a:t>
+            </a:r>
+            <a:r>
+              <a:rPr lang="en-US" dirty="0" err="1" smtClean="0"/>
+              <a:t>Electrophysicist</a:t>
+            </a:r>
+            <a:r>
+              <a:rPr lang="en-US" dirty="0" smtClean="0"/>
+              <a:t> (MSEE)</a:t>
+            </a:r>
+          </a:p>
+          <a:p>
+            <a:pPr lvl="1"/>
+            <a:r>
+              <a:rPr lang="en-US" dirty="0" smtClean="0"/>
+              <a:t>Lead Landing Gear Analyst – 787, 777X</a:t>
+            </a:r>
+          </a:p>
+        </p:txBody>
+      </p:sp>
     </p:spTree>
     <p:extLst>
       <p:ext uri="{BB962C8B-B14F-4D97-AF65-F5344CB8AC3E}">
-        <p14:creationId xmlns:p14="http://schemas.microsoft.com/office/powerpoint/2010/main" val="1312687995"/>
+        <p14:creationId xmlns:p14="http://schemas.microsoft.com/office/powerpoint/2010/main" val="1424461010"/>
       </p:ext>
     </p:extLst>
   </p:cSld>
@@ -5630,12 +6654,41 @@
           <a:p>
             <a:r>
               <a:rPr lang="en-US" dirty="0" smtClean="0"/>
-              <a:t>Data / Data Pipeline</a:t>
-            </a:r>
-            <a:endParaRPr lang="en-US" dirty="0"/>
-          </a:p>
-        </p:txBody>
-      </p:sp>
+              <a:t>Objective</a:t>
+            </a:r>
+            <a:endParaRPr lang="en-US" dirty="0"/>
+          </a:p>
+        </p:txBody>
+      </p:sp>
+      <p:pic>
+        <p:nvPicPr>
+          <p:cNvPr id="4" name="Content Placeholder 3"/>
+          <p:cNvPicPr>
+            <a:picLocks noGrp="1" noChangeAspect="1"/>
+          </p:cNvPicPr>
+          <p:nvPr>
+            <p:ph sz="half" idx="1"/>
+          </p:nvPr>
+        </p:nvPicPr>
+        <p:blipFill>
+          <a:blip r:embed="rId2">
+            <a:extLst>
+              <a:ext uri="{28A0092B-C50C-407E-A947-70E740481C1C}">
+                <a14:useLocalDpi xmlns:a14="http://schemas.microsoft.com/office/drawing/2010/main" val="0"/>
+              </a:ext>
+            </a:extLst>
+          </a:blip>
+          <a:stretch>
+            <a:fillRect/>
+          </a:stretch>
+        </p:blipFill>
+        <p:spPr>
+          <a:xfrm>
+            <a:off x="7458046" y="2024742"/>
+            <a:ext cx="4044978" cy="4053405"/>
+          </a:xfrm>
+        </p:spPr>
+      </p:pic>
       <p:sp>
         <p:nvSpPr>
           <p:cNvPr id="3" name="Content Placeholder 2"/>
@@ -5643,22 +6696,31 @@
             <a:spLocks noGrp="1"/>
           </p:cNvSpPr>
           <p:nvPr>
-            <p:ph idx="1"/>
-          </p:nvPr>
-        </p:nvSpPr>
-        <p:spPr/>
+            <p:ph sz="half" idx="2"/>
+          </p:nvPr>
+        </p:nvSpPr>
+        <p:spPr>
+          <a:xfrm>
+            <a:off x="1643743" y="2133600"/>
+            <a:ext cx="5189309" cy="3561588"/>
+          </a:xfrm>
+        </p:spPr>
         <p:txBody>
           <a:bodyPr/>
           <a:lstStyle/>
           <a:p>
-            <a:endParaRPr lang="en-US"/>
+            <a:r>
+              <a:rPr lang="en-US" dirty="0" smtClean="0"/>
+              <a:t>Can Machine Learning be used to predict the result of a complaint levied against a company?</a:t>
+            </a:r>
+            <a:endParaRPr lang="en-US" dirty="0"/>
           </a:p>
         </p:txBody>
       </p:sp>
     </p:spTree>
     <p:extLst>
       <p:ext uri="{BB962C8B-B14F-4D97-AF65-F5344CB8AC3E}">
-        <p14:creationId xmlns:p14="http://schemas.microsoft.com/office/powerpoint/2010/main" val="221429157"/>
+        <p14:creationId xmlns:p14="http://schemas.microsoft.com/office/powerpoint/2010/main" val="1312687995"/>
       </p:ext>
     </p:extLst>
   </p:cSld>
@@ -5695,42 +6757,265 @@
             <p:ph type="title"/>
           </p:nvPr>
         </p:nvSpPr>
-        <p:spPr/>
+        <p:spPr>
+          <a:xfrm>
+            <a:off x="1544783" y="233215"/>
+            <a:ext cx="3549121" cy="1371600"/>
+          </a:xfrm>
+        </p:spPr>
         <p:txBody>
           <a:bodyPr/>
           <a:lstStyle/>
           <a:p>
             <a:r>
-              <a:rPr lang="en-US" dirty="0" smtClean="0"/>
-              <a:t>Modeling</a:t>
-            </a:r>
-            <a:endParaRPr lang="en-US" dirty="0"/>
-          </a:p>
-        </p:txBody>
-      </p:sp>
-      <p:sp>
-        <p:nvSpPr>
-          <p:cNvPr id="3" name="Content Placeholder 2"/>
-          <p:cNvSpPr>
-            <a:spLocks noGrp="1"/>
-          </p:cNvSpPr>
+              <a:rPr lang="en-US" b="1" dirty="0" smtClean="0"/>
+              <a:t>Data / Data </a:t>
+            </a:r>
+            <a:r>
+              <a:rPr lang="en-US" b="1" dirty="0" smtClean="0"/>
+              <a:t>Pipeline</a:t>
+            </a:r>
+            <a:endParaRPr lang="en-US" b="1" dirty="0"/>
+          </a:p>
+        </p:txBody>
+      </p:sp>
+      <p:pic>
+        <p:nvPicPr>
+          <p:cNvPr id="5" name="Content Placeholder 4"/>
+          <p:cNvPicPr>
+            <a:picLocks noGrp="1" noChangeAspect="1"/>
+          </p:cNvPicPr>
           <p:nvPr>
             <p:ph idx="1"/>
           </p:nvPr>
-        </p:nvSpPr>
-        <p:spPr/>
-        <p:txBody>
-          <a:bodyPr/>
-          <a:lstStyle/>
-          <a:p>
-            <a:endParaRPr lang="en-US"/>
-          </a:p>
-        </p:txBody>
-      </p:sp>
+        </p:nvPicPr>
+        <p:blipFill>
+          <a:blip r:embed="rId2">
+            <a:extLst>
+              <a:ext uri="{28A0092B-C50C-407E-A947-70E740481C1C}">
+                <a14:useLocalDpi xmlns:a14="http://schemas.microsoft.com/office/drawing/2010/main" val="0"/>
+              </a:ext>
+            </a:extLst>
+          </a:blip>
+          <a:stretch>
+            <a:fillRect/>
+          </a:stretch>
+        </p:blipFill>
+        <p:spPr>
+          <a:xfrm>
+            <a:off x="9011920" y="295274"/>
+            <a:ext cx="2794000" cy="1990725"/>
+          </a:xfrm>
+        </p:spPr>
+      </p:pic>
+      <p:sp>
+        <p:nvSpPr>
+          <p:cNvPr id="4" name="Text Placeholder 3"/>
+          <p:cNvSpPr>
+            <a:spLocks noGrp="1"/>
+          </p:cNvSpPr>
+          <p:nvPr>
+            <p:ph type="body" sz="half" idx="2"/>
+          </p:nvPr>
+        </p:nvSpPr>
+        <p:spPr>
+          <a:xfrm>
+            <a:off x="1228076" y="1677698"/>
+            <a:ext cx="4671278" cy="3170904"/>
+          </a:xfrm>
+        </p:spPr>
+        <p:txBody>
+          <a:bodyPr>
+            <a:noAutofit/>
+          </a:bodyPr>
+          <a:lstStyle/>
+          <a:p>
+            <a:pPr marL="285750" indent="-285750">
+              <a:buFont typeface="Arial" charset="0"/>
+              <a:buChar char="•"/>
+            </a:pPr>
+            <a:r>
+              <a:rPr lang="en-US" sz="1800" dirty="0"/>
+              <a:t>Data from the Consumer Financial Protection Bureau (</a:t>
+            </a:r>
+            <a:r>
+              <a:rPr lang="en-US" sz="1800" dirty="0" smtClean="0"/>
+              <a:t>CPFB</a:t>
+            </a:r>
+            <a:r>
+              <a:rPr lang="en-US" sz="1800" dirty="0"/>
+              <a:t>) was very clean.  </a:t>
+            </a:r>
+          </a:p>
+          <a:p>
+            <a:pPr marL="285750" indent="-285750">
+              <a:buFont typeface="Arial" charset="0"/>
+              <a:buChar char="•"/>
+            </a:pPr>
+            <a:r>
+              <a:rPr lang="en-US" sz="1800" dirty="0"/>
+              <a:t>Data converted from categorical descriptions to numerical values for use in models</a:t>
+            </a:r>
+          </a:p>
+          <a:p>
+            <a:pPr marL="285750" indent="-285750">
+              <a:buFont typeface="Arial" charset="0"/>
+              <a:buChar char="•"/>
+            </a:pPr>
+            <a:r>
+              <a:rPr lang="en-US" sz="1800" dirty="0"/>
+              <a:t>Text was cleaned and modified for </a:t>
+            </a:r>
+            <a:r>
+              <a:rPr lang="en-US" sz="1800" dirty="0" smtClean="0"/>
+              <a:t>processing</a:t>
+            </a:r>
+          </a:p>
+          <a:p>
+            <a:pPr marL="285750" indent="-285750">
+              <a:buFont typeface="Arial" charset="0"/>
+              <a:buChar char="•"/>
+            </a:pPr>
+            <a:r>
+              <a:rPr lang="en-US" sz="1800" b="1" dirty="0" smtClean="0">
+                <a:solidFill>
+                  <a:srgbClr val="FF0000"/>
+                </a:solidFill>
+              </a:rPr>
+              <a:t>Data is 80% “No”, 20% “Yes”</a:t>
+            </a:r>
+            <a:endParaRPr lang="en-US" sz="1800" b="1" dirty="0">
+              <a:solidFill>
+                <a:srgbClr val="FF0000"/>
+              </a:solidFill>
+            </a:endParaRPr>
+          </a:p>
+        </p:txBody>
+      </p:sp>
+      <p:pic>
+        <p:nvPicPr>
+          <p:cNvPr id="6" name="Picture 5"/>
+          <p:cNvPicPr>
+            <a:picLocks noChangeAspect="1"/>
+          </p:cNvPicPr>
+          <p:nvPr/>
+        </p:nvPicPr>
+        <p:blipFill>
+          <a:blip r:embed="rId3">
+            <a:extLst>
+              <a:ext uri="{28A0092B-C50C-407E-A947-70E740481C1C}">
+                <a14:useLocalDpi xmlns:a14="http://schemas.microsoft.com/office/drawing/2010/main" val="0"/>
+              </a:ext>
+            </a:extLst>
+          </a:blip>
+          <a:stretch>
+            <a:fillRect/>
+          </a:stretch>
+        </p:blipFill>
+        <p:spPr>
+          <a:xfrm>
+            <a:off x="6044032" y="233186"/>
+            <a:ext cx="2823210" cy="1297305"/>
+          </a:xfrm>
+          <a:prstGeom prst="rect">
+            <a:avLst/>
+          </a:prstGeom>
+        </p:spPr>
+      </p:pic>
+      <p:pic>
+        <p:nvPicPr>
+          <p:cNvPr id="7" name="Picture 6"/>
+          <p:cNvPicPr>
+            <a:picLocks noChangeAspect="1"/>
+          </p:cNvPicPr>
+          <p:nvPr/>
+        </p:nvPicPr>
+        <p:blipFill>
+          <a:blip r:embed="rId4">
+            <a:extLst>
+              <a:ext uri="{28A0092B-C50C-407E-A947-70E740481C1C}">
+                <a14:useLocalDpi xmlns:a14="http://schemas.microsoft.com/office/drawing/2010/main" val="0"/>
+              </a:ext>
+            </a:extLst>
+          </a:blip>
+          <a:stretch>
+            <a:fillRect/>
+          </a:stretch>
+        </p:blipFill>
+        <p:spPr>
+          <a:xfrm>
+            <a:off x="6439637" y="1707196"/>
+            <a:ext cx="2032000" cy="2032000"/>
+          </a:xfrm>
+          <a:prstGeom prst="rect">
+            <a:avLst/>
+          </a:prstGeom>
+        </p:spPr>
+      </p:pic>
+      <p:pic>
+        <p:nvPicPr>
+          <p:cNvPr id="8" name="Picture 7"/>
+          <p:cNvPicPr>
+            <a:picLocks noChangeAspect="1"/>
+          </p:cNvPicPr>
+          <p:nvPr/>
+        </p:nvPicPr>
+        <p:blipFill>
+          <a:blip r:embed="rId5">
+            <a:extLst>
+              <a:ext uri="{28A0092B-C50C-407E-A947-70E740481C1C}">
+                <a14:useLocalDpi xmlns:a14="http://schemas.microsoft.com/office/drawing/2010/main" val="0"/>
+              </a:ext>
+            </a:extLst>
+          </a:blip>
+          <a:stretch>
+            <a:fillRect/>
+          </a:stretch>
+        </p:blipFill>
+        <p:spPr>
+          <a:xfrm>
+            <a:off x="8964234" y="4087269"/>
+            <a:ext cx="2814320" cy="1524000"/>
+          </a:xfrm>
+          <a:prstGeom prst="rect">
+            <a:avLst/>
+          </a:prstGeom>
+        </p:spPr>
+      </p:pic>
+      <p:pic>
+        <p:nvPicPr>
+          <p:cNvPr id="9" name="Picture 8"/>
+          <p:cNvPicPr>
+            <a:picLocks noChangeAspect="1"/>
+          </p:cNvPicPr>
+          <p:nvPr/>
+        </p:nvPicPr>
+        <p:blipFill>
+          <a:blip r:embed="rId6">
+            <a:extLst>
+              <a:ext uri="{28A0092B-C50C-407E-A947-70E740481C1C}">
+                <a14:useLocalDpi xmlns:a14="http://schemas.microsoft.com/office/drawing/2010/main" val="0"/>
+              </a:ext>
+            </a:extLst>
+          </a:blip>
+          <a:stretch>
+            <a:fillRect/>
+          </a:stretch>
+        </p:blipFill>
+        <p:spPr>
+          <a:xfrm>
+            <a:off x="9204960" y="2455114"/>
+            <a:ext cx="2600960" cy="1463040"/>
+          </a:xfrm>
+          <a:prstGeom prst="rect">
+            <a:avLst/>
+          </a:prstGeom>
+        </p:spPr>
+      </p:pic>
     </p:spTree>
     <p:extLst>
       <p:ext uri="{BB962C8B-B14F-4D97-AF65-F5344CB8AC3E}">
-        <p14:creationId xmlns:p14="http://schemas.microsoft.com/office/powerpoint/2010/main" val="98859348"/>
+        <p14:creationId xmlns:p14="http://schemas.microsoft.com/office/powerpoint/2010/main" val="221429157"/>
       </p:ext>
     </p:extLst>
   </p:cSld>
@@ -5767,6 +7052,36 @@
             <p:ph type="title"/>
           </p:nvPr>
         </p:nvSpPr>
+        <p:spPr>
+          <a:xfrm>
+            <a:off x="1484311" y="685801"/>
+            <a:ext cx="10018713" cy="685800"/>
+          </a:xfrm>
+        </p:spPr>
+        <p:txBody>
+          <a:bodyPr>
+            <a:normAutofit fontScale="90000"/>
+          </a:bodyPr>
+          <a:lstStyle/>
+          <a:p>
+            <a:r>
+              <a:rPr lang="en-US" dirty="0" smtClean="0"/>
+              <a:t>Modeling</a:t>
+            </a:r>
+            <a:endParaRPr lang="en-US" dirty="0"/>
+          </a:p>
+        </p:txBody>
+      </p:sp>
+      <p:sp>
+        <p:nvSpPr>
+          <p:cNvPr id="3" name="Content Placeholder 2"/>
+          <p:cNvSpPr>
+            <a:spLocks noGrp="1"/>
+          </p:cNvSpPr>
+          <p:nvPr>
+            <p:ph idx="1"/>
+          </p:nvPr>
+        </p:nvSpPr>
         <p:spPr/>
         <p:txBody>
           <a:bodyPr/>
@@ -5774,35 +7089,59 @@
           <a:p>
             <a:r>
               <a:rPr lang="en-US" dirty="0" smtClean="0"/>
-              <a:t>Results</a:t>
-            </a:r>
-            <a:endParaRPr lang="en-US" dirty="0"/>
-          </a:p>
-        </p:txBody>
-      </p:sp>
-      <p:sp>
-        <p:nvSpPr>
-          <p:cNvPr id="3" name="Content Placeholder 2"/>
-          <p:cNvSpPr>
-            <a:spLocks noGrp="1"/>
-          </p:cNvSpPr>
-          <p:nvPr>
-            <p:ph idx="1"/>
-          </p:nvPr>
-        </p:nvSpPr>
-        <p:spPr/>
-        <p:txBody>
-          <a:bodyPr/>
-          <a:lstStyle/>
-          <a:p>
-            <a:endParaRPr lang="en-US"/>
+              <a:t>A baseline model using non-text features was run to check</a:t>
+            </a:r>
+          </a:p>
+          <a:p>
+            <a:pPr lvl="1"/>
+            <a:r>
+              <a:rPr lang="en-US" dirty="0" smtClean="0">
+                <a:solidFill>
+                  <a:srgbClr val="FF0000"/>
+                </a:solidFill>
+              </a:rPr>
+              <a:t>MODEL:</a:t>
+            </a:r>
+          </a:p>
+          <a:p>
+            <a:r>
+              <a:rPr lang="en-US" dirty="0" smtClean="0"/>
+              <a:t>Multiple NLP approaches were preformed:</a:t>
+            </a:r>
+          </a:p>
+          <a:p>
+            <a:pPr lvl="1"/>
+            <a:r>
+              <a:rPr lang="en-US" dirty="0" smtClean="0">
+                <a:solidFill>
+                  <a:srgbClr val="FF0000"/>
+                </a:solidFill>
+              </a:rPr>
+              <a:t>MODEL:</a:t>
+            </a:r>
+          </a:p>
+          <a:p>
+            <a:pPr lvl="1"/>
+            <a:r>
+              <a:rPr lang="en-US" dirty="0" smtClean="0">
+                <a:solidFill>
+                  <a:srgbClr val="FF0000"/>
+                </a:solidFill>
+              </a:rPr>
+              <a:t>MODEL:</a:t>
+            </a:r>
+            <a:endParaRPr lang="en-US" dirty="0">
+              <a:solidFill>
+                <a:srgbClr val="FF0000"/>
+              </a:solidFill>
+            </a:endParaRPr>
           </a:p>
         </p:txBody>
       </p:sp>
     </p:spTree>
     <p:extLst>
       <p:ext uri="{BB962C8B-B14F-4D97-AF65-F5344CB8AC3E}">
-        <p14:creationId xmlns:p14="http://schemas.microsoft.com/office/powerpoint/2010/main" val="2089921519"/>
+        <p14:creationId xmlns:p14="http://schemas.microsoft.com/office/powerpoint/2010/main" val="98859348"/>
       </p:ext>
     </p:extLst>
   </p:cSld>
@@ -5846,7 +7185,7 @@
           <a:p>
             <a:r>
               <a:rPr lang="en-US" dirty="0" smtClean="0"/>
-              <a:t>Recommendations</a:t>
+              <a:t>Results</a:t>
             </a:r>
             <a:endParaRPr lang="en-US" dirty="0"/>
           </a:p>
@@ -5867,14 +7206,81 @@
           <a:bodyPr/>
           <a:lstStyle/>
           <a:p>
-            <a:endParaRPr lang="en-US"/>
+            <a:r>
+              <a:rPr lang="en-US" dirty="0"/>
+              <a:t>A baseline model using non-text features was run to check</a:t>
+            </a:r>
+          </a:p>
+          <a:p>
+            <a:pPr lvl="1"/>
+            <a:r>
+              <a:rPr lang="en-US" dirty="0"/>
+              <a:t>Best Model:  </a:t>
+            </a:r>
+            <a:r>
+              <a:rPr lang="en-US" dirty="0">
+                <a:solidFill>
+                  <a:srgbClr val="FF0000"/>
+                </a:solidFill>
+              </a:rPr>
+              <a:t>SOMETHING NOT AS COOL</a:t>
+            </a:r>
+          </a:p>
+          <a:p>
+            <a:r>
+              <a:rPr lang="en-US" dirty="0"/>
+              <a:t>Multiple NLP approaches were preformed:</a:t>
+            </a:r>
+          </a:p>
+          <a:p>
+            <a:pPr lvl="1"/>
+            <a:r>
+              <a:rPr lang="en-US" dirty="0"/>
+              <a:t>TF-IDF:  </a:t>
+            </a:r>
+            <a:r>
+              <a:rPr lang="en-US" dirty="0">
+                <a:solidFill>
+                  <a:srgbClr val="FF0000"/>
+                </a:solidFill>
+              </a:rPr>
+              <a:t>SOMETHING COOLER!!!</a:t>
+            </a:r>
+          </a:p>
+          <a:p>
+            <a:pPr lvl="1"/>
+            <a:r>
+              <a:rPr lang="en-US" dirty="0"/>
+              <a:t>Word2Vec: </a:t>
+            </a:r>
+            <a:r>
+              <a:rPr lang="en-US" dirty="0">
+                <a:solidFill>
+                  <a:srgbClr val="FF0000"/>
+                </a:solidFill>
+              </a:rPr>
+              <a:t>SOMETHING COOLER</a:t>
+            </a:r>
+            <a:r>
+              <a:rPr lang="en-US" dirty="0" smtClean="0">
+                <a:solidFill>
+                  <a:srgbClr val="FF0000"/>
+                </a:solidFill>
+              </a:rPr>
+              <a:t>!!!</a:t>
+            </a:r>
+            <a:endParaRPr lang="en-US" dirty="0">
+              <a:solidFill>
+                <a:srgbClr val="FF0000"/>
+              </a:solidFill>
+            </a:endParaRPr>
           </a:p>
         </p:txBody>
       </p:sp>
     </p:spTree>
     <p:extLst>
       <p:ext uri="{BB962C8B-B14F-4D97-AF65-F5344CB8AC3E}">
-        <p14:creationId xmlns:p14="http://schemas.microsoft.com/office/powerpoint/2010/main" val="4437093"/>
+        <p14:creationId xmlns:p14="http://schemas.microsoft.com/office/powerpoint/2010/main" val="2089921519"/>
       </p:ext>
     </p:extLst>
   </p:cSld>
@@ -5917,8 +7323,120 @@
           <a:lstStyle/>
           <a:p>
             <a:r>
+              <a:rPr lang="en-US" dirty="0" smtClean="0"/>
+              <a:t>Recommendations/Next Steps</a:t>
+            </a:r>
+            <a:endParaRPr lang="en-US" dirty="0"/>
+          </a:p>
+        </p:txBody>
+      </p:sp>
+      <p:sp>
+        <p:nvSpPr>
+          <p:cNvPr id="3" name="Content Placeholder 2"/>
+          <p:cNvSpPr>
+            <a:spLocks noGrp="1"/>
+          </p:cNvSpPr>
+          <p:nvPr>
+            <p:ph idx="1"/>
+          </p:nvPr>
+        </p:nvSpPr>
+        <p:spPr/>
+        <p:txBody>
+          <a:bodyPr>
+            <a:normAutofit/>
+          </a:bodyPr>
+          <a:lstStyle/>
+          <a:p>
+            <a:r>
+              <a:rPr lang="en-US" dirty="0" smtClean="0"/>
+              <a:t>Using the predictive power of the model, a company could address the situations where they provide some sort of </a:t>
+            </a:r>
+            <a:r>
               <a:rPr lang="en-US" dirty="0" err="1" smtClean="0"/>
-              <a:t>Refrences</a:t>
+              <a:t>releif</a:t>
+            </a:r>
+            <a:r>
+              <a:rPr lang="en-US" dirty="0" smtClean="0"/>
+              <a:t> (monetary or other) and determine the most economic was to do so </a:t>
+            </a:r>
+          </a:p>
+          <a:p>
+            <a:r>
+              <a:rPr lang="en-US" dirty="0" smtClean="0"/>
+              <a:t>NEXT STEPS:</a:t>
+            </a:r>
+          </a:p>
+          <a:p>
+            <a:pPr lvl="1"/>
+            <a:r>
+              <a:rPr lang="en-US" dirty="0" smtClean="0"/>
+              <a:t>Look into time ranges, specific products</a:t>
+            </a:r>
+          </a:p>
+          <a:p>
+            <a:pPr lvl="2"/>
+            <a:r>
+              <a:rPr lang="en-US" dirty="0" smtClean="0"/>
+              <a:t>Does some product drive a company to provide ”relief”</a:t>
+            </a:r>
+          </a:p>
+          <a:p>
+            <a:pPr lvl="2"/>
+            <a:r>
+              <a:rPr lang="en-US" dirty="0" smtClean="0"/>
+              <a:t>Does the time taken to process a complaint drive the result of providing “relief”</a:t>
+            </a:r>
+          </a:p>
+        </p:txBody>
+      </p:sp>
+    </p:spTree>
+    <p:extLst>
+      <p:ext uri="{BB962C8B-B14F-4D97-AF65-F5344CB8AC3E}">
+        <p14:creationId xmlns:p14="http://schemas.microsoft.com/office/powerpoint/2010/main" val="4437093"/>
+      </p:ext>
+    </p:extLst>
+  </p:cSld>
+  <p:clrMapOvr>
+    <a:masterClrMapping/>
+  </p:clrMapOvr>
+</p:sld>
+</file>
+
+<file path=ppt/slides/slide9.xml><?xml version="1.0" encoding="utf-8"?>
+<p:sld xmlns:a="http://schemas.openxmlformats.org/drawingml/2006/main" xmlns:r="http://schemas.openxmlformats.org/officeDocument/2006/relationships" xmlns:p="http://schemas.openxmlformats.org/presentationml/2006/main">
+  <p:cSld>
+    <p:spTree>
+      <p:nvGrpSpPr>
+        <p:cNvPr id="1" name=""/>
+        <p:cNvGrpSpPr/>
+        <p:nvPr/>
+      </p:nvGrpSpPr>
+      <p:grpSpPr>
+        <a:xfrm>
+          <a:off x="0" y="0"/>
+          <a:ext cx="0" cy="0"/>
+          <a:chOff x="0" y="0"/>
+          <a:chExt cx="0" cy="0"/>
+        </a:xfrm>
+      </p:grpSpPr>
+      <p:sp>
+        <p:nvSpPr>
+          <p:cNvPr id="2" name="Title 1"/>
+          <p:cNvSpPr>
+            <a:spLocks noGrp="1"/>
+          </p:cNvSpPr>
+          <p:nvPr>
+            <p:ph type="title"/>
+          </p:nvPr>
+        </p:nvSpPr>
+        <p:spPr/>
+        <p:txBody>
+          <a:bodyPr/>
+          <a:lstStyle/>
+          <a:p>
+            <a:r>
+              <a:rPr lang="en-US" dirty="0" smtClean="0"/>
+              <a:t>Project/Contact Info</a:t>
             </a:r>
             <a:endParaRPr lang="en-US" dirty="0"/>
           </a:p>
@@ -5936,66 +7454,24 @@
         </p:nvSpPr>
         <p:spPr/>
         <p:txBody>
-          <a:bodyPr/>
-          <a:lstStyle/>
+          <a:bodyPr>
+            <a:normAutofit fontScale="92500" lnSpcReduction="20000"/>
+          </a:bodyPr>
+          <a:lstStyle/>
+          <a:p>
+            <a:r>
+              <a:rPr lang="en-US" sz="2500" b="1" dirty="0" smtClean="0"/>
+              <a:t>Chris Michael</a:t>
+            </a:r>
+          </a:p>
           <a:p>
             <a:r>
               <a:rPr lang="en-US" dirty="0" smtClean="0"/>
-              <a:t>CODE LOCATION</a:t>
+              <a:t>Project – Consumer Complaint Analysis</a:t>
             </a:r>
           </a:p>
           <a:p>
             <a:pPr lvl="1"/>
-            <a:r>
-              <a:rPr lang="en-US" dirty="0"/>
-              <a:t>https://</a:t>
-            </a:r>
-            <a:r>
-              <a:rPr lang="en-US" dirty="0" err="1"/>
-              <a:t>github.com</a:t>
-            </a:r>
-            <a:r>
-              <a:rPr lang="en-US" dirty="0"/>
-              <a:t>/ChrisMichael11/</a:t>
-            </a:r>
-            <a:r>
-              <a:rPr lang="en-US" dirty="0" err="1"/>
-              <a:t>Consumer_Complaint_Project</a:t>
-            </a:r>
-            <a:endParaRPr lang="en-US" dirty="0"/>
-          </a:p>
-          <a:p>
-            <a:r>
-              <a:rPr lang="en-US" dirty="0" smtClean="0"/>
-              <a:t>REFRENCES</a:t>
-            </a:r>
-          </a:p>
-          <a:p>
-            <a:pPr lvl="1"/>
-            <a:r>
-              <a:rPr lang="en-US" dirty="0" smtClean="0"/>
-              <a:t>Cross </a:t>
-            </a:r>
-            <a:r>
-              <a:rPr lang="en-US" dirty="0"/>
-              <a:t>Industry Standard Process for Data Mining. (2016, March 29). </a:t>
-            </a:r>
-            <a:r>
-              <a:rPr lang="en-US" dirty="0" err="1"/>
-              <a:t>In</a:t>
-            </a:r>
-            <a:r>
-              <a:rPr lang="en-US" i="1" dirty="0" err="1"/>
-              <a:t>Wikipedia</a:t>
-            </a:r>
-            <a:r>
-              <a:rPr lang="en-US" i="1" dirty="0"/>
-              <a:t>, The Free Encyclopedia</a:t>
-            </a:r>
-            <a:r>
-              <a:rPr lang="en-US" dirty="0"/>
-              <a:t>. Retrieved 15:56, August 2, 2016, from </a:t>
-            </a:r>
             <a:r>
               <a:rPr lang="en-US" dirty="0">
                 <a:hlinkClick r:id="rId2"/>
@@ -6006,43 +7482,55 @@
               <a:rPr lang="en-US" dirty="0" smtClean="0">
                 <a:hlinkClick r:id="rId2"/>
               </a:rPr>
-              <a:t>en.wikipedia.org/w/index.php?title=Cross_Industry_Standard_Process_for_Data_Mining&amp;oldid=712521431</a:t>
-            </a:r>
-            <a:endParaRPr lang="en-US" dirty="0" smtClean="0"/>
+              <a:t>github.com/ChrisMichael11/Consumer_Complaint_Project</a:t>
+            </a:r>
+            <a:endParaRPr lang="en-US" dirty="0"/>
+          </a:p>
+          <a:p>
+            <a:r>
+              <a:rPr lang="en-US" dirty="0" smtClean="0"/>
+              <a:t>LinkedIn:</a:t>
+            </a:r>
+          </a:p>
+          <a:p>
+            <a:pPr lvl="1" fontAlgn="base"/>
+            <a:r>
+              <a:rPr lang="en-US" dirty="0"/>
+              <a:t>https://</a:t>
+            </a:r>
+            <a:r>
+              <a:rPr lang="en-US" dirty="0" err="1"/>
+              <a:t>www.linkedin.com</a:t>
+            </a:r>
+            <a:r>
+              <a:rPr lang="en-US" dirty="0"/>
+              <a:t>/in/</a:t>
+            </a:r>
+            <a:r>
+              <a:rPr lang="en-US" dirty="0" err="1"/>
+              <a:t>christophermmichael</a:t>
+            </a:r>
+            <a:endParaRPr lang="en-US" dirty="0"/>
+          </a:p>
+          <a:p>
+            <a:r>
+              <a:rPr lang="en-US" dirty="0" smtClean="0"/>
+              <a:t>Email:</a:t>
+            </a:r>
           </a:p>
           <a:p>
             <a:pPr lvl="1"/>
             <a:r>
-              <a:rPr lang="en-US" dirty="0">
-                <a:hlinkClick r:id="rId3"/>
-              </a:rPr>
-              <a:t>https://</a:t>
-            </a:r>
-            <a:r>
-              <a:rPr lang="en-US" dirty="0" smtClean="0">
-                <a:hlinkClick r:id="rId3"/>
-              </a:rPr>
-              <a:t>www.kaggle.com/c/word2vec-nlp-tutorial/details/part-2-word-vectors</a:t>
-            </a:r>
-            <a:endParaRPr lang="en-US" dirty="0" smtClean="0"/>
-          </a:p>
-          <a:p>
-            <a:pPr lvl="1"/>
-            <a:r>
-              <a:rPr lang="en-US" dirty="0">
-                <a:hlinkClick r:id="rId4"/>
-              </a:rPr>
-              <a:t>https://</a:t>
-            </a:r>
-            <a:r>
-              <a:rPr lang="en-US" dirty="0" smtClean="0">
-                <a:hlinkClick r:id="rId4"/>
-              </a:rPr>
-              <a:t>pypi.python.org/pypi/pyzipcode</a:t>
-            </a:r>
-            <a:endParaRPr lang="en-US" dirty="0" smtClean="0"/>
-          </a:p>
-          <a:p>
+              <a:rPr lang="en-US" dirty="0" err="1" smtClean="0"/>
+              <a:t>Christopher.m.michael@gmail.com</a:t>
+            </a:r>
+            <a:r>
+              <a:rPr lang="en-US" dirty="0"/>
+              <a:t/>
+            </a:r>
+            <a:br>
+              <a:rPr lang="en-US" dirty="0"/>
+            </a:br>
             <a:endParaRPr lang="en-US" dirty="0"/>
           </a:p>
         </p:txBody>
@@ -6050,7 +7538,7 @@
     </p:spTree>
     <p:extLst>
       <p:ext uri="{BB962C8B-B14F-4D97-AF65-F5344CB8AC3E}">
-        <p14:creationId xmlns:p14="http://schemas.microsoft.com/office/powerpoint/2010/main" val="786246462"/>
+        <p14:creationId xmlns:p14="http://schemas.microsoft.com/office/powerpoint/2010/main" val="1750665270"/>
       </p:ext>
     </p:extLst>
   </p:cSld>
@@ -6061,9 +7549,9 @@
 </file>
 
 <file path=ppt/theme/theme1.xml><?xml version="1.0" encoding="utf-8"?>
-<a:theme xmlns:a="http://schemas.openxmlformats.org/drawingml/2006/main" name="Quotable">
+<a:theme xmlns:a="http://schemas.openxmlformats.org/drawingml/2006/main" name="Parallax">
   <a:themeElements>
-    <a:clrScheme name="Quotable">
+    <a:clrScheme name="Parallax">
       <a:dk1>
         <a:sysClr val="windowText" lastClr="000000"/>
       </a:dk1>
@@ -6074,44 +7562,44 @@
         <a:srgbClr val="212121"/>
       </a:dk2>
       <a:lt2>
-        <a:srgbClr val="636363"/>
+        <a:srgbClr val="CDD0D1"/>
       </a:lt2>
       <a:accent1>
-        <a:srgbClr val="00C6BB"/>
+        <a:srgbClr val="30ACEC"/>
       </a:accent1>
       <a:accent2>
-        <a:srgbClr val="6FEBA0"/>
+        <a:srgbClr val="80C34F"/>
       </a:accent2>
       <a:accent3>
-        <a:srgbClr val="B6DF5E"/>
+        <a:srgbClr val="E29D3E"/>
       </a:accent3>
       <a:accent4>
-        <a:srgbClr val="EFB251"/>
+        <a:srgbClr val="D64A3B"/>
       </a:accent4>
       <a:accent5>
-        <a:srgbClr val="EF755F"/>
+        <a:srgbClr val="D64787"/>
       </a:accent5>
       <a:accent6>
-        <a:srgbClr val="ED515C"/>
+        <a:srgbClr val="A666E1"/>
       </a:accent6>
       <a:hlink>
-        <a:srgbClr val="8F8F8F"/>
+        <a:srgbClr val="3085ED"/>
       </a:hlink>
       <a:folHlink>
-        <a:srgbClr val="A5A5A5"/>
+        <a:srgbClr val="82B6F4"/>
       </a:folHlink>
     </a:clrScheme>
-    <a:fontScheme name="Quotable">
+    <a:fontScheme name="Parallax">
       <a:majorFont>
-        <a:latin typeface="Century Gothic" panose="020B0502020202020204"/>
+        <a:latin typeface="Corbel" panose="020B0503020204020204"/>
         <a:ea typeface=""/>
         <a:cs typeface=""/>
-        <a:font script="Jpan" typeface="ＭＳ ゴシック"/>
-        <a:font script="Hang" typeface="맑은 고딕"/>
-        <a:font script="Hans" typeface="宋体"/>
+        <a:font script="Jpan" typeface="HGｺﾞｼｯｸM"/>
+        <a:font script="Hang" typeface="HY엽서L"/>
+        <a:font script="Hans" typeface="华文楷体"/>
         <a:font script="Hant" typeface="新細明體"/>
         <a:font script="Arab" typeface="Tahoma"/>
-        <a:font script="Hebr" typeface="Gisha"/>
+        <a:font script="Hebr" typeface="Miriam"/>
         <a:font script="Thai" typeface="DilleniaUPC"/>
         <a:font script="Ethi" typeface="Nyala"/>
         <a:font script="Beng" typeface="Vrinda"/>
@@ -6133,20 +7621,20 @@
         <a:font script="Laoo" typeface="DokChampa"/>
         <a:font script="Sinh" typeface="Iskoola Pota"/>
         <a:font script="Mong" typeface="Mongolian Baiti"/>
-        <a:font script="Viet" typeface="Tahoma"/>
+        <a:font script="Viet" typeface="Arial"/>
         <a:font script="Uigh" typeface="Microsoft Uighur"/>
         <a:font script="Geor" typeface="Sylfaen"/>
       </a:majorFont>
       <a:minorFont>
-        <a:latin typeface="Century Gothic" panose="020B0502020202020204"/>
+        <a:latin typeface="Corbel" panose="020B0503020204020204"/>
         <a:ea typeface=""/>
         <a:cs typeface=""/>
-        <a:font script="Jpan" typeface="ＭＳ ゴシック"/>
-        <a:font script="Hang" typeface="맑은 고딕"/>
-        <a:font script="Hans" typeface="宋体"/>
+        <a:font script="Jpan" typeface="HGｺﾞｼｯｸM"/>
+        <a:font script="Hang" typeface="HY엽서L"/>
+        <a:font script="Hans" typeface="华文楷体"/>
         <a:font script="Hant" typeface="新細明體"/>
         <a:font script="Arab" typeface="Tahoma"/>
-        <a:font script="Hebr" typeface="Gisha"/>
+        <a:font script="Hebr" typeface="Miriam"/>
         <a:font script="Thai" typeface="DilleniaUPC"/>
         <a:font script="Ethi" typeface="Nyala"/>
         <a:font script="Beng" typeface="Vrinda"/>
@@ -6168,12 +7656,12 @@
         <a:font script="Laoo" typeface="DokChampa"/>
         <a:font script="Sinh" typeface="Iskoola Pota"/>
         <a:font script="Mong" typeface="Mongolian Baiti"/>
-        <a:font script="Viet" typeface="Verdana"/>
+        <a:font script="Viet" typeface="Arial"/>
         <a:font script="Uigh" typeface="Microsoft Uighur"/>
         <a:font script="Geor" typeface="Sylfaen"/>
       </a:minorFont>
     </a:fontScheme>
-    <a:fmtScheme name="Quotable">
+    <a:fmtScheme name="Parallax">
       <a:fillStyleLst>
         <a:solidFill>
           <a:schemeClr val="phClr"/>
@@ -6182,38 +7670,44 @@
           <a:gsLst>
             <a:gs pos="0">
               <a:schemeClr val="phClr">
-                <a:tint val="80000"/>
-                <a:lumMod val="105000"/>
+                <a:tint val="60000"/>
+                <a:lumMod val="104000"/>
               </a:schemeClr>
             </a:gs>
             <a:gs pos="100000">
               <a:schemeClr val="phClr">
-                <a:tint val="90000"/>
+                <a:tint val="84000"/>
               </a:schemeClr>
             </a:gs>
           </a:gsLst>
           <a:lin ang="5400000" scaled="0"/>
         </a:gradFill>
-        <a:blipFill rotWithShape="1">
-          <a:blip xmlns:r="http://schemas.openxmlformats.org/officeDocument/2006/relationships" r:embed="rId1">
-            <a:duotone>
+        <a:gradFill rotWithShape="1">
+          <a:gsLst>
+            <a:gs pos="0">
               <a:schemeClr val="phClr">
-                <a:tint val="98000"/>
+                <a:tint val="96000"/>
                 <a:lumMod val="102000"/>
               </a:schemeClr>
+            </a:gs>
+            <a:gs pos="100000">
               <a:schemeClr val="phClr">
-                <a:shade val="98000"/>
-                <a:lumMod val="98000"/>
+                <a:shade val="88000"/>
+                <a:lumMod val="94000"/>
               </a:schemeClr>
-            </a:duotone>
-          </a:blip>
-          <a:tile tx="0" ty="0" sx="100000" sy="100000" flip="none" algn="tl"/>
-        </a:blipFill>
+            </a:gs>
+          </a:gsLst>
+          <a:path path="circle">
+            <a:fillToRect l="50000" t="100000" r="100000" b="50000"/>
+          </a:path>
+        </a:gradFill>
       </a:fillStyleLst>
       <a:lnStyleLst>
         <a:ln w="9525" cap="rnd" cmpd="sng" algn="ctr">
           <a:solidFill>
-            <a:schemeClr val="phClr"/>
+            <a:schemeClr val="phClr">
+              <a:tint val="60000"/>
+            </a:schemeClr>
           </a:solidFill>
           <a:prstDash val="solid"/>
         </a:ln>
@@ -6223,7 +7717,7 @@
           </a:solidFill>
           <a:prstDash val="solid"/>
         </a:ln>
-        <a:ln w="25400" cap="rnd" cmpd="sng" algn="ctr">
+        <a:ln w="22225" cap="rnd" cmpd="sng" algn="ctr">
           <a:solidFill>
             <a:schemeClr val="phClr"/>
           </a:solidFill>
@@ -6235,16 +7729,29 @@
           <a:effectLst/>
         </a:effectStyle>
         <a:effectStyle>
-          <a:effectLst/>
+          <a:effectLst>
+            <a:reflection blurRad="12700" stA="26000" endPos="32000" dist="12700" dir="5400000" sy="-100000" rotWithShape="0"/>
+          </a:effectLst>
         </a:effectStyle>
         <a:effectStyle>
           <a:effectLst>
-            <a:innerShdw blurRad="63500" dist="25400" dir="13500000">
+            <a:outerShdw blurRad="38100" dist="25400" dir="5400000" rotWithShape="0">
               <a:srgbClr val="000000">
-                <a:alpha val="75000"/>
+                <a:alpha val="64000"/>
               </a:srgbClr>
-            </a:innerShdw>
+            </a:outerShdw>
           </a:effectLst>
+          <a:scene3d>
+            <a:camera prst="orthographicFront">
+              <a:rot lat="0" lon="0" rev="0"/>
+            </a:camera>
+            <a:lightRig rig="threePt" dir="tl">
+              <a:rot lat="0" lon="0" rev="1200000"/>
+            </a:lightRig>
+          </a:scene3d>
+          <a:sp3d>
+            <a:bevelT w="25400" h="12700"/>
+          </a:sp3d>
         </a:effectStyle>
       </a:effectStyleLst>
       <a:bgFillStyleLst>
@@ -6255,35 +7762,35 @@
           <a:gsLst>
             <a:gs pos="0">
               <a:schemeClr val="phClr">
-                <a:tint val="100000"/>
+                <a:tint val="90000"/>
+                <a:lumMod val="110000"/>
               </a:schemeClr>
             </a:gs>
             <a:gs pos="100000">
               <a:schemeClr val="phClr">
-                <a:tint val="84000"/>
-                <a:shade val="84000"/>
-                <a:lumMod val="90000"/>
+                <a:shade val="64000"/>
+                <a:lumMod val="98000"/>
               </a:schemeClr>
             </a:gs>
           </a:gsLst>
           <a:lin ang="5400000" scaled="0"/>
         </a:gradFill>
-        <a:gradFill rotWithShape="1">
-          <a:gsLst>
-            <a:gs pos="0">
+        <a:blipFill rotWithShape="1">
+          <a:blip xmlns:r="http://schemas.openxmlformats.org/officeDocument/2006/relationships" r:embed="rId1">
+            <a:duotone>
               <a:schemeClr val="phClr">
-                <a:tint val="84000"/>
-                <a:shade val="90000"/>
+                <a:shade val="76000"/>
+                <a:satMod val="180000"/>
+              </a:schemeClr>
+              <a:schemeClr val="phClr">
+                <a:tint val="80000"/>
                 <a:satMod val="120000"/>
-                <a:lumMod val="90000"/>
+                <a:lumMod val="180000"/>
               </a:schemeClr>
-            </a:gs>
-            <a:gs pos="100000">
-              <a:schemeClr val="phClr"/>
-            </a:gs>
-          </a:gsLst>
-          <a:lin ang="5400000" scaled="0"/>
-        </a:gradFill>
+            </a:duotone>
+          </a:blip>
+          <a:stretch/>
+        </a:blipFill>
       </a:bgFillStyleLst>
     </a:fmtScheme>
   </a:themeElements>
@@ -6291,7 +7798,7 @@
   <a:extraClrSchemeLst/>
   <a:extLst>
     <a:ext uri="{05A4C25C-085E-4340-85A3-A5531E510DB2}">
-      <thm15:themeFamily xmlns:thm15="http://schemas.microsoft.com/office/thememl/2012/main" name="Quotable" id="{39EC5628-30ED-4578-ACD8-9820EDB8E15A}" vid="{6F3559E9-1A4C-49D8-94D4-F41003531C49}"/>
+      <thm15:themeFamily xmlns:thm15="http://schemas.microsoft.com/office/thememl/2012/main" name="Parallax" id="{3388167B-A2EB-4685-9635-1831D9AEF8C4}" vid="{4F7A876A-7598-49CA-AFC8-8EDA2551E4A7}"/>
     </a:ext>
   </a:extLst>
 </a:theme>

--- a/ppt/Consumer_Complaints.pptx
+++ b/ppt/Consumer_Complaints.pptx
@@ -624,7 +624,7 @@
             <a:fld id="{08B9EBBA-996F-894A-B54A-D6246ED52CEA}" type="datetimeFigureOut">
               <a:rPr lang="en-US" smtClean="0"/>
               <a:pPr/>
-              <a:t>8/4/16</a:t>
+              <a:t>8/5/16</a:t>
             </a:fld>
             <a:endParaRPr lang="en-US" dirty="0"/>
           </a:p>
@@ -830,7 +830,7 @@
           </a:lstStyle>
           <a:p>
             <a:r>
-              <a:rPr lang="en-US" smtClean="0"/>
+              <a:rPr lang="en-US" dirty="0" smtClean="0"/>
               <a:t>Drag picture to placeholder or click icon to add</a:t>
             </a:r>
             <a:endParaRPr lang="en-US" dirty="0"/>
@@ -922,7 +922,7 @@
             <a:fld id="{09B482E8-6E0E-1B4F-B1FD-C69DB9E858D9}" type="datetimeFigureOut">
               <a:rPr lang="en-US" smtClean="0"/>
               <a:pPr/>
-              <a:t>8/4/16</a:t>
+              <a:t>8/5/16</a:t>
             </a:fld>
             <a:endParaRPr lang="en-US" dirty="0"/>
           </a:p>
@@ -1173,7 +1173,7 @@
             <a:fld id="{09B482E8-6E0E-1B4F-B1FD-C69DB9E858D9}" type="datetimeFigureOut">
               <a:rPr lang="en-US" smtClean="0"/>
               <a:pPr/>
-              <a:t>8/4/16</a:t>
+              <a:t>8/5/16</a:t>
             </a:fld>
             <a:endParaRPr lang="en-US" dirty="0"/>
           </a:p>
@@ -1716,7 +1716,7 @@
             <a:fld id="{09B482E8-6E0E-1B4F-B1FD-C69DB9E858D9}" type="datetimeFigureOut">
               <a:rPr lang="en-US" smtClean="0"/>
               <a:pPr/>
-              <a:t>8/4/16</a:t>
+              <a:t>8/5/16</a:t>
             </a:fld>
             <a:endParaRPr lang="en-US" dirty="0"/>
           </a:p>
@@ -1967,7 +1967,7 @@
             <a:fld id="{09B482E8-6E0E-1B4F-B1FD-C69DB9E858D9}" type="datetimeFigureOut">
               <a:rPr lang="en-US" smtClean="0"/>
               <a:pPr/>
-              <a:t>8/4/16</a:t>
+              <a:t>8/5/16</a:t>
             </a:fld>
             <a:endParaRPr lang="en-US" dirty="0"/>
           </a:p>
@@ -2502,7 +2502,7 @@
             <a:fld id="{09B482E8-6E0E-1B4F-B1FD-C69DB9E858D9}" type="datetimeFigureOut">
               <a:rPr lang="en-US" smtClean="0"/>
               <a:pPr/>
-              <a:t>8/4/16</a:t>
+              <a:t>8/5/16</a:t>
             </a:fld>
             <a:endParaRPr lang="en-US" dirty="0"/>
           </a:p>
@@ -2802,7 +2802,7 @@
             <a:fld id="{09B482E8-6E0E-1B4F-B1FD-C69DB9E858D9}" type="datetimeFigureOut">
               <a:rPr lang="en-US" smtClean="0"/>
               <a:pPr/>
-              <a:t>8/4/16</a:t>
+              <a:t>8/5/16</a:t>
             </a:fld>
             <a:endParaRPr lang="en-US" dirty="0"/>
           </a:p>
@@ -2979,7 +2979,7 @@
             <a:fld id="{C6C52C72-DE31-F449-A4ED-4C594FD91407}" type="datetimeFigureOut">
               <a:rPr lang="en-US" smtClean="0"/>
               <a:pPr/>
-              <a:t>8/4/16</a:t>
+              <a:t>8/5/16</a:t>
             </a:fld>
             <a:endParaRPr lang="en-US" dirty="0"/>
           </a:p>
@@ -3161,7 +3161,7 @@
             <a:fld id="{ED62726E-379B-B349-9EED-81ED093FA806}" type="datetimeFigureOut">
               <a:rPr lang="en-US" smtClean="0"/>
               <a:pPr/>
-              <a:t>8/4/16</a:t>
+              <a:t>8/5/16</a:t>
             </a:fld>
             <a:endParaRPr lang="en-US" dirty="0"/>
           </a:p>
@@ -3333,7 +3333,7 @@
             <a:fld id="{9B3A1323-8D79-1946-B0D7-40001CF92E9D}" type="datetimeFigureOut">
               <a:rPr lang="en-US" smtClean="0"/>
               <a:pPr/>
-              <a:t>8/4/16</a:t>
+              <a:t>8/5/16</a:t>
             </a:fld>
             <a:endParaRPr lang="en-US" dirty="0"/>
           </a:p>
@@ -3586,7 +3586,7 @@
             <a:fld id="{8DFA1846-DA80-1C48-A609-854EA85C59AD}" type="datetimeFigureOut">
               <a:rPr lang="en-US" smtClean="0"/>
               <a:pPr/>
-              <a:t>8/4/16</a:t>
+              <a:t>8/5/16</a:t>
             </a:fld>
             <a:endParaRPr lang="en-US" dirty="0"/>
           </a:p>
@@ -3885,7 +3885,7 @@
             <a:fld id="{57302355-E14B-8545-A8F8-0FE83CC9D524}" type="datetimeFigureOut">
               <a:rPr lang="en-US" smtClean="0"/>
               <a:pPr/>
-              <a:t>8/4/16</a:t>
+              <a:t>8/5/16</a:t>
             </a:fld>
             <a:endParaRPr lang="en-US" dirty="0"/>
           </a:p>
@@ -4329,7 +4329,7 @@
             <a:fld id="{02640F58-564D-2B4F-AE67-E407BA4FCF45}" type="datetimeFigureOut">
               <a:rPr lang="en-US" smtClean="0"/>
               <a:pPr/>
-              <a:t>8/4/16</a:t>
+              <a:t>8/5/16</a:t>
             </a:fld>
             <a:endParaRPr lang="en-US" dirty="0"/>
           </a:p>
@@ -4449,7 +4449,7 @@
             <a:fld id="{F13A34C8-038E-2045-AF43-DF7DBB8E0E9E}" type="datetimeFigureOut">
               <a:rPr lang="en-US" smtClean="0"/>
               <a:pPr/>
-              <a:t>8/4/16</a:t>
+              <a:t>8/5/16</a:t>
             </a:fld>
             <a:endParaRPr lang="en-US" dirty="0"/>
           </a:p>
@@ -4546,7 +4546,7 @@
             <a:fld id="{8818C68F-D26B-8F47-958C-23B49CF8A634}" type="datetimeFigureOut">
               <a:rPr lang="en-US" smtClean="0"/>
               <a:pPr/>
-              <a:t>8/4/16</a:t>
+              <a:t>8/5/16</a:t>
             </a:fld>
             <a:endParaRPr lang="en-US" dirty="0"/>
           </a:p>
@@ -4831,7 +4831,7 @@
             <a:fld id="{D0DF5E60-9974-AC48-9591-99C2BB44B7CF}" type="datetimeFigureOut">
               <a:rPr lang="en-US" smtClean="0"/>
               <a:pPr/>
-              <a:t>8/4/16</a:t>
+              <a:t>8/5/16</a:t>
             </a:fld>
             <a:endParaRPr lang="en-US" dirty="0"/>
           </a:p>
@@ -5032,7 +5032,7 @@
           </a:lstStyle>
           <a:p>
             <a:r>
-              <a:rPr lang="en-US" smtClean="0"/>
+              <a:rPr lang="en-US" dirty="0" smtClean="0"/>
               <a:t>Drag picture to placeholder or click icon to add</a:t>
             </a:r>
             <a:endParaRPr lang="en-US" dirty="0"/>
@@ -5124,7 +5124,7 @@
             <a:fld id="{18C79C5D-2A6F-F04D-97DA-BEF2467B64E4}" type="datetimeFigureOut">
               <a:rPr lang="en-US" smtClean="0"/>
               <a:pPr/>
-              <a:t>8/4/16</a:t>
+              <a:t>8/5/16</a:t>
             </a:fld>
             <a:endParaRPr lang="en-US" dirty="0"/>
           </a:p>
@@ -5656,7 +5656,7 @@
             <a:fld id="{09B482E8-6E0E-1B4F-B1FD-C69DB9E858D9}" type="datetimeFigureOut">
               <a:rPr lang="en-US" smtClean="0"/>
               <a:pPr/>
-              <a:t>8/4/16</a:t>
+              <a:t>8/5/16</a:t>
             </a:fld>
             <a:endParaRPr lang="en-US" dirty="0"/>
           </a:p>
@@ -6231,21 +6231,13 @@
           <a:p>
             <a:r>
               <a:rPr lang="en-US" dirty="0" smtClean="0"/>
-              <a:t>Chris Michael | Galvanize </a:t>
-            </a:r>
+              <a:t>Chris Michael | Galvanize Data Science Immersive </a:t>
+            </a:r>
+          </a:p>
+          <a:p>
             <a:r>
               <a:rPr lang="en-US" dirty="0" smtClean="0"/>
-              <a:t>Data Science Immersive </a:t>
-            </a:r>
-          </a:p>
-          <a:p>
-            <a:r>
-              <a:rPr lang="en-US" dirty="0" smtClean="0"/>
-              <a:t>Seattle </a:t>
-            </a:r>
-            <a:r>
-              <a:rPr lang="en-US" dirty="0" smtClean="0"/>
-              <a:t>Cohort 4</a:t>
+              <a:t>Seattle Cohort 4</a:t>
             </a:r>
           </a:p>
         </p:txBody>
@@ -6296,8 +6288,8 @@
           <a:lstStyle/>
           <a:p>
             <a:r>
-              <a:rPr lang="en-US" dirty="0" err="1" smtClean="0"/>
-              <a:t>Refrences</a:t>
+              <a:rPr lang="en-US" dirty="0" smtClean="0"/>
+              <a:t>References</a:t>
             </a:r>
             <a:endParaRPr lang="en-US" dirty="0"/>
           </a:p>
@@ -6324,29 +6316,28 @@
               <a:rPr lang="en-US" dirty="0" smtClean="0"/>
               <a:t>REFRENCES</a:t>
             </a:r>
-            <a:endParaRPr lang="en-US" dirty="0" smtClean="0"/>
           </a:p>
           <a:p>
             <a:pPr lvl="1"/>
             <a:r>
               <a:rPr lang="en-US" dirty="0" smtClean="0"/>
-              <a:t>Cross </a:t>
+              <a:t>Figure on Slide 4 - Cross </a:t>
             </a:r>
             <a:r>
               <a:rPr lang="en-US" dirty="0"/>
               <a:t>Industry Standard Process for Data Mining. (2016, March 29). </a:t>
             </a:r>
             <a:r>
-              <a:rPr lang="en-US" dirty="0" err="1"/>
-              <a:t>In</a:t>
-            </a:r>
-            <a:r>
-              <a:rPr lang="en-US" i="1" dirty="0" err="1"/>
-              <a:t>Wikipedia</a:t>
+              <a:rPr lang="en-US" dirty="0" smtClean="0"/>
+              <a:t>In Wikipedia</a:t>
+            </a:r>
+            <a:r>
+              <a:rPr lang="en-US" i="1" dirty="0" smtClean="0"/>
+              <a:t>, </a:t>
             </a:r>
             <a:r>
               <a:rPr lang="en-US" i="1" dirty="0"/>
-              <a:t>, The Free Encyclopedia</a:t>
+              <a:t>The Free Encyclopedia</a:t>
             </a:r>
             <a:r>
               <a:rPr lang="en-US" dirty="0"/>
@@ -6395,6 +6386,10 @@
                 <a:hlinkClick r:id="rId4"/>
               </a:rPr>
               <a:t>pypi.python.org/pypi/pyzipcode</a:t>
+            </a:r>
+            <a:r>
+              <a:rPr lang="en-US" dirty="0" smtClean="0"/>
+              <a:t> (used in EDA)</a:t>
             </a:r>
             <a:endParaRPr lang="en-US" dirty="0" smtClean="0"/>
           </a:p>
@@ -6481,7 +6476,6 @@
               <a:rPr lang="en-US" dirty="0" smtClean="0"/>
               <a:t>Objective</a:t>
             </a:r>
-            <a:endParaRPr lang="en-US" dirty="0" smtClean="0"/>
           </a:p>
           <a:p>
             <a:r>
@@ -6504,7 +6498,7 @@
           <a:p>
             <a:r>
               <a:rPr lang="en-US" dirty="0" smtClean="0"/>
-              <a:t>Recommendations</a:t>
+              <a:t>Recommendations/Next Steps</a:t>
             </a:r>
             <a:endParaRPr lang="en-US" dirty="0"/>
           </a:p>
@@ -6590,7 +6584,7 @@
               <a:t>Mechanical Engineering (BSME)/</a:t>
             </a:r>
             <a:r>
-              <a:rPr lang="en-US" dirty="0" err="1" smtClean="0"/>
+              <a:rPr lang="en-US" dirty="0" smtClean="0"/>
               <a:t>Electrophysicist</a:t>
             </a:r>
             <a:r>
@@ -6769,11 +6763,7 @@
           <a:p>
             <a:r>
               <a:rPr lang="en-US" b="1" dirty="0" smtClean="0"/>
-              <a:t>Data / Data </a:t>
-            </a:r>
-            <a:r>
-              <a:rPr lang="en-US" b="1" dirty="0" smtClean="0"/>
-              <a:t>Pipeline</a:t>
+              <a:t>Data / Data Pipeline</a:t>
             </a:r>
             <a:endParaRPr lang="en-US" b="1" dirty="0"/>
           </a:p>
@@ -6830,7 +6820,7 @@
           </a:bodyPr>
           <a:lstStyle/>
           <a:p>
-            <a:pPr marL="285750" indent="-285750">
+            <a:pPr marL="285750" indent="-285750" algn="l">
               <a:buFont typeface="Arial" charset="0"/>
               <a:buChar char="•"/>
             </a:pPr>
@@ -6843,12 +6833,13 @@
               <a:t>CPFB</a:t>
             </a:r>
             <a:r>
-              <a:rPr lang="en-US" sz="1800" dirty="0"/>
-              <a:t>) was very clean.  </a:t>
-            </a:r>
-          </a:p>
-          <a:p>
-            <a:pPr marL="285750" indent="-285750">
+              <a:rPr lang="en-US" sz="1800" dirty="0" smtClean="0"/>
+              <a:t>)  </a:t>
+            </a:r>
+            <a:endParaRPr lang="en-US" sz="1800" dirty="0"/>
+          </a:p>
+          <a:p>
+            <a:pPr marL="285750" indent="-285750" algn="l">
               <a:buFont typeface="Arial" charset="0"/>
               <a:buChar char="•"/>
             </a:pPr>
@@ -6858,7 +6849,7 @@
             </a:r>
           </a:p>
           <a:p>
-            <a:pPr marL="285750" indent="-285750">
+            <a:pPr marL="285750" indent="-285750" algn="l">
               <a:buFont typeface="Arial" charset="0"/>
               <a:buChar char="•"/>
             </a:pPr>
@@ -6872,7 +6863,7 @@
             </a:r>
           </a:p>
           <a:p>
-            <a:pPr marL="285750" indent="-285750">
+            <a:pPr marL="285750" indent="-285750" algn="l">
               <a:buFont typeface="Arial" charset="0"/>
               <a:buChar char="•"/>
             </a:pPr>
@@ -6882,9 +6873,31 @@
                   <a:srgbClr val="FF0000"/>
                 </a:solidFill>
               </a:rPr>
-              <a:t>Data is 80% “No”, 20% “Yes”</a:t>
-            </a:r>
-            <a:endParaRPr lang="en-US" sz="1800" b="1" dirty="0">
+              <a:t>Data is 80% “No”, 20% “Yes</a:t>
+            </a:r>
+            <a:r>
+              <a:rPr lang="en-US" sz="1800" b="1" dirty="0" smtClean="0">
+                <a:solidFill>
+                  <a:srgbClr val="FF0000"/>
+                </a:solidFill>
+              </a:rPr>
+              <a:t>”</a:t>
+            </a:r>
+          </a:p>
+          <a:p>
+            <a:pPr marL="742950" lvl="1" indent="-285750">
+              <a:buFont typeface="Arial" charset="0"/>
+              <a:buChar char="•"/>
+            </a:pPr>
+            <a:r>
+              <a:rPr lang="en-US" sz="1400" b="1" dirty="0" smtClean="0">
+                <a:solidFill>
+                  <a:srgbClr val="FF0000"/>
+                </a:solidFill>
+              </a:rPr>
+              <a:t>NEED TO ADDRESS CLASS IMBALANCE</a:t>
+            </a:r>
+            <a:endParaRPr lang="en-US" sz="1400" b="1" dirty="0">
               <a:solidFill>
                 <a:srgbClr val="FF0000"/>
               </a:solidFill>
@@ -7082,7 +7095,12 @@
             <p:ph idx="1"/>
           </p:nvPr>
         </p:nvSpPr>
-        <p:spPr/>
+        <p:spPr>
+          <a:xfrm>
+            <a:off x="1484310" y="1371601"/>
+            <a:ext cx="10018713" cy="3124201"/>
+          </a:xfrm>
+        </p:spPr>
         <p:txBody>
           <a:bodyPr/>
           <a:lstStyle/>
@@ -7100,8 +7118,21 @@
                   <a:srgbClr val="FF0000"/>
                 </a:solidFill>
               </a:rPr>
-              <a:t>MODEL:</a:t>
-            </a:r>
+              <a:t>MODEL</a:t>
+            </a:r>
+            <a:r>
+              <a:rPr lang="en-US" dirty="0" smtClean="0">
+                <a:solidFill>
+                  <a:srgbClr val="FF0000"/>
+                </a:solidFill>
+              </a:rPr>
+              <a:t>: Logistic Regression</a:t>
+            </a:r>
+            <a:endParaRPr lang="en-US" dirty="0" smtClean="0">
+              <a:solidFill>
+                <a:srgbClr val="FF0000"/>
+              </a:solidFill>
+            </a:endParaRPr>
           </a:p>
           <a:p>
             <a:r>
@@ -7117,8 +7148,21 @@
                   <a:srgbClr val="FF0000"/>
                 </a:solidFill>
               </a:rPr>
-              <a:t>MODEL:</a:t>
-            </a:r>
+              <a:t>MODEL</a:t>
+            </a:r>
+            <a:r>
+              <a:rPr lang="en-US" dirty="0" smtClean="0">
+                <a:solidFill>
+                  <a:srgbClr val="FF0000"/>
+                </a:solidFill>
+              </a:rPr>
+              <a:t>: TFIDF – Multiple classifiers </a:t>
+            </a:r>
+            <a:endParaRPr lang="en-US" dirty="0" smtClean="0">
+              <a:solidFill>
+                <a:srgbClr val="FF0000"/>
+              </a:solidFill>
+            </a:endParaRPr>
           </a:p>
           <a:p>
             <a:pPr lvl="1"/>
@@ -7128,7 +7172,15 @@
                   <a:srgbClr val="FF0000"/>
                 </a:solidFill>
               </a:rPr>
-              <a:t>MODEL:</a:t>
+              <a:t>MODEL</a:t>
+            </a:r>
+            <a:r>
+              <a:rPr lang="en-US" dirty="0" smtClean="0">
+                <a:solidFill>
+                  <a:srgbClr val="FF0000"/>
+                </a:solidFill>
+              </a:rPr>
+              <a:t>: Word2Vec</a:t>
             </a:r>
             <a:endParaRPr lang="en-US" dirty="0">
               <a:solidFill>
@@ -7138,6 +7190,41 @@
           </a:p>
         </p:txBody>
       </p:sp>
+      <p:pic>
+        <p:nvPicPr>
+          <p:cNvPr id="4" name="Picture 3"/>
+          <p:cNvPicPr>
+            <a:picLocks noChangeAspect="1"/>
+          </p:cNvPicPr>
+          <p:nvPr/>
+        </p:nvPicPr>
+        <p:blipFill>
+          <a:blip r:embed="rId2">
+            <a:extLst>
+              <a:ext uri="{28A0092B-C50C-407E-A947-70E740481C1C}">
+                <a14:useLocalDpi xmlns:a14="http://schemas.microsoft.com/office/drawing/2010/main" val="0"/>
+              </a:ext>
+            </a:extLst>
+          </a:blip>
+          <a:stretch>
+            <a:fillRect/>
+          </a:stretch>
+        </p:blipFill>
+        <p:spPr>
+          <a:xfrm>
+            <a:off x="7718927" y="2735582"/>
+            <a:ext cx="4295775" cy="3520440"/>
+          </a:xfrm>
+          <a:prstGeom prst="rect">
+            <a:avLst/>
+          </a:prstGeom>
+          <a:ln>
+            <a:solidFill>
+              <a:srgbClr val="FF0000"/>
+            </a:solidFill>
+          </a:ln>
+        </p:spPr>
+      </p:pic>
     </p:spTree>
     <p:extLst>
       <p:ext uri="{BB962C8B-B14F-4D97-AF65-F5344CB8AC3E}">
@@ -7218,13 +7305,18 @@
               <a:t>Best Model:  </a:t>
             </a:r>
             <a:r>
-              <a:rPr lang="en-US" dirty="0">
+              <a:rPr lang="en-US" dirty="0" smtClean="0">
                 <a:solidFill>
                   <a:srgbClr val="FF0000"/>
                 </a:solidFill>
               </a:rPr>
-              <a:t>SOMETHING NOT AS COOL</a:t>
-            </a:r>
+              <a:t>SAY SOMETHING COOL</a:t>
+            </a:r>
+            <a:endParaRPr lang="en-US" dirty="0">
+              <a:solidFill>
+                <a:srgbClr val="FF0000"/>
+              </a:solidFill>
+            </a:endParaRPr>
           </a:p>
           <a:p>
             <a:r>
@@ -7239,12 +7331,32 @@
               <a:t>TF-IDF:  </a:t>
             </a:r>
             <a:r>
+              <a:rPr lang="en-US" dirty="0" smtClean="0">
+                <a:solidFill>
+                  <a:srgbClr val="FF0000"/>
+                </a:solidFill>
+              </a:rPr>
+              <a:t>SAY</a:t>
+            </a:r>
+            <a:r>
+              <a:rPr lang="en-US" dirty="0" smtClean="0"/>
+              <a:t> </a:t>
+            </a:r>
+            <a:r>
+              <a:rPr lang="en-US" dirty="0" smtClean="0">
+                <a:solidFill>
+                  <a:srgbClr val="FF0000"/>
+                </a:solidFill>
+              </a:rPr>
+              <a:t>SOMETHING </a:t>
+            </a:r>
+            <a:r>
               <a:rPr lang="en-US" dirty="0">
                 <a:solidFill>
                   <a:srgbClr val="FF0000"/>
                 </a:solidFill>
               </a:rPr>
-              <a:t>SOMETHING COOLER!!!</a:t>
+              <a:t>COOLER!!!</a:t>
             </a:r>
           </a:p>
           <a:p>
@@ -7254,12 +7366,32 @@
               <a:t>Word2Vec: </a:t>
             </a:r>
             <a:r>
+              <a:rPr lang="en-US" dirty="0" smtClean="0">
+                <a:solidFill>
+                  <a:srgbClr val="FF0000"/>
+                </a:solidFill>
+              </a:rPr>
+              <a:t>SAY</a:t>
+            </a:r>
+            <a:r>
+              <a:rPr lang="en-US" dirty="0" smtClean="0"/>
+              <a:t> </a:t>
+            </a:r>
+            <a:r>
+              <a:rPr lang="en-US" dirty="0" smtClean="0">
+                <a:solidFill>
+                  <a:srgbClr val="FF0000"/>
+                </a:solidFill>
+              </a:rPr>
+              <a:t>SOMETHING </a:t>
+            </a:r>
+            <a:r>
               <a:rPr lang="en-US" dirty="0">
                 <a:solidFill>
                   <a:srgbClr val="FF0000"/>
                 </a:solidFill>
               </a:rPr>
-              <a:t>SOMETHING COOLER</a:t>
+              <a:t>COOLER</a:t>
             </a:r>
             <a:r>
               <a:rPr lang="en-US" dirty="0" smtClean="0">
@@ -7352,12 +7484,12 @@
               <a:t>Using the predictive power of the model, a company could address the situations where they provide some sort of </a:t>
             </a:r>
             <a:r>
-              <a:rPr lang="en-US" dirty="0" err="1" smtClean="0"/>
-              <a:t>releif</a:t>
-            </a:r>
-            <a:r>
               <a:rPr lang="en-US" dirty="0" smtClean="0"/>
-              <a:t> (monetary or other) and determine the most economic was to do so </a:t>
+              <a:t>relief </a:t>
+            </a:r>
+            <a:r>
+              <a:rPr lang="en-US" dirty="0" smtClean="0"/>
+              <a:t>(monetary or other) and determine the most economic was to do so </a:t>
             </a:r>
           </a:p>
           <a:p>
@@ -7436,7 +7568,11 @@
           <a:p>
             <a:r>
               <a:rPr lang="en-US" dirty="0" smtClean="0"/>
-              <a:t>Project/Contact Info</a:t>
+              <a:t>Project Info/Contact </a:t>
+            </a:r>
+            <a:r>
+              <a:rPr lang="en-US" dirty="0" smtClean="0"/>
+              <a:t>Info</a:t>
             </a:r>
             <a:endParaRPr lang="en-US" dirty="0"/>
           </a:p>
@@ -7499,7 +7635,7 @@
               <a:t>https://</a:t>
             </a:r>
             <a:r>
-              <a:rPr lang="en-US" dirty="0" err="1"/>
+              <a:rPr lang="en-US" dirty="0"/>
               <a:t>www.linkedin.com</a:t>
             </a:r>
             <a:r>
@@ -7507,7 +7643,7 @@
               <a:t>/in/</a:t>
             </a:r>
             <a:r>
-              <a:rPr lang="en-US" dirty="0" err="1"/>
+              <a:rPr lang="en-US" dirty="0"/>
               <a:t>christophermmichael</a:t>
             </a:r>
             <a:endParaRPr lang="en-US" dirty="0"/>
@@ -7521,8 +7657,12 @@
           <a:p>
             <a:pPr lvl="1"/>
             <a:r>
-              <a:rPr lang="en-US" dirty="0" err="1" smtClean="0"/>
-              <a:t>Christopher.m.michael@gmail.com</a:t>
+              <a:rPr lang="en-US" dirty="0"/>
+              <a:t>c</a:t>
+            </a:r>
+            <a:r>
+              <a:rPr lang="en-US" dirty="0" smtClean="0"/>
+              <a:t>hristopher.m.michael@gmail.com</a:t>
             </a:r>
             <a:r>
               <a:rPr lang="en-US" dirty="0"/>

--- a/ppt/Consumer_Complaints.pptx
+++ b/ppt/Consumer_Complaints.pptx
@@ -624,7 +624,7 @@
             <a:fld id="{08B9EBBA-996F-894A-B54A-D6246ED52CEA}" type="datetimeFigureOut">
               <a:rPr lang="en-US" smtClean="0"/>
               <a:pPr/>
-              <a:t>8/5/16</a:t>
+              <a:t>8/6/16</a:t>
             </a:fld>
             <a:endParaRPr lang="en-US" dirty="0"/>
           </a:p>
@@ -922,7 +922,7 @@
             <a:fld id="{09B482E8-6E0E-1B4F-B1FD-C69DB9E858D9}" type="datetimeFigureOut">
               <a:rPr lang="en-US" smtClean="0"/>
               <a:pPr/>
-              <a:t>8/5/16</a:t>
+              <a:t>8/6/16</a:t>
             </a:fld>
             <a:endParaRPr lang="en-US" dirty="0"/>
           </a:p>
@@ -1173,7 +1173,7 @@
             <a:fld id="{09B482E8-6E0E-1B4F-B1FD-C69DB9E858D9}" type="datetimeFigureOut">
               <a:rPr lang="en-US" smtClean="0"/>
               <a:pPr/>
-              <a:t>8/5/16</a:t>
+              <a:t>8/6/16</a:t>
             </a:fld>
             <a:endParaRPr lang="en-US" dirty="0"/>
           </a:p>
@@ -1716,7 +1716,7 @@
             <a:fld id="{09B482E8-6E0E-1B4F-B1FD-C69DB9E858D9}" type="datetimeFigureOut">
               <a:rPr lang="en-US" smtClean="0"/>
               <a:pPr/>
-              <a:t>8/5/16</a:t>
+              <a:t>8/6/16</a:t>
             </a:fld>
             <a:endParaRPr lang="en-US" dirty="0"/>
           </a:p>
@@ -1967,7 +1967,7 @@
             <a:fld id="{09B482E8-6E0E-1B4F-B1FD-C69DB9E858D9}" type="datetimeFigureOut">
               <a:rPr lang="en-US" smtClean="0"/>
               <a:pPr/>
-              <a:t>8/5/16</a:t>
+              <a:t>8/6/16</a:t>
             </a:fld>
             <a:endParaRPr lang="en-US" dirty="0"/>
           </a:p>
@@ -2502,7 +2502,7 @@
             <a:fld id="{09B482E8-6E0E-1B4F-B1FD-C69DB9E858D9}" type="datetimeFigureOut">
               <a:rPr lang="en-US" smtClean="0"/>
               <a:pPr/>
-              <a:t>8/5/16</a:t>
+              <a:t>8/6/16</a:t>
             </a:fld>
             <a:endParaRPr lang="en-US" dirty="0"/>
           </a:p>
@@ -2802,7 +2802,7 @@
             <a:fld id="{09B482E8-6E0E-1B4F-B1FD-C69DB9E858D9}" type="datetimeFigureOut">
               <a:rPr lang="en-US" smtClean="0"/>
               <a:pPr/>
-              <a:t>8/5/16</a:t>
+              <a:t>8/6/16</a:t>
             </a:fld>
             <a:endParaRPr lang="en-US" dirty="0"/>
           </a:p>
@@ -2979,7 +2979,7 @@
             <a:fld id="{C6C52C72-DE31-F449-A4ED-4C594FD91407}" type="datetimeFigureOut">
               <a:rPr lang="en-US" smtClean="0"/>
               <a:pPr/>
-              <a:t>8/5/16</a:t>
+              <a:t>8/6/16</a:t>
             </a:fld>
             <a:endParaRPr lang="en-US" dirty="0"/>
           </a:p>
@@ -3161,7 +3161,7 @@
             <a:fld id="{ED62726E-379B-B349-9EED-81ED093FA806}" type="datetimeFigureOut">
               <a:rPr lang="en-US" smtClean="0"/>
               <a:pPr/>
-              <a:t>8/5/16</a:t>
+              <a:t>8/6/16</a:t>
             </a:fld>
             <a:endParaRPr lang="en-US" dirty="0"/>
           </a:p>
@@ -3333,7 +3333,7 @@
             <a:fld id="{9B3A1323-8D79-1946-B0D7-40001CF92E9D}" type="datetimeFigureOut">
               <a:rPr lang="en-US" smtClean="0"/>
               <a:pPr/>
-              <a:t>8/5/16</a:t>
+              <a:t>8/6/16</a:t>
             </a:fld>
             <a:endParaRPr lang="en-US" dirty="0"/>
           </a:p>
@@ -3586,7 +3586,7 @@
             <a:fld id="{8DFA1846-DA80-1C48-A609-854EA85C59AD}" type="datetimeFigureOut">
               <a:rPr lang="en-US" smtClean="0"/>
               <a:pPr/>
-              <a:t>8/5/16</a:t>
+              <a:t>8/6/16</a:t>
             </a:fld>
             <a:endParaRPr lang="en-US" dirty="0"/>
           </a:p>
@@ -3885,7 +3885,7 @@
             <a:fld id="{57302355-E14B-8545-A8F8-0FE83CC9D524}" type="datetimeFigureOut">
               <a:rPr lang="en-US" smtClean="0"/>
               <a:pPr/>
-              <a:t>8/5/16</a:t>
+              <a:t>8/6/16</a:t>
             </a:fld>
             <a:endParaRPr lang="en-US" dirty="0"/>
           </a:p>
@@ -4329,7 +4329,7 @@
             <a:fld id="{02640F58-564D-2B4F-AE67-E407BA4FCF45}" type="datetimeFigureOut">
               <a:rPr lang="en-US" smtClean="0"/>
               <a:pPr/>
-              <a:t>8/5/16</a:t>
+              <a:t>8/6/16</a:t>
             </a:fld>
             <a:endParaRPr lang="en-US" dirty="0"/>
           </a:p>
@@ -4449,7 +4449,7 @@
             <a:fld id="{F13A34C8-038E-2045-AF43-DF7DBB8E0E9E}" type="datetimeFigureOut">
               <a:rPr lang="en-US" smtClean="0"/>
               <a:pPr/>
-              <a:t>8/5/16</a:t>
+              <a:t>8/6/16</a:t>
             </a:fld>
             <a:endParaRPr lang="en-US" dirty="0"/>
           </a:p>
@@ -4546,7 +4546,7 @@
             <a:fld id="{8818C68F-D26B-8F47-958C-23B49CF8A634}" type="datetimeFigureOut">
               <a:rPr lang="en-US" smtClean="0"/>
               <a:pPr/>
-              <a:t>8/5/16</a:t>
+              <a:t>8/6/16</a:t>
             </a:fld>
             <a:endParaRPr lang="en-US" dirty="0"/>
           </a:p>
@@ -4831,7 +4831,7 @@
             <a:fld id="{D0DF5E60-9974-AC48-9591-99C2BB44B7CF}" type="datetimeFigureOut">
               <a:rPr lang="en-US" smtClean="0"/>
               <a:pPr/>
-              <a:t>8/5/16</a:t>
+              <a:t>8/6/16</a:t>
             </a:fld>
             <a:endParaRPr lang="en-US" dirty="0"/>
           </a:p>
@@ -5124,7 +5124,7 @@
             <a:fld id="{18C79C5D-2A6F-F04D-97DA-BEF2467B64E4}" type="datetimeFigureOut">
               <a:rPr lang="en-US" smtClean="0"/>
               <a:pPr/>
-              <a:t>8/5/16</a:t>
+              <a:t>8/6/16</a:t>
             </a:fld>
             <a:endParaRPr lang="en-US" dirty="0"/>
           </a:p>
@@ -5656,7 +5656,7 @@
             <a:fld id="{09B482E8-6E0E-1B4F-B1FD-C69DB9E858D9}" type="datetimeFigureOut">
               <a:rPr lang="en-US" smtClean="0"/>
               <a:pPr/>
-              <a:t>8/5/16</a:t>
+              <a:t>8/6/16</a:t>
             </a:fld>
             <a:endParaRPr lang="en-US" dirty="0"/>
           </a:p>
@@ -6252,6 +6252,13 @@
   <p:clrMapOvr>
     <a:masterClrMapping/>
   </p:clrMapOvr>
+  <p:timing>
+    <p:tnLst>
+      <p:par>
+        <p:cTn id="1" dur="indefinite" restart="never" nodeType="tmRoot"/>
+      </p:par>
+    </p:tnLst>
+  </p:timing>
 </p:sld>
 </file>
 
@@ -6312,16 +6319,14 @@
           </a:bodyPr>
           <a:lstStyle/>
           <a:p>
+            <a:pPr lvl="1"/>
             <a:r>
               <a:rPr lang="en-US" dirty="0" smtClean="0"/>
-              <a:t>REFRENCES</a:t>
-            </a:r>
-          </a:p>
-          <a:p>
-            <a:pPr lvl="1"/>
+              <a:t>Figure </a:t>
+            </a:r>
             <a:r>
               <a:rPr lang="en-US" dirty="0" smtClean="0"/>
-              <a:t>Figure on Slide 4 - Cross </a:t>
+              <a:t>on Slide 4 - Cross </a:t>
             </a:r>
             <a:r>
               <a:rPr lang="en-US" dirty="0"/>
@@ -6391,7 +6396,6 @@
               <a:rPr lang="en-US" dirty="0" smtClean="0"/>
               <a:t> (used in EDA)</a:t>
             </a:r>
-            <a:endParaRPr lang="en-US" dirty="0" smtClean="0"/>
           </a:p>
           <a:p>
             <a:endParaRPr lang="en-US" dirty="0"/>
@@ -6408,6 +6412,13 @@
   <p:clrMapOvr>
     <a:masterClrMapping/>
   </p:clrMapOvr>
+  <p:timing>
+    <p:tnLst>
+      <p:par>
+        <p:cTn id="1" dur="indefinite" restart="never" nodeType="tmRoot"/>
+      </p:par>
+    </p:tnLst>
+  </p:timing>
 </p:sld>
 </file>
 
@@ -6514,6 +6525,13 @@
   <p:clrMapOvr>
     <a:masterClrMapping/>
   </p:clrMapOvr>
+  <p:timing>
+    <p:tnLst>
+      <p:par>
+        <p:cTn id="1" dur="indefinite" restart="never" nodeType="tmRoot"/>
+      </p:par>
+    </p:tnLst>
+  </p:timing>
 </p:sld>
 </file>
 
@@ -6581,15 +6599,7 @@
             <a:pPr lvl="1"/>
             <a:r>
               <a:rPr lang="en-US" dirty="0" smtClean="0"/>
-              <a:t>Mechanical Engineering (BSME)/</a:t>
-            </a:r>
-            <a:r>
-              <a:rPr lang="en-US" dirty="0" smtClean="0"/>
-              <a:t>Electrophysicist</a:t>
-            </a:r>
-            <a:r>
-              <a:rPr lang="en-US" dirty="0" smtClean="0"/>
-              <a:t> (MSEE)</a:t>
+              <a:t>Mechanical Engineering (BSME)/Electrophysicist (MSEE)</a:t>
             </a:r>
           </a:p>
           <a:p>
@@ -6611,6 +6621,13 @@
   <p:clrMapOvr>
     <a:masterClrMapping/>
   </p:clrMapOvr>
+  <p:timing>
+    <p:tnLst>
+      <p:par>
+        <p:cTn id="1" dur="indefinite" restart="never" nodeType="tmRoot"/>
+      </p:par>
+    </p:tnLst>
+  </p:timing>
 </p:sld>
 </file>
 
@@ -6695,19 +6712,73 @@
         </p:nvSpPr>
         <p:spPr>
           <a:xfrm>
-            <a:off x="1643743" y="2133600"/>
-            <a:ext cx="5189309" cy="3561588"/>
+            <a:off x="1136822" y="2024742"/>
+            <a:ext cx="6141074" cy="3561588"/>
           </a:xfrm>
         </p:spPr>
         <p:txBody>
-          <a:bodyPr/>
+          <a:bodyPr>
+            <a:normAutofit/>
+          </a:bodyPr>
           <a:lstStyle/>
           <a:p>
             <a:r>
               <a:rPr lang="en-US" dirty="0" smtClean="0"/>
-              <a:t>Can Machine Learning be used to predict the result of a complaint levied against a company?</a:t>
-            </a:r>
-            <a:endParaRPr lang="en-US" dirty="0"/>
+              <a:t>Can the result of complaint resolution be predicted?</a:t>
+            </a:r>
+          </a:p>
+          <a:p>
+            <a:pPr lvl="1"/>
+            <a:r>
+              <a:rPr lang="en-US" dirty="0" smtClean="0"/>
+              <a:t>Closed / Untimely response</a:t>
+            </a:r>
+            <a:r>
+              <a:rPr lang="en-US" dirty="0"/>
+              <a:t> </a:t>
+            </a:r>
+            <a:r>
+              <a:rPr lang="en-US" dirty="0" smtClean="0"/>
+              <a:t>      				[3.5%]           </a:t>
+            </a:r>
+          </a:p>
+          <a:p>
+            <a:pPr lvl="1"/>
+            <a:r>
+              <a:rPr lang="en-US" dirty="0" smtClean="0"/>
+              <a:t>Closed </a:t>
+            </a:r>
+            <a:r>
+              <a:rPr lang="en-US" dirty="0"/>
+              <a:t>with </a:t>
+            </a:r>
+            <a:r>
+              <a:rPr lang="en-US" dirty="0" smtClean="0"/>
+              <a:t>explanation           				[76.4%]      </a:t>
+            </a:r>
+          </a:p>
+          <a:p>
+            <a:pPr lvl="1"/>
+            <a:r>
+              <a:rPr lang="en-US" dirty="0" smtClean="0"/>
+              <a:t> Closed </a:t>
+            </a:r>
+            <a:r>
+              <a:rPr lang="en-US" dirty="0"/>
+              <a:t>with </a:t>
+            </a:r>
+            <a:r>
+              <a:rPr lang="en-US" dirty="0" smtClean="0"/>
+              <a:t>non-monetary/monetary relief</a:t>
+            </a:r>
+            <a:r>
+              <a:rPr lang="en-US" dirty="0"/>
+              <a:t> 	</a:t>
+            </a:r>
+            <a:r>
+              <a:rPr lang="en-US" dirty="0" smtClean="0"/>
+              <a:t> 	[20.1%]</a:t>
+            </a:r>
           </a:p>
         </p:txBody>
       </p:sp>
@@ -6721,6 +6792,13 @@
   <p:clrMapOvr>
     <a:masterClrMapping/>
   </p:clrMapOvr>
+  <p:timing>
+    <p:tnLst>
+      <p:par>
+        <p:cTn id="1" dur="indefinite" restart="never" nodeType="tmRoot"/>
+      </p:par>
+    </p:tnLst>
+  </p:timing>
 </p:sld>
 </file>
 
@@ -6830,11 +6908,7 @@
             </a:r>
             <a:r>
               <a:rPr lang="en-US" sz="1800" dirty="0" smtClean="0"/>
-              <a:t>CPFB</a:t>
-            </a:r>
-            <a:r>
-              <a:rPr lang="en-US" sz="1800" dirty="0" smtClean="0"/>
-              <a:t>)  </a:t>
+              <a:t>CPFB)  </a:t>
             </a:r>
             <a:endParaRPr lang="en-US" sz="1800" dirty="0"/>
           </a:p>
@@ -6873,15 +6947,7 @@
                   <a:srgbClr val="FF0000"/>
                 </a:solidFill>
               </a:rPr>
-              <a:t>Data is 80% “No”, 20% “Yes</a:t>
-            </a:r>
-            <a:r>
-              <a:rPr lang="en-US" sz="1800" b="1" dirty="0" smtClean="0">
-                <a:solidFill>
-                  <a:srgbClr val="FF0000"/>
-                </a:solidFill>
-              </a:rPr>
-              <a:t>”</a:t>
+              <a:t>Data is 80% “No”, 20% “Yes”</a:t>
             </a:r>
           </a:p>
           <a:p>
@@ -7035,6 +7101,13 @@
   <p:clrMapOvr>
     <a:masterClrMapping/>
   </p:clrMapOvr>
+  <p:timing>
+    <p:tnLst>
+      <p:par>
+        <p:cTn id="1" dur="indefinite" restart="never" nodeType="tmRoot"/>
+      </p:par>
+    </p:tnLst>
+  </p:timing>
 </p:sld>
 </file>
 
@@ -7118,21 +7191,8 @@
                   <a:srgbClr val="FF0000"/>
                 </a:solidFill>
               </a:rPr>
-              <a:t>MODEL</a:t>
-            </a:r>
-            <a:r>
-              <a:rPr lang="en-US" dirty="0" smtClean="0">
-                <a:solidFill>
-                  <a:srgbClr val="FF0000"/>
-                </a:solidFill>
-              </a:rPr>
-              <a:t>: Logistic Regression</a:t>
-            </a:r>
-            <a:endParaRPr lang="en-US" dirty="0" smtClean="0">
-              <a:solidFill>
-                <a:srgbClr val="FF0000"/>
-              </a:solidFill>
-            </a:endParaRPr>
+              <a:t>MODEL: Logistic Regression</a:t>
+            </a:r>
           </a:p>
           <a:p>
             <a:r>
@@ -7148,39 +7208,18 @@
                   <a:srgbClr val="FF0000"/>
                 </a:solidFill>
               </a:rPr>
-              <a:t>MODEL</a:t>
-            </a:r>
+              <a:t>MODEL: TFIDF – Multiple classifiers </a:t>
+            </a:r>
+          </a:p>
+          <a:p>
+            <a:pPr lvl="1"/>
             <a:r>
               <a:rPr lang="en-US" dirty="0" smtClean="0">
                 <a:solidFill>
                   <a:srgbClr val="FF0000"/>
                 </a:solidFill>
               </a:rPr>
-              <a:t>: TFIDF – Multiple classifiers </a:t>
-            </a:r>
-            <a:endParaRPr lang="en-US" dirty="0" smtClean="0">
-              <a:solidFill>
-                <a:srgbClr val="FF0000"/>
-              </a:solidFill>
-            </a:endParaRPr>
-          </a:p>
-          <a:p>
-            <a:pPr lvl="1"/>
-            <a:r>
-              <a:rPr lang="en-US" dirty="0" smtClean="0">
-                <a:solidFill>
-                  <a:srgbClr val="FF0000"/>
-                </a:solidFill>
-              </a:rPr>
-              <a:t>MODEL</a:t>
-            </a:r>
-            <a:r>
-              <a:rPr lang="en-US" dirty="0" smtClean="0">
-                <a:solidFill>
-                  <a:srgbClr val="FF0000"/>
-                </a:solidFill>
-              </a:rPr>
-              <a:t>: Word2Vec</a:t>
+              <a:t>MODEL: Word2Vec</a:t>
             </a:r>
             <a:endParaRPr lang="en-US" dirty="0">
               <a:solidFill>
@@ -7235,6 +7274,13 @@
   <p:clrMapOvr>
     <a:masterClrMapping/>
   </p:clrMapOvr>
+  <p:timing>
+    <p:tnLst>
+      <p:par>
+        <p:cTn id="1" dur="indefinite" restart="never" nodeType="tmRoot"/>
+      </p:par>
+    </p:tnLst>
+  </p:timing>
 </p:sld>
 </file>
 
@@ -7419,6 +7465,13 @@
   <p:clrMapOvr>
     <a:masterClrMapping/>
   </p:clrMapOvr>
+  <p:timing>
+    <p:tnLst>
+      <p:par>
+        <p:cTn id="1" dur="indefinite" restart="never" nodeType="tmRoot"/>
+      </p:par>
+    </p:tnLst>
+  </p:timing>
 </p:sld>
 </file>
 
@@ -7481,15 +7534,7 @@
           <a:p>
             <a:r>
               <a:rPr lang="en-US" dirty="0" smtClean="0"/>
-              <a:t>Using the predictive power of the model, a company could address the situations where they provide some sort of </a:t>
-            </a:r>
-            <a:r>
-              <a:rPr lang="en-US" dirty="0" smtClean="0"/>
-              <a:t>relief </a:t>
-            </a:r>
-            <a:r>
-              <a:rPr lang="en-US" dirty="0" smtClean="0"/>
-              <a:t>(monetary or other) and determine the most economic was to do so </a:t>
+              <a:t>Using the predictive power of the model, a company could address the situations where they provide some sort of relief (monetary or other) and determine the most economic was to do so </a:t>
             </a:r>
           </a:p>
           <a:p>
@@ -7531,6 +7576,13 @@
   <p:clrMapOvr>
     <a:masterClrMapping/>
   </p:clrMapOvr>
+  <p:timing>
+    <p:tnLst>
+      <p:par>
+        <p:cTn id="1" dur="indefinite" restart="never" nodeType="tmRoot"/>
+      </p:par>
+    </p:tnLst>
+  </p:timing>
 </p:sld>
 </file>
 
@@ -7568,11 +7620,7 @@
           <a:p>
             <a:r>
               <a:rPr lang="en-US" dirty="0" smtClean="0"/>
-              <a:t>Project Info/Contact </a:t>
-            </a:r>
-            <a:r>
-              <a:rPr lang="en-US" dirty="0" smtClean="0"/>
-              <a:t>Info</a:t>
+              <a:t>Project Info/Contact Info</a:t>
             </a:r>
             <a:endParaRPr lang="en-US" dirty="0"/>
           </a:p>
@@ -7632,21 +7680,8 @@
             <a:pPr lvl="1" fontAlgn="base"/>
             <a:r>
               <a:rPr lang="en-US" dirty="0"/>
-              <a:t>https://</a:t>
-            </a:r>
-            <a:r>
-              <a:rPr lang="en-US" dirty="0"/>
-              <a:t>www.linkedin.com</a:t>
-            </a:r>
-            <a:r>
-              <a:rPr lang="en-US" dirty="0"/>
-              <a:t>/in/</a:t>
-            </a:r>
-            <a:r>
-              <a:rPr lang="en-US" dirty="0"/>
-              <a:t>christophermmichael</a:t>
-            </a:r>
-            <a:endParaRPr lang="en-US" dirty="0"/>
+              <a:t>https://www.linkedin.com/in/christophermmichael</a:t>
+            </a:r>
           </a:p>
           <a:p>
             <a:r>
@@ -7685,6 +7720,13 @@
   <p:clrMapOvr>
     <a:masterClrMapping/>
   </p:clrMapOvr>
+  <p:timing>
+    <p:tnLst>
+      <p:par>
+        <p:cTn id="1" dur="indefinite" restart="never" nodeType="tmRoot"/>
+      </p:par>
+    </p:tnLst>
+  </p:timing>
 </p:sld>
 </file>
 

--- a/ppt/Consumer_Complaints.pptx
+++ b/ppt/Consumer_Complaints.pptx
@@ -624,7 +624,7 @@
             <a:fld id="{08B9EBBA-996F-894A-B54A-D6246ED52CEA}" type="datetimeFigureOut">
               <a:rPr lang="en-US" smtClean="0"/>
               <a:pPr/>
-              <a:t>8/6/16</a:t>
+              <a:t>8/7/16</a:t>
             </a:fld>
             <a:endParaRPr lang="en-US" dirty="0"/>
           </a:p>
@@ -922,7 +922,7 @@
             <a:fld id="{09B482E8-6E0E-1B4F-B1FD-C69DB9E858D9}" type="datetimeFigureOut">
               <a:rPr lang="en-US" smtClean="0"/>
               <a:pPr/>
-              <a:t>8/6/16</a:t>
+              <a:t>8/7/16</a:t>
             </a:fld>
             <a:endParaRPr lang="en-US" dirty="0"/>
           </a:p>
@@ -1173,7 +1173,7 @@
             <a:fld id="{09B482E8-6E0E-1B4F-B1FD-C69DB9E858D9}" type="datetimeFigureOut">
               <a:rPr lang="en-US" smtClean="0"/>
               <a:pPr/>
-              <a:t>8/6/16</a:t>
+              <a:t>8/7/16</a:t>
             </a:fld>
             <a:endParaRPr lang="en-US" dirty="0"/>
           </a:p>
@@ -1716,7 +1716,7 @@
             <a:fld id="{09B482E8-6E0E-1B4F-B1FD-C69DB9E858D9}" type="datetimeFigureOut">
               <a:rPr lang="en-US" smtClean="0"/>
               <a:pPr/>
-              <a:t>8/6/16</a:t>
+              <a:t>8/7/16</a:t>
             </a:fld>
             <a:endParaRPr lang="en-US" dirty="0"/>
           </a:p>
@@ -1967,7 +1967,7 @@
             <a:fld id="{09B482E8-6E0E-1B4F-B1FD-C69DB9E858D9}" type="datetimeFigureOut">
               <a:rPr lang="en-US" smtClean="0"/>
               <a:pPr/>
-              <a:t>8/6/16</a:t>
+              <a:t>8/7/16</a:t>
             </a:fld>
             <a:endParaRPr lang="en-US" dirty="0"/>
           </a:p>
@@ -2502,7 +2502,7 @@
             <a:fld id="{09B482E8-6E0E-1B4F-B1FD-C69DB9E858D9}" type="datetimeFigureOut">
               <a:rPr lang="en-US" smtClean="0"/>
               <a:pPr/>
-              <a:t>8/6/16</a:t>
+              <a:t>8/7/16</a:t>
             </a:fld>
             <a:endParaRPr lang="en-US" dirty="0"/>
           </a:p>
@@ -2802,7 +2802,7 @@
             <a:fld id="{09B482E8-6E0E-1B4F-B1FD-C69DB9E858D9}" type="datetimeFigureOut">
               <a:rPr lang="en-US" smtClean="0"/>
               <a:pPr/>
-              <a:t>8/6/16</a:t>
+              <a:t>8/7/16</a:t>
             </a:fld>
             <a:endParaRPr lang="en-US" dirty="0"/>
           </a:p>
@@ -2979,7 +2979,7 @@
             <a:fld id="{C6C52C72-DE31-F449-A4ED-4C594FD91407}" type="datetimeFigureOut">
               <a:rPr lang="en-US" smtClean="0"/>
               <a:pPr/>
-              <a:t>8/6/16</a:t>
+              <a:t>8/7/16</a:t>
             </a:fld>
             <a:endParaRPr lang="en-US" dirty="0"/>
           </a:p>
@@ -3161,7 +3161,7 @@
             <a:fld id="{ED62726E-379B-B349-9EED-81ED093FA806}" type="datetimeFigureOut">
               <a:rPr lang="en-US" smtClean="0"/>
               <a:pPr/>
-              <a:t>8/6/16</a:t>
+              <a:t>8/7/16</a:t>
             </a:fld>
             <a:endParaRPr lang="en-US" dirty="0"/>
           </a:p>
@@ -3333,7 +3333,7 @@
             <a:fld id="{9B3A1323-8D79-1946-B0D7-40001CF92E9D}" type="datetimeFigureOut">
               <a:rPr lang="en-US" smtClean="0"/>
               <a:pPr/>
-              <a:t>8/6/16</a:t>
+              <a:t>8/7/16</a:t>
             </a:fld>
             <a:endParaRPr lang="en-US" dirty="0"/>
           </a:p>
@@ -3586,7 +3586,7 @@
             <a:fld id="{8DFA1846-DA80-1C48-A609-854EA85C59AD}" type="datetimeFigureOut">
               <a:rPr lang="en-US" smtClean="0"/>
               <a:pPr/>
-              <a:t>8/6/16</a:t>
+              <a:t>8/7/16</a:t>
             </a:fld>
             <a:endParaRPr lang="en-US" dirty="0"/>
           </a:p>
@@ -3885,7 +3885,7 @@
             <a:fld id="{57302355-E14B-8545-A8F8-0FE83CC9D524}" type="datetimeFigureOut">
               <a:rPr lang="en-US" smtClean="0"/>
               <a:pPr/>
-              <a:t>8/6/16</a:t>
+              <a:t>8/7/16</a:t>
             </a:fld>
             <a:endParaRPr lang="en-US" dirty="0"/>
           </a:p>
@@ -4329,7 +4329,7 @@
             <a:fld id="{02640F58-564D-2B4F-AE67-E407BA4FCF45}" type="datetimeFigureOut">
               <a:rPr lang="en-US" smtClean="0"/>
               <a:pPr/>
-              <a:t>8/6/16</a:t>
+              <a:t>8/7/16</a:t>
             </a:fld>
             <a:endParaRPr lang="en-US" dirty="0"/>
           </a:p>
@@ -4449,7 +4449,7 @@
             <a:fld id="{F13A34C8-038E-2045-AF43-DF7DBB8E0E9E}" type="datetimeFigureOut">
               <a:rPr lang="en-US" smtClean="0"/>
               <a:pPr/>
-              <a:t>8/6/16</a:t>
+              <a:t>8/7/16</a:t>
             </a:fld>
             <a:endParaRPr lang="en-US" dirty="0"/>
           </a:p>
@@ -4546,7 +4546,7 @@
             <a:fld id="{8818C68F-D26B-8F47-958C-23B49CF8A634}" type="datetimeFigureOut">
               <a:rPr lang="en-US" smtClean="0"/>
               <a:pPr/>
-              <a:t>8/6/16</a:t>
+              <a:t>8/7/16</a:t>
             </a:fld>
             <a:endParaRPr lang="en-US" dirty="0"/>
           </a:p>
@@ -4831,7 +4831,7 @@
             <a:fld id="{D0DF5E60-9974-AC48-9591-99C2BB44B7CF}" type="datetimeFigureOut">
               <a:rPr lang="en-US" smtClean="0"/>
               <a:pPr/>
-              <a:t>8/6/16</a:t>
+              <a:t>8/7/16</a:t>
             </a:fld>
             <a:endParaRPr lang="en-US" dirty="0"/>
           </a:p>
@@ -5124,7 +5124,7 @@
             <a:fld id="{18C79C5D-2A6F-F04D-97DA-BEF2467B64E4}" type="datetimeFigureOut">
               <a:rPr lang="en-US" smtClean="0"/>
               <a:pPr/>
-              <a:t>8/6/16</a:t>
+              <a:t>8/7/16</a:t>
             </a:fld>
             <a:endParaRPr lang="en-US" dirty="0"/>
           </a:p>
@@ -5656,7 +5656,7 @@
             <a:fld id="{09B482E8-6E0E-1B4F-B1FD-C69DB9E858D9}" type="datetimeFigureOut">
               <a:rPr lang="en-US" smtClean="0"/>
               <a:pPr/>
-              <a:t>8/6/16</a:t>
+              <a:t>8/7/16</a:t>
             </a:fld>
             <a:endParaRPr lang="en-US" dirty="0"/>
           </a:p>
@@ -6322,11 +6322,7 @@
             <a:pPr lvl="1"/>
             <a:r>
               <a:rPr lang="en-US" dirty="0" smtClean="0"/>
-              <a:t>Figure </a:t>
-            </a:r>
-            <a:r>
-              <a:rPr lang="en-US" dirty="0" smtClean="0"/>
-              <a:t>on Slide 4 - Cross </a:t>
+              <a:t>Figure on Slide 4 - Cross </a:t>
             </a:r>
             <a:r>
               <a:rPr lang="en-US" dirty="0"/>
@@ -6832,7 +6828,7 @@
         <p:spPr>
           <a:xfrm>
             <a:off x="1544783" y="233215"/>
-            <a:ext cx="3549121" cy="1371600"/>
+            <a:ext cx="3549121" cy="581794"/>
           </a:xfrm>
         </p:spPr>
         <p:txBody>
@@ -6888,8 +6884,8 @@
         </p:nvSpPr>
         <p:spPr>
           <a:xfrm>
-            <a:off x="1228076" y="1677698"/>
-            <a:ext cx="4671278" cy="3170904"/>
+            <a:off x="1401698" y="815009"/>
+            <a:ext cx="4671278" cy="5367130"/>
           </a:xfrm>
         </p:spPr>
         <p:txBody>
@@ -6903,14 +6899,14 @@
               <a:buChar char="•"/>
             </a:pPr>
             <a:r>
-              <a:rPr lang="en-US" sz="1800" dirty="0"/>
+              <a:rPr lang="en-US" sz="2200" dirty="0"/>
               <a:t>Data from the Consumer Financial Protection Bureau (</a:t>
             </a:r>
             <a:r>
-              <a:rPr lang="en-US" sz="1800" dirty="0" smtClean="0"/>
+              <a:rPr lang="en-US" sz="2200" dirty="0" smtClean="0"/>
               <a:t>CPFB)  </a:t>
             </a:r>
-            <a:endParaRPr lang="en-US" sz="1800" dirty="0"/>
+            <a:endParaRPr lang="en-US" sz="2200" dirty="0"/>
           </a:p>
           <a:p>
             <a:pPr marL="285750" indent="-285750" algn="l">
@@ -6918,9 +6914,14 @@
               <a:buChar char="•"/>
             </a:pPr>
             <a:r>
-              <a:rPr lang="en-US" sz="1800" dirty="0"/>
-              <a:t>Data converted from categorical descriptions to numerical values for use in models</a:t>
-            </a:r>
+              <a:rPr lang="en-US" sz="2200" dirty="0"/>
+              <a:t>Data converted from categorical descriptions to numerical values for use in </a:t>
+            </a:r>
+            <a:r>
+              <a:rPr lang="en-US" sz="2200" dirty="0" smtClean="0"/>
+              <a:t>models</a:t>
+            </a:r>
+            <a:endParaRPr lang="en-US" sz="2200" dirty="0"/>
           </a:p>
           <a:p>
             <a:pPr marL="285750" indent="-285750" algn="l">
@@ -6928,11 +6929,11 @@
               <a:buChar char="•"/>
             </a:pPr>
             <a:r>
-              <a:rPr lang="en-US" sz="1800" dirty="0"/>
+              <a:rPr lang="en-US" sz="2200" dirty="0"/>
               <a:t>Text was cleaned and modified for </a:t>
             </a:r>
             <a:r>
-              <a:rPr lang="en-US" sz="1800" dirty="0" smtClean="0"/>
+              <a:rPr lang="en-US" sz="2200" dirty="0" smtClean="0"/>
               <a:t>processing</a:t>
             </a:r>
           </a:p>
@@ -6942,7 +6943,7 @@
               <a:buChar char="•"/>
             </a:pPr>
             <a:r>
-              <a:rPr lang="en-US" sz="1800" b="1" dirty="0" smtClean="0">
+              <a:rPr lang="en-US" sz="2200" b="1" dirty="0" smtClean="0">
                 <a:solidFill>
                   <a:srgbClr val="FF0000"/>
                 </a:solidFill>
@@ -6956,14 +6957,14 @@
               <a:buChar char="•"/>
             </a:pPr>
             <a:r>
-              <a:rPr lang="en-US" sz="1400" b="1" dirty="0" smtClean="0">
+              <a:rPr lang="en-US" sz="2200" b="1" dirty="0" smtClean="0">
                 <a:solidFill>
                   <a:srgbClr val="FF0000"/>
                 </a:solidFill>
               </a:rPr>
-              <a:t>NEED TO ADDRESS CLASS IMBALANCE</a:t>
-            </a:r>
-            <a:endParaRPr lang="en-US" sz="1400" b="1" dirty="0">
+              <a:t>Addressed using weighting of “Yes” Class and also creating a balanced DF of “Yes” and “No” results</a:t>
+            </a:r>
+            <a:endParaRPr lang="en-US" sz="2200" b="1" dirty="0">
               <a:solidFill>
                 <a:srgbClr val="FF0000"/>
               </a:solidFill>
@@ -7170,12 +7171,14 @@
         </p:nvSpPr>
         <p:spPr>
           <a:xfrm>
-            <a:off x="1484310" y="1371601"/>
-            <a:ext cx="10018713" cy="3124201"/>
+            <a:off x="1484311" y="1371601"/>
+            <a:ext cx="6586264" cy="3995529"/>
           </a:xfrm>
         </p:spPr>
         <p:txBody>
-          <a:bodyPr/>
+          <a:bodyPr>
+            <a:normAutofit fontScale="92500" lnSpcReduction="10000"/>
+          </a:bodyPr>
           <a:lstStyle/>
           <a:p>
             <a:r>
@@ -7191,8 +7194,21 @@
                   <a:srgbClr val="FF0000"/>
                 </a:solidFill>
               </a:rPr>
-              <a:t>MODEL: Logistic Regression</a:t>
-            </a:r>
+              <a:t>MODEL: Logistic </a:t>
+            </a:r>
+            <a:r>
+              <a:rPr lang="en-US" dirty="0" smtClean="0">
+                <a:solidFill>
+                  <a:srgbClr val="FF0000"/>
+                </a:solidFill>
+              </a:rPr>
+              <a:t>Regression	53.0%</a:t>
+            </a:r>
+            <a:endParaRPr lang="en-US" dirty="0" smtClean="0">
+              <a:solidFill>
+                <a:srgbClr val="FF0000"/>
+              </a:solidFill>
+            </a:endParaRPr>
           </a:p>
           <a:p>
             <a:r>
@@ -7208,8 +7224,70 @@
                   <a:srgbClr val="FF0000"/>
                 </a:solidFill>
               </a:rPr>
-              <a:t>MODEL: TFIDF – Multiple classifiers </a:t>
-            </a:r>
+              <a:t>MODEL: TFIDF – </a:t>
+            </a:r>
+            <a:endParaRPr lang="en-US" dirty="0" smtClean="0">
+              <a:solidFill>
+                <a:srgbClr val="FF0000"/>
+              </a:solidFill>
+            </a:endParaRPr>
+          </a:p>
+          <a:p>
+            <a:pPr lvl="2"/>
+            <a:r>
+              <a:rPr lang="en-US" dirty="0" smtClean="0">
+                <a:solidFill>
+                  <a:srgbClr val="FF0000"/>
+                </a:solidFill>
+              </a:rPr>
+              <a:t>Logistic Regression 		80.3%</a:t>
+            </a:r>
+          </a:p>
+          <a:p>
+            <a:pPr lvl="2"/>
+            <a:r>
+              <a:rPr lang="en-US" dirty="0" err="1" smtClean="0">
+                <a:solidFill>
+                  <a:srgbClr val="FF0000"/>
+                </a:solidFill>
+              </a:rPr>
+              <a:t>KNearestNeighbors</a:t>
+            </a:r>
+            <a:r>
+              <a:rPr lang="en-US" dirty="0" smtClean="0">
+                <a:solidFill>
+                  <a:srgbClr val="FF0000"/>
+                </a:solidFill>
+              </a:rPr>
+              <a:t>		78.0%</a:t>
+            </a:r>
+          </a:p>
+          <a:p>
+            <a:pPr lvl="2"/>
+            <a:r>
+              <a:rPr lang="en-US" dirty="0" smtClean="0">
+                <a:solidFill>
+                  <a:srgbClr val="FF0000"/>
+                </a:solidFill>
+              </a:rPr>
+              <a:t>Multinomial Naïve Bayes	80.9%</a:t>
+            </a:r>
+          </a:p>
+          <a:p>
+            <a:pPr lvl="2"/>
+            <a:r>
+              <a:rPr lang="en-US" dirty="0" smtClean="0">
+                <a:solidFill>
+                  <a:srgbClr val="FF0000"/>
+                </a:solidFill>
+              </a:rPr>
+              <a:t>Random Forest			80.1%</a:t>
+            </a:r>
+            <a:endParaRPr lang="en-US" dirty="0" smtClean="0">
+              <a:solidFill>
+                <a:srgbClr val="FF0000"/>
+              </a:solidFill>
+            </a:endParaRPr>
           </a:p>
           <a:p>
             <a:pPr lvl="1"/>
@@ -7219,7 +7297,15 @@
                   <a:srgbClr val="FF0000"/>
                 </a:solidFill>
               </a:rPr>
-              <a:t>MODEL: Word2Vec</a:t>
+              <a:t>MODEL: </a:t>
+            </a:r>
+            <a:r>
+              <a:rPr lang="en-US" dirty="0" smtClean="0">
+                <a:solidFill>
+                  <a:srgbClr val="FF0000"/>
+                </a:solidFill>
+              </a:rPr>
+              <a:t>Word2Vec			XX.X%</a:t>
             </a:r>
             <a:endParaRPr lang="en-US" dirty="0">
               <a:solidFill>
@@ -7356,7 +7442,7 @@
                   <a:srgbClr val="FF0000"/>
                 </a:solidFill>
               </a:rPr>
-              <a:t>SAY SOMETHING COOL</a:t>
+              <a:t>A random forest produced ~53% accuracy using non-text features</a:t>
             </a:r>
             <a:endParaRPr lang="en-US" dirty="0">
               <a:solidFill>
@@ -7382,6 +7468,26 @@
                   <a:srgbClr val="FF0000"/>
                 </a:solidFill>
               </a:rPr>
+              <a:t>Using TFIDF, 82% accuracy was obtained </a:t>
+            </a:r>
+            <a:endParaRPr lang="en-US" dirty="0">
+              <a:solidFill>
+                <a:srgbClr val="FF0000"/>
+              </a:solidFill>
+            </a:endParaRPr>
+          </a:p>
+          <a:p>
+            <a:pPr lvl="1"/>
+            <a:r>
+              <a:rPr lang="en-US" dirty="0"/>
+              <a:t>Word2Vec: </a:t>
+            </a:r>
+            <a:r>
+              <a:rPr lang="en-US" dirty="0" smtClean="0">
+                <a:solidFill>
+                  <a:srgbClr val="FF0000"/>
+                </a:solidFill>
+              </a:rPr>
               <a:t>SAY</a:t>
             </a:r>
             <a:r>
@@ -7397,55 +7503,12 @@
               <a:t>SOMETHING </a:t>
             </a:r>
             <a:r>
-              <a:rPr lang="en-US" dirty="0">
+              <a:rPr lang="en-US" dirty="0" smtClean="0">
                 <a:solidFill>
                   <a:srgbClr val="FF0000"/>
                 </a:solidFill>
               </a:rPr>
-              <a:t>COOLER!!!</a:t>
-            </a:r>
-          </a:p>
-          <a:p>
-            <a:pPr lvl="1"/>
-            <a:r>
-              <a:rPr lang="en-US" dirty="0"/>
-              <a:t>Word2Vec: </a:t>
-            </a:r>
-            <a:r>
-              <a:rPr lang="en-US" dirty="0" smtClean="0">
-                <a:solidFill>
-                  <a:srgbClr val="FF0000"/>
-                </a:solidFill>
-              </a:rPr>
-              <a:t>SAY</a:t>
-            </a:r>
-            <a:r>
-              <a:rPr lang="en-US" dirty="0" smtClean="0"/>
-              <a:t> </a:t>
-            </a:r>
-            <a:r>
-              <a:rPr lang="en-US" dirty="0" smtClean="0">
-                <a:solidFill>
-                  <a:srgbClr val="FF0000"/>
-                </a:solidFill>
-              </a:rPr>
-              <a:t>SOMETHING </a:t>
-            </a:r>
-            <a:r>
-              <a:rPr lang="en-US" dirty="0">
-                <a:solidFill>
-                  <a:srgbClr val="FF0000"/>
-                </a:solidFill>
-              </a:rPr>
-              <a:t>COOLER</a:t>
-            </a:r>
-            <a:r>
-              <a:rPr lang="en-US" dirty="0" smtClean="0">
-                <a:solidFill>
-                  <a:srgbClr val="FF0000"/>
-                </a:solidFill>
-              </a:rPr>
-              <a:t>!!!</a:t>
+              <a:t>COOLER ONCE YOU MAKE IT WORK!!!</a:t>
             </a:r>
             <a:endParaRPr lang="en-US" dirty="0">
               <a:solidFill>
@@ -7534,8 +7597,9 @@
           <a:p>
             <a:r>
               <a:rPr lang="en-US" dirty="0" smtClean="0"/>
-              <a:t>Using the predictive power of the model, a company could address the situations where they provide some sort of relief (monetary or other) and determine the most economic was to do so </a:t>
-            </a:r>
+              <a:t>Predicting the outcome of a complaint can give businesses insight to how to better manage costs or position resources to manage complaints.  </a:t>
+            </a:r>
+            <a:endParaRPr lang="en-US" dirty="0" smtClean="0"/>
           </a:p>
           <a:p>
             <a:r>

--- a/ppt/Consumer_Complaints.pptx
+++ b/ppt/Consumer_Complaints.pptx
@@ -624,7 +624,7 @@
             <a:fld id="{08B9EBBA-996F-894A-B54A-D6246ED52CEA}" type="datetimeFigureOut">
               <a:rPr lang="en-US" smtClean="0"/>
               <a:pPr/>
-              <a:t>8/7/16</a:t>
+              <a:t>8/8/16</a:t>
             </a:fld>
             <a:endParaRPr lang="en-US" dirty="0"/>
           </a:p>
@@ -922,7 +922,7 @@
             <a:fld id="{09B482E8-6E0E-1B4F-B1FD-C69DB9E858D9}" type="datetimeFigureOut">
               <a:rPr lang="en-US" smtClean="0"/>
               <a:pPr/>
-              <a:t>8/7/16</a:t>
+              <a:t>8/8/16</a:t>
             </a:fld>
             <a:endParaRPr lang="en-US" dirty="0"/>
           </a:p>
@@ -1173,7 +1173,7 @@
             <a:fld id="{09B482E8-6E0E-1B4F-B1FD-C69DB9E858D9}" type="datetimeFigureOut">
               <a:rPr lang="en-US" smtClean="0"/>
               <a:pPr/>
-              <a:t>8/7/16</a:t>
+              <a:t>8/8/16</a:t>
             </a:fld>
             <a:endParaRPr lang="en-US" dirty="0"/>
           </a:p>
@@ -1716,7 +1716,7 @@
             <a:fld id="{09B482E8-6E0E-1B4F-B1FD-C69DB9E858D9}" type="datetimeFigureOut">
               <a:rPr lang="en-US" smtClean="0"/>
               <a:pPr/>
-              <a:t>8/7/16</a:t>
+              <a:t>8/8/16</a:t>
             </a:fld>
             <a:endParaRPr lang="en-US" dirty="0"/>
           </a:p>
@@ -1967,7 +1967,7 @@
             <a:fld id="{09B482E8-6E0E-1B4F-B1FD-C69DB9E858D9}" type="datetimeFigureOut">
               <a:rPr lang="en-US" smtClean="0"/>
               <a:pPr/>
-              <a:t>8/7/16</a:t>
+              <a:t>8/8/16</a:t>
             </a:fld>
             <a:endParaRPr lang="en-US" dirty="0"/>
           </a:p>
@@ -2502,7 +2502,7 @@
             <a:fld id="{09B482E8-6E0E-1B4F-B1FD-C69DB9E858D9}" type="datetimeFigureOut">
               <a:rPr lang="en-US" smtClean="0"/>
               <a:pPr/>
-              <a:t>8/7/16</a:t>
+              <a:t>8/8/16</a:t>
             </a:fld>
             <a:endParaRPr lang="en-US" dirty="0"/>
           </a:p>
@@ -2802,7 +2802,7 @@
             <a:fld id="{09B482E8-6E0E-1B4F-B1FD-C69DB9E858D9}" type="datetimeFigureOut">
               <a:rPr lang="en-US" smtClean="0"/>
               <a:pPr/>
-              <a:t>8/7/16</a:t>
+              <a:t>8/8/16</a:t>
             </a:fld>
             <a:endParaRPr lang="en-US" dirty="0"/>
           </a:p>
@@ -2979,7 +2979,7 @@
             <a:fld id="{C6C52C72-DE31-F449-A4ED-4C594FD91407}" type="datetimeFigureOut">
               <a:rPr lang="en-US" smtClean="0"/>
               <a:pPr/>
-              <a:t>8/7/16</a:t>
+              <a:t>8/8/16</a:t>
             </a:fld>
             <a:endParaRPr lang="en-US" dirty="0"/>
           </a:p>
@@ -3161,7 +3161,7 @@
             <a:fld id="{ED62726E-379B-B349-9EED-81ED093FA806}" type="datetimeFigureOut">
               <a:rPr lang="en-US" smtClean="0"/>
               <a:pPr/>
-              <a:t>8/7/16</a:t>
+              <a:t>8/8/16</a:t>
             </a:fld>
             <a:endParaRPr lang="en-US" dirty="0"/>
           </a:p>
@@ -3333,7 +3333,7 @@
             <a:fld id="{9B3A1323-8D79-1946-B0D7-40001CF92E9D}" type="datetimeFigureOut">
               <a:rPr lang="en-US" smtClean="0"/>
               <a:pPr/>
-              <a:t>8/7/16</a:t>
+              <a:t>8/8/16</a:t>
             </a:fld>
             <a:endParaRPr lang="en-US" dirty="0"/>
           </a:p>
@@ -3586,7 +3586,7 @@
             <a:fld id="{8DFA1846-DA80-1C48-A609-854EA85C59AD}" type="datetimeFigureOut">
               <a:rPr lang="en-US" smtClean="0"/>
               <a:pPr/>
-              <a:t>8/7/16</a:t>
+              <a:t>8/8/16</a:t>
             </a:fld>
             <a:endParaRPr lang="en-US" dirty="0"/>
           </a:p>
@@ -3885,7 +3885,7 @@
             <a:fld id="{57302355-E14B-8545-A8F8-0FE83CC9D524}" type="datetimeFigureOut">
               <a:rPr lang="en-US" smtClean="0"/>
               <a:pPr/>
-              <a:t>8/7/16</a:t>
+              <a:t>8/8/16</a:t>
             </a:fld>
             <a:endParaRPr lang="en-US" dirty="0"/>
           </a:p>
@@ -4329,7 +4329,7 @@
             <a:fld id="{02640F58-564D-2B4F-AE67-E407BA4FCF45}" type="datetimeFigureOut">
               <a:rPr lang="en-US" smtClean="0"/>
               <a:pPr/>
-              <a:t>8/7/16</a:t>
+              <a:t>8/8/16</a:t>
             </a:fld>
             <a:endParaRPr lang="en-US" dirty="0"/>
           </a:p>
@@ -4449,7 +4449,7 @@
             <a:fld id="{F13A34C8-038E-2045-AF43-DF7DBB8E0E9E}" type="datetimeFigureOut">
               <a:rPr lang="en-US" smtClean="0"/>
               <a:pPr/>
-              <a:t>8/7/16</a:t>
+              <a:t>8/8/16</a:t>
             </a:fld>
             <a:endParaRPr lang="en-US" dirty="0"/>
           </a:p>
@@ -4546,7 +4546,7 @@
             <a:fld id="{8818C68F-D26B-8F47-958C-23B49CF8A634}" type="datetimeFigureOut">
               <a:rPr lang="en-US" smtClean="0"/>
               <a:pPr/>
-              <a:t>8/7/16</a:t>
+              <a:t>8/8/16</a:t>
             </a:fld>
             <a:endParaRPr lang="en-US" dirty="0"/>
           </a:p>
@@ -4831,7 +4831,7 @@
             <a:fld id="{D0DF5E60-9974-AC48-9591-99C2BB44B7CF}" type="datetimeFigureOut">
               <a:rPr lang="en-US" smtClean="0"/>
               <a:pPr/>
-              <a:t>8/7/16</a:t>
+              <a:t>8/8/16</a:t>
             </a:fld>
             <a:endParaRPr lang="en-US" dirty="0"/>
           </a:p>
@@ -5124,7 +5124,7 @@
             <a:fld id="{18C79C5D-2A6F-F04D-97DA-BEF2467B64E4}" type="datetimeFigureOut">
               <a:rPr lang="en-US" smtClean="0"/>
               <a:pPr/>
-              <a:t>8/7/16</a:t>
+              <a:t>8/8/16</a:t>
             </a:fld>
             <a:endParaRPr lang="en-US" dirty="0"/>
           </a:p>
@@ -5656,7 +5656,7 @@
             <a:fld id="{09B482E8-6E0E-1B4F-B1FD-C69DB9E858D9}" type="datetimeFigureOut">
               <a:rPr lang="en-US" smtClean="0"/>
               <a:pPr/>
-              <a:t>8/7/16</a:t>
+              <a:t>8/8/16</a:t>
             </a:fld>
             <a:endParaRPr lang="en-US" dirty="0"/>
           </a:p>
@@ -6263,7 +6263,7 @@
 </file>
 
 <file path=ppt/slides/slide10.xml><?xml version="1.0" encoding="utf-8"?>
-<p:sld xmlns:a="http://schemas.openxmlformats.org/drawingml/2006/main" xmlns:r="http://schemas.openxmlformats.org/officeDocument/2006/relationships" xmlns:p="http://schemas.openxmlformats.org/presentationml/2006/main">
+<p:sld xmlns:a="http://schemas.openxmlformats.org/drawingml/2006/main" xmlns:r="http://schemas.openxmlformats.org/officeDocument/2006/relationships" xmlns:p="http://schemas.openxmlformats.org/presentationml/2006/main" show="0">
   <p:cSld>
     <p:spTree>
       <p:nvGrpSpPr>
@@ -6408,6 +6408,14 @@
   <p:clrMapOvr>
     <a:masterClrMapping/>
   </p:clrMapOvr>
+  <mc:AlternateContent xmlns:mc="http://schemas.openxmlformats.org/markup-compatibility/2006">
+    <mc:Choice xmlns:p14="http://schemas.microsoft.com/office/powerpoint/2010/main" Requires="p14">
+      <p:transition spd="slow" p14:dur="2000"/>
+    </mc:Choice>
+    <mc:Fallback>
+      <p:transition spd="slow"/>
+    </mc:Fallback>
+  </mc:AlternateContent>
   <p:timing>
     <p:tnLst>
       <p:par>
@@ -6419,7 +6427,7 @@
 </file>
 
 <file path=ppt/slides/slide2.xml><?xml version="1.0" encoding="utf-8"?>
-<p:sld xmlns:a="http://schemas.openxmlformats.org/drawingml/2006/main" xmlns:r="http://schemas.openxmlformats.org/officeDocument/2006/relationships" xmlns:p="http://schemas.openxmlformats.org/presentationml/2006/main">
+<p:sld xmlns:a="http://schemas.openxmlformats.org/drawingml/2006/main" xmlns:r="http://schemas.openxmlformats.org/officeDocument/2006/relationships" xmlns:p="http://schemas.openxmlformats.org/presentationml/2006/main" show="0">
   <p:cSld>
     <p:spTree>
       <p:nvGrpSpPr>
@@ -6521,6 +6529,14 @@
   <p:clrMapOvr>
     <a:masterClrMapping/>
   </p:clrMapOvr>
+  <mc:AlternateContent xmlns:mc="http://schemas.openxmlformats.org/markup-compatibility/2006">
+    <mc:Choice xmlns:p14="http://schemas.microsoft.com/office/powerpoint/2010/main" Requires="p14">
+      <p:transition spd="slow" p14:dur="2000"/>
+    </mc:Choice>
+    <mc:Fallback>
+      <p:transition spd="slow"/>
+    </mc:Fallback>
+  </mc:AlternateContent>
   <p:timing>
     <p:tnLst>
       <p:par>
@@ -6773,8 +6789,34 @@
             </a:r>
             <a:r>
               <a:rPr lang="en-US" dirty="0" smtClean="0"/>
-              <a:t> 	[20.1%]</a:t>
-            </a:r>
+              <a:t> 	[20.1</a:t>
+            </a:r>
+            <a:r>
+              <a:rPr lang="en-US" dirty="0" smtClean="0"/>
+              <a:t>%]</a:t>
+            </a:r>
+          </a:p>
+          <a:p>
+            <a:r>
+              <a:rPr lang="en-US" dirty="0" smtClean="0"/>
+              <a:t>For analysis I am using two groupings “Relief provided” and “Relief not provided”</a:t>
+            </a:r>
+          </a:p>
+          <a:p>
+            <a:pPr marL="285750" lvl="1"/>
+            <a:r>
+              <a:rPr lang="en-US" sz="1800" dirty="0"/>
+              <a:t>CPFB started in </a:t>
+            </a:r>
+            <a:r>
+              <a:rPr lang="en-US" sz="1800" dirty="0" smtClean="0"/>
+              <a:t>2008 to “hold companies accountable to the consumer”</a:t>
+            </a:r>
+            <a:endParaRPr lang="en-US" dirty="0"/>
+          </a:p>
+          <a:p>
+            <a:pPr lvl="1"/>
+            <a:endParaRPr lang="en-US" dirty="0" smtClean="0"/>
           </a:p>
         </p:txBody>
       </p:sp>
@@ -6884,8 +6926,8 @@
         </p:nvSpPr>
         <p:spPr>
           <a:xfrm>
-            <a:off x="1401698" y="815009"/>
-            <a:ext cx="4671278" cy="5367130"/>
+            <a:off x="1401698" y="815008"/>
+            <a:ext cx="4671278" cy="5661991"/>
           </a:xfrm>
         </p:spPr>
         <p:txBody>
@@ -6904,9 +6946,24 @@
             </a:r>
             <a:r>
               <a:rPr lang="en-US" sz="2200" dirty="0" smtClean="0"/>
-              <a:t>CPFB)  </a:t>
-            </a:r>
-            <a:endParaRPr lang="en-US" sz="2200" dirty="0"/>
+              <a:t>CFPB</a:t>
+            </a:r>
+            <a:r>
+              <a:rPr lang="en-US" sz="2200" dirty="0" smtClean="0"/>
+              <a:t>)  </a:t>
+            </a:r>
+            <a:endParaRPr lang="en-US" sz="2200" dirty="0" smtClean="0"/>
+          </a:p>
+          <a:p>
+            <a:pPr marL="742950" lvl="1" indent="-285750">
+              <a:buFont typeface="Arial" charset="0"/>
+              <a:buChar char="•"/>
+            </a:pPr>
+            <a:r>
+              <a:rPr lang="en-US" sz="1800" dirty="0" smtClean="0"/>
+              <a:t>CPFB started in 2008</a:t>
+            </a:r>
+            <a:endParaRPr lang="en-US" sz="1800" dirty="0"/>
           </a:p>
           <a:p>
             <a:pPr marL="285750" indent="-285750" algn="l">
@@ -6943,13 +7000,22 @@
               <a:buChar char="•"/>
             </a:pPr>
             <a:r>
-              <a:rPr lang="en-US" sz="2200" b="1" dirty="0" smtClean="0">
-                <a:solidFill>
-                  <a:srgbClr val="FF0000"/>
-                </a:solidFill>
-              </a:rPr>
-              <a:t>Data is 80% “No”, 20% “Yes”</a:t>
-            </a:r>
+              <a:rPr lang="en-US" sz="2200" b="1" dirty="0" smtClean="0"/>
+              <a:t>Data is 80% </a:t>
+            </a:r>
+            <a:r>
+              <a:rPr lang="en-US" sz="2200" b="1" dirty="0" smtClean="0"/>
+              <a:t>“Relief no provided”, </a:t>
+            </a:r>
+            <a:r>
+              <a:rPr lang="en-US" sz="2200" b="1" dirty="0" smtClean="0"/>
+              <a:t>20% </a:t>
+            </a:r>
+            <a:r>
+              <a:rPr lang="en-US" sz="2200" b="1" dirty="0" smtClean="0"/>
+              <a:t>“Relief provided”</a:t>
+            </a:r>
+            <a:endParaRPr lang="en-US" sz="2200" b="1" dirty="0" smtClean="0"/>
           </a:p>
           <a:p>
             <a:pPr marL="742950" lvl="1" indent="-285750">
@@ -6957,12 +7023,48 @@
               <a:buChar char="•"/>
             </a:pPr>
             <a:r>
+              <a:rPr lang="en-US" sz="2200" b="1" dirty="0" smtClean="0"/>
+              <a:t>Addressed using weighting of “Yes” Class </a:t>
+            </a:r>
+            <a:r>
               <a:rPr lang="en-US" sz="2200" b="1" dirty="0" smtClean="0">
                 <a:solidFill>
                   <a:srgbClr val="FF0000"/>
                 </a:solidFill>
               </a:rPr>
-              <a:t>Addressed using weighting of “Yes” Class and also creating a balanced DF of “Yes” and “No” results</a:t>
+              <a:t>and also creating a balanced </a:t>
+            </a:r>
+            <a:r>
+              <a:rPr lang="en-US" sz="2200" b="1" dirty="0" smtClean="0">
+                <a:solidFill>
+                  <a:srgbClr val="FF0000"/>
+                </a:solidFill>
+              </a:rPr>
+              <a:t>set </a:t>
+            </a:r>
+            <a:r>
+              <a:rPr lang="en-US" sz="2200" b="1" dirty="0" smtClean="0">
+                <a:solidFill>
+                  <a:srgbClr val="FF0000"/>
+                </a:solidFill>
+              </a:rPr>
+              <a:t>of </a:t>
+            </a:r>
+            <a:r>
+              <a:rPr lang="en-US" sz="2200" b="1" dirty="0" smtClean="0">
+                <a:solidFill>
+                  <a:srgbClr val="FF0000"/>
+                </a:solidFill>
+              </a:rPr>
+              <a:t> randomly selected “Yes</a:t>
+            </a:r>
+            <a:r>
+              <a:rPr lang="en-US" sz="2200" b="1" dirty="0" smtClean="0">
+                <a:solidFill>
+                  <a:srgbClr val="FF0000"/>
+                </a:solidFill>
+              </a:rPr>
+              <a:t>” and “No” results</a:t>
             </a:r>
             <a:endParaRPr lang="en-US" sz="2200" b="1" dirty="0">
               <a:solidFill>
@@ -7153,7 +7255,7 @@
           <a:p>
             <a:r>
               <a:rPr lang="en-US" dirty="0" smtClean="0"/>
-              <a:t>Modeling</a:t>
+              <a:t>Modeling/Results</a:t>
             </a:r>
             <a:endParaRPr lang="en-US" dirty="0"/>
           </a:p>
@@ -7177,12 +7279,12 @@
         </p:spPr>
         <p:txBody>
           <a:bodyPr>
-            <a:normAutofit fontScale="92500" lnSpcReduction="10000"/>
+            <a:normAutofit/>
           </a:bodyPr>
           <a:lstStyle/>
           <a:p>
             <a:r>
-              <a:rPr lang="en-US" dirty="0" smtClean="0"/>
+              <a:rPr lang="en-US" sz="2000" dirty="0" smtClean="0"/>
               <a:t>A baseline model using non-text features was run to check</a:t>
             </a:r>
           </a:p>
@@ -7194,15 +7296,24 @@
                   <a:srgbClr val="FF0000"/>
                 </a:solidFill>
               </a:rPr>
-              <a:t>MODEL: Logistic </a:t>
-            </a:r>
+              <a:t>MODEL: Logistic Regression	53.0%</a:t>
+            </a:r>
+          </a:p>
+          <a:p>
+            <a:r>
+              <a:rPr lang="en-US" sz="2000" dirty="0" smtClean="0"/>
+              <a:t>Multiple NLP approaches were preformed:</a:t>
+            </a:r>
+          </a:p>
+          <a:p>
+            <a:pPr lvl="1"/>
             <a:r>
               <a:rPr lang="en-US" dirty="0" smtClean="0">
                 <a:solidFill>
                   <a:srgbClr val="FF0000"/>
                 </a:solidFill>
               </a:rPr>
-              <a:t>Regression	53.0%</a:t>
+              <a:t>MODEL– TFIDF</a:t>
             </a:r>
             <a:endParaRPr lang="en-US" dirty="0" smtClean="0">
               <a:solidFill>
@@ -7211,31 +7322,9 @@
             </a:endParaRPr>
           </a:p>
           <a:p>
-            <a:r>
-              <a:rPr lang="en-US" dirty="0" smtClean="0"/>
-              <a:t>Multiple NLP approaches were preformed:</a:t>
-            </a:r>
-          </a:p>
-          <a:p>
-            <a:pPr lvl="1"/>
-            <a:r>
-              <a:rPr lang="en-US" dirty="0" smtClean="0">
-                <a:solidFill>
-                  <a:srgbClr val="FF0000"/>
-                </a:solidFill>
-              </a:rPr>
-              <a:t>MODEL: TFIDF – </a:t>
-            </a:r>
-            <a:endParaRPr lang="en-US" dirty="0" smtClean="0">
-              <a:solidFill>
-                <a:srgbClr val="FF0000"/>
-              </a:solidFill>
-            </a:endParaRPr>
-          </a:p>
-          <a:p>
             <a:pPr lvl="2"/>
             <a:r>
-              <a:rPr lang="en-US" dirty="0" smtClean="0">
+              <a:rPr lang="en-US" sz="2000" dirty="0" smtClean="0">
                 <a:solidFill>
                   <a:srgbClr val="FF0000"/>
                 </a:solidFill>
@@ -7246,7 +7335,7 @@
           <a:p>
             <a:pPr lvl="2"/>
             <a:r>
-              <a:rPr lang="en-US" dirty="0" err="1" smtClean="0">
+              <a:rPr lang="en-US" sz="2000" dirty="0" err="1" smtClean="0">
                 <a:solidFill>
                   <a:srgbClr val="FF0000"/>
                 </a:solidFill>
@@ -7254,7 +7343,7 @@
               <a:t>KNearestNeighbors</a:t>
             </a:r>
             <a:r>
-              <a:rPr lang="en-US" dirty="0" smtClean="0">
+              <a:rPr lang="en-US" sz="2000" dirty="0" smtClean="0">
                 <a:solidFill>
                   <a:srgbClr val="FF0000"/>
                 </a:solidFill>
@@ -7265,7 +7354,7 @@
           <a:p>
             <a:pPr lvl="2"/>
             <a:r>
-              <a:rPr lang="en-US" dirty="0" smtClean="0">
+              <a:rPr lang="en-US" sz="2000" dirty="0" smtClean="0">
                 <a:solidFill>
                   <a:srgbClr val="FF0000"/>
                 </a:solidFill>
@@ -7276,18 +7365,13 @@
           <a:p>
             <a:pPr lvl="2"/>
             <a:r>
-              <a:rPr lang="en-US" dirty="0" smtClean="0">
+              <a:rPr lang="en-US" sz="2000" dirty="0" smtClean="0">
                 <a:solidFill>
                   <a:srgbClr val="FF0000"/>
                 </a:solidFill>
               </a:rPr>
               <a:t>Random Forest			80.1%</a:t>
             </a:r>
-            <a:endParaRPr lang="en-US" dirty="0" smtClean="0">
-              <a:solidFill>
-                <a:srgbClr val="FF0000"/>
-              </a:solidFill>
-            </a:endParaRPr>
           </a:p>
           <a:p>
             <a:pPr lvl="1"/>
@@ -7297,15 +7381,7 @@
                   <a:srgbClr val="FF0000"/>
                 </a:solidFill>
               </a:rPr>
-              <a:t>MODEL: </a:t>
-            </a:r>
-            <a:r>
-              <a:rPr lang="en-US" dirty="0" smtClean="0">
-                <a:solidFill>
-                  <a:srgbClr val="FF0000"/>
-                </a:solidFill>
-              </a:rPr>
-              <a:t>Word2Vec			XX.X%</a:t>
+              <a:t>MODEL: Word2Vec			XX.X%</a:t>
             </a:r>
             <a:endParaRPr lang="en-US" dirty="0">
               <a:solidFill>
@@ -7337,7 +7413,7 @@
         </p:blipFill>
         <p:spPr>
           <a:xfrm>
-            <a:off x="7718927" y="2735582"/>
+            <a:off x="7718927" y="2760982"/>
             <a:ext cx="4295775" cy="3520440"/>
           </a:xfrm>
           <a:prstGeom prst="rect">
@@ -7371,7 +7447,7 @@
 </file>
 
 <file path=ppt/slides/slide7.xml><?xml version="1.0" encoding="utf-8"?>
-<p:sld xmlns:a="http://schemas.openxmlformats.org/drawingml/2006/main" xmlns:r="http://schemas.openxmlformats.org/officeDocument/2006/relationships" xmlns:p="http://schemas.openxmlformats.org/presentationml/2006/main">
+<p:sld xmlns:a="http://schemas.openxmlformats.org/drawingml/2006/main" xmlns:r="http://schemas.openxmlformats.org/officeDocument/2006/relationships" xmlns:p="http://schemas.openxmlformats.org/presentationml/2006/main" show="0">
   <p:cSld>
     <p:spTree>
       <p:nvGrpSpPr>
@@ -7468,7 +7544,23 @@
                   <a:srgbClr val="FF0000"/>
                 </a:solidFill>
               </a:rPr>
-              <a:t>Using TFIDF, 82% accuracy was obtained </a:t>
+              <a:t>Using TFIDF, </a:t>
+            </a:r>
+            <a:r>
+              <a:rPr lang="en-US" dirty="0" smtClean="0">
+                <a:solidFill>
+                  <a:srgbClr val="FF0000"/>
+                </a:solidFill>
+              </a:rPr>
+              <a:t>~80% </a:t>
+            </a:r>
+            <a:r>
+              <a:rPr lang="en-US" dirty="0" smtClean="0">
+                <a:solidFill>
+                  <a:srgbClr val="FF0000"/>
+                </a:solidFill>
+              </a:rPr>
+              <a:t>accuracy was obtained </a:t>
             </a:r>
             <a:endParaRPr lang="en-US" dirty="0">
               <a:solidFill>
@@ -7500,15 +7592,7 @@
                   <a:srgbClr val="FF0000"/>
                 </a:solidFill>
               </a:rPr>
-              <a:t>SOMETHING </a:t>
-            </a:r>
-            <a:r>
-              <a:rPr lang="en-US" dirty="0" smtClean="0">
-                <a:solidFill>
-                  <a:srgbClr val="FF0000"/>
-                </a:solidFill>
-              </a:rPr>
-              <a:t>COOLER ONCE YOU MAKE IT WORK!!!</a:t>
+              <a:t>SOMETHING COOLER ONCE YOU MAKE IT WORK!!!</a:t>
             </a:r>
             <a:endParaRPr lang="en-US" dirty="0">
               <a:solidFill>
@@ -7528,6 +7612,14 @@
   <p:clrMapOvr>
     <a:masterClrMapping/>
   </p:clrMapOvr>
+  <mc:AlternateContent xmlns:mc="http://schemas.openxmlformats.org/markup-compatibility/2006">
+    <mc:Choice xmlns:p14="http://schemas.microsoft.com/office/powerpoint/2010/main" Requires="p14">
+      <p:transition spd="slow" p14:dur="2000"/>
+    </mc:Choice>
+    <mc:Fallback>
+      <p:transition spd="slow"/>
+    </mc:Fallback>
+  </mc:AlternateContent>
   <p:timing>
     <p:tnLst>
       <p:par>
@@ -7599,7 +7691,6 @@
               <a:rPr lang="en-US" dirty="0" smtClean="0"/>
               <a:t>Predicting the outcome of a complaint can give businesses insight to how to better manage costs or position resources to manage complaints.  </a:t>
             </a:r>
-            <a:endParaRPr lang="en-US" dirty="0" smtClean="0"/>
           </a:p>
           <a:p>
             <a:r>

--- a/ppt/Consumer_Complaints.pptx
+++ b/ppt/Consumer_Complaints.pptx
@@ -6789,24 +6789,18 @@
             </a:r>
             <a:r>
               <a:rPr lang="en-US" dirty="0" smtClean="0"/>
-              <a:t> 	[20.1</a:t>
-            </a:r>
-            <a:r>
-              <a:rPr lang="en-US" dirty="0" smtClean="0"/>
-              <a:t>%]</a:t>
-            </a:r>
-          </a:p>
-          <a:p>
-            <a:r>
-              <a:rPr lang="en-US" dirty="0" smtClean="0"/>
-              <a:t>For analysis I am using two groupings “Relief provided” and “Relief not provided”</a:t>
+              <a:t> 	[20.1%]</a:t>
             </a:r>
           </a:p>
           <a:p>
             <a:pPr marL="285750" lvl="1"/>
             <a:r>
+              <a:rPr lang="en-US" sz="1800" dirty="0" smtClean="0"/>
+              <a:t>CPFB </a:t>
+            </a:r>
+            <a:r>
               <a:rPr lang="en-US" sz="1800" dirty="0"/>
-              <a:t>CPFB started in </a:t>
+              <a:t>started in </a:t>
             </a:r>
             <a:r>
               <a:rPr lang="en-US" sz="1800" dirty="0" smtClean="0"/>
@@ -6869,8 +6863,8 @@
         </p:nvSpPr>
         <p:spPr>
           <a:xfrm>
-            <a:off x="1544783" y="233215"/>
-            <a:ext cx="3549121" cy="581794"/>
+            <a:off x="1590636" y="327570"/>
+            <a:ext cx="10018713" cy="707258"/>
           </a:xfrm>
         </p:spPr>
         <p:txBody>
@@ -6892,7 +6886,7 @@
             <a:picLocks noGrp="1" noChangeAspect="1"/>
           </p:cNvPicPr>
           <p:nvPr>
-            <p:ph idx="1"/>
+            <p:ph idx="4294967295"/>
           </p:nvPr>
         </p:nvPicPr>
         <p:blipFill>
@@ -6909,7 +6903,7 @@
         </p:blipFill>
         <p:spPr>
           <a:xfrm>
-            <a:off x="9011920" y="295274"/>
+            <a:off x="9398000" y="2835275"/>
             <a:ext cx="2794000" cy="1990725"/>
           </a:xfrm>
         </p:spPr>
@@ -6921,13 +6915,13 @@
             <a:spLocks noGrp="1"/>
           </p:cNvSpPr>
           <p:nvPr>
-            <p:ph type="body" sz="half" idx="2"/>
+            <p:ph type="body" idx="4294967295"/>
           </p:nvPr>
         </p:nvSpPr>
         <p:spPr>
           <a:xfrm>
-            <a:off x="1401698" y="815008"/>
-            <a:ext cx="4671278" cy="5661991"/>
+            <a:off x="1374396" y="1034828"/>
+            <a:ext cx="8023604" cy="3317875"/>
           </a:xfrm>
         </p:spPr>
         <p:txBody>
@@ -6946,13 +6940,8 @@
             </a:r>
             <a:r>
               <a:rPr lang="en-US" sz="2200" dirty="0" smtClean="0"/>
-              <a:t>CFPB</a:t>
-            </a:r>
-            <a:r>
-              <a:rPr lang="en-US" sz="2200" dirty="0" smtClean="0"/>
-              <a:t>)  </a:t>
-            </a:r>
-            <a:endParaRPr lang="en-US" sz="2200" dirty="0" smtClean="0"/>
+              <a:t>CFPB)  </a:t>
+            </a:r>
           </a:p>
           <a:p>
             <a:pPr marL="742950" lvl="1" indent="-285750">
@@ -6972,11 +6961,11 @@
             </a:pPr>
             <a:r>
               <a:rPr lang="en-US" sz="2200" dirty="0"/>
-              <a:t>Data converted from categorical descriptions to numerical values for use in </a:t>
+              <a:t>Data converted from categorical descriptions </a:t>
             </a:r>
             <a:r>
               <a:rPr lang="en-US" sz="2200" dirty="0" smtClean="0"/>
-              <a:t>models</a:t>
+              <a:t>dummy variables</a:t>
             </a:r>
             <a:endParaRPr lang="en-US" sz="2200" dirty="0"/>
           </a:p>
@@ -6987,12 +6976,21 @@
             </a:pPr>
             <a:r>
               <a:rPr lang="en-US" sz="2200" dirty="0"/>
-              <a:t>Text was cleaned and modified for </a:t>
+              <a:t>Text </a:t>
             </a:r>
             <a:r>
               <a:rPr lang="en-US" sz="2200" dirty="0" smtClean="0"/>
-              <a:t>processing</a:t>
-            </a:r>
+              <a:t>was </a:t>
+            </a:r>
+            <a:r>
+              <a:rPr lang="en-US" sz="2200" dirty="0"/>
+              <a:t>cleaned and modified </a:t>
+            </a:r>
+            <a:r>
+              <a:rPr lang="en-US" sz="2200" dirty="0" smtClean="0"/>
+              <a:t>for processing</a:t>
+            </a:r>
+            <a:endParaRPr lang="en-US" sz="2200" dirty="0" smtClean="0"/>
           </a:p>
           <a:p>
             <a:pPr marL="285750" indent="-285750" algn="l">
@@ -7001,21 +6999,8 @@
             </a:pPr>
             <a:r>
               <a:rPr lang="en-US" sz="2200" b="1" dirty="0" smtClean="0"/>
-              <a:t>Data is 80% </a:t>
-            </a:r>
-            <a:r>
-              <a:rPr lang="en-US" sz="2200" b="1" dirty="0" smtClean="0"/>
-              <a:t>“Relief no provided”, </a:t>
-            </a:r>
-            <a:r>
-              <a:rPr lang="en-US" sz="2200" b="1" dirty="0" smtClean="0"/>
-              <a:t>20% </a:t>
-            </a:r>
-            <a:r>
-              <a:rPr lang="en-US" sz="2200" b="1" dirty="0" smtClean="0"/>
-              <a:t>“Relief provided”</a:t>
-            </a:r>
-            <a:endParaRPr lang="en-US" sz="2200" b="1" dirty="0" smtClean="0"/>
+              <a:t>Data is 80% “Relief no provided”, 20% “Relief provided”</a:t>
+            </a:r>
           </a:p>
           <a:p>
             <a:pPr marL="742950" lvl="1" indent="-285750">
@@ -7032,39 +7017,7 @@
                   <a:srgbClr val="FF0000"/>
                 </a:solidFill>
               </a:rPr>
-              <a:t>and also creating a balanced </a:t>
-            </a:r>
-            <a:r>
-              <a:rPr lang="en-US" sz="2200" b="1" dirty="0" smtClean="0">
-                <a:solidFill>
-                  <a:srgbClr val="FF0000"/>
-                </a:solidFill>
-              </a:rPr>
-              <a:t>set </a:t>
-            </a:r>
-            <a:r>
-              <a:rPr lang="en-US" sz="2200" b="1" dirty="0" smtClean="0">
-                <a:solidFill>
-                  <a:srgbClr val="FF0000"/>
-                </a:solidFill>
-              </a:rPr>
-              <a:t>of </a:t>
-            </a:r>
-            <a:r>
-              <a:rPr lang="en-US" sz="2200" b="1" dirty="0" smtClean="0">
-                <a:solidFill>
-                  <a:srgbClr val="FF0000"/>
-                </a:solidFill>
-              </a:rPr>
-              <a:t> randomly selected “Yes</a:t>
-            </a:r>
-            <a:r>
-              <a:rPr lang="en-US" sz="2200" b="1" dirty="0" smtClean="0">
-                <a:solidFill>
-                  <a:srgbClr val="FF0000"/>
-                </a:solidFill>
-              </a:rPr>
-              <a:t>” and “No” results</a:t>
+              <a:t>and also creating a balanced set of  randomly selected “Yes” and “No” results</a:t>
             </a:r>
             <a:endParaRPr lang="en-US" sz="2200" b="1" dirty="0">
               <a:solidFill>
@@ -7096,7 +7049,7 @@
         </p:blipFill>
         <p:spPr>
           <a:xfrm>
-            <a:off x="6044032" y="233186"/>
+            <a:off x="546294" y="4755035"/>
             <a:ext cx="2823210" cy="1297305"/>
           </a:xfrm>
           <a:prstGeom prst="rect">
@@ -7126,7 +7079,7 @@
         </p:blipFill>
         <p:spPr>
           <a:xfrm>
-            <a:off x="6439637" y="1707196"/>
+            <a:off x="3492415" y="4826000"/>
             <a:ext cx="2032000" cy="2032000"/>
           </a:xfrm>
           <a:prstGeom prst="rect">
@@ -7156,7 +7109,7 @@
         </p:blipFill>
         <p:spPr>
           <a:xfrm>
-            <a:off x="8964234" y="4087269"/>
+            <a:off x="9088925" y="5054661"/>
             <a:ext cx="2814320" cy="1524000"/>
           </a:xfrm>
           <a:prstGeom prst="rect">
@@ -7186,7 +7139,7 @@
         </p:blipFill>
         <p:spPr>
           <a:xfrm>
-            <a:off x="9204960" y="2455114"/>
+            <a:off x="6006190" y="5150802"/>
             <a:ext cx="2600960" cy="1463040"/>
           </a:xfrm>
           <a:prstGeom prst="rect">
@@ -7296,7 +7249,23 @@
                   <a:srgbClr val="FF0000"/>
                 </a:solidFill>
               </a:rPr>
-              <a:t>MODEL: Logistic Regression	53.0%</a:t>
+              <a:t>MODEL: Logistic Regression	</a:t>
+            </a:r>
+            <a:r>
+              <a:rPr lang="en-US" dirty="0" smtClean="0">
+                <a:solidFill>
+                  <a:srgbClr val="FF0000"/>
+                </a:solidFill>
+              </a:rPr>
+              <a:t>Accuracy 53.0</a:t>
+            </a:r>
+            <a:r>
+              <a:rPr lang="en-US" dirty="0" smtClean="0">
+                <a:solidFill>
+                  <a:srgbClr val="FF0000"/>
+                </a:solidFill>
+              </a:rPr>
+              <a:t>%</a:t>
             </a:r>
           </a:p>
           <a:p>
@@ -7315,11 +7284,6 @@
               </a:rPr>
               <a:t>MODEL– TFIDF</a:t>
             </a:r>
-            <a:endParaRPr lang="en-US" dirty="0" smtClean="0">
-              <a:solidFill>
-                <a:srgbClr val="FF0000"/>
-              </a:solidFill>
-            </a:endParaRPr>
           </a:p>
           <a:p>
             <a:pPr lvl="2"/>
@@ -7329,7 +7293,23 @@
                   <a:srgbClr val="FF0000"/>
                 </a:solidFill>
               </a:rPr>
-              <a:t>Logistic Regression 		80.3%</a:t>
+              <a:t>Logistic Regression 		</a:t>
+            </a:r>
+            <a:r>
+              <a:rPr lang="en-US" sz="2000" dirty="0">
+                <a:solidFill>
+                  <a:srgbClr val="FF0000"/>
+                </a:solidFill>
+              </a:rPr>
+              <a:t> Accuracy 80.3</a:t>
+            </a:r>
+            <a:r>
+              <a:rPr lang="en-US" sz="2000" dirty="0" smtClean="0">
+                <a:solidFill>
+                  <a:srgbClr val="FF0000"/>
+                </a:solidFill>
+              </a:rPr>
+              <a:t>%</a:t>
             </a:r>
           </a:p>
           <a:p>
@@ -7348,7 +7328,23 @@
                   <a:srgbClr val="FF0000"/>
                 </a:solidFill>
               </a:rPr>
-              <a:t>		78.0%</a:t>
+              <a:t>		</a:t>
+            </a:r>
+            <a:r>
+              <a:rPr lang="en-US" sz="2000" dirty="0">
+                <a:solidFill>
+                  <a:srgbClr val="FF0000"/>
+                </a:solidFill>
+              </a:rPr>
+              <a:t> Accuracy 78.0</a:t>
+            </a:r>
+            <a:r>
+              <a:rPr lang="en-US" sz="2000" dirty="0" smtClean="0">
+                <a:solidFill>
+                  <a:srgbClr val="FF0000"/>
+                </a:solidFill>
+              </a:rPr>
+              <a:t>%</a:t>
             </a:r>
           </a:p>
           <a:p>
@@ -7359,7 +7355,23 @@
                   <a:srgbClr val="FF0000"/>
                 </a:solidFill>
               </a:rPr>
-              <a:t>Multinomial Naïve Bayes	80.9%</a:t>
+              <a:t>Multinomial Naïve Bayes	</a:t>
+            </a:r>
+            <a:r>
+              <a:rPr lang="en-US" sz="2000" dirty="0">
+                <a:solidFill>
+                  <a:srgbClr val="FF0000"/>
+                </a:solidFill>
+              </a:rPr>
+              <a:t> Accuracy 80.9</a:t>
+            </a:r>
+            <a:r>
+              <a:rPr lang="en-US" sz="2000" dirty="0" smtClean="0">
+                <a:solidFill>
+                  <a:srgbClr val="FF0000"/>
+                </a:solidFill>
+              </a:rPr>
+              <a:t>%</a:t>
             </a:r>
           </a:p>
           <a:p>
@@ -7370,7 +7382,23 @@
                   <a:srgbClr val="FF0000"/>
                 </a:solidFill>
               </a:rPr>
-              <a:t>Random Forest			80.1%</a:t>
+              <a:t>Random Forest			</a:t>
+            </a:r>
+            <a:r>
+              <a:rPr lang="en-US" sz="2000" dirty="0">
+                <a:solidFill>
+                  <a:srgbClr val="FF0000"/>
+                </a:solidFill>
+              </a:rPr>
+              <a:t> Accuracy 80.1</a:t>
+            </a:r>
+            <a:r>
+              <a:rPr lang="en-US" sz="2000" dirty="0" smtClean="0">
+                <a:solidFill>
+                  <a:srgbClr val="FF0000"/>
+                </a:solidFill>
+              </a:rPr>
+              <a:t>%</a:t>
             </a:r>
           </a:p>
           <a:p>
@@ -7381,7 +7409,23 @@
                   <a:srgbClr val="FF0000"/>
                 </a:solidFill>
               </a:rPr>
-              <a:t>MODEL: Word2Vec			XX.X%</a:t>
+              <a:t>MODEL: Word2Vec			</a:t>
+            </a:r>
+            <a:r>
+              <a:rPr lang="en-US" dirty="0">
+                <a:solidFill>
+                  <a:srgbClr val="FF0000"/>
+                </a:solidFill>
+              </a:rPr>
+              <a:t> Accuracy XX.X</a:t>
+            </a:r>
+            <a:r>
+              <a:rPr lang="en-US" dirty="0" smtClean="0">
+                <a:solidFill>
+                  <a:srgbClr val="FF0000"/>
+                </a:solidFill>
+              </a:rPr>
+              <a:t>%</a:t>
             </a:r>
             <a:endParaRPr lang="en-US" dirty="0">
               <a:solidFill>
@@ -7413,8 +7457,8 @@
         </p:blipFill>
         <p:spPr>
           <a:xfrm>
-            <a:off x="7718927" y="2760982"/>
-            <a:ext cx="4295775" cy="3520440"/>
+            <a:off x="8070575" y="1557671"/>
+            <a:ext cx="3911736" cy="3205715"/>
           </a:xfrm>
           <a:prstGeom prst="rect">
             <a:avLst/>
@@ -7544,23 +7588,7 @@
                   <a:srgbClr val="FF0000"/>
                 </a:solidFill>
               </a:rPr>
-              <a:t>Using TFIDF, </a:t>
-            </a:r>
-            <a:r>
-              <a:rPr lang="en-US" dirty="0" smtClean="0">
-                <a:solidFill>
-                  <a:srgbClr val="FF0000"/>
-                </a:solidFill>
-              </a:rPr>
-              <a:t>~80% </a:t>
-            </a:r>
-            <a:r>
-              <a:rPr lang="en-US" dirty="0" smtClean="0">
-                <a:solidFill>
-                  <a:srgbClr val="FF0000"/>
-                </a:solidFill>
-              </a:rPr>
-              <a:t>accuracy was obtained </a:t>
+              <a:t>Using TFIDF, ~80% accuracy was obtained </a:t>
             </a:r>
             <a:endParaRPr lang="en-US" dirty="0">
               <a:solidFill>
@@ -7709,15 +7737,28 @@
             <a:pPr lvl="2"/>
             <a:r>
               <a:rPr lang="en-US" dirty="0" smtClean="0"/>
-              <a:t>Does some product drive a company to provide ”relief”</a:t>
+              <a:t>Does </a:t>
+            </a:r>
+            <a:r>
+              <a:rPr lang="en-US" dirty="0" smtClean="0"/>
+              <a:t>the time taken to process a complaint drive the result of providing “relief</a:t>
+            </a:r>
+            <a:r>
+              <a:rPr lang="en-US" dirty="0" smtClean="0"/>
+              <a:t>”</a:t>
             </a:r>
           </a:p>
           <a:p>
             <a:pPr lvl="2"/>
             <a:r>
+              <a:rPr lang="en-US" dirty="0"/>
+              <a:t>Does some product drive a company to provide ”relief</a:t>
+            </a:r>
+            <a:r>
               <a:rPr lang="en-US" dirty="0" smtClean="0"/>
-              <a:t>Does the time taken to process a complaint drive the result of providing “relief”</a:t>
-            </a:r>
+              <a:t>”</a:t>
+            </a:r>
+            <a:endParaRPr lang="en-US" dirty="0"/>
           </a:p>
         </p:txBody>
       </p:sp>

--- a/ppt/Consumer_Complaints.pptx
+++ b/ppt/Consumer_Complaints.pptx
@@ -4335,14 +4335,14 @@
           <p:nvPr>
             <p:extLst>
               <p:ext uri="{D42A27DB-BD31-4B8C-83A1-F6EECF244321}">
-                <p14:modId xmlns:p14="http://schemas.microsoft.com/office/powerpoint/2010/main" val="1208984761"/>
+                <p14:modId xmlns:p14="http://schemas.microsoft.com/office/powerpoint/2010/main" val="1097963186"/>
               </p:ext>
             </p:extLst>
           </p:nvPr>
         </p:nvGraphicFramePr>
         <p:xfrm>
           <a:off x="498500" y="1751169"/>
-          <a:ext cx="8891330" cy="3729135"/>
+          <a:ext cx="8389468" cy="4003455"/>
         </p:xfrm>
         <a:graphic>
           <a:graphicData uri="http://schemas.openxmlformats.org/drawingml/2006/table">
@@ -4353,10 +4353,11 @@
               <a:tblGrid>
                 <a:gridCol w="2490531"/>
                 <a:gridCol w="1455525"/>
-                <a:gridCol w="1439911"/>
+                <a:gridCol w="1029652"/>
+                <a:gridCol w="410259"/>
                 <a:gridCol w="1141709"/>
                 <a:gridCol w="913368"/>
-                <a:gridCol w="1450286"/>
+                <a:gridCol w="948424"/>
               </a:tblGrid>
               <a:tr h="306540">
                 <a:tc>
@@ -4401,7 +4402,7 @@
                   </a:txBody>
                   <a:tcPr/>
                 </a:tc>
-                <a:tc>
+                <a:tc gridSpan="2">
                   <a:txBody>
                     <a:bodyPr/>
                     <a:lstStyle/>
@@ -4415,6 +4416,16 @@
                   </a:txBody>
                   <a:tcPr/>
                 </a:tc>
+                <a:tc hMerge="1">
+                  <a:txBody>
+                    <a:bodyPr/>
+                    <a:lstStyle/>
+                    <a:p>
+                      <a:endParaRPr lang="en-US" dirty="0"/>
+                    </a:p>
+                  </a:txBody>
+                  <a:tcPr/>
+                </a:tc>
                 <a:tc>
                   <a:txBody>
                     <a:bodyPr/>
@@ -4445,7 +4456,7 @@
                 </a:tc>
               </a:tr>
               <a:tr h="343367">
-                <a:tc gridSpan="6">
+                <a:tc gridSpan="7">
                   <a:txBody>
                     <a:bodyPr/>
                     <a:lstStyle/>
@@ -4514,6 +4525,16 @@
                   </a:txBody>
                   <a:tcPr/>
                 </a:tc>
+                <a:tc hMerge="1">
+                  <a:txBody>
+                    <a:bodyPr/>
+                    <a:lstStyle/>
+                    <a:p>
+                      <a:endParaRPr lang="en-US"/>
+                    </a:p>
+                  </a:txBody>
+                  <a:tcPr/>
+                </a:tc>
               </a:tr>
               <a:tr h="401735">
                 <a:tc>
@@ -4545,7 +4566,7 @@
                   </a:txBody>
                   <a:tcPr/>
                 </a:tc>
-                <a:tc>
+                <a:tc gridSpan="2">
                   <a:txBody>
                     <a:bodyPr/>
                     <a:lstStyle/>
@@ -4556,6 +4577,16 @@
                   </a:txBody>
                   <a:tcPr/>
                 </a:tc>
+                <a:tc hMerge="1">
+                  <a:txBody>
+                    <a:bodyPr/>
+                    <a:lstStyle/>
+                    <a:p>
+                      <a:endParaRPr lang="en-US"/>
+                    </a:p>
+                  </a:txBody>
+                  <a:tcPr/>
+                </a:tc>
                 <a:tc>
                   <a:txBody>
                     <a:bodyPr/>
@@ -4591,7 +4622,7 @@
                 </a:tc>
               </a:tr>
               <a:tr h="370840">
-                <a:tc gridSpan="6">
+                <a:tc gridSpan="7">
                   <a:txBody>
                     <a:bodyPr/>
                     <a:lstStyle/>
@@ -4656,6 +4687,16 @@
                   </a:txBody>
                   <a:tcPr/>
                 </a:tc>
+                <a:tc hMerge="1">
+                  <a:txBody>
+                    <a:bodyPr/>
+                    <a:lstStyle/>
+                    <a:p>
+                      <a:endParaRPr lang="en-US"/>
+                    </a:p>
+                  </a:txBody>
+                  <a:tcPr/>
+                </a:tc>
               </a:tr>
               <a:tr h="370840">
                 <a:tc>
@@ -4683,13 +4724,23 @@
                   </a:txBody>
                   <a:tcPr/>
                 </a:tc>
-                <a:tc>
+                <a:tc gridSpan="2">
                   <a:txBody>
                     <a:bodyPr/>
                     <a:lstStyle/>
                     <a:p>
                       <a:pPr algn="ctr"/>
                       <a:endParaRPr lang="en-US" dirty="0"/>
+                    </a:p>
+                  </a:txBody>
+                  <a:tcPr/>
+                </a:tc>
+                <a:tc hMerge="1">
+                  <a:txBody>
+                    <a:bodyPr/>
+                    <a:lstStyle/>
+                    <a:p>
+                      <a:endParaRPr lang="en-US"/>
                     </a:p>
                   </a:txBody>
                   <a:tcPr/>
@@ -4754,13 +4805,23 @@
                   </a:txBody>
                   <a:tcPr/>
                 </a:tc>
-                <a:tc>
+                <a:tc gridSpan="2">
                   <a:txBody>
                     <a:bodyPr/>
                     <a:lstStyle/>
                     <a:p>
                       <a:pPr algn="ctr"/>
                       <a:endParaRPr lang="en-US" dirty="0"/>
+                    </a:p>
+                  </a:txBody>
+                  <a:tcPr/>
+                </a:tc>
+                <a:tc hMerge="1">
+                  <a:txBody>
+                    <a:bodyPr/>
+                    <a:lstStyle/>
+                    <a:p>
+                      <a:endParaRPr lang="en-US"/>
                     </a:p>
                   </a:txBody>
                   <a:tcPr/>
@@ -4828,13 +4889,23 @@
                   </a:txBody>
                   <a:tcPr/>
                 </a:tc>
-                <a:tc>
+                <a:tc gridSpan="2">
                   <a:txBody>
                     <a:bodyPr/>
                     <a:lstStyle/>
                     <a:p>
                       <a:pPr algn="ctr"/>
                       <a:endParaRPr lang="en-US" dirty="0"/>
+                    </a:p>
+                  </a:txBody>
+                  <a:tcPr/>
+                </a:tc>
+                <a:tc hMerge="1">
+                  <a:txBody>
+                    <a:bodyPr/>
+                    <a:lstStyle/>
+                    <a:p>
+                      <a:endParaRPr lang="en-US"/>
                     </a:p>
                   </a:txBody>
                   <a:tcPr/>
@@ -4899,13 +4970,23 @@
                   </a:txBody>
                   <a:tcPr/>
                 </a:tc>
-                <a:tc>
+                <a:tc gridSpan="2">
                   <a:txBody>
                     <a:bodyPr/>
                     <a:lstStyle/>
                     <a:p>
                       <a:pPr algn="ctr"/>
                       <a:endParaRPr lang="en-US" dirty="0"/>
+                    </a:p>
+                  </a:txBody>
+                  <a:tcPr/>
+                </a:tc>
+                <a:tc hMerge="1">
+                  <a:txBody>
+                    <a:bodyPr/>
+                    <a:lstStyle/>
+                    <a:p>
+                      <a:endParaRPr lang="en-US"/>
                     </a:p>
                   </a:txBody>
                   <a:tcPr/>
@@ -4970,12 +5051,22 @@
                   </a:txBody>
                   <a:tcPr/>
                 </a:tc>
-                <a:tc>
+                <a:tc gridSpan="2">
                   <a:txBody>
                     <a:bodyPr/>
                     <a:lstStyle/>
                     <a:p>
                       <a:pPr algn="ctr"/>
+                      <a:endParaRPr lang="en-US"/>
+                    </a:p>
+                  </a:txBody>
+                  <a:tcPr/>
+                </a:tc>
+                <a:tc hMerge="1">
+                  <a:txBody>
+                    <a:bodyPr/>
+                    <a:lstStyle/>
+                    <a:p>
                       <a:endParaRPr lang="en-US"/>
                     </a:p>
                   </a:txBody>
@@ -5045,12 +5136,22 @@
                   </a:txBody>
                   <a:tcPr/>
                 </a:tc>
-                <a:tc>
+                <a:tc gridSpan="2">
                   <a:txBody>
                     <a:bodyPr/>
                     <a:lstStyle/>
                     <a:p>
                       <a:pPr algn="ctr"/>
+                      <a:endParaRPr lang="en-US"/>
+                    </a:p>
+                  </a:txBody>
+                  <a:tcPr/>
+                </a:tc>
+                <a:tc hMerge="1">
+                  <a:txBody>
+                    <a:bodyPr/>
+                    <a:lstStyle/>
+                    <a:p>
                       <a:endParaRPr lang="en-US"/>
                     </a:p>
                   </a:txBody>

--- a/ppt/Consumer_Complaints.pptx
+++ b/ppt/Consumer_Complaints.pptx
@@ -6,15 +6,12 @@
   </p:sldMasterIdLst>
   <p:sldIdLst>
     <p:sldId id="256" r:id="rId2"/>
-    <p:sldId id="258" r:id="rId3"/>
-    <p:sldId id="264" r:id="rId4"/>
-    <p:sldId id="257" r:id="rId5"/>
-    <p:sldId id="260" r:id="rId6"/>
-    <p:sldId id="261" r:id="rId7"/>
-    <p:sldId id="262" r:id="rId8"/>
-    <p:sldId id="263" r:id="rId9"/>
-    <p:sldId id="265" r:id="rId10"/>
-    <p:sldId id="259" r:id="rId11"/>
+    <p:sldId id="264" r:id="rId3"/>
+    <p:sldId id="257" r:id="rId4"/>
+    <p:sldId id="260" r:id="rId5"/>
+    <p:sldId id="261" r:id="rId6"/>
+    <p:sldId id="263" r:id="rId7"/>
+    <p:sldId id="265" r:id="rId8"/>
   </p:sldIdLst>
   <p:sldSz cx="12192000" cy="6858000"/>
   <p:notesSz cx="6858000" cy="9144000"/>
@@ -3349,10 +3346,10 @@
           <a:lstStyle/>
           <a:p>
             <a:r>
-              <a:rPr lang="en-US" dirty="0" smtClean="0"/>
+              <a:rPr lang="en-US" b="1" dirty="0" smtClean="0"/>
               <a:t>Consumer Complaint Analysis	</a:t>
             </a:r>
-            <a:endParaRPr lang="en-US" dirty="0"/>
+            <a:endParaRPr lang="en-US" b="1" dirty="0"/>
           </a:p>
         </p:txBody>
       </p:sp>
@@ -3366,21 +3363,26 @@
             <p:ph type="subTitle" idx="1"/>
           </p:nvPr>
         </p:nvSpPr>
-        <p:spPr/>
+        <p:spPr>
+          <a:xfrm>
+            <a:off x="1600199" y="4352544"/>
+            <a:ext cx="9468853" cy="1239894"/>
+          </a:xfrm>
+        </p:spPr>
         <p:txBody>
           <a:bodyPr>
-            <a:normAutofit/>
+            <a:noAutofit/>
           </a:bodyPr>
           <a:lstStyle/>
           <a:p>
             <a:r>
-              <a:rPr lang="en-US" sz="2500" dirty="0" smtClean="0"/>
+              <a:rPr lang="en-US" sz="3500" dirty="0" smtClean="0"/>
               <a:t>Chris Michael | Galvanize Data Science Immersive </a:t>
             </a:r>
           </a:p>
           <a:p>
             <a:r>
-              <a:rPr lang="en-US" dirty="0" smtClean="0"/>
+              <a:rPr lang="en-US" sz="3500" dirty="0" smtClean="0"/>
               <a:t>Seattle Cohort 4</a:t>
             </a:r>
           </a:p>
@@ -3406,8 +3408,8 @@
 </p:sld>
 </file>
 
-<file path=ppt/slides/slide10.xml><?xml version="1.0" encoding="utf-8"?>
-<p:sld xmlns:a="http://schemas.openxmlformats.org/drawingml/2006/main" xmlns:r="http://schemas.openxmlformats.org/officeDocument/2006/relationships" xmlns:p="http://schemas.openxmlformats.org/presentationml/2006/main" show="0">
+<file path=ppt/slides/slide2.xml><?xml version="1.0" encoding="utf-8"?>
+<p:sld xmlns:a="http://schemas.openxmlformats.org/drawingml/2006/main" xmlns:r="http://schemas.openxmlformats.org/officeDocument/2006/relationships" xmlns:p="http://schemas.openxmlformats.org/presentationml/2006/main">
   <p:cSld>
     <p:spTree>
       <p:nvGrpSpPr>
@@ -3433,16 +3435,23 @@
             <p:ph type="title"/>
           </p:nvPr>
         </p:nvSpPr>
-        <p:spPr/>
-        <p:txBody>
-          <a:bodyPr/>
-          <a:lstStyle/>
-          <a:p>
-            <a:r>
-              <a:rPr lang="en-US" dirty="0" smtClean="0"/>
-              <a:t>References</a:t>
-            </a:r>
-            <a:endParaRPr lang="en-US" dirty="0"/>
+        <p:spPr>
+          <a:xfrm>
+            <a:off x="2231136" y="993267"/>
+            <a:ext cx="7729728" cy="722376"/>
+          </a:xfrm>
+        </p:spPr>
+        <p:txBody>
+          <a:bodyPr>
+            <a:normAutofit fontScale="90000"/>
+          </a:bodyPr>
+          <a:lstStyle/>
+          <a:p>
+            <a:r>
+              <a:rPr lang="en-US" sz="3500" b="1" dirty="0" smtClean="0"/>
+              <a:t>Introduction</a:t>
+            </a:r>
+            <a:endParaRPr lang="en-US" sz="3500" b="1" dirty="0"/>
           </a:p>
         </p:txBody>
       </p:sp>
@@ -3456,236 +3465,50 @@
             <p:ph idx="1"/>
           </p:nvPr>
         </p:nvSpPr>
-        <p:spPr/>
+        <p:spPr>
+          <a:xfrm>
+            <a:off x="2231136" y="2058924"/>
+            <a:ext cx="7729728" cy="3101983"/>
+          </a:xfrm>
+        </p:spPr>
         <p:txBody>
           <a:bodyPr>
             <a:normAutofit/>
           </a:bodyPr>
           <a:lstStyle/>
           <a:p>
-            <a:pPr lvl="1"/>
-            <a:r>
-              <a:rPr lang="en-US" dirty="0" smtClean="0"/>
-              <a:t>Figure on Slide 4 - Cross </a:t>
-            </a:r>
-            <a:r>
-              <a:rPr lang="en-US" dirty="0"/>
-              <a:t>Industry Standard Process for Data Mining. (2016, March 29). </a:t>
-            </a:r>
-            <a:r>
-              <a:rPr lang="en-US" dirty="0" smtClean="0"/>
-              <a:t>In Wikipedia</a:t>
-            </a:r>
-            <a:r>
-              <a:rPr lang="en-US" i="1" dirty="0" smtClean="0"/>
-              <a:t>, </a:t>
-            </a:r>
-            <a:r>
-              <a:rPr lang="en-US" i="1" dirty="0"/>
-              <a:t>The Free Encyclopedia</a:t>
-            </a:r>
-            <a:r>
-              <a:rPr lang="en-US" dirty="0"/>
-              <a:t>. Retrieved 15:56, August 2, 2016, from </a:t>
-            </a:r>
-            <a:r>
-              <a:rPr lang="en-US" dirty="0">
-                <a:hlinkClick r:id="rId2"/>
-              </a:rPr>
-              <a:t>https://</a:t>
-            </a:r>
-            <a:r>
-              <a:rPr lang="en-US" dirty="0" smtClean="0">
-                <a:hlinkClick r:id="rId2"/>
-              </a:rPr>
-              <a:t>en.wikipedia.org/w/index.php?title=Cross_Industry_Standard_Process_for_Data_Mining&amp;oldid=712521431</a:t>
-            </a:r>
-            <a:endParaRPr lang="en-US" dirty="0" smtClean="0"/>
-          </a:p>
-          <a:p>
-            <a:pPr lvl="1"/>
-            <a:r>
-              <a:rPr lang="en-US" dirty="0">
-                <a:hlinkClick r:id="rId3"/>
-              </a:rPr>
-              <a:t>https://</a:t>
-            </a:r>
-            <a:r>
-              <a:rPr lang="en-US" dirty="0" smtClean="0">
-                <a:hlinkClick r:id="rId3"/>
-              </a:rPr>
-              <a:t>www.kaggle.com/c/word2vec-nlp-tutorial/details/part-2-word-vectors</a:t>
-            </a:r>
-            <a:endParaRPr lang="en-US" dirty="0" smtClean="0"/>
-          </a:p>
-          <a:p>
-            <a:pPr lvl="1"/>
-            <a:r>
-              <a:rPr lang="en-US" dirty="0">
-                <a:hlinkClick r:id="rId4"/>
-              </a:rPr>
-              <a:t>https://</a:t>
-            </a:r>
-            <a:r>
-              <a:rPr lang="en-US" dirty="0" smtClean="0">
-                <a:hlinkClick r:id="rId4"/>
-              </a:rPr>
-              <a:t>pypi.python.org/pypi/pyzipcode</a:t>
-            </a:r>
-            <a:r>
-              <a:rPr lang="en-US" dirty="0" smtClean="0"/>
-              <a:t> (used in EDA)</a:t>
-            </a:r>
-          </a:p>
-          <a:p>
-            <a:endParaRPr lang="en-US" dirty="0"/>
+            <a:r>
+              <a:rPr lang="en-US" sz="2500" dirty="0" smtClean="0"/>
+              <a:t>Mechanical Engineering (BSME)/Electrophysicist (MSEE)</a:t>
+            </a:r>
+          </a:p>
+          <a:p>
+            <a:r>
+              <a:rPr lang="en-US" sz="2500" dirty="0" smtClean="0"/>
+              <a:t>Lead Landing Gear Analyst – 787, 777X</a:t>
+            </a:r>
+          </a:p>
+          <a:p>
+            <a:endParaRPr lang="en-US" sz="2500" dirty="0"/>
+          </a:p>
+          <a:p>
+            <a:r>
+              <a:rPr lang="en-US" sz="2500" dirty="0" smtClean="0"/>
+              <a:t>I love telling a story with data but needed better tools!</a:t>
+            </a:r>
           </a:p>
         </p:txBody>
       </p:sp>
     </p:spTree>
     <p:extLst>
       <p:ext uri="{BB962C8B-B14F-4D97-AF65-F5344CB8AC3E}">
-        <p14:creationId xmlns:p14="http://schemas.microsoft.com/office/powerpoint/2010/main" val="786246462"/>
+        <p14:creationId xmlns:p14="http://schemas.microsoft.com/office/powerpoint/2010/main" val="1424461010"/>
       </p:ext>
     </p:extLst>
   </p:cSld>
   <p:clrMapOvr>
     <a:masterClrMapping/>
   </p:clrMapOvr>
-  <mc:AlternateContent xmlns:mc="http://schemas.openxmlformats.org/markup-compatibility/2006">
-    <mc:Choice xmlns:p14="http://schemas.microsoft.com/office/powerpoint/2010/main" Requires="p14">
-      <p:transition spd="slow" p14:dur="2000"/>
-    </mc:Choice>
-    <mc:Fallback>
-      <p:transition spd="slow"/>
-    </mc:Fallback>
-  </mc:AlternateContent>
-  <p:timing>
-    <p:tnLst>
-      <p:par>
-        <p:cTn id="1" dur="indefinite" restart="never" nodeType="tmRoot"/>
-      </p:par>
-    </p:tnLst>
-  </p:timing>
-</p:sld>
-</file>
-
-<file path=ppt/slides/slide2.xml><?xml version="1.0" encoding="utf-8"?>
-<p:sld xmlns:a="http://schemas.openxmlformats.org/drawingml/2006/main" xmlns:r="http://schemas.openxmlformats.org/officeDocument/2006/relationships" xmlns:p="http://schemas.openxmlformats.org/presentationml/2006/main" show="0">
-  <p:cSld>
-    <p:spTree>
-      <p:nvGrpSpPr>
-        <p:cNvPr id="1" name=""/>
-        <p:cNvGrpSpPr/>
-        <p:nvPr/>
-      </p:nvGrpSpPr>
-      <p:grpSpPr>
-        <a:xfrm>
-          <a:off x="0" y="0"/>
-          <a:ext cx="0" cy="0"/>
-          <a:chOff x="0" y="0"/>
-          <a:chExt cx="0" cy="0"/>
-        </a:xfrm>
-      </p:grpSpPr>
-      <p:sp>
-        <p:nvSpPr>
-          <p:cNvPr id="2" name="Title 1"/>
-          <p:cNvSpPr>
-            <a:spLocks noGrp="1"/>
-          </p:cNvSpPr>
-          <p:nvPr>
-            <p:ph type="title"/>
-          </p:nvPr>
-        </p:nvSpPr>
-        <p:spPr>
-          <a:xfrm>
-            <a:off x="2231136" y="436054"/>
-            <a:ext cx="7729728" cy="1188720"/>
-          </a:xfrm>
-        </p:spPr>
-        <p:txBody>
-          <a:bodyPr/>
-          <a:lstStyle/>
-          <a:p>
-            <a:r>
-              <a:rPr lang="en-US" dirty="0" smtClean="0"/>
-              <a:t>Overview</a:t>
-            </a:r>
-            <a:endParaRPr lang="en-US" dirty="0"/>
-          </a:p>
-        </p:txBody>
-      </p:sp>
-      <p:sp>
-        <p:nvSpPr>
-          <p:cNvPr id="3" name="Content Placeholder 2"/>
-          <p:cNvSpPr>
-            <a:spLocks noGrp="1"/>
-          </p:cNvSpPr>
-          <p:nvPr>
-            <p:ph idx="1"/>
-          </p:nvPr>
-        </p:nvSpPr>
-        <p:spPr/>
-        <p:txBody>
-          <a:bodyPr/>
-          <a:lstStyle/>
-          <a:p>
-            <a:r>
-              <a:rPr lang="en-US" dirty="0" smtClean="0"/>
-              <a:t>Introduction</a:t>
-            </a:r>
-          </a:p>
-          <a:p>
-            <a:r>
-              <a:rPr lang="en-US" dirty="0" smtClean="0"/>
-              <a:t>Objective</a:t>
-            </a:r>
-          </a:p>
-          <a:p>
-            <a:r>
-              <a:rPr lang="en-US" dirty="0" smtClean="0"/>
-              <a:t>Data / Data Pipeline</a:t>
-            </a:r>
-          </a:p>
-          <a:p>
-            <a:r>
-              <a:rPr lang="en-US" dirty="0" smtClean="0"/>
-              <a:t>Modeling</a:t>
-            </a:r>
-          </a:p>
-          <a:p>
-            <a:r>
-              <a:rPr lang="en-US" dirty="0" smtClean="0"/>
-              <a:t>Results</a:t>
-            </a:r>
-          </a:p>
-          <a:p>
-            <a:r>
-              <a:rPr lang="en-US" dirty="0" smtClean="0"/>
-              <a:t>Recommendations/Next Steps</a:t>
-            </a:r>
-            <a:endParaRPr lang="en-US" dirty="0"/>
-          </a:p>
-        </p:txBody>
-      </p:sp>
-    </p:spTree>
-    <p:extLst>
-      <p:ext uri="{BB962C8B-B14F-4D97-AF65-F5344CB8AC3E}">
-        <p14:creationId xmlns:p14="http://schemas.microsoft.com/office/powerpoint/2010/main" val="220594142"/>
-      </p:ext>
-    </p:extLst>
-  </p:cSld>
-  <p:clrMapOvr>
-    <a:masterClrMapping/>
-  </p:clrMapOvr>
-  <mc:AlternateContent xmlns:mc="http://schemas.openxmlformats.org/markup-compatibility/2006">
-    <mc:Choice xmlns:p14="http://schemas.microsoft.com/office/powerpoint/2010/main" Requires="p14">
-      <p:transition spd="slow" p14:dur="2000"/>
-    </mc:Choice>
-    <mc:Fallback>
-      <p:transition spd="slow"/>
-    </mc:Fallback>
-  </mc:AlternateContent>
   <p:timing>
     <p:tnLst>
       <p:par>
@@ -3725,19 +3548,21 @@
         </p:nvSpPr>
         <p:spPr>
           <a:xfrm>
-            <a:off x="2231136" y="993267"/>
-            <a:ext cx="7729728" cy="1188720"/>
+            <a:off x="2231136" y="964692"/>
+            <a:ext cx="7729728" cy="719729"/>
           </a:xfrm>
         </p:spPr>
         <p:txBody>
-          <a:bodyPr/>
-          <a:lstStyle/>
-          <a:p>
-            <a:r>
-              <a:rPr lang="en-US" b="1" dirty="0" smtClean="0"/>
-              <a:t>Introduction</a:t>
-            </a:r>
-            <a:endParaRPr lang="en-US" b="1" dirty="0"/>
+          <a:bodyPr>
+            <a:normAutofit fontScale="90000"/>
+          </a:bodyPr>
+          <a:lstStyle/>
+          <a:p>
+            <a:r>
+              <a:rPr lang="en-US" sz="3500" b="1" dirty="0" smtClean="0"/>
+              <a:t>Objective</a:t>
+            </a:r>
+            <a:endParaRPr lang="en-US" sz="3500" b="1" dirty="0"/>
           </a:p>
         </p:txBody>
       </p:sp>
@@ -3748,10 +3573,15 @@
             <a:spLocks noGrp="1"/>
           </p:cNvSpPr>
           <p:nvPr>
-            <p:ph idx="1"/>
-          </p:nvPr>
-        </p:nvSpPr>
-        <p:spPr/>
+            <p:ph sz="half" idx="2"/>
+          </p:nvPr>
+        </p:nvSpPr>
+        <p:spPr>
+          <a:xfrm>
+            <a:off x="1828092" y="2004461"/>
+            <a:ext cx="8535816" cy="3561588"/>
+          </a:xfrm>
+        </p:spPr>
         <p:txBody>
           <a:bodyPr>
             <a:normAutofit/>
@@ -3759,45 +3589,16 @@
           <a:lstStyle/>
           <a:p>
             <a:r>
-              <a:rPr lang="en-US" sz="2200" dirty="0" smtClean="0"/>
-              <a:t>Mechanical </a:t>
-            </a:r>
-            <a:r>
-              <a:rPr lang="en-US" sz="2200" dirty="0" smtClean="0"/>
-              <a:t>Engineering (BSME)/Electrophysicist (MSEE)</a:t>
-            </a:r>
-          </a:p>
-          <a:p>
-            <a:r>
-              <a:rPr lang="en-US" sz="2200" dirty="0" smtClean="0"/>
-              <a:t>Lead </a:t>
-            </a:r>
-            <a:r>
-              <a:rPr lang="en-US" sz="2200" dirty="0" smtClean="0"/>
-              <a:t>Landing Gear Analyst – 787, </a:t>
-            </a:r>
-            <a:r>
-              <a:rPr lang="en-US" sz="2200" dirty="0" smtClean="0"/>
-              <a:t>777X</a:t>
-            </a:r>
-          </a:p>
-          <a:p>
-            <a:pPr lvl="1"/>
-            <a:endParaRPr lang="en-US" sz="2000" dirty="0"/>
-          </a:p>
-          <a:p>
-            <a:r>
-              <a:rPr lang="en-US" sz="2200" dirty="0" smtClean="0"/>
-              <a:t>I love telling a story with data but needed better tools!</a:t>
-            </a:r>
-            <a:endParaRPr lang="en-US" sz="2200" dirty="0" smtClean="0"/>
+              <a:rPr lang="en-US" sz="3000" dirty="0" smtClean="0"/>
+              <a:t>Can the resolution of a consumer complaint be predicted based on information contained in text data?</a:t>
+            </a:r>
           </a:p>
         </p:txBody>
       </p:sp>
     </p:spTree>
     <p:extLst>
       <p:ext uri="{BB962C8B-B14F-4D97-AF65-F5344CB8AC3E}">
-        <p14:creationId xmlns:p14="http://schemas.microsoft.com/office/powerpoint/2010/main" val="1424461010"/>
+        <p14:creationId xmlns:p14="http://schemas.microsoft.com/office/powerpoint/2010/main" val="1312687995"/>
       </p:ext>
     </p:extLst>
   </p:cSld>
@@ -3841,117 +3642,23 @@
             <p:ph type="title"/>
           </p:nvPr>
         </p:nvSpPr>
-        <p:spPr/>
-        <p:txBody>
-          <a:bodyPr/>
-          <a:lstStyle/>
-          <a:p>
-            <a:r>
-              <a:rPr lang="en-US" b="1" dirty="0" smtClean="0"/>
-              <a:t>Objective</a:t>
-            </a:r>
-            <a:endParaRPr lang="en-US" b="1" dirty="0"/>
-          </a:p>
-        </p:txBody>
-      </p:sp>
-      <p:sp>
-        <p:nvSpPr>
-          <p:cNvPr id="3" name="Content Placeholder 2"/>
-          <p:cNvSpPr>
-            <a:spLocks noGrp="1"/>
-          </p:cNvSpPr>
-          <p:nvPr>
-            <p:ph sz="half" idx="2"/>
-          </p:nvPr>
-        </p:nvSpPr>
         <p:spPr>
           <a:xfrm>
-            <a:off x="1828092" y="2467655"/>
-            <a:ext cx="8535816" cy="3561588"/>
+            <a:off x="1590636" y="356618"/>
+            <a:ext cx="10018713" cy="722376"/>
           </a:xfrm>
         </p:spPr>
         <p:txBody>
           <a:bodyPr>
-            <a:normAutofit/>
+            <a:noAutofit/>
           </a:bodyPr>
           <a:lstStyle/>
           <a:p>
             <a:r>
-              <a:rPr lang="en-US" sz="2400" dirty="0" smtClean="0"/>
-              <a:t>Can the </a:t>
-            </a:r>
-            <a:r>
-              <a:rPr lang="en-US" sz="2400" dirty="0" smtClean="0"/>
-              <a:t>resolution of a consumer complaint be predicted based on information contained in text data?</a:t>
-            </a:r>
-            <a:endParaRPr lang="en-US" sz="2400" dirty="0" smtClean="0"/>
-          </a:p>
-        </p:txBody>
-      </p:sp>
-    </p:spTree>
-    <p:extLst>
-      <p:ext uri="{BB962C8B-B14F-4D97-AF65-F5344CB8AC3E}">
-        <p14:creationId xmlns:p14="http://schemas.microsoft.com/office/powerpoint/2010/main" val="1312687995"/>
-      </p:ext>
-    </p:extLst>
-  </p:cSld>
-  <p:clrMapOvr>
-    <a:masterClrMapping/>
-  </p:clrMapOvr>
-  <p:timing>
-    <p:tnLst>
-      <p:par>
-        <p:cTn id="1" dur="indefinite" restart="never" nodeType="tmRoot"/>
-      </p:par>
-    </p:tnLst>
-  </p:timing>
-</p:sld>
-</file>
-
-<file path=ppt/slides/slide5.xml><?xml version="1.0" encoding="utf-8"?>
-<p:sld xmlns:a="http://schemas.openxmlformats.org/drawingml/2006/main" xmlns:r="http://schemas.openxmlformats.org/officeDocument/2006/relationships" xmlns:p="http://schemas.openxmlformats.org/presentationml/2006/main">
-  <p:cSld>
-    <p:spTree>
-      <p:nvGrpSpPr>
-        <p:cNvPr id="1" name=""/>
-        <p:cNvGrpSpPr/>
-        <p:nvPr/>
-      </p:nvGrpSpPr>
-      <p:grpSpPr>
-        <a:xfrm>
-          <a:off x="0" y="0"/>
-          <a:ext cx="0" cy="0"/>
-          <a:chOff x="0" y="0"/>
-          <a:chExt cx="0" cy="0"/>
-        </a:xfrm>
-      </p:grpSpPr>
-      <p:sp>
-        <p:nvSpPr>
-          <p:cNvPr id="2" name="Title 1"/>
-          <p:cNvSpPr>
-            <a:spLocks noGrp="1"/>
-          </p:cNvSpPr>
-          <p:nvPr>
-            <p:ph type="title"/>
-          </p:nvPr>
-        </p:nvSpPr>
-        <p:spPr>
-          <a:xfrm>
-            <a:off x="1590636" y="327570"/>
-            <a:ext cx="10018713" cy="707258"/>
-          </a:xfrm>
-        </p:spPr>
-        <p:txBody>
-          <a:bodyPr>
-            <a:normAutofit fontScale="90000"/>
-          </a:bodyPr>
-          <a:lstStyle/>
-          <a:p>
-            <a:r>
-              <a:rPr lang="en-US" b="1" dirty="0" smtClean="0"/>
+              <a:rPr lang="en-US" sz="3500" b="1" dirty="0" smtClean="0"/>
               <a:t>Data</a:t>
             </a:r>
-            <a:endParaRPr lang="en-US" b="1" dirty="0"/>
+            <a:endParaRPr lang="en-US" sz="3500" b="1" dirty="0"/>
           </a:p>
         </p:txBody>
       </p:sp>
@@ -4047,17 +3754,8 @@
             </a:pPr>
             <a:r>
               <a:rPr lang="en-US" sz="2400" dirty="0" smtClean="0"/>
-              <a:t>Data </a:t>
-            </a:r>
-            <a:r>
-              <a:rPr lang="en-US" sz="2400" dirty="0" smtClean="0"/>
-              <a:t>is </a:t>
-            </a:r>
-            <a:r>
-              <a:rPr lang="en-US" sz="2400" dirty="0" smtClean="0"/>
-              <a:t>unbalanced</a:t>
-            </a:r>
-            <a:endParaRPr lang="en-US" sz="2400" dirty="0" smtClean="0"/>
+              <a:t>Data is unbalanced (80% “No Relief”, 20% “Relief Provided”)</a:t>
+            </a:r>
           </a:p>
           <a:p>
             <a:pPr marL="742950" lvl="1" indent="-285750">
@@ -4066,11 +3764,7 @@
             </a:pPr>
             <a:r>
               <a:rPr lang="en-US" sz="2400" dirty="0" smtClean="0"/>
-              <a:t>Addressed using weighting of “Yes</a:t>
-            </a:r>
-            <a:r>
-              <a:rPr lang="en-US" sz="2400" dirty="0" smtClean="0"/>
-              <a:t>”</a:t>
+              <a:t>Addressed using weighting of “Yes”</a:t>
             </a:r>
             <a:endParaRPr lang="en-US" sz="2400" dirty="0">
               <a:solidFill>
@@ -4220,7 +3914,7 @@
 </p:sld>
 </file>
 
-<file path=ppt/slides/slide6.xml><?xml version="1.0" encoding="utf-8"?>
+<file path=ppt/slides/slide5.xml><?xml version="1.0" encoding="utf-8"?>
 <p:sld xmlns:a="http://schemas.openxmlformats.org/drawingml/2006/main" xmlns:r="http://schemas.openxmlformats.org/officeDocument/2006/relationships" xmlns:p="http://schemas.openxmlformats.org/presentationml/2006/main">
   <p:cSld>
     <p:spTree>
@@ -4250,79 +3944,20 @@
         <p:spPr>
           <a:xfrm>
             <a:off x="1484311" y="685801"/>
-            <a:ext cx="10018713" cy="685800"/>
+            <a:ext cx="10018713" cy="722376"/>
           </a:xfrm>
         </p:spPr>
         <p:txBody>
           <a:bodyPr>
-            <a:normAutofit fontScale="90000"/>
+            <a:noAutofit/>
           </a:bodyPr>
           <a:lstStyle/>
           <a:p>
             <a:r>
-              <a:rPr lang="en-US" b="1" dirty="0" smtClean="0"/>
+              <a:rPr lang="en-US" sz="3500" b="1" dirty="0" smtClean="0"/>
               <a:t>Modeling/Results</a:t>
             </a:r>
-            <a:endParaRPr lang="en-US" b="1" dirty="0"/>
-          </a:p>
-        </p:txBody>
-      </p:sp>
-      <p:sp>
-        <p:nvSpPr>
-          <p:cNvPr id="4" name="TextBox 3"/>
-          <p:cNvSpPr txBox="1"/>
-          <p:nvPr/>
-        </p:nvSpPr>
-        <p:spPr>
-          <a:xfrm>
-            <a:off x="9743885" y="2822639"/>
-            <a:ext cx="2259011" cy="1200329"/>
-          </a:xfrm>
-          <a:prstGeom prst="rect">
-            <a:avLst/>
-          </a:prstGeom>
-          <a:noFill/>
-          <a:ln>
-            <a:solidFill>
-              <a:schemeClr val="tx1"/>
-            </a:solidFill>
-          </a:ln>
-        </p:spPr>
-        <p:txBody>
-          <a:bodyPr wrap="square" rtlCol="0">
-            <a:spAutoFit/>
-          </a:bodyPr>
-          <a:lstStyle/>
-          <a:p>
-            <a:r>
-              <a:rPr lang="en-US" b="1" smtClean="0">
-                <a:solidFill>
-                  <a:srgbClr val="FF0000"/>
-                </a:solidFill>
-              </a:rPr>
-              <a:t>ADD </a:t>
-            </a:r>
-            <a:r>
-              <a:rPr lang="en-US" b="1" smtClean="0">
-                <a:solidFill>
-                  <a:srgbClr val="FF0000"/>
-                </a:solidFill>
-              </a:rPr>
-              <a:t>A SUPER HOT REALLY </a:t>
-            </a:r>
-            <a:r>
-              <a:rPr lang="en-US" b="1" dirty="0" smtClean="0">
-                <a:solidFill>
-                  <a:srgbClr val="FF0000"/>
-                </a:solidFill>
-              </a:rPr>
-              <a:t>GOOD ROC PLOT HERE</a:t>
-            </a:r>
-            <a:endParaRPr lang="en-US" b="1" dirty="0">
-              <a:solidFill>
-                <a:srgbClr val="FF0000"/>
-              </a:solidFill>
-            </a:endParaRPr>
+            <a:endParaRPr lang="en-US" sz="3500" b="1" dirty="0"/>
           </a:p>
         </p:txBody>
       </p:sp>
@@ -4335,14 +3970,14 @@
           <p:nvPr>
             <p:extLst>
               <p:ext uri="{D42A27DB-BD31-4B8C-83A1-F6EECF244321}">
-                <p14:modId xmlns:p14="http://schemas.microsoft.com/office/powerpoint/2010/main" val="1097963186"/>
+                <p14:modId xmlns:p14="http://schemas.microsoft.com/office/powerpoint/2010/main" val="1667618328"/>
               </p:ext>
             </p:extLst>
           </p:nvPr>
         </p:nvGraphicFramePr>
         <p:xfrm>
-          <a:off x="498500" y="1751169"/>
-          <a:ext cx="8389468" cy="4003455"/>
+          <a:off x="305995" y="1751168"/>
+          <a:ext cx="6369125" cy="3644368"/>
         </p:xfrm>
         <a:graphic>
           <a:graphicData uri="http://schemas.openxmlformats.org/drawingml/2006/table">
@@ -4351,13 +3986,12 @@
                 <a:tableStyleId>{93296810-A885-4BE3-A3E7-6D5BEEA58F35}</a:tableStyleId>
               </a:tblPr>
               <a:tblGrid>
-                <a:gridCol w="2490531"/>
-                <a:gridCol w="1455525"/>
-                <a:gridCol w="1029652"/>
-                <a:gridCol w="410259"/>
-                <a:gridCol w="1141709"/>
-                <a:gridCol w="913368"/>
-                <a:gridCol w="948424"/>
+                <a:gridCol w="2095239"/>
+                <a:gridCol w="1048215"/>
+                <a:gridCol w="1063407"/>
+                <a:gridCol w="759576"/>
+                <a:gridCol w="714002"/>
+                <a:gridCol w="688686"/>
               </a:tblGrid>
               <a:tr h="306540">
                 <a:tc>
@@ -4365,11 +3999,12 @@
                     <a:bodyPr/>
                     <a:lstStyle/>
                     <a:p>
+                      <a:pPr algn="ctr"/>
                       <a:r>
-                        <a:rPr lang="en-US" dirty="0" smtClean="0"/>
+                        <a:rPr lang="en-US" sz="1500" dirty="0" smtClean="0"/>
                         <a:t>Model</a:t>
                       </a:r>
-                      <a:endParaRPr lang="en-US" dirty="0"/>
+                      <a:endParaRPr lang="en-US" sz="1500" dirty="0"/>
                     </a:p>
                   </a:txBody>
                   <a:tcPr/>
@@ -4379,11 +4014,12 @@
                     <a:bodyPr/>
                     <a:lstStyle/>
                     <a:p>
+                      <a:pPr algn="ctr"/>
                       <a:r>
-                        <a:rPr lang="en-US" dirty="0" smtClean="0"/>
+                        <a:rPr lang="en-US" sz="1500" dirty="0" smtClean="0"/>
                         <a:t>Accuracy</a:t>
                       </a:r>
-                      <a:endParaRPr lang="en-US" dirty="0"/>
+                      <a:endParaRPr lang="en-US" sz="1500" dirty="0"/>
                     </a:p>
                   </a:txBody>
                   <a:tcPr/>
@@ -4393,35 +4029,27 @@
                     <a:bodyPr/>
                     <a:lstStyle/>
                     <a:p>
+                      <a:pPr algn="ctr"/>
                       <a:r>
-                        <a:rPr lang="en-US" dirty="0" smtClean="0"/>
+                        <a:rPr lang="en-US" sz="1500" dirty="0" smtClean="0"/>
                         <a:t>Precision</a:t>
                       </a:r>
-                      <a:endParaRPr lang="en-US" dirty="0"/>
-                    </a:p>
-                  </a:txBody>
-                  <a:tcPr/>
-                </a:tc>
-                <a:tc gridSpan="2">
-                  <a:txBody>
-                    <a:bodyPr/>
-                    <a:lstStyle/>
-                    <a:p>
+                      <a:endParaRPr lang="en-US" sz="1500" dirty="0"/>
+                    </a:p>
+                  </a:txBody>
+                  <a:tcPr/>
+                </a:tc>
+                <a:tc>
+                  <a:txBody>
+                    <a:bodyPr/>
+                    <a:lstStyle/>
+                    <a:p>
+                      <a:pPr algn="ctr"/>
                       <a:r>
-                        <a:rPr lang="en-US" dirty="0" smtClean="0"/>
+                        <a:rPr lang="en-US" sz="1500" dirty="0" smtClean="0"/>
                         <a:t>Recall </a:t>
                       </a:r>
-                      <a:endParaRPr lang="en-US" dirty="0"/>
-                    </a:p>
-                  </a:txBody>
-                  <a:tcPr/>
-                </a:tc>
-                <a:tc hMerge="1">
-                  <a:txBody>
-                    <a:bodyPr/>
-                    <a:lstStyle/>
-                    <a:p>
-                      <a:endParaRPr lang="en-US" dirty="0"/>
+                      <a:endParaRPr lang="en-US" sz="1500" dirty="0"/>
                     </a:p>
                   </a:txBody>
                   <a:tcPr/>
@@ -4431,11 +4059,12 @@
                     <a:bodyPr/>
                     <a:lstStyle/>
                     <a:p>
+                      <a:pPr algn="ctr"/>
                       <a:r>
-                        <a:rPr lang="en-US" dirty="0" smtClean="0"/>
+                        <a:rPr lang="en-US" sz="1500" dirty="0" smtClean="0"/>
                         <a:t>F1</a:t>
                       </a:r>
-                      <a:endParaRPr lang="en-US" dirty="0"/>
+                      <a:endParaRPr lang="en-US" sz="1500" dirty="0"/>
                     </a:p>
                   </a:txBody>
                   <a:tcPr/>
@@ -4445,32 +4074,33 @@
                     <a:bodyPr/>
                     <a:lstStyle/>
                     <a:p>
+                      <a:pPr algn="ctr"/>
                       <a:r>
-                        <a:rPr lang="en-US" dirty="0" smtClean="0"/>
+                        <a:rPr lang="en-US" sz="1500" dirty="0" smtClean="0"/>
                         <a:t>AUC</a:t>
                       </a:r>
-                      <a:endParaRPr lang="en-US" dirty="0"/>
+                      <a:endParaRPr lang="en-US" sz="1500" dirty="0"/>
                     </a:p>
                   </a:txBody>
                   <a:tcPr/>
                 </a:tc>
               </a:tr>
               <a:tr h="343367">
-                <a:tc gridSpan="7">
+                <a:tc gridSpan="6">
                   <a:txBody>
                     <a:bodyPr/>
                     <a:lstStyle/>
                     <a:p>
                       <a:pPr algn="ctr"/>
                       <a:r>
-                        <a:rPr lang="en-US" dirty="0" smtClean="0"/>
+                        <a:rPr lang="en-US" sz="1500" dirty="0" smtClean="0"/>
                         <a:t>Using</a:t>
                       </a:r>
                       <a:r>
-                        <a:rPr lang="en-US" baseline="0" dirty="0" smtClean="0"/>
+                        <a:rPr lang="en-US" sz="1500" baseline="0" dirty="0" smtClean="0"/>
                         <a:t> Non-Text Features</a:t>
                       </a:r>
-                      <a:endParaRPr lang="en-US" dirty="0"/>
+                      <a:endParaRPr lang="en-US" sz="1500" dirty="0"/>
                     </a:p>
                   </a:txBody>
                   <a:tcPr/>
@@ -4481,16 +4111,6 @@
                     <a:lstStyle/>
                     <a:p>
                       <a:endParaRPr lang="en-US"/>
-                    </a:p>
-                  </a:txBody>
-                  <a:tcPr/>
-                </a:tc>
-                <a:tc hMerge="1">
-                  <a:txBody>
-                    <a:bodyPr/>
-                    <a:lstStyle/>
-                    <a:p>
-                      <a:endParaRPr lang="en-US" dirty="0"/>
                     </a:p>
                   </a:txBody>
                   <a:tcPr/>
@@ -4543,10 +4163,10 @@
                     <a:lstStyle/>
                     <a:p>
                       <a:r>
-                        <a:rPr lang="en-US" dirty="0" smtClean="0"/>
+                        <a:rPr lang="en-US" sz="1500" dirty="0" smtClean="0"/>
                         <a:t>Logistic Regression</a:t>
                       </a:r>
-                      <a:endParaRPr lang="en-US" dirty="0"/>
+                      <a:endParaRPr lang="en-US" sz="1500" dirty="0"/>
                     </a:p>
                   </a:txBody>
                   <a:tcPr/>
@@ -4558,26 +4178,25 @@
                     <a:p>
                       <a:pPr algn="ctr"/>
                       <a:r>
-                        <a:rPr lang="en-US" dirty="0" smtClean="0"/>
-                        <a:t>53.0%</a:t>
+                        <a:rPr lang="en-US" sz="1500" dirty="0" smtClean="0"/>
+                        <a:t>53.0</a:t>
                       </a:r>
-                      <a:endParaRPr lang="en-US" dirty="0"/>
-                    </a:p>
-                  </a:txBody>
-                  <a:tcPr/>
-                </a:tc>
-                <a:tc gridSpan="2">
-                  <a:txBody>
-                    <a:bodyPr/>
-                    <a:lstStyle/>
-                    <a:p>
-                      <a:pPr algn="ctr"/>
+                      <a:endParaRPr lang="en-US" sz="1500" dirty="0"/>
+                    </a:p>
+                  </a:txBody>
+                  <a:tcPr/>
+                </a:tc>
+                <a:tc>
+                  <a:txBody>
+                    <a:bodyPr/>
+                    <a:lstStyle/>
+                    <a:p>
                       <a:endParaRPr lang="en-US"/>
                     </a:p>
                   </a:txBody>
                   <a:tcPr/>
                 </a:tc>
-                <a:tc hMerge="1">
+                <a:tc>
                   <a:txBody>
                     <a:bodyPr/>
                     <a:lstStyle/>
@@ -4592,8 +4211,7 @@
                     <a:bodyPr/>
                     <a:lstStyle/>
                     <a:p>
-                      <a:pPr algn="ctr"/>
-                      <a:endParaRPr lang="en-US" dirty="0"/>
+                      <a:endParaRPr lang="en-US"/>
                     </a:p>
                   </a:txBody>
                   <a:tcPr/>
@@ -4603,36 +4221,24 @@
                     <a:bodyPr/>
                     <a:lstStyle/>
                     <a:p>
-                      <a:pPr algn="ctr"/>
-                      <a:endParaRPr lang="en-US" dirty="0"/>
-                    </a:p>
-                  </a:txBody>
-                  <a:tcPr/>
-                </a:tc>
-                <a:tc>
-                  <a:txBody>
-                    <a:bodyPr/>
-                    <a:lstStyle/>
-                    <a:p>
-                      <a:pPr algn="ctr"/>
-                      <a:endParaRPr lang="en-US" dirty="0"/>
+                      <a:endParaRPr lang="en-US"/>
                     </a:p>
                   </a:txBody>
                   <a:tcPr/>
                 </a:tc>
               </a:tr>
               <a:tr h="370840">
-                <a:tc gridSpan="7">
+                <a:tc gridSpan="6">
                   <a:txBody>
                     <a:bodyPr/>
                     <a:lstStyle/>
                     <a:p>
                       <a:pPr algn="ctr"/>
                       <a:r>
-                        <a:rPr lang="en-US" dirty="0" smtClean="0"/>
+                        <a:rPr lang="en-US" sz="1500" dirty="0" smtClean="0"/>
                         <a:t>Using Text Features</a:t>
                       </a:r>
-                      <a:endParaRPr lang="en-US" dirty="0"/>
+                      <a:endParaRPr lang="en-US" sz="1500" dirty="0"/>
                     </a:p>
                   </a:txBody>
                   <a:tcPr/>
@@ -4643,16 +4249,6 @@
                     <a:lstStyle/>
                     <a:p>
                       <a:endParaRPr lang="en-US"/>
-                    </a:p>
-                  </a:txBody>
-                  <a:tcPr/>
-                </a:tc>
-                <a:tc hMerge="1">
-                  <a:txBody>
-                    <a:bodyPr/>
-                    <a:lstStyle/>
-                    <a:p>
-                      <a:endParaRPr lang="en-US" dirty="0"/>
                     </a:p>
                   </a:txBody>
                   <a:tcPr/>
@@ -4705,10 +4301,10 @@
                     <a:lstStyle/>
                     <a:p>
                       <a:r>
-                        <a:rPr lang="en-US" dirty="0" smtClean="0"/>
+                        <a:rPr lang="en-US" sz="1500" dirty="0" smtClean="0"/>
                         <a:t>Logistic Regression</a:t>
                       </a:r>
-                      <a:endParaRPr lang="en-US" dirty="0"/>
+                      <a:endParaRPr lang="en-US" sz="1500" dirty="0"/>
                     </a:p>
                   </a:txBody>
                   <a:tcPr/>
@@ -4719,28 +4315,26 @@
                     <a:lstStyle/>
                     <a:p>
                       <a:pPr algn="ctr"/>
-                      <a:endParaRPr lang="en-US" dirty="0"/>
-                    </a:p>
-                  </a:txBody>
-                  <a:tcPr/>
-                </a:tc>
-                <a:tc gridSpan="2">
+                      <a:r>
+                        <a:rPr lang="en-US" sz="1500" dirty="0" smtClean="0"/>
+                        <a:t>82.2</a:t>
+                      </a:r>
+                      <a:endParaRPr lang="en-US" sz="1500" dirty="0"/>
+                    </a:p>
+                  </a:txBody>
+                  <a:tcPr/>
+                </a:tc>
+                <a:tc>
                   <a:txBody>
                     <a:bodyPr/>
                     <a:lstStyle/>
                     <a:p>
                       <a:pPr algn="ctr"/>
-                      <a:endParaRPr lang="en-US" dirty="0"/>
-                    </a:p>
-                  </a:txBody>
-                  <a:tcPr/>
-                </a:tc>
-                <a:tc hMerge="1">
-                  <a:txBody>
-                    <a:bodyPr/>
-                    <a:lstStyle/>
-                    <a:p>
-                      <a:endParaRPr lang="en-US"/>
+                      <a:r>
+                        <a:rPr lang="en-US" sz="1500" dirty="0" smtClean="0"/>
+                        <a:t>65.0</a:t>
+                      </a:r>
+                      <a:endParaRPr lang="en-US" sz="1500" dirty="0"/>
                     </a:p>
                   </a:txBody>
                   <a:tcPr/>
@@ -4750,8 +4344,26 @@
                     <a:bodyPr/>
                     <a:lstStyle/>
                     <a:p>
+                      <a:r>
+                        <a:rPr lang="en-US" sz="1500" dirty="0" smtClean="0"/>
+                        <a:t>21.3</a:t>
+                      </a:r>
+                      <a:endParaRPr lang="en-US" sz="1500" dirty="0"/>
+                    </a:p>
+                  </a:txBody>
+                  <a:tcPr/>
+                </a:tc>
+                <a:tc>
+                  <a:txBody>
+                    <a:bodyPr/>
+                    <a:lstStyle/>
+                    <a:p>
                       <a:pPr algn="ctr"/>
-                      <a:endParaRPr lang="en-US" dirty="0"/>
+                      <a:r>
+                        <a:rPr lang="en-US" sz="1500" dirty="0" smtClean="0"/>
+                        <a:t>32.1</a:t>
+                      </a:r>
+                      <a:endParaRPr lang="en-US" sz="1500" dirty="0"/>
                     </a:p>
                   </a:txBody>
                   <a:tcPr/>
@@ -4762,18 +4374,11 @@
                     <a:lstStyle/>
                     <a:p>
                       <a:pPr algn="ctr"/>
-                      <a:endParaRPr lang="en-US" dirty="0"/>
-                    </a:p>
-                  </a:txBody>
-                  <a:tcPr/>
-                </a:tc>
-                <a:tc>
-                  <a:txBody>
-                    <a:bodyPr/>
-                    <a:lstStyle/>
-                    <a:p>
-                      <a:pPr algn="ctr"/>
-                      <a:endParaRPr lang="en-US" dirty="0"/>
+                      <a:r>
+                        <a:rPr lang="en-US" sz="1500" dirty="0" smtClean="0"/>
+                        <a:t>76.1</a:t>
+                      </a:r>
+                      <a:endParaRPr lang="en-US" sz="1500" dirty="0"/>
                     </a:p>
                   </a:txBody>
                   <a:tcPr/>
@@ -4786,10 +4391,10 @@
                     <a:lstStyle/>
                     <a:p>
                       <a:r>
-                        <a:rPr lang="en-US" dirty="0" err="1" smtClean="0"/>
+                        <a:rPr lang="en-US" sz="1500" dirty="0" err="1" smtClean="0"/>
                         <a:t>KNeighbors</a:t>
                       </a:r>
-                      <a:endParaRPr lang="en-US" dirty="0"/>
+                      <a:endParaRPr lang="en-US" sz="1500" dirty="0"/>
                     </a:p>
                   </a:txBody>
                   <a:tcPr/>
@@ -4800,28 +4405,26 @@
                     <a:lstStyle/>
                     <a:p>
                       <a:pPr algn="ctr"/>
-                      <a:endParaRPr lang="en-US"/>
-                    </a:p>
-                  </a:txBody>
-                  <a:tcPr/>
-                </a:tc>
-                <a:tc gridSpan="2">
+                      <a:r>
+                        <a:rPr lang="en-US" sz="1500" dirty="0" smtClean="0"/>
+                        <a:t>37.5</a:t>
+                      </a:r>
+                      <a:endParaRPr lang="en-US" sz="1500" dirty="0"/>
+                    </a:p>
+                  </a:txBody>
+                  <a:tcPr/>
+                </a:tc>
+                <a:tc>
                   <a:txBody>
                     <a:bodyPr/>
                     <a:lstStyle/>
                     <a:p>
                       <a:pPr algn="ctr"/>
-                      <a:endParaRPr lang="en-US" dirty="0"/>
-                    </a:p>
-                  </a:txBody>
-                  <a:tcPr/>
-                </a:tc>
-                <a:tc hMerge="1">
-                  <a:txBody>
-                    <a:bodyPr/>
-                    <a:lstStyle/>
-                    <a:p>
-                      <a:endParaRPr lang="en-US"/>
+                      <a:r>
+                        <a:rPr lang="en-US" sz="1500" dirty="0" smtClean="0"/>
+                        <a:t>21.0</a:t>
+                      </a:r>
+                      <a:endParaRPr lang="en-US" sz="1500" dirty="0"/>
                     </a:p>
                   </a:txBody>
                   <a:tcPr/>
@@ -4831,8 +4434,26 @@
                     <a:bodyPr/>
                     <a:lstStyle/>
                     <a:p>
+                      <a:r>
+                        <a:rPr lang="en-US" sz="1500" dirty="0" smtClean="0"/>
+                        <a:t>78.4</a:t>
+                      </a:r>
+                      <a:endParaRPr lang="en-US" sz="1500" dirty="0"/>
+                    </a:p>
+                  </a:txBody>
+                  <a:tcPr/>
+                </a:tc>
+                <a:tc>
+                  <a:txBody>
+                    <a:bodyPr/>
+                    <a:lstStyle/>
+                    <a:p>
                       <a:pPr algn="ctr"/>
-                      <a:endParaRPr lang="en-US"/>
+                      <a:r>
+                        <a:rPr lang="en-US" sz="1500" dirty="0" smtClean="0"/>
+                        <a:t>33.2</a:t>
+                      </a:r>
+                      <a:endParaRPr lang="en-US" sz="1500" dirty="0"/>
                     </a:p>
                   </a:txBody>
                   <a:tcPr/>
@@ -4843,18 +4464,11 @@
                     <a:lstStyle/>
                     <a:p>
                       <a:pPr algn="ctr"/>
-                      <a:endParaRPr lang="en-US"/>
-                    </a:p>
-                  </a:txBody>
-                  <a:tcPr/>
-                </a:tc>
-                <a:tc>
-                  <a:txBody>
-                    <a:bodyPr/>
-                    <a:lstStyle/>
-                    <a:p>
-                      <a:pPr algn="ctr"/>
-                      <a:endParaRPr lang="en-US"/>
+                      <a:r>
+                        <a:rPr lang="en-US" sz="1500" dirty="0" smtClean="0"/>
+                        <a:t>55.8</a:t>
+                      </a:r>
+                      <a:endParaRPr lang="en-US" sz="1500" dirty="0"/>
                     </a:p>
                   </a:txBody>
                   <a:tcPr/>
@@ -4867,11 +4481,11 @@
                     <a:lstStyle/>
                     <a:p>
                       <a:r>
-                        <a:rPr lang="en-US" dirty="0" smtClean="0"/>
+                        <a:rPr lang="en-US" sz="1500" dirty="0" smtClean="0"/>
                         <a:t>Multi</a:t>
                       </a:r>
                       <a:r>
-                        <a:rPr lang="en-US" baseline="0" dirty="0" smtClean="0"/>
+                        <a:rPr lang="en-US" sz="1500" baseline="0" dirty="0" smtClean="0"/>
                         <a:t>nomial Naïve Bayes</a:t>
                       </a:r>
                     </a:p>
@@ -4884,28 +4498,26 @@
                     <a:lstStyle/>
                     <a:p>
                       <a:pPr algn="ctr"/>
-                      <a:endParaRPr lang="en-US"/>
-                    </a:p>
-                  </a:txBody>
-                  <a:tcPr/>
-                </a:tc>
-                <a:tc gridSpan="2">
+                      <a:r>
+                        <a:rPr lang="en-US" sz="1500" dirty="0" smtClean="0"/>
+                        <a:t>81.5</a:t>
+                      </a:r>
+                      <a:endParaRPr lang="en-US" sz="1500" dirty="0"/>
+                    </a:p>
+                  </a:txBody>
+                  <a:tcPr/>
+                </a:tc>
+                <a:tc>
                   <a:txBody>
                     <a:bodyPr/>
                     <a:lstStyle/>
                     <a:p>
                       <a:pPr algn="ctr"/>
-                      <a:endParaRPr lang="en-US" dirty="0"/>
-                    </a:p>
-                  </a:txBody>
-                  <a:tcPr/>
-                </a:tc>
-                <a:tc hMerge="1">
-                  <a:txBody>
-                    <a:bodyPr/>
-                    <a:lstStyle/>
-                    <a:p>
-                      <a:endParaRPr lang="en-US"/>
+                      <a:r>
+                        <a:rPr lang="en-US" sz="1500" dirty="0" smtClean="0"/>
+                        <a:t>65.7</a:t>
+                      </a:r>
+                      <a:endParaRPr lang="en-US" sz="1500" dirty="0"/>
                     </a:p>
                   </a:txBody>
                   <a:tcPr/>
@@ -4915,8 +4527,26 @@
                     <a:bodyPr/>
                     <a:lstStyle/>
                     <a:p>
+                      <a:r>
+                        <a:rPr lang="en-US" sz="1500" dirty="0" smtClean="0"/>
+                        <a:t>13.5</a:t>
+                      </a:r>
+                      <a:endParaRPr lang="en-US" sz="1500" dirty="0"/>
+                    </a:p>
+                  </a:txBody>
+                  <a:tcPr/>
+                </a:tc>
+                <a:tc>
+                  <a:txBody>
+                    <a:bodyPr/>
+                    <a:lstStyle/>
+                    <a:p>
                       <a:pPr algn="ctr"/>
-                      <a:endParaRPr lang="en-US"/>
+                      <a:r>
+                        <a:rPr lang="en-US" sz="1500" dirty="0" smtClean="0"/>
+                        <a:t>22.4</a:t>
+                      </a:r>
+                      <a:endParaRPr lang="en-US" sz="1500" dirty="0"/>
                     </a:p>
                   </a:txBody>
                   <a:tcPr/>
@@ -4927,18 +4557,11 @@
                     <a:lstStyle/>
                     <a:p>
                       <a:pPr algn="ctr"/>
-                      <a:endParaRPr lang="en-US"/>
-                    </a:p>
-                  </a:txBody>
-                  <a:tcPr/>
-                </a:tc>
-                <a:tc>
-                  <a:txBody>
-                    <a:bodyPr/>
-                    <a:lstStyle/>
-                    <a:p>
-                      <a:pPr algn="ctr"/>
-                      <a:endParaRPr lang="en-US"/>
+                      <a:r>
+                        <a:rPr lang="en-US" sz="1500" dirty="0" smtClean="0"/>
+                        <a:t>74.3</a:t>
+                      </a:r>
+                      <a:endParaRPr lang="en-US" sz="1500" dirty="0"/>
                     </a:p>
                   </a:txBody>
                   <a:tcPr/>
@@ -4951,10 +4574,10 @@
                     <a:lstStyle/>
                     <a:p>
                       <a:r>
-                        <a:rPr lang="en-US" dirty="0" smtClean="0"/>
+                        <a:rPr lang="en-US" sz="1500" dirty="0" smtClean="0"/>
                         <a:t>Random Forest</a:t>
                       </a:r>
-                      <a:endParaRPr lang="en-US" dirty="0"/>
+                      <a:endParaRPr lang="en-US" sz="1500" dirty="0"/>
                     </a:p>
                   </a:txBody>
                   <a:tcPr/>
@@ -4965,28 +4588,26 @@
                     <a:lstStyle/>
                     <a:p>
                       <a:pPr algn="ctr"/>
-                      <a:endParaRPr lang="en-US" dirty="0"/>
-                    </a:p>
-                  </a:txBody>
-                  <a:tcPr/>
-                </a:tc>
-                <a:tc gridSpan="2">
+                      <a:r>
+                        <a:rPr lang="en-US" sz="1500" dirty="0" smtClean="0"/>
+                        <a:t>81.1</a:t>
+                      </a:r>
+                      <a:endParaRPr lang="en-US" sz="1500" dirty="0"/>
+                    </a:p>
+                  </a:txBody>
+                  <a:tcPr/>
+                </a:tc>
+                <a:tc>
                   <a:txBody>
                     <a:bodyPr/>
                     <a:lstStyle/>
                     <a:p>
                       <a:pPr algn="ctr"/>
-                      <a:endParaRPr lang="en-US" dirty="0"/>
-                    </a:p>
-                  </a:txBody>
-                  <a:tcPr/>
-                </a:tc>
-                <a:tc hMerge="1">
-                  <a:txBody>
-                    <a:bodyPr/>
-                    <a:lstStyle/>
-                    <a:p>
-                      <a:endParaRPr lang="en-US"/>
+                      <a:r>
+                        <a:rPr lang="en-US" sz="1500" dirty="0" smtClean="0"/>
+                        <a:t>59.0</a:t>
+                      </a:r>
+                      <a:endParaRPr lang="en-US" sz="1500" dirty="0"/>
                     </a:p>
                   </a:txBody>
                   <a:tcPr/>
@@ -4996,8 +4617,26 @@
                     <a:bodyPr/>
                     <a:lstStyle/>
                     <a:p>
+                      <a:r>
+                        <a:rPr lang="en-US" sz="1500" dirty="0" smtClean="0"/>
+                        <a:t>14.3</a:t>
+                      </a:r>
+                      <a:endParaRPr lang="en-US" sz="1500" dirty="0"/>
+                    </a:p>
+                  </a:txBody>
+                  <a:tcPr/>
+                </a:tc>
+                <a:tc>
+                  <a:txBody>
+                    <a:bodyPr/>
+                    <a:lstStyle/>
+                    <a:p>
                       <a:pPr algn="ctr"/>
-                      <a:endParaRPr lang="en-US" dirty="0"/>
+                      <a:r>
+                        <a:rPr lang="en-US" sz="1500" dirty="0" smtClean="0"/>
+                        <a:t>23.0</a:t>
+                      </a:r>
+                      <a:endParaRPr lang="en-US" sz="1500" dirty="0"/>
                     </a:p>
                   </a:txBody>
                   <a:tcPr/>
@@ -5008,18 +4647,101 @@
                     <a:lstStyle/>
                     <a:p>
                       <a:pPr algn="ctr"/>
-                      <a:endParaRPr lang="en-US"/>
-                    </a:p>
-                  </a:txBody>
-                  <a:tcPr/>
-                </a:tc>
+                      <a:r>
+                        <a:rPr lang="en-US" sz="1500" dirty="0" smtClean="0"/>
+                        <a:t>68.3</a:t>
+                      </a:r>
+                      <a:endParaRPr lang="en-US" sz="1500" dirty="0"/>
+                    </a:p>
+                  </a:txBody>
+                  <a:tcPr/>
+                </a:tc>
+              </a:tr>
+              <a:tr h="354186">
                 <a:tc>
                   <a:txBody>
                     <a:bodyPr/>
                     <a:lstStyle/>
                     <a:p>
+                      <a:r>
+                        <a:rPr lang="en-US" sz="1500" dirty="0" err="1" smtClean="0"/>
+                        <a:t>AdaBoost</a:t>
+                      </a:r>
+                      <a:endParaRPr lang="en-US" sz="1500" dirty="0"/>
+                    </a:p>
+                  </a:txBody>
+                  <a:tcPr/>
+                </a:tc>
+                <a:tc>
+                  <a:txBody>
+                    <a:bodyPr/>
+                    <a:lstStyle/>
+                    <a:p>
                       <a:pPr algn="ctr"/>
-                      <a:endParaRPr lang="en-US"/>
+                      <a:r>
+                        <a:rPr lang="en-US" sz="1500" dirty="0" smtClean="0"/>
+                        <a:t>82.0</a:t>
+                      </a:r>
+                      <a:endParaRPr lang="en-US" sz="1500" dirty="0"/>
+                    </a:p>
+                  </a:txBody>
+                  <a:tcPr/>
+                </a:tc>
+                <a:tc>
+                  <a:txBody>
+                    <a:bodyPr/>
+                    <a:lstStyle/>
+                    <a:p>
+                      <a:pPr algn="ctr"/>
+                      <a:r>
+                        <a:rPr lang="en-US" sz="1500" dirty="0" smtClean="0"/>
+                        <a:t>65.2</a:t>
+                      </a:r>
+                      <a:endParaRPr lang="en-US" sz="1500" dirty="0"/>
+                    </a:p>
+                  </a:txBody>
+                  <a:tcPr/>
+                </a:tc>
+                <a:tc>
+                  <a:txBody>
+                    <a:bodyPr/>
+                    <a:lstStyle/>
+                    <a:p>
+                      <a:r>
+                        <a:rPr lang="en-US" sz="1500" dirty="0" smtClean="0"/>
+                        <a:t>18.9</a:t>
+                      </a:r>
+                      <a:endParaRPr lang="en-US" sz="1500" dirty="0"/>
+                    </a:p>
+                  </a:txBody>
+                  <a:tcPr/>
+                </a:tc>
+                <a:tc>
+                  <a:txBody>
+                    <a:bodyPr/>
+                    <a:lstStyle/>
+                    <a:p>
+                      <a:pPr algn="ctr"/>
+                      <a:r>
+                        <a:rPr lang="en-US" sz="1500" dirty="0" smtClean="0"/>
+                        <a:t>29.3</a:t>
+                      </a:r>
+                      <a:endParaRPr lang="en-US" sz="1500" dirty="0"/>
+                    </a:p>
+                  </a:txBody>
+                  <a:tcPr/>
+                </a:tc>
+                <a:tc>
+                  <a:txBody>
+                    <a:bodyPr/>
+                    <a:lstStyle/>
+                    <a:p>
+                      <a:pPr algn="ctr"/>
+                      <a:r>
+                        <a:rPr lang="en-US" sz="1500" dirty="0" smtClean="0"/>
+                        <a:t>73.3</a:t>
+                      </a:r>
+                      <a:endParaRPr lang="en-US" sz="1500" dirty="0"/>
                     </a:p>
                   </a:txBody>
                   <a:tcPr/>
@@ -5032,95 +4754,14 @@
                     <a:lstStyle/>
                     <a:p>
                       <a:r>
-                        <a:rPr lang="en-US" dirty="0" err="1" smtClean="0"/>
-                        <a:t>AdaBoost</a:t>
-                      </a:r>
-                      <a:endParaRPr lang="en-US" dirty="0"/>
-                    </a:p>
-                  </a:txBody>
-                  <a:tcPr/>
-                </a:tc>
-                <a:tc>
-                  <a:txBody>
-                    <a:bodyPr/>
-                    <a:lstStyle/>
-                    <a:p>
-                      <a:pPr algn="ctr"/>
-                      <a:endParaRPr lang="en-US"/>
-                    </a:p>
-                  </a:txBody>
-                  <a:tcPr/>
-                </a:tc>
-                <a:tc gridSpan="2">
-                  <a:txBody>
-                    <a:bodyPr/>
-                    <a:lstStyle/>
-                    <a:p>
-                      <a:pPr algn="ctr"/>
-                      <a:endParaRPr lang="en-US"/>
-                    </a:p>
-                  </a:txBody>
-                  <a:tcPr/>
-                </a:tc>
-                <a:tc hMerge="1">
-                  <a:txBody>
-                    <a:bodyPr/>
-                    <a:lstStyle/>
-                    <a:p>
-                      <a:endParaRPr lang="en-US"/>
-                    </a:p>
-                  </a:txBody>
-                  <a:tcPr/>
-                </a:tc>
-                <a:tc>
-                  <a:txBody>
-                    <a:bodyPr/>
-                    <a:lstStyle/>
-                    <a:p>
-                      <a:pPr algn="ctr"/>
-                      <a:endParaRPr lang="en-US" dirty="0"/>
-                    </a:p>
-                  </a:txBody>
-                  <a:tcPr/>
-                </a:tc>
-                <a:tc>
-                  <a:txBody>
-                    <a:bodyPr/>
-                    <a:lstStyle/>
-                    <a:p>
-                      <a:pPr algn="ctr"/>
-                      <a:endParaRPr lang="en-US" dirty="0"/>
-                    </a:p>
-                  </a:txBody>
-                  <a:tcPr/>
-                </a:tc>
-                <a:tc>
-                  <a:txBody>
-                    <a:bodyPr/>
-                    <a:lstStyle/>
-                    <a:p>
-                      <a:pPr algn="ctr"/>
-                      <a:endParaRPr lang="en-US"/>
-                    </a:p>
-                  </a:txBody>
-                  <a:tcPr/>
-                </a:tc>
-              </a:tr>
-              <a:tr h="370840">
-                <a:tc>
-                  <a:txBody>
-                    <a:bodyPr/>
-                    <a:lstStyle/>
-                    <a:p>
-                      <a:r>
-                        <a:rPr lang="en-US" dirty="0" smtClean="0"/>
+                        <a:rPr lang="en-US" sz="1500" dirty="0" smtClean="0"/>
                         <a:t>Gradient</a:t>
                       </a:r>
                       <a:r>
-                        <a:rPr lang="en-US" baseline="0" dirty="0" smtClean="0"/>
+                        <a:rPr lang="en-US" sz="1500" baseline="0" dirty="0" smtClean="0"/>
                         <a:t> Boosting</a:t>
                       </a:r>
-                      <a:endParaRPr lang="en-US" dirty="0"/>
+                      <a:endParaRPr lang="en-US" sz="1500" dirty="0"/>
                     </a:p>
                   </a:txBody>
                   <a:tcPr/>
@@ -5131,28 +4772,26 @@
                     <a:lstStyle/>
                     <a:p>
                       <a:pPr algn="ctr"/>
-                      <a:endParaRPr lang="en-US"/>
-                    </a:p>
-                  </a:txBody>
-                  <a:tcPr/>
-                </a:tc>
-                <a:tc gridSpan="2">
+                      <a:r>
+                        <a:rPr lang="en-US" sz="1500" dirty="0" smtClean="0"/>
+                        <a:t>82.1</a:t>
+                      </a:r>
+                      <a:endParaRPr lang="en-US" sz="1500" dirty="0"/>
+                    </a:p>
+                  </a:txBody>
+                  <a:tcPr/>
+                </a:tc>
+                <a:tc>
                   <a:txBody>
                     <a:bodyPr/>
                     <a:lstStyle/>
                     <a:p>
                       <a:pPr algn="ctr"/>
-                      <a:endParaRPr lang="en-US"/>
-                    </a:p>
-                  </a:txBody>
-                  <a:tcPr/>
-                </a:tc>
-                <a:tc hMerge="1">
-                  <a:txBody>
-                    <a:bodyPr/>
-                    <a:lstStyle/>
-                    <a:p>
-                      <a:endParaRPr lang="en-US"/>
+                      <a:r>
+                        <a:rPr lang="en-US" sz="1500" dirty="0" smtClean="0"/>
+                        <a:t>77.8</a:t>
+                      </a:r>
+                      <a:endParaRPr lang="en-US" sz="1500" dirty="0"/>
                     </a:p>
                   </a:txBody>
                   <a:tcPr/>
@@ -5162,8 +4801,26 @@
                     <a:bodyPr/>
                     <a:lstStyle/>
                     <a:p>
+                      <a:r>
+                        <a:rPr lang="en-US" sz="1500" dirty="0" smtClean="0"/>
+                        <a:t>13.4</a:t>
+                      </a:r>
+                      <a:endParaRPr lang="en-US" sz="1500" dirty="0"/>
+                    </a:p>
+                  </a:txBody>
+                  <a:tcPr/>
+                </a:tc>
+                <a:tc>
+                  <a:txBody>
+                    <a:bodyPr/>
+                    <a:lstStyle/>
+                    <a:p>
                       <a:pPr algn="ctr"/>
-                      <a:endParaRPr lang="en-US"/>
+                      <a:r>
+                        <a:rPr lang="en-US" sz="1500" dirty="0" smtClean="0"/>
+                        <a:t>22.9</a:t>
+                      </a:r>
+                      <a:endParaRPr lang="en-US" sz="1500" dirty="0"/>
                     </a:p>
                   </a:txBody>
                   <a:tcPr/>
@@ -5174,18 +4831,11 @@
                     <a:lstStyle/>
                     <a:p>
                       <a:pPr algn="ctr"/>
-                      <a:endParaRPr lang="en-US" dirty="0"/>
-                    </a:p>
-                  </a:txBody>
-                  <a:tcPr/>
-                </a:tc>
-                <a:tc>
-                  <a:txBody>
-                    <a:bodyPr/>
-                    <a:lstStyle/>
-                    <a:p>
-                      <a:pPr algn="ctr"/>
-                      <a:endParaRPr lang="en-US" dirty="0"/>
+                      <a:r>
+                        <a:rPr lang="en-US" sz="1500" dirty="0" smtClean="0"/>
+                        <a:t>73.7</a:t>
+                      </a:r>
+                      <a:endParaRPr lang="en-US" sz="1500" dirty="0"/>
                     </a:p>
                   </a:txBody>
                   <a:tcPr/>
@@ -5195,6 +4845,66 @@
           </a:graphicData>
         </a:graphic>
       </p:graphicFrame>
+      <p:pic>
+        <p:nvPicPr>
+          <p:cNvPr id="7" name="Picture 6"/>
+          <p:cNvPicPr>
+            <a:picLocks noChangeAspect="1"/>
+          </p:cNvPicPr>
+          <p:nvPr/>
+        </p:nvPicPr>
+        <p:blipFill>
+          <a:blip r:embed="rId2">
+            <a:extLst>
+              <a:ext uri="{28A0092B-C50C-407E-A947-70E740481C1C}">
+                <a14:useLocalDpi xmlns:a14="http://schemas.microsoft.com/office/drawing/2010/main" val="0"/>
+              </a:ext>
+            </a:extLst>
+          </a:blip>
+          <a:stretch>
+            <a:fillRect/>
+          </a:stretch>
+        </p:blipFill>
+        <p:spPr>
+          <a:xfrm>
+            <a:off x="6675120" y="1751168"/>
+            <a:ext cx="5486400" cy="4389120"/>
+          </a:xfrm>
+          <a:prstGeom prst="rect">
+            <a:avLst/>
+          </a:prstGeom>
+        </p:spPr>
+      </p:pic>
+      <p:sp>
+        <p:nvSpPr>
+          <p:cNvPr id="8" name="TextBox 7"/>
+          <p:cNvSpPr txBox="1"/>
+          <p:nvPr/>
+        </p:nvSpPr>
+        <p:spPr>
+          <a:xfrm>
+            <a:off x="7223760" y="6019800"/>
+            <a:ext cx="4434840" cy="461665"/>
+          </a:xfrm>
+          <a:prstGeom prst="rect">
+            <a:avLst/>
+          </a:prstGeom>
+          <a:noFill/>
+        </p:spPr>
+        <p:txBody>
+          <a:bodyPr wrap="square" rtlCol="0">
+            <a:spAutoFit/>
+          </a:bodyPr>
+          <a:lstStyle/>
+          <a:p>
+            <a:r>
+              <a:rPr lang="en-US" sz="1200" dirty="0" smtClean="0"/>
+              <a:t>NOTE – Table shows data from full data set, ROC Plot shows data from 20000 sample dataset</a:t>
+            </a:r>
+            <a:endParaRPr lang="en-US" sz="1200" dirty="0"/>
+          </a:p>
+        </p:txBody>
+      </p:sp>
     </p:spTree>
     <p:extLst>
       <p:ext uri="{BB962C8B-B14F-4D97-AF65-F5344CB8AC3E}">
@@ -5215,175 +4925,7 @@
 </p:sld>
 </file>
 
-<file path=ppt/slides/slide7.xml><?xml version="1.0" encoding="utf-8"?>
-<p:sld xmlns:a="http://schemas.openxmlformats.org/drawingml/2006/main" xmlns:r="http://schemas.openxmlformats.org/officeDocument/2006/relationships" xmlns:p="http://schemas.openxmlformats.org/presentationml/2006/main" show="0">
-  <p:cSld>
-    <p:spTree>
-      <p:nvGrpSpPr>
-        <p:cNvPr id="1" name=""/>
-        <p:cNvGrpSpPr/>
-        <p:nvPr/>
-      </p:nvGrpSpPr>
-      <p:grpSpPr>
-        <a:xfrm>
-          <a:off x="0" y="0"/>
-          <a:ext cx="0" cy="0"/>
-          <a:chOff x="0" y="0"/>
-          <a:chExt cx="0" cy="0"/>
-        </a:xfrm>
-      </p:grpSpPr>
-      <p:sp>
-        <p:nvSpPr>
-          <p:cNvPr id="2" name="Title 1"/>
-          <p:cNvSpPr>
-            <a:spLocks noGrp="1"/>
-          </p:cNvSpPr>
-          <p:nvPr>
-            <p:ph type="title"/>
-          </p:nvPr>
-        </p:nvSpPr>
-        <p:spPr/>
-        <p:txBody>
-          <a:bodyPr/>
-          <a:lstStyle/>
-          <a:p>
-            <a:r>
-              <a:rPr lang="en-US" dirty="0" smtClean="0"/>
-              <a:t>Results</a:t>
-            </a:r>
-            <a:endParaRPr lang="en-US" dirty="0"/>
-          </a:p>
-        </p:txBody>
-      </p:sp>
-      <p:sp>
-        <p:nvSpPr>
-          <p:cNvPr id="3" name="Content Placeholder 2"/>
-          <p:cNvSpPr>
-            <a:spLocks noGrp="1"/>
-          </p:cNvSpPr>
-          <p:nvPr>
-            <p:ph idx="1"/>
-          </p:nvPr>
-        </p:nvSpPr>
-        <p:spPr/>
-        <p:txBody>
-          <a:bodyPr/>
-          <a:lstStyle/>
-          <a:p>
-            <a:r>
-              <a:rPr lang="en-US" dirty="0"/>
-              <a:t>A baseline model using non-text features was run to check</a:t>
-            </a:r>
-          </a:p>
-          <a:p>
-            <a:pPr lvl="1"/>
-            <a:r>
-              <a:rPr lang="en-US" dirty="0"/>
-              <a:t>Best Model:  </a:t>
-            </a:r>
-            <a:r>
-              <a:rPr lang="en-US" dirty="0" smtClean="0">
-                <a:solidFill>
-                  <a:srgbClr val="FF0000"/>
-                </a:solidFill>
-              </a:rPr>
-              <a:t>A random forest produced ~53% accuracy using non-text features</a:t>
-            </a:r>
-            <a:endParaRPr lang="en-US" dirty="0">
-              <a:solidFill>
-                <a:srgbClr val="FF0000"/>
-              </a:solidFill>
-            </a:endParaRPr>
-          </a:p>
-          <a:p>
-            <a:r>
-              <a:rPr lang="en-US" dirty="0"/>
-              <a:t>Multiple NLP approaches were preformed:</a:t>
-            </a:r>
-          </a:p>
-          <a:p>
-            <a:pPr lvl="1"/>
-            <a:r>
-              <a:rPr lang="en-US" dirty="0"/>
-              <a:t>TF-IDF:  </a:t>
-            </a:r>
-            <a:r>
-              <a:rPr lang="en-US" dirty="0" smtClean="0">
-                <a:solidFill>
-                  <a:srgbClr val="FF0000"/>
-                </a:solidFill>
-              </a:rPr>
-              <a:t>Using TFIDF, ~80% accuracy was obtained </a:t>
-            </a:r>
-            <a:endParaRPr lang="en-US" dirty="0">
-              <a:solidFill>
-                <a:srgbClr val="FF0000"/>
-              </a:solidFill>
-            </a:endParaRPr>
-          </a:p>
-          <a:p>
-            <a:pPr lvl="1"/>
-            <a:r>
-              <a:rPr lang="en-US" dirty="0"/>
-              <a:t>Word2Vec: </a:t>
-            </a:r>
-            <a:r>
-              <a:rPr lang="en-US" dirty="0" smtClean="0">
-                <a:solidFill>
-                  <a:srgbClr val="FF0000"/>
-                </a:solidFill>
-              </a:rPr>
-              <a:t>SAY</a:t>
-            </a:r>
-            <a:r>
-              <a:rPr lang="en-US" dirty="0" smtClean="0"/>
-              <a:t> </a:t>
-            </a:r>
-            <a:r>
-              <a:rPr lang="en-US" dirty="0" smtClean="0">
-                <a:solidFill>
-                  <a:srgbClr val="FF0000"/>
-                </a:solidFill>
-              </a:rPr>
-              <a:t>SOMETHING COOLER ONCE YOU MAKE IT WORK!!!</a:t>
-            </a:r>
-            <a:endParaRPr lang="en-US" dirty="0">
-              <a:solidFill>
-                <a:srgbClr val="FF0000"/>
-              </a:solidFill>
-            </a:endParaRPr>
-          </a:p>
-        </p:txBody>
-      </p:sp>
-    </p:spTree>
-    <p:extLst>
-      <p:ext uri="{BB962C8B-B14F-4D97-AF65-F5344CB8AC3E}">
-        <p14:creationId xmlns:p14="http://schemas.microsoft.com/office/powerpoint/2010/main" val="2089921519"/>
-      </p:ext>
-    </p:extLst>
-  </p:cSld>
-  <p:clrMapOvr>
-    <a:masterClrMapping/>
-  </p:clrMapOvr>
-  <mc:AlternateContent xmlns:mc="http://schemas.openxmlformats.org/markup-compatibility/2006">
-    <mc:Choice xmlns:p14="http://schemas.microsoft.com/office/powerpoint/2010/main" Requires="p14">
-      <p:transition spd="slow" p14:dur="2000"/>
-    </mc:Choice>
-    <mc:Fallback>
-      <p:transition spd="slow"/>
-    </mc:Fallback>
-  </mc:AlternateContent>
-  <p:timing>
-    <p:tnLst>
-      <p:par>
-        <p:cTn id="1" dur="indefinite" restart="never" nodeType="tmRoot"/>
-      </p:par>
-    </p:tnLst>
-  </p:timing>
-</p:sld>
-</file>
-
-<file path=ppt/slides/slide8.xml><?xml version="1.0" encoding="utf-8"?>
+<file path=ppt/slides/slide6.xml><?xml version="1.0" encoding="utf-8"?>
 <p:sld xmlns:a="http://schemas.openxmlformats.org/drawingml/2006/main" xmlns:r="http://schemas.openxmlformats.org/officeDocument/2006/relationships" xmlns:p="http://schemas.openxmlformats.org/presentationml/2006/main">
   <p:cSld>
     <p:spTree>
@@ -5413,22 +4955,20 @@
         <p:spPr>
           <a:xfrm>
             <a:off x="2231136" y="436055"/>
-            <a:ext cx="7729728" cy="1188720"/>
+            <a:ext cx="7729728" cy="718977"/>
           </a:xfrm>
         </p:spPr>
         <p:txBody>
-          <a:bodyPr/>
-          <a:lstStyle/>
-          <a:p>
-            <a:r>
-              <a:rPr lang="en-US" b="1" dirty="0" smtClean="0"/>
-              <a:t>Next </a:t>
-            </a:r>
-            <a:r>
-              <a:rPr lang="en-US" b="1" dirty="0" smtClean="0"/>
-              <a:t>Steps</a:t>
-            </a:r>
-            <a:endParaRPr lang="en-US" b="1" dirty="0"/>
+          <a:bodyPr>
+            <a:normAutofit fontScale="90000"/>
+          </a:bodyPr>
+          <a:lstStyle/>
+          <a:p>
+            <a:r>
+              <a:rPr lang="en-US" sz="3500" b="1" dirty="0" smtClean="0"/>
+              <a:t>Next Steps</a:t>
+            </a:r>
+            <a:endParaRPr lang="en-US" sz="3500" b="1" dirty="0"/>
           </a:p>
         </p:txBody>
       </p:sp>
@@ -5444,7 +4984,7 @@
         </p:nvSpPr>
         <p:spPr>
           <a:xfrm>
-            <a:off x="2231136" y="1923669"/>
+            <a:off x="2231136" y="1642712"/>
             <a:ext cx="8184452" cy="4319969"/>
           </a:xfrm>
         </p:spPr>
@@ -5470,18 +5010,7 @@
             <a:pPr lvl="1"/>
             <a:r>
               <a:rPr lang="en-US" sz="2400" dirty="0" smtClean="0"/>
-              <a:t>Position resource</a:t>
-            </a:r>
-            <a:r>
-              <a:rPr lang="en-US" sz="2400" dirty="0" smtClean="0"/>
-              <a:t>s</a:t>
-            </a:r>
-            <a:endParaRPr lang="en-US" sz="2400" dirty="0" smtClean="0"/>
-          </a:p>
-          <a:p>
-            <a:r>
-              <a:rPr lang="en-US" sz="2400" dirty="0" smtClean="0"/>
-              <a:t>Next steps include:</a:t>
+              <a:t>Position resources</a:t>
             </a:r>
           </a:p>
           <a:p>
@@ -5528,7 +5057,7 @@
 </p:sld>
 </file>
 
-<file path=ppt/slides/slide9.xml><?xml version="1.0" encoding="utf-8"?>
+<file path=ppt/slides/slide7.xml><?xml version="1.0" encoding="utf-8"?>
 <p:sld xmlns:a="http://schemas.openxmlformats.org/drawingml/2006/main" xmlns:r="http://schemas.openxmlformats.org/officeDocument/2006/relationships" xmlns:p="http://schemas.openxmlformats.org/presentationml/2006/main">
   <p:cSld>
     <p:spTree>

--- a/ppt/Consumer_Complaints.pptx
+++ b/ppt/Consumer_Complaints.pptx
@@ -4,6 +4,9 @@
   <p:sldMasterIdLst>
     <p:sldMasterId id="2147483745" r:id="rId1"/>
   </p:sldMasterIdLst>
+  <p:notesMasterIdLst>
+    <p:notesMasterId r:id="rId9"/>
+  </p:notesMasterIdLst>
   <p:sldIdLst>
     <p:sldId id="256" r:id="rId2"/>
     <p:sldId id="264" r:id="rId3"/>
@@ -118,6 +121,1142 @@
 </p:presentation>
 </file>
 
+<file path=ppt/notesMasters/notesMaster1.xml><?xml version="1.0" encoding="utf-8"?>
+<p:notesMaster xmlns:a="http://schemas.openxmlformats.org/drawingml/2006/main" xmlns:r="http://schemas.openxmlformats.org/officeDocument/2006/relationships" xmlns:p="http://schemas.openxmlformats.org/presentationml/2006/main">
+  <p:cSld>
+    <p:bg>
+      <p:bgRef idx="1001">
+        <a:schemeClr val="bg1"/>
+      </p:bgRef>
+    </p:bg>
+    <p:spTree>
+      <p:nvGrpSpPr>
+        <p:cNvPr id="1" name=""/>
+        <p:cNvGrpSpPr/>
+        <p:nvPr/>
+      </p:nvGrpSpPr>
+      <p:grpSpPr>
+        <a:xfrm>
+          <a:off x="0" y="0"/>
+          <a:ext cx="0" cy="0"/>
+          <a:chOff x="0" y="0"/>
+          <a:chExt cx="0" cy="0"/>
+        </a:xfrm>
+      </p:grpSpPr>
+      <p:sp>
+        <p:nvSpPr>
+          <p:cNvPr id="2" name="Header Placeholder 1"/>
+          <p:cNvSpPr>
+            <a:spLocks noGrp="1"/>
+          </p:cNvSpPr>
+          <p:nvPr>
+            <p:ph type="hdr" sz="quarter"/>
+          </p:nvPr>
+        </p:nvSpPr>
+        <p:spPr>
+          <a:xfrm>
+            <a:off x="0" y="0"/>
+            <a:ext cx="2971800" cy="458788"/>
+          </a:xfrm>
+          <a:prstGeom prst="rect">
+            <a:avLst/>
+          </a:prstGeom>
+        </p:spPr>
+        <p:txBody>
+          <a:bodyPr vert="horz" lIns="91440" tIns="45720" rIns="91440" bIns="45720" rtlCol="0"/>
+          <a:lstStyle>
+            <a:lvl1pPr algn="l">
+              <a:defRPr sz="1200"/>
+            </a:lvl1pPr>
+          </a:lstStyle>
+          <a:p>
+            <a:endParaRPr lang="en-US"/>
+          </a:p>
+        </p:txBody>
+      </p:sp>
+      <p:sp>
+        <p:nvSpPr>
+          <p:cNvPr id="3" name="Date Placeholder 2"/>
+          <p:cNvSpPr>
+            <a:spLocks noGrp="1"/>
+          </p:cNvSpPr>
+          <p:nvPr>
+            <p:ph type="dt" idx="1"/>
+          </p:nvPr>
+        </p:nvSpPr>
+        <p:spPr>
+          <a:xfrm>
+            <a:off x="3884613" y="0"/>
+            <a:ext cx="2971800" cy="458788"/>
+          </a:xfrm>
+          <a:prstGeom prst="rect">
+            <a:avLst/>
+          </a:prstGeom>
+        </p:spPr>
+        <p:txBody>
+          <a:bodyPr vert="horz" lIns="91440" tIns="45720" rIns="91440" bIns="45720" rtlCol="0"/>
+          <a:lstStyle>
+            <a:lvl1pPr algn="r">
+              <a:defRPr sz="1200"/>
+            </a:lvl1pPr>
+          </a:lstStyle>
+          <a:p>
+            <a:fld id="{29FEB125-1DA6-1C4B-8D75-AE5544B8A040}" type="datetimeFigureOut">
+              <a:rPr lang="en-US" smtClean="0"/>
+              <a:t>8/10/16</a:t>
+            </a:fld>
+            <a:endParaRPr lang="en-US"/>
+          </a:p>
+        </p:txBody>
+      </p:sp>
+      <p:sp>
+        <p:nvSpPr>
+          <p:cNvPr id="4" name="Slide Image Placeholder 3"/>
+          <p:cNvSpPr>
+            <a:spLocks noGrp="1" noRot="1" noChangeAspect="1"/>
+          </p:cNvSpPr>
+          <p:nvPr>
+            <p:ph type="sldImg" idx="2"/>
+          </p:nvPr>
+        </p:nvSpPr>
+        <p:spPr>
+          <a:xfrm>
+            <a:off x="685800" y="1143000"/>
+            <a:ext cx="5486400" cy="3086100"/>
+          </a:xfrm>
+          <a:prstGeom prst="rect">
+            <a:avLst/>
+          </a:prstGeom>
+          <a:noFill/>
+          <a:ln w="12700">
+            <a:solidFill>
+              <a:prstClr val="black"/>
+            </a:solidFill>
+          </a:ln>
+        </p:spPr>
+        <p:txBody>
+          <a:bodyPr vert="horz" lIns="91440" tIns="45720" rIns="91440" bIns="45720" rtlCol="0" anchor="ctr"/>
+          <a:lstStyle/>
+          <a:p>
+            <a:endParaRPr lang="en-US"/>
+          </a:p>
+        </p:txBody>
+      </p:sp>
+      <p:sp>
+        <p:nvSpPr>
+          <p:cNvPr id="5" name="Notes Placeholder 4"/>
+          <p:cNvSpPr>
+            <a:spLocks noGrp="1"/>
+          </p:cNvSpPr>
+          <p:nvPr>
+            <p:ph type="body" sz="quarter" idx="3"/>
+          </p:nvPr>
+        </p:nvSpPr>
+        <p:spPr>
+          <a:xfrm>
+            <a:off x="685800" y="4400550"/>
+            <a:ext cx="5486400" cy="3600450"/>
+          </a:xfrm>
+          <a:prstGeom prst="rect">
+            <a:avLst/>
+          </a:prstGeom>
+        </p:spPr>
+        <p:txBody>
+          <a:bodyPr vert="horz" lIns="91440" tIns="45720" rIns="91440" bIns="45720" rtlCol="0"/>
+          <a:lstStyle/>
+          <a:p>
+            <a:pPr lvl="0"/>
+            <a:r>
+              <a:rPr lang="en-US" smtClean="0"/>
+              <a:t>Click to edit Master text styles</a:t>
+            </a:r>
+          </a:p>
+          <a:p>
+            <a:pPr lvl="1"/>
+            <a:r>
+              <a:rPr lang="en-US" smtClean="0"/>
+              <a:t>Second level</a:t>
+            </a:r>
+          </a:p>
+          <a:p>
+            <a:pPr lvl="2"/>
+            <a:r>
+              <a:rPr lang="en-US" smtClean="0"/>
+              <a:t>Third level</a:t>
+            </a:r>
+          </a:p>
+          <a:p>
+            <a:pPr lvl="3"/>
+            <a:r>
+              <a:rPr lang="en-US" smtClean="0"/>
+              <a:t>Fourth level</a:t>
+            </a:r>
+          </a:p>
+          <a:p>
+            <a:pPr lvl="4"/>
+            <a:r>
+              <a:rPr lang="en-US" smtClean="0"/>
+              <a:t>Fifth level</a:t>
+            </a:r>
+            <a:endParaRPr lang="en-US"/>
+          </a:p>
+        </p:txBody>
+      </p:sp>
+      <p:sp>
+        <p:nvSpPr>
+          <p:cNvPr id="6" name="Footer Placeholder 5"/>
+          <p:cNvSpPr>
+            <a:spLocks noGrp="1"/>
+          </p:cNvSpPr>
+          <p:nvPr>
+            <p:ph type="ftr" sz="quarter" idx="4"/>
+          </p:nvPr>
+        </p:nvSpPr>
+        <p:spPr>
+          <a:xfrm>
+            <a:off x="0" y="8685213"/>
+            <a:ext cx="2971800" cy="458787"/>
+          </a:xfrm>
+          <a:prstGeom prst="rect">
+            <a:avLst/>
+          </a:prstGeom>
+        </p:spPr>
+        <p:txBody>
+          <a:bodyPr vert="horz" lIns="91440" tIns="45720" rIns="91440" bIns="45720" rtlCol="0" anchor="b"/>
+          <a:lstStyle>
+            <a:lvl1pPr algn="l">
+              <a:defRPr sz="1200"/>
+            </a:lvl1pPr>
+          </a:lstStyle>
+          <a:p>
+            <a:endParaRPr lang="en-US"/>
+          </a:p>
+        </p:txBody>
+      </p:sp>
+      <p:sp>
+        <p:nvSpPr>
+          <p:cNvPr id="7" name="Slide Number Placeholder 6"/>
+          <p:cNvSpPr>
+            <a:spLocks noGrp="1"/>
+          </p:cNvSpPr>
+          <p:nvPr>
+            <p:ph type="sldNum" sz="quarter" idx="5"/>
+          </p:nvPr>
+        </p:nvSpPr>
+        <p:spPr>
+          <a:xfrm>
+            <a:off x="3884613" y="8685213"/>
+            <a:ext cx="2971800" cy="458787"/>
+          </a:xfrm>
+          <a:prstGeom prst="rect">
+            <a:avLst/>
+          </a:prstGeom>
+        </p:spPr>
+        <p:txBody>
+          <a:bodyPr vert="horz" lIns="91440" tIns="45720" rIns="91440" bIns="45720" rtlCol="0" anchor="b"/>
+          <a:lstStyle>
+            <a:lvl1pPr algn="r">
+              <a:defRPr sz="1200"/>
+            </a:lvl1pPr>
+          </a:lstStyle>
+          <a:p>
+            <a:fld id="{BD406DBD-D597-0340-9F3C-8CB315F16538}" type="slidenum">
+              <a:rPr lang="en-US" smtClean="0"/>
+              <a:t>‹#›</a:t>
+            </a:fld>
+            <a:endParaRPr lang="en-US"/>
+          </a:p>
+        </p:txBody>
+      </p:sp>
+    </p:spTree>
+    <p:extLst>
+      <p:ext uri="{BB962C8B-B14F-4D97-AF65-F5344CB8AC3E}">
+        <p14:creationId xmlns:p14="http://schemas.microsoft.com/office/powerpoint/2010/main" val="1756179616"/>
+      </p:ext>
+    </p:extLst>
+  </p:cSld>
+  <p:clrMap bg1="lt1" tx1="dk1" bg2="lt2" tx2="dk2" accent1="accent1" accent2="accent2" accent3="accent3" accent4="accent4" accent5="accent5" accent6="accent6" hlink="hlink" folHlink="folHlink"/>
+  <p:notesStyle>
+    <a:lvl1pPr marL="0" algn="l" defTabSz="914400" rtl="0" eaLnBrk="1" latinLnBrk="0" hangingPunct="1">
+      <a:defRPr sz="1200" kern="1200">
+        <a:solidFill>
+          <a:schemeClr val="tx1"/>
+        </a:solidFill>
+        <a:latin typeface="+mn-lt"/>
+        <a:ea typeface="+mn-ea"/>
+        <a:cs typeface="+mn-cs"/>
+      </a:defRPr>
+    </a:lvl1pPr>
+    <a:lvl2pPr marL="457200" algn="l" defTabSz="914400" rtl="0" eaLnBrk="1" latinLnBrk="0" hangingPunct="1">
+      <a:defRPr sz="1200" kern="1200">
+        <a:solidFill>
+          <a:schemeClr val="tx1"/>
+        </a:solidFill>
+        <a:latin typeface="+mn-lt"/>
+        <a:ea typeface="+mn-ea"/>
+        <a:cs typeface="+mn-cs"/>
+      </a:defRPr>
+    </a:lvl2pPr>
+    <a:lvl3pPr marL="914400" algn="l" defTabSz="914400" rtl="0" eaLnBrk="1" latinLnBrk="0" hangingPunct="1">
+      <a:defRPr sz="1200" kern="1200">
+        <a:solidFill>
+          <a:schemeClr val="tx1"/>
+        </a:solidFill>
+        <a:latin typeface="+mn-lt"/>
+        <a:ea typeface="+mn-ea"/>
+        <a:cs typeface="+mn-cs"/>
+      </a:defRPr>
+    </a:lvl3pPr>
+    <a:lvl4pPr marL="1371600" algn="l" defTabSz="914400" rtl="0" eaLnBrk="1" latinLnBrk="0" hangingPunct="1">
+      <a:defRPr sz="1200" kern="1200">
+        <a:solidFill>
+          <a:schemeClr val="tx1"/>
+        </a:solidFill>
+        <a:latin typeface="+mn-lt"/>
+        <a:ea typeface="+mn-ea"/>
+        <a:cs typeface="+mn-cs"/>
+      </a:defRPr>
+    </a:lvl4pPr>
+    <a:lvl5pPr marL="1828800" algn="l" defTabSz="914400" rtl="0" eaLnBrk="1" latinLnBrk="0" hangingPunct="1">
+      <a:defRPr sz="1200" kern="1200">
+        <a:solidFill>
+          <a:schemeClr val="tx1"/>
+        </a:solidFill>
+        <a:latin typeface="+mn-lt"/>
+        <a:ea typeface="+mn-ea"/>
+        <a:cs typeface="+mn-cs"/>
+      </a:defRPr>
+    </a:lvl5pPr>
+    <a:lvl6pPr marL="2286000" algn="l" defTabSz="914400" rtl="0" eaLnBrk="1" latinLnBrk="0" hangingPunct="1">
+      <a:defRPr sz="1200" kern="1200">
+        <a:solidFill>
+          <a:schemeClr val="tx1"/>
+        </a:solidFill>
+        <a:latin typeface="+mn-lt"/>
+        <a:ea typeface="+mn-ea"/>
+        <a:cs typeface="+mn-cs"/>
+      </a:defRPr>
+    </a:lvl6pPr>
+    <a:lvl7pPr marL="2743200" algn="l" defTabSz="914400" rtl="0" eaLnBrk="1" latinLnBrk="0" hangingPunct="1">
+      <a:defRPr sz="1200" kern="1200">
+        <a:solidFill>
+          <a:schemeClr val="tx1"/>
+        </a:solidFill>
+        <a:latin typeface="+mn-lt"/>
+        <a:ea typeface="+mn-ea"/>
+        <a:cs typeface="+mn-cs"/>
+      </a:defRPr>
+    </a:lvl7pPr>
+    <a:lvl8pPr marL="3200400" algn="l" defTabSz="914400" rtl="0" eaLnBrk="1" latinLnBrk="0" hangingPunct="1">
+      <a:defRPr sz="1200" kern="1200">
+        <a:solidFill>
+          <a:schemeClr val="tx1"/>
+        </a:solidFill>
+        <a:latin typeface="+mn-lt"/>
+        <a:ea typeface="+mn-ea"/>
+        <a:cs typeface="+mn-cs"/>
+      </a:defRPr>
+    </a:lvl8pPr>
+    <a:lvl9pPr marL="3657600" algn="l" defTabSz="914400" rtl="0" eaLnBrk="1" latinLnBrk="0" hangingPunct="1">
+      <a:defRPr sz="1200" kern="1200">
+        <a:solidFill>
+          <a:schemeClr val="tx1"/>
+        </a:solidFill>
+        <a:latin typeface="+mn-lt"/>
+        <a:ea typeface="+mn-ea"/>
+        <a:cs typeface="+mn-cs"/>
+      </a:defRPr>
+    </a:lvl9pPr>
+  </p:notesStyle>
+</p:notesMaster>
+</file>
+
+<file path=ppt/notesSlides/notesSlide1.xml><?xml version="1.0" encoding="utf-8"?>
+<p:notes xmlns:a="http://schemas.openxmlformats.org/drawingml/2006/main" xmlns:r="http://schemas.openxmlformats.org/officeDocument/2006/relationships" xmlns:p="http://schemas.openxmlformats.org/presentationml/2006/main">
+  <p:cSld>
+    <p:spTree>
+      <p:nvGrpSpPr>
+        <p:cNvPr id="1" name=""/>
+        <p:cNvGrpSpPr/>
+        <p:nvPr/>
+      </p:nvGrpSpPr>
+      <p:grpSpPr>
+        <a:xfrm>
+          <a:off x="0" y="0"/>
+          <a:ext cx="0" cy="0"/>
+          <a:chOff x="0" y="0"/>
+          <a:chExt cx="0" cy="0"/>
+        </a:xfrm>
+      </p:grpSpPr>
+      <p:sp>
+        <p:nvSpPr>
+          <p:cNvPr id="2" name="Slide Image Placeholder 1"/>
+          <p:cNvSpPr>
+            <a:spLocks noGrp="1" noRot="1" noChangeAspect="1"/>
+          </p:cNvSpPr>
+          <p:nvPr>
+            <p:ph type="sldImg"/>
+          </p:nvPr>
+        </p:nvSpPr>
+        <p:spPr/>
+      </p:sp>
+      <p:sp>
+        <p:nvSpPr>
+          <p:cNvPr id="3" name="Notes Placeholder 2"/>
+          <p:cNvSpPr>
+            <a:spLocks noGrp="1"/>
+          </p:cNvSpPr>
+          <p:nvPr>
+            <p:ph type="body" idx="1"/>
+          </p:nvPr>
+        </p:nvSpPr>
+        <p:spPr/>
+        <p:txBody>
+          <a:bodyPr/>
+          <a:lstStyle/>
+          <a:p>
+            <a:r>
+              <a:rPr lang="en-US" dirty="0" smtClean="0"/>
+              <a:t>Hi I’m Chris Michael, and this is my capstone project:  Consumer</a:t>
+            </a:r>
+            <a:r>
+              <a:rPr lang="en-US" baseline="0" dirty="0" smtClean="0"/>
+              <a:t> Complaint Analysis</a:t>
+            </a:r>
+            <a:endParaRPr lang="en-US" dirty="0"/>
+          </a:p>
+        </p:txBody>
+      </p:sp>
+      <p:sp>
+        <p:nvSpPr>
+          <p:cNvPr id="4" name="Slide Number Placeholder 3"/>
+          <p:cNvSpPr>
+            <a:spLocks noGrp="1"/>
+          </p:cNvSpPr>
+          <p:nvPr>
+            <p:ph type="sldNum" sz="quarter" idx="10"/>
+          </p:nvPr>
+        </p:nvSpPr>
+        <p:spPr/>
+        <p:txBody>
+          <a:bodyPr/>
+          <a:lstStyle/>
+          <a:p>
+            <a:fld id="{BD406DBD-D597-0340-9F3C-8CB315F16538}" type="slidenum">
+              <a:rPr lang="en-US" smtClean="0"/>
+              <a:t>1</a:t>
+            </a:fld>
+            <a:endParaRPr lang="en-US"/>
+          </a:p>
+        </p:txBody>
+      </p:sp>
+    </p:spTree>
+    <p:extLst>
+      <p:ext uri="{BB962C8B-B14F-4D97-AF65-F5344CB8AC3E}">
+        <p14:creationId xmlns:p14="http://schemas.microsoft.com/office/powerpoint/2010/main" val="1095561744"/>
+      </p:ext>
+    </p:extLst>
+  </p:cSld>
+  <p:clrMapOvr>
+    <a:masterClrMapping/>
+  </p:clrMapOvr>
+</p:notes>
+</file>
+
+<file path=ppt/notesSlides/notesSlide2.xml><?xml version="1.0" encoding="utf-8"?>
+<p:notes xmlns:a="http://schemas.openxmlformats.org/drawingml/2006/main" xmlns:r="http://schemas.openxmlformats.org/officeDocument/2006/relationships" xmlns:p="http://schemas.openxmlformats.org/presentationml/2006/main">
+  <p:cSld>
+    <p:spTree>
+      <p:nvGrpSpPr>
+        <p:cNvPr id="1" name=""/>
+        <p:cNvGrpSpPr/>
+        <p:nvPr/>
+      </p:nvGrpSpPr>
+      <p:grpSpPr>
+        <a:xfrm>
+          <a:off x="0" y="0"/>
+          <a:ext cx="0" cy="0"/>
+          <a:chOff x="0" y="0"/>
+          <a:chExt cx="0" cy="0"/>
+        </a:xfrm>
+      </p:grpSpPr>
+      <p:sp>
+        <p:nvSpPr>
+          <p:cNvPr id="2" name="Slide Image Placeholder 1"/>
+          <p:cNvSpPr>
+            <a:spLocks noGrp="1" noRot="1" noChangeAspect="1"/>
+          </p:cNvSpPr>
+          <p:nvPr>
+            <p:ph type="sldImg"/>
+          </p:nvPr>
+        </p:nvSpPr>
+        <p:spPr/>
+      </p:sp>
+      <p:sp>
+        <p:nvSpPr>
+          <p:cNvPr id="3" name="Notes Placeholder 2"/>
+          <p:cNvSpPr>
+            <a:spLocks noGrp="1"/>
+          </p:cNvSpPr>
+          <p:nvPr>
+            <p:ph type="body" idx="1"/>
+          </p:nvPr>
+        </p:nvSpPr>
+        <p:spPr/>
+        <p:txBody>
+          <a:bodyPr/>
+          <a:lstStyle/>
+          <a:p>
+            <a:r>
+              <a:rPr lang="en-US" dirty="0" smtClean="0"/>
+              <a:t>Before</a:t>
+            </a:r>
+            <a:r>
+              <a:rPr lang="en-US" baseline="0" dirty="0" smtClean="0"/>
+              <a:t> we get into the project, a little about my background:</a:t>
+            </a:r>
+          </a:p>
+          <a:p>
+            <a:endParaRPr lang="en-US" baseline="0" dirty="0" smtClean="0"/>
+          </a:p>
+          <a:p>
+            <a:r>
+              <a:rPr lang="en-US" baseline="0" dirty="0" smtClean="0"/>
+              <a:t>I’ve spent 11 years as a mechanical and electrical engineer at Boeing.  During that time I designed landing gear actuation systems, worked on phased array antennas, and built hydraulic and kinematic models of landing gear systems.</a:t>
+            </a:r>
+          </a:p>
+          <a:p>
+            <a:endParaRPr lang="en-US" baseline="0" dirty="0" smtClean="0"/>
+          </a:p>
+          <a:p>
+            <a:r>
+              <a:rPr lang="en-US" baseline="0" dirty="0" smtClean="0"/>
+              <a:t>My favorite part of my job was always taking a huge mess of data from some problem that we couldn’t answer and being able to put together a story that explain what happened using data.  Since I only really had access to Excel at work I started looking for ways to use better tools with more power and ended up here at Galvanize.</a:t>
+            </a:r>
+            <a:endParaRPr lang="en-US" dirty="0"/>
+          </a:p>
+        </p:txBody>
+      </p:sp>
+      <p:sp>
+        <p:nvSpPr>
+          <p:cNvPr id="4" name="Slide Number Placeholder 3"/>
+          <p:cNvSpPr>
+            <a:spLocks noGrp="1"/>
+          </p:cNvSpPr>
+          <p:nvPr>
+            <p:ph type="sldNum" sz="quarter" idx="10"/>
+          </p:nvPr>
+        </p:nvSpPr>
+        <p:spPr/>
+        <p:txBody>
+          <a:bodyPr/>
+          <a:lstStyle/>
+          <a:p>
+            <a:fld id="{BD406DBD-D597-0340-9F3C-8CB315F16538}" type="slidenum">
+              <a:rPr lang="en-US" smtClean="0"/>
+              <a:t>2</a:t>
+            </a:fld>
+            <a:endParaRPr lang="en-US"/>
+          </a:p>
+        </p:txBody>
+      </p:sp>
+    </p:spTree>
+    <p:extLst>
+      <p:ext uri="{BB962C8B-B14F-4D97-AF65-F5344CB8AC3E}">
+        <p14:creationId xmlns:p14="http://schemas.microsoft.com/office/powerpoint/2010/main" val="327108421"/>
+      </p:ext>
+    </p:extLst>
+  </p:cSld>
+  <p:clrMapOvr>
+    <a:masterClrMapping/>
+  </p:clrMapOvr>
+</p:notes>
+</file>
+
+<file path=ppt/notesSlides/notesSlide3.xml><?xml version="1.0" encoding="utf-8"?>
+<p:notes xmlns:a="http://schemas.openxmlformats.org/drawingml/2006/main" xmlns:r="http://schemas.openxmlformats.org/officeDocument/2006/relationships" xmlns:p="http://schemas.openxmlformats.org/presentationml/2006/main">
+  <p:cSld>
+    <p:spTree>
+      <p:nvGrpSpPr>
+        <p:cNvPr id="1" name=""/>
+        <p:cNvGrpSpPr/>
+        <p:nvPr/>
+      </p:nvGrpSpPr>
+      <p:grpSpPr>
+        <a:xfrm>
+          <a:off x="0" y="0"/>
+          <a:ext cx="0" cy="0"/>
+          <a:chOff x="0" y="0"/>
+          <a:chExt cx="0" cy="0"/>
+        </a:xfrm>
+      </p:grpSpPr>
+      <p:sp>
+        <p:nvSpPr>
+          <p:cNvPr id="2" name="Slide Image Placeholder 1"/>
+          <p:cNvSpPr>
+            <a:spLocks noGrp="1" noRot="1" noChangeAspect="1"/>
+          </p:cNvSpPr>
+          <p:nvPr>
+            <p:ph type="sldImg"/>
+          </p:nvPr>
+        </p:nvSpPr>
+        <p:spPr/>
+      </p:sp>
+      <p:sp>
+        <p:nvSpPr>
+          <p:cNvPr id="3" name="Notes Placeholder 2"/>
+          <p:cNvSpPr>
+            <a:spLocks noGrp="1"/>
+          </p:cNvSpPr>
+          <p:nvPr>
+            <p:ph type="body" idx="1"/>
+          </p:nvPr>
+        </p:nvSpPr>
+        <p:spPr/>
+        <p:txBody>
+          <a:bodyPr/>
+          <a:lstStyle/>
+          <a:p>
+            <a:r>
+              <a:rPr lang="en-US" baseline="0" dirty="0" smtClean="0"/>
+              <a:t>The objective of this project is predict the result of a complaint submitted to the Consumer Financial Protection Bureau.  </a:t>
+            </a:r>
+          </a:p>
+          <a:p>
+            <a:endParaRPr lang="en-US" baseline="0" dirty="0" smtClean="0"/>
+          </a:p>
+          <a:p>
+            <a:r>
+              <a:rPr lang="en-US" baseline="0" dirty="0" smtClean="0"/>
+              <a:t>This type of information can be very important to a business.  It  can provide them with:</a:t>
+            </a:r>
+          </a:p>
+          <a:p>
+            <a:pPr marL="171450" indent="-171450">
+              <a:buFontTx/>
+              <a:buChar char="-"/>
+            </a:pPr>
+            <a:r>
+              <a:rPr lang="en-US" baseline="0" dirty="0" smtClean="0"/>
+              <a:t>Positioning resources to provide the best customer service</a:t>
+            </a:r>
+          </a:p>
+          <a:p>
+            <a:pPr marL="171450" indent="-171450">
+              <a:buFontTx/>
+              <a:buChar char="-"/>
+            </a:pPr>
+            <a:r>
+              <a:rPr lang="en-US" baseline="0" dirty="0" smtClean="0"/>
+              <a:t>Manage costs</a:t>
+            </a:r>
+          </a:p>
+          <a:p>
+            <a:pPr marL="171450" indent="-171450">
+              <a:buFontTx/>
+              <a:buChar char="-"/>
+            </a:pPr>
+            <a:r>
+              <a:rPr lang="en-US" baseline="0" dirty="0" smtClean="0"/>
+              <a:t>Exploit opportunities to save/make money </a:t>
+            </a:r>
+          </a:p>
+          <a:p>
+            <a:r>
+              <a:rPr lang="en-US" baseline="0" dirty="0" smtClean="0"/>
+              <a:t>  </a:t>
+            </a:r>
+            <a:endParaRPr lang="en-US" dirty="0"/>
+          </a:p>
+        </p:txBody>
+      </p:sp>
+      <p:sp>
+        <p:nvSpPr>
+          <p:cNvPr id="4" name="Slide Number Placeholder 3"/>
+          <p:cNvSpPr>
+            <a:spLocks noGrp="1"/>
+          </p:cNvSpPr>
+          <p:nvPr>
+            <p:ph type="sldNum" sz="quarter" idx="10"/>
+          </p:nvPr>
+        </p:nvSpPr>
+        <p:spPr/>
+        <p:txBody>
+          <a:bodyPr/>
+          <a:lstStyle/>
+          <a:p>
+            <a:fld id="{BD406DBD-D597-0340-9F3C-8CB315F16538}" type="slidenum">
+              <a:rPr lang="en-US" smtClean="0"/>
+              <a:t>3</a:t>
+            </a:fld>
+            <a:endParaRPr lang="en-US"/>
+          </a:p>
+        </p:txBody>
+      </p:sp>
+    </p:spTree>
+    <p:extLst>
+      <p:ext uri="{BB962C8B-B14F-4D97-AF65-F5344CB8AC3E}">
+        <p14:creationId xmlns:p14="http://schemas.microsoft.com/office/powerpoint/2010/main" val="1041851182"/>
+      </p:ext>
+    </p:extLst>
+  </p:cSld>
+  <p:clrMapOvr>
+    <a:masterClrMapping/>
+  </p:clrMapOvr>
+</p:notes>
+</file>
+
+<file path=ppt/notesSlides/notesSlide4.xml><?xml version="1.0" encoding="utf-8"?>
+<p:notes xmlns:a="http://schemas.openxmlformats.org/drawingml/2006/main" xmlns:r="http://schemas.openxmlformats.org/officeDocument/2006/relationships" xmlns:p="http://schemas.openxmlformats.org/presentationml/2006/main">
+  <p:cSld>
+    <p:spTree>
+      <p:nvGrpSpPr>
+        <p:cNvPr id="1" name=""/>
+        <p:cNvGrpSpPr/>
+        <p:nvPr/>
+      </p:nvGrpSpPr>
+      <p:grpSpPr>
+        <a:xfrm>
+          <a:off x="0" y="0"/>
+          <a:ext cx="0" cy="0"/>
+          <a:chOff x="0" y="0"/>
+          <a:chExt cx="0" cy="0"/>
+        </a:xfrm>
+      </p:grpSpPr>
+      <p:sp>
+        <p:nvSpPr>
+          <p:cNvPr id="2" name="Slide Image Placeholder 1"/>
+          <p:cNvSpPr>
+            <a:spLocks noGrp="1" noRot="1" noChangeAspect="1"/>
+          </p:cNvSpPr>
+          <p:nvPr>
+            <p:ph type="sldImg"/>
+          </p:nvPr>
+        </p:nvSpPr>
+        <p:spPr/>
+      </p:sp>
+      <p:sp>
+        <p:nvSpPr>
+          <p:cNvPr id="3" name="Notes Placeholder 2"/>
+          <p:cNvSpPr>
+            <a:spLocks noGrp="1"/>
+          </p:cNvSpPr>
+          <p:nvPr>
+            <p:ph type="body" idx="1"/>
+          </p:nvPr>
+        </p:nvSpPr>
+        <p:spPr/>
+        <p:txBody>
+          <a:bodyPr/>
+          <a:lstStyle/>
+          <a:p>
+            <a:r>
+              <a:rPr lang="en-US" dirty="0" smtClean="0"/>
+              <a:t>The data </a:t>
+            </a:r>
+            <a:r>
+              <a:rPr lang="en-US" baseline="0" dirty="0" smtClean="0"/>
+              <a:t>set I used came from the Consumer Financial Protection Bureau, which was created in 2008 to provide consumers an additional outlet to document complaints that were not being addressed by a company.  </a:t>
+            </a:r>
+          </a:p>
+          <a:p>
+            <a:endParaRPr lang="en-US" baseline="0" dirty="0" smtClean="0"/>
+          </a:p>
+          <a:p>
+            <a:r>
+              <a:rPr lang="en-US" baseline="0" dirty="0" smtClean="0"/>
+              <a:t>The data set contains ~590K entries, but only 84K have text responses from the consumer.  I focused on the text data for this analysis to see if NLP can be used to extract more information from the data.</a:t>
+            </a:r>
+          </a:p>
+          <a:p>
+            <a:endParaRPr lang="en-US" baseline="0" dirty="0" smtClean="0"/>
+          </a:p>
+          <a:p>
+            <a:r>
+              <a:rPr lang="en-US" baseline="0" dirty="0" smtClean="0"/>
+              <a:t>The data comes from the CPFB API in a pretty clean format.  To prepare the data for modeling, I just need to clean up some missing values, create dummy variables for some categorical variables and create my labels.</a:t>
+            </a:r>
+          </a:p>
+          <a:p>
+            <a:endParaRPr lang="en-US" baseline="0" dirty="0" smtClean="0"/>
+          </a:p>
+          <a:p>
+            <a:r>
+              <a:rPr lang="en-US" baseline="0" dirty="0" smtClean="0"/>
+              <a:t>To create the labels, there were 5 “closure cases” to deal with.  I chose to combine these 5 cases in to a 1 or 0 classification (1 = relief provided, 0 = no relief or closed).  The data is imbalanced with ~80% of the labels being “0” and 20% being “1”.</a:t>
+            </a:r>
+          </a:p>
+          <a:p>
+            <a:endParaRPr lang="en-US" baseline="0" dirty="0" smtClean="0"/>
+          </a:p>
+          <a:p>
+            <a:r>
+              <a:rPr lang="en-US" baseline="0" dirty="0" smtClean="0"/>
+              <a:t>I </a:t>
+            </a:r>
+            <a:r>
+              <a:rPr lang="en-US" baseline="0" dirty="0" err="1" smtClean="0"/>
+              <a:t>vectorized</a:t>
+            </a:r>
+            <a:r>
+              <a:rPr lang="en-US" baseline="0" dirty="0" smtClean="0"/>
+              <a:t> each consumer complaint and tried different forms of stemming, but did not see an increase in model performance with stemming.  I tried multiple numbers of features during the vectorization process and settled on 5000 features.  </a:t>
+            </a:r>
+            <a:endParaRPr lang="en-US" dirty="0"/>
+          </a:p>
+        </p:txBody>
+      </p:sp>
+      <p:sp>
+        <p:nvSpPr>
+          <p:cNvPr id="4" name="Slide Number Placeholder 3"/>
+          <p:cNvSpPr>
+            <a:spLocks noGrp="1"/>
+          </p:cNvSpPr>
+          <p:nvPr>
+            <p:ph type="sldNum" sz="quarter" idx="10"/>
+          </p:nvPr>
+        </p:nvSpPr>
+        <p:spPr/>
+        <p:txBody>
+          <a:bodyPr/>
+          <a:lstStyle/>
+          <a:p>
+            <a:fld id="{BD406DBD-D597-0340-9F3C-8CB315F16538}" type="slidenum">
+              <a:rPr lang="en-US" smtClean="0"/>
+              <a:t>4</a:t>
+            </a:fld>
+            <a:endParaRPr lang="en-US"/>
+          </a:p>
+        </p:txBody>
+      </p:sp>
+    </p:spTree>
+    <p:extLst>
+      <p:ext uri="{BB962C8B-B14F-4D97-AF65-F5344CB8AC3E}">
+        <p14:creationId xmlns:p14="http://schemas.microsoft.com/office/powerpoint/2010/main" val="1884063773"/>
+      </p:ext>
+    </p:extLst>
+  </p:cSld>
+  <p:clrMapOvr>
+    <a:masterClrMapping/>
+  </p:clrMapOvr>
+</p:notes>
+</file>
+
+<file path=ppt/notesSlides/notesSlide5.xml><?xml version="1.0" encoding="utf-8"?>
+<p:notes xmlns:a="http://schemas.openxmlformats.org/drawingml/2006/main" xmlns:r="http://schemas.openxmlformats.org/officeDocument/2006/relationships" xmlns:p="http://schemas.openxmlformats.org/presentationml/2006/main">
+  <p:cSld>
+    <p:spTree>
+      <p:nvGrpSpPr>
+        <p:cNvPr id="1" name=""/>
+        <p:cNvGrpSpPr/>
+        <p:nvPr/>
+      </p:nvGrpSpPr>
+      <p:grpSpPr>
+        <a:xfrm>
+          <a:off x="0" y="0"/>
+          <a:ext cx="0" cy="0"/>
+          <a:chOff x="0" y="0"/>
+          <a:chExt cx="0" cy="0"/>
+        </a:xfrm>
+      </p:grpSpPr>
+      <p:sp>
+        <p:nvSpPr>
+          <p:cNvPr id="2" name="Slide Image Placeholder 1"/>
+          <p:cNvSpPr>
+            <a:spLocks noGrp="1" noRot="1" noChangeAspect="1"/>
+          </p:cNvSpPr>
+          <p:nvPr>
+            <p:ph type="sldImg"/>
+          </p:nvPr>
+        </p:nvSpPr>
+        <p:spPr/>
+      </p:sp>
+      <p:sp>
+        <p:nvSpPr>
+          <p:cNvPr id="3" name="Notes Placeholder 2"/>
+          <p:cNvSpPr>
+            <a:spLocks noGrp="1"/>
+          </p:cNvSpPr>
+          <p:nvPr>
+            <p:ph type="body" idx="1"/>
+          </p:nvPr>
+        </p:nvSpPr>
+        <p:spPr/>
+        <p:txBody>
+          <a:bodyPr/>
+          <a:lstStyle/>
+          <a:p>
+            <a:r>
+              <a:rPr lang="en-US" dirty="0" smtClean="0"/>
+              <a:t>Before</a:t>
+            </a:r>
+            <a:r>
+              <a:rPr lang="en-US" baseline="0" dirty="0" smtClean="0"/>
+              <a:t> running any NLP on the data, I ran a logistic regression on the 84000 entries using the “non-text features”, i.e. anything but the text.  This gave me an accuracy of ~53%.  I also performed this test over the full data set and obtained the same result.  </a:t>
+            </a:r>
+          </a:p>
+          <a:p>
+            <a:endParaRPr lang="en-US" baseline="0" dirty="0" smtClean="0"/>
+          </a:p>
+          <a:p>
+            <a:r>
+              <a:rPr lang="en-US" baseline="0" dirty="0" smtClean="0"/>
+              <a:t>After running 6 different models on my </a:t>
+            </a:r>
+            <a:r>
+              <a:rPr lang="en-US" baseline="0" dirty="0" err="1" smtClean="0"/>
+              <a:t>vectorized</a:t>
+            </a:r>
+            <a:r>
+              <a:rPr lang="en-US" baseline="0" dirty="0" smtClean="0"/>
+              <a:t> text data, Logistic Regression produced the best results, with the highest accuracy and largest AUC.  This is expected as Logistic Regression is a great for binary classification.  Logistic Regression has a higher recall rate than Gradient Boosting and a higher F1 score, which is </a:t>
+            </a:r>
+            <a:r>
+              <a:rPr lang="en-US" baseline="0" smtClean="0"/>
+              <a:t>why it was chosen over </a:t>
+            </a:r>
+            <a:r>
+              <a:rPr lang="en-US" baseline="0" dirty="0" smtClean="0"/>
+              <a:t>Gradient Boosting.  </a:t>
+            </a:r>
+          </a:p>
+          <a:p>
+            <a:endParaRPr lang="en-US" baseline="0" dirty="0" smtClean="0"/>
+          </a:p>
+          <a:p>
+            <a:endParaRPr lang="en-US" dirty="0"/>
+          </a:p>
+        </p:txBody>
+      </p:sp>
+      <p:sp>
+        <p:nvSpPr>
+          <p:cNvPr id="4" name="Slide Number Placeholder 3"/>
+          <p:cNvSpPr>
+            <a:spLocks noGrp="1"/>
+          </p:cNvSpPr>
+          <p:nvPr>
+            <p:ph type="sldNum" sz="quarter" idx="10"/>
+          </p:nvPr>
+        </p:nvSpPr>
+        <p:spPr/>
+        <p:txBody>
+          <a:bodyPr/>
+          <a:lstStyle/>
+          <a:p>
+            <a:fld id="{BD406DBD-D597-0340-9F3C-8CB315F16538}" type="slidenum">
+              <a:rPr lang="en-US" smtClean="0"/>
+              <a:t>5</a:t>
+            </a:fld>
+            <a:endParaRPr lang="en-US"/>
+          </a:p>
+        </p:txBody>
+      </p:sp>
+    </p:spTree>
+    <p:extLst>
+      <p:ext uri="{BB962C8B-B14F-4D97-AF65-F5344CB8AC3E}">
+        <p14:creationId xmlns:p14="http://schemas.microsoft.com/office/powerpoint/2010/main" val="1230298176"/>
+      </p:ext>
+    </p:extLst>
+  </p:cSld>
+  <p:clrMapOvr>
+    <a:masterClrMapping/>
+  </p:clrMapOvr>
+</p:notes>
+</file>
+
+<file path=ppt/notesSlides/notesSlide6.xml><?xml version="1.0" encoding="utf-8"?>
+<p:notes xmlns:a="http://schemas.openxmlformats.org/drawingml/2006/main" xmlns:r="http://schemas.openxmlformats.org/officeDocument/2006/relationships" xmlns:p="http://schemas.openxmlformats.org/presentationml/2006/main">
+  <p:cSld>
+    <p:spTree>
+      <p:nvGrpSpPr>
+        <p:cNvPr id="1" name=""/>
+        <p:cNvGrpSpPr/>
+        <p:nvPr/>
+      </p:nvGrpSpPr>
+      <p:grpSpPr>
+        <a:xfrm>
+          <a:off x="0" y="0"/>
+          <a:ext cx="0" cy="0"/>
+          <a:chOff x="0" y="0"/>
+          <a:chExt cx="0" cy="0"/>
+        </a:xfrm>
+      </p:grpSpPr>
+      <p:sp>
+        <p:nvSpPr>
+          <p:cNvPr id="2" name="Slide Image Placeholder 1"/>
+          <p:cNvSpPr>
+            <a:spLocks noGrp="1" noRot="1" noChangeAspect="1"/>
+          </p:cNvSpPr>
+          <p:nvPr>
+            <p:ph type="sldImg"/>
+          </p:nvPr>
+        </p:nvSpPr>
+        <p:spPr/>
+      </p:sp>
+      <p:sp>
+        <p:nvSpPr>
+          <p:cNvPr id="3" name="Notes Placeholder 2"/>
+          <p:cNvSpPr>
+            <a:spLocks noGrp="1"/>
+          </p:cNvSpPr>
+          <p:nvPr>
+            <p:ph type="body" idx="1"/>
+          </p:nvPr>
+        </p:nvSpPr>
+        <p:spPr/>
+        <p:txBody>
+          <a:bodyPr/>
+          <a:lstStyle/>
+          <a:p>
+            <a:r>
+              <a:rPr lang="en-US" dirty="0" smtClean="0"/>
+              <a:t>Next steps</a:t>
+            </a:r>
+            <a:r>
+              <a:rPr lang="en-US" baseline="0" dirty="0" smtClean="0"/>
+              <a:t> - knowing the outcome of a complaint can help a business manage costs and position resources to provide a better customer </a:t>
+            </a:r>
+            <a:r>
+              <a:rPr lang="en-US" baseline="0" dirty="0" err="1" smtClean="0"/>
+              <a:t>expereince</a:t>
+            </a:r>
+            <a:r>
+              <a:rPr lang="en-US" baseline="0" dirty="0" smtClean="0"/>
+              <a:t>.  Knowing what specific areas of the business are costing money/time, a business could also optimize or exploit those areas their benefit.  </a:t>
+            </a:r>
+          </a:p>
+          <a:p>
+            <a:endParaRPr lang="en-US" baseline="0" dirty="0" smtClean="0"/>
+          </a:p>
+          <a:p>
+            <a:r>
+              <a:rPr lang="en-US" baseline="0" dirty="0" smtClean="0"/>
+              <a:t>Additionally, I would like to to perform language processing with Word2Vec.  Word2Vec is a 2 layer neural network that has been shown to work very well at pulling context from text, and would hopefully pull more insight from the text.  </a:t>
+            </a:r>
+            <a:endParaRPr lang="en-US" dirty="0"/>
+          </a:p>
+        </p:txBody>
+      </p:sp>
+      <p:sp>
+        <p:nvSpPr>
+          <p:cNvPr id="4" name="Slide Number Placeholder 3"/>
+          <p:cNvSpPr>
+            <a:spLocks noGrp="1"/>
+          </p:cNvSpPr>
+          <p:nvPr>
+            <p:ph type="sldNum" sz="quarter" idx="10"/>
+          </p:nvPr>
+        </p:nvSpPr>
+        <p:spPr/>
+        <p:txBody>
+          <a:bodyPr/>
+          <a:lstStyle/>
+          <a:p>
+            <a:fld id="{BD406DBD-D597-0340-9F3C-8CB315F16538}" type="slidenum">
+              <a:rPr lang="en-US" smtClean="0"/>
+              <a:t>6</a:t>
+            </a:fld>
+            <a:endParaRPr lang="en-US"/>
+          </a:p>
+        </p:txBody>
+      </p:sp>
+    </p:spTree>
+    <p:extLst>
+      <p:ext uri="{BB962C8B-B14F-4D97-AF65-F5344CB8AC3E}">
+        <p14:creationId xmlns:p14="http://schemas.microsoft.com/office/powerpoint/2010/main" val="158099471"/>
+      </p:ext>
+    </p:extLst>
+  </p:cSld>
+  <p:clrMapOvr>
+    <a:masterClrMapping/>
+  </p:clrMapOvr>
+</p:notes>
+</file>
+
+<file path=ppt/notesSlides/notesSlide7.xml><?xml version="1.0" encoding="utf-8"?>
+<p:notes xmlns:a="http://schemas.openxmlformats.org/drawingml/2006/main" xmlns:r="http://schemas.openxmlformats.org/officeDocument/2006/relationships" xmlns:p="http://schemas.openxmlformats.org/presentationml/2006/main">
+  <p:cSld>
+    <p:spTree>
+      <p:nvGrpSpPr>
+        <p:cNvPr id="1" name=""/>
+        <p:cNvGrpSpPr/>
+        <p:nvPr/>
+      </p:nvGrpSpPr>
+      <p:grpSpPr>
+        <a:xfrm>
+          <a:off x="0" y="0"/>
+          <a:ext cx="0" cy="0"/>
+          <a:chOff x="0" y="0"/>
+          <a:chExt cx="0" cy="0"/>
+        </a:xfrm>
+      </p:grpSpPr>
+      <p:sp>
+        <p:nvSpPr>
+          <p:cNvPr id="2" name="Slide Image Placeholder 1"/>
+          <p:cNvSpPr>
+            <a:spLocks noGrp="1" noRot="1" noChangeAspect="1"/>
+          </p:cNvSpPr>
+          <p:nvPr>
+            <p:ph type="sldImg"/>
+          </p:nvPr>
+        </p:nvSpPr>
+        <p:spPr/>
+      </p:sp>
+      <p:sp>
+        <p:nvSpPr>
+          <p:cNvPr id="3" name="Notes Placeholder 2"/>
+          <p:cNvSpPr>
+            <a:spLocks noGrp="1"/>
+          </p:cNvSpPr>
+          <p:nvPr>
+            <p:ph type="body" idx="1"/>
+          </p:nvPr>
+        </p:nvSpPr>
+        <p:spPr/>
+        <p:txBody>
+          <a:bodyPr/>
+          <a:lstStyle/>
+          <a:p>
+            <a:endParaRPr lang="en-US" dirty="0"/>
+          </a:p>
+        </p:txBody>
+      </p:sp>
+      <p:sp>
+        <p:nvSpPr>
+          <p:cNvPr id="4" name="Slide Number Placeholder 3"/>
+          <p:cNvSpPr>
+            <a:spLocks noGrp="1"/>
+          </p:cNvSpPr>
+          <p:nvPr>
+            <p:ph type="sldNum" sz="quarter" idx="10"/>
+          </p:nvPr>
+        </p:nvSpPr>
+        <p:spPr/>
+        <p:txBody>
+          <a:bodyPr/>
+          <a:lstStyle/>
+          <a:p>
+            <a:fld id="{BD406DBD-D597-0340-9F3C-8CB315F16538}" type="slidenum">
+              <a:rPr lang="en-US" smtClean="0"/>
+              <a:t>7</a:t>
+            </a:fld>
+            <a:endParaRPr lang="en-US"/>
+          </a:p>
+        </p:txBody>
+      </p:sp>
+    </p:spTree>
+    <p:extLst>
+      <p:ext uri="{BB962C8B-B14F-4D97-AF65-F5344CB8AC3E}">
+        <p14:creationId xmlns:p14="http://schemas.microsoft.com/office/powerpoint/2010/main" val="2042557982"/>
+      </p:ext>
+    </p:extLst>
+  </p:cSld>
+  <p:clrMapOvr>
+    <a:masterClrMapping/>
+  </p:clrMapOvr>
+</p:notes>
+</file>
+
 <file path=ppt/slideLayouts/slideLayout1.xml><?xml version="1.0" encoding="utf-8"?>
 <p:sldLayout xmlns:a="http://schemas.openxmlformats.org/drawingml/2006/main" xmlns:r="http://schemas.openxmlformats.org/officeDocument/2006/relationships" xmlns:p="http://schemas.openxmlformats.org/presentationml/2006/main" type="title" preserve="1">
   <p:cSld name="Title Slide">
@@ -282,7 +1421,7 @@
             <a:fld id="{08B9EBBA-996F-894A-B54A-D6246ED52CEA}" type="datetimeFigureOut">
               <a:rPr lang="en-US" smtClean="0"/>
               <a:pPr/>
-              <a:t>8/9/16</a:t>
+              <a:t>8/10/16</a:t>
             </a:fld>
             <a:endParaRPr lang="en-US" dirty="0"/>
           </a:p>
@@ -454,7 +1593,7 @@
             <a:fld id="{C6C52C72-DE31-F449-A4ED-4C594FD91407}" type="datetimeFigureOut">
               <a:rPr lang="en-US" smtClean="0"/>
               <a:pPr/>
-              <a:t>8/9/16</a:t>
+              <a:t>8/10/16</a:t>
             </a:fld>
             <a:endParaRPr lang="en-US" dirty="0"/>
           </a:p>
@@ -636,7 +1775,7 @@
             <a:fld id="{ED62726E-379B-B349-9EED-81ED093FA806}" type="datetimeFigureOut">
               <a:rPr lang="en-US" smtClean="0"/>
               <a:pPr/>
-              <a:t>8/9/16</a:t>
+              <a:t>8/10/16</a:t>
             </a:fld>
             <a:endParaRPr lang="en-US" dirty="0"/>
           </a:p>
@@ -808,7 +1947,7 @@
             <a:fld id="{9B3A1323-8D79-1946-B0D7-40001CF92E9D}" type="datetimeFigureOut">
               <a:rPr lang="en-US" smtClean="0"/>
               <a:pPr/>
-              <a:t>8/9/16</a:t>
+              <a:t>8/10/16</a:t>
             </a:fld>
             <a:endParaRPr lang="en-US" dirty="0"/>
           </a:p>
@@ -1078,7 +2217,7 @@
             <a:fld id="{8DFA1846-DA80-1C48-A609-854EA85C59AD}" type="datetimeFigureOut">
               <a:rPr lang="en-US" smtClean="0"/>
               <a:pPr/>
-              <a:t>8/9/16</a:t>
+              <a:t>8/10/16</a:t>
             </a:fld>
             <a:endParaRPr lang="en-US" dirty="0"/>
           </a:p>
@@ -1312,7 +2451,7 @@
             <a:fld id="{57302355-E14B-8545-A8F8-0FE83CC9D524}" type="datetimeFigureOut">
               <a:rPr lang="en-US" smtClean="0"/>
               <a:pPr/>
-              <a:t>8/9/16</a:t>
+              <a:t>8/10/16</a:t>
             </a:fld>
             <a:endParaRPr lang="en-US" dirty="0"/>
           </a:p>
@@ -1673,7 +2812,7 @@
             <a:fld id="{02640F58-564D-2B4F-AE67-E407BA4FCF45}" type="datetimeFigureOut">
               <a:rPr lang="en-US" smtClean="0"/>
               <a:pPr/>
-              <a:t>8/9/16</a:t>
+              <a:t>8/10/16</a:t>
             </a:fld>
             <a:endParaRPr lang="en-US" dirty="0"/>
           </a:p>
@@ -1816,7 +2955,7 @@
             <a:fld id="{F13A34C8-038E-2045-AF43-DF7DBB8E0E9E}" type="datetimeFigureOut">
               <a:rPr lang="en-US" smtClean="0"/>
               <a:pPr/>
-              <a:t>8/9/16</a:t>
+              <a:t>8/10/16</a:t>
             </a:fld>
             <a:endParaRPr lang="en-US" dirty="0"/>
           </a:p>
@@ -1913,7 +3052,7 @@
             <a:fld id="{8818C68F-D26B-8F47-958C-23B49CF8A634}" type="datetimeFigureOut">
               <a:rPr lang="en-US" smtClean="0"/>
               <a:pPr/>
-              <a:t>8/9/16</a:t>
+              <a:t>8/10/16</a:t>
             </a:fld>
             <a:endParaRPr lang="en-US" dirty="0"/>
           </a:p>
@@ -2272,7 +3411,7 @@
             <a:fld id="{D0DF5E60-9974-AC48-9591-99C2BB44B7CF}" type="datetimeFigureOut">
               <a:rPr lang="en-US" smtClean="0"/>
               <a:pPr/>
-              <a:t>8/9/16</a:t>
+              <a:t>8/10/16</a:t>
             </a:fld>
             <a:endParaRPr lang="en-US" dirty="0"/>
           </a:p>
@@ -2631,7 +3770,7 @@
             <a:fld id="{18C79C5D-2A6F-F04D-97DA-BEF2467B64E4}" type="datetimeFigureOut">
               <a:rPr lang="en-US" smtClean="0"/>
               <a:pPr/>
-              <a:t>8/9/16</a:t>
+              <a:t>8/10/16</a:t>
             </a:fld>
             <a:endParaRPr lang="en-US" dirty="0"/>
           </a:p>
@@ -2874,7 +4013,7 @@
             <a:fld id="{09B482E8-6E0E-1B4F-B1FD-C69DB9E858D9}" type="datetimeFigureOut">
               <a:rPr lang="en-US" smtClean="0"/>
               <a:pPr/>
-              <a:t>8/9/16</a:t>
+              <a:t>8/10/16</a:t>
             </a:fld>
             <a:endParaRPr lang="en-US" dirty="0"/>
           </a:p>
@@ -3588,9 +4727,26 @@
           </a:bodyPr>
           <a:lstStyle/>
           <a:p>
+            <a:pPr marL="0" marR="0" lvl="0" indent="0" defTabSz="914400" eaLnBrk="1" fontAlgn="auto" latinLnBrk="0" hangingPunct="1">
+              <a:lnSpc>
+                <a:spcPct val="100000"/>
+              </a:lnSpc>
+              <a:spcBef>
+                <a:spcPts val="0"/>
+              </a:spcBef>
+              <a:spcAft>
+                <a:spcPts val="0"/>
+              </a:spcAft>
+              <a:buClrTx/>
+              <a:buSzTx/>
+              <a:buFontTx/>
+              <a:buNone/>
+              <a:tabLst/>
+              <a:defRPr/>
+            </a:pPr>
             <a:r>
               <a:rPr lang="en-US" sz="3000" dirty="0" smtClean="0"/>
-              <a:t>Can the resolution of a consumer complaint be predicted based on information contained in text data?</a:t>
+              <a:t>Predict the result of closure for a complaint submitted to the Consumer Financial Protection Bureau (CFPB)</a:t>
             </a:r>
           </a:p>
         </p:txBody>
@@ -3673,7 +4829,7 @@
           </p:nvPr>
         </p:nvPicPr>
         <p:blipFill>
-          <a:blip r:embed="rId2">
+          <a:blip r:embed="rId3">
             <a:extLst>
               <a:ext uri="{28A0092B-C50C-407E-A947-70E740481C1C}">
                 <a14:useLocalDpi xmlns:a14="http://schemas.microsoft.com/office/drawing/2010/main" val="0"/>
@@ -3686,7 +4842,7 @@
         </p:blipFill>
         <p:spPr>
           <a:xfrm>
-            <a:off x="9398000" y="2835275"/>
+            <a:off x="5909670" y="4604561"/>
             <a:ext cx="2794000" cy="1990725"/>
           </a:xfrm>
         </p:spPr>
@@ -3754,19 +4910,13 @@
             </a:pPr>
             <a:r>
               <a:rPr lang="en-US" sz="2400" dirty="0" smtClean="0"/>
-              <a:t>Data is unbalanced (80% “No Relief”, 20% “Relief Provided”)</a:t>
-            </a:r>
-          </a:p>
-          <a:p>
-            <a:pPr marL="742950" lvl="1" indent="-285750">
-              <a:buFont typeface="Arial" charset="0"/>
-              <a:buChar char="•"/>
-            </a:pPr>
+              <a:t>Data is imbalanced (80% “No Relief”, 20% “Relief Provided</a:t>
+            </a:r>
             <a:r>
               <a:rPr lang="en-US" sz="2400" dirty="0" smtClean="0"/>
-              <a:t>Addressed using weighting of “Yes”</a:t>
-            </a:r>
-            <a:endParaRPr lang="en-US" sz="2400" dirty="0">
+              <a:t>”)</a:t>
+            </a:r>
+            <a:endParaRPr lang="en-US" sz="2200" dirty="0">
               <a:solidFill>
                 <a:srgbClr val="FF0000"/>
               </a:solidFill>
@@ -3783,7 +4933,7 @@
           <p:nvPr/>
         </p:nvPicPr>
         <p:blipFill>
-          <a:blip r:embed="rId3">
+          <a:blip r:embed="rId4">
             <a:extLst>
               <a:ext uri="{28A0092B-C50C-407E-A947-70E740481C1C}">
                 <a14:useLocalDpi xmlns:a14="http://schemas.microsoft.com/office/drawing/2010/main" val="0"/>
@@ -3813,7 +4963,7 @@
           <p:nvPr/>
         </p:nvPicPr>
         <p:blipFill>
-          <a:blip r:embed="rId4">
+          <a:blip r:embed="rId5">
             <a:extLst>
               <a:ext uri="{28A0092B-C50C-407E-A947-70E740481C1C}">
                 <a14:useLocalDpi xmlns:a14="http://schemas.microsoft.com/office/drawing/2010/main" val="0"/>
@@ -3843,7 +4993,7 @@
           <p:nvPr/>
         </p:nvPicPr>
         <p:blipFill>
-          <a:blip r:embed="rId5">
+          <a:blip r:embed="rId6">
             <a:extLst>
               <a:ext uri="{28A0092B-C50C-407E-A947-70E740481C1C}">
                 <a14:useLocalDpi xmlns:a14="http://schemas.microsoft.com/office/drawing/2010/main" val="0"/>
@@ -3858,36 +5008,6 @@
           <a:xfrm>
             <a:off x="9088925" y="5054661"/>
             <a:ext cx="2814320" cy="1524000"/>
-          </a:xfrm>
-          <a:prstGeom prst="rect">
-            <a:avLst/>
-          </a:prstGeom>
-        </p:spPr>
-      </p:pic>
-      <p:pic>
-        <p:nvPicPr>
-          <p:cNvPr id="9" name="Picture 8"/>
-          <p:cNvPicPr>
-            <a:picLocks noChangeAspect="1"/>
-          </p:cNvPicPr>
-          <p:nvPr/>
-        </p:nvPicPr>
-        <p:blipFill>
-          <a:blip r:embed="rId6">
-            <a:extLst>
-              <a:ext uri="{28A0092B-C50C-407E-A947-70E740481C1C}">
-                <a14:useLocalDpi xmlns:a14="http://schemas.microsoft.com/office/drawing/2010/main" val="0"/>
-              </a:ext>
-            </a:extLst>
-          </a:blip>
-          <a:stretch>
-            <a:fillRect/>
-          </a:stretch>
-        </p:blipFill>
-        <p:spPr>
-          <a:xfrm>
-            <a:off x="6006190" y="5150802"/>
-            <a:ext cx="2600960" cy="1463040"/>
           </a:xfrm>
           <a:prstGeom prst="rect">
             <a:avLst/>
@@ -4854,7 +5974,7 @@
           <p:nvPr/>
         </p:nvPicPr>
         <p:blipFill>
-          <a:blip r:embed="rId2">
+          <a:blip r:embed="rId3">
             <a:extLst>
               <a:ext uri="{28A0092B-C50C-407E-A947-70E740481C1C}">
                 <a14:useLocalDpi xmlns:a14="http://schemas.microsoft.com/office/drawing/2010/main" val="0"/>
@@ -4994,6 +6114,9 @@
           </a:bodyPr>
           <a:lstStyle/>
           <a:p>
+            <a:pPr marL="0" indent="0">
+              <a:buNone/>
+            </a:pPr>
             <a:r>
               <a:rPr lang="en-US" sz="2400" dirty="0" smtClean="0"/>
               <a:t>Complaint prediction provides insight to:</a:t>
@@ -5003,35 +6126,28 @@
             <a:pPr lvl="1"/>
             <a:r>
               <a:rPr lang="en-US" sz="2400" dirty="0" smtClean="0"/>
-              <a:t>Manage costs</a:t>
+              <a:t>Modeling with Word2Vec</a:t>
             </a:r>
           </a:p>
           <a:p>
             <a:pPr lvl="1"/>
             <a:r>
               <a:rPr lang="en-US" sz="2400" dirty="0" smtClean="0"/>
-              <a:t>Position resources</a:t>
+              <a:t>Predict complaint processing time</a:t>
             </a:r>
           </a:p>
           <a:p>
             <a:pPr lvl="1"/>
             <a:r>
               <a:rPr lang="en-US" sz="2400" dirty="0" smtClean="0"/>
-              <a:t>Modeling with Word2Vec</a:t>
+              <a:t>Predict results for specific product</a:t>
             </a:r>
           </a:p>
           <a:p>
             <a:pPr lvl="1"/>
             <a:r>
               <a:rPr lang="en-US" sz="2400" dirty="0" smtClean="0"/>
-              <a:t>Explore complaint processing time</a:t>
-            </a:r>
-          </a:p>
-          <a:p>
-            <a:pPr lvl="1"/>
-            <a:r>
-              <a:rPr lang="en-US" sz="2400" dirty="0" smtClean="0"/>
-              <a:t>Explore product-specific </a:t>
+              <a:t>Add additional text features in data set to NLP</a:t>
             </a:r>
             <a:endParaRPr lang="en-US" sz="2400" dirty="0"/>
           </a:p>
@@ -5118,40 +6234,6 @@
             </a:r>
             <a:r>
               <a:rPr lang="en-US" sz="2900" dirty="0" smtClean="0">
-                <a:hlinkClick r:id="rId2"/>
-              </a:rPr>
-              <a:t>https</a:t>
-            </a:r>
-            <a:r>
-              <a:rPr lang="en-US" sz="2900" dirty="0">
-                <a:hlinkClick r:id="rId2"/>
-              </a:rPr>
-              <a:t>://</a:t>
-            </a:r>
-            <a:r>
-              <a:rPr lang="en-US" sz="2900" dirty="0" smtClean="0">
-                <a:hlinkClick r:id="rId2"/>
-              </a:rPr>
-              <a:t>github.com/ChrisMichael11/Consumer_Complaint_Project</a:t>
-            </a:r>
-            <a:endParaRPr lang="en-US" sz="2900" dirty="0" smtClean="0"/>
-          </a:p>
-          <a:p>
-            <a:pPr marL="0" indent="0">
-              <a:buNone/>
-            </a:pPr>
-            <a:endParaRPr lang="en-US" sz="2900" dirty="0"/>
-          </a:p>
-          <a:p>
-            <a:pPr marL="0" indent="0">
-              <a:buNone/>
-            </a:pPr>
-            <a:r>
-              <a:rPr lang="en-US" sz="2900" dirty="0" smtClean="0"/>
-              <a:t>LinkedIn: </a:t>
-            </a:r>
-            <a:r>
-              <a:rPr lang="en-US" sz="2900" dirty="0" smtClean="0">
                 <a:hlinkClick r:id="rId3"/>
               </a:rPr>
               <a:t>https</a:t>
@@ -5165,6 +6247,40 @@
             <a:r>
               <a:rPr lang="en-US" sz="2900" dirty="0" smtClean="0">
                 <a:hlinkClick r:id="rId3"/>
+              </a:rPr>
+              <a:t>github.com/ChrisMichael11/Consumer_Complaint_Project</a:t>
+            </a:r>
+            <a:endParaRPr lang="en-US" sz="2900" dirty="0" smtClean="0"/>
+          </a:p>
+          <a:p>
+            <a:pPr marL="0" indent="0">
+              <a:buNone/>
+            </a:pPr>
+            <a:endParaRPr lang="en-US" sz="2900" dirty="0"/>
+          </a:p>
+          <a:p>
+            <a:pPr marL="0" indent="0">
+              <a:buNone/>
+            </a:pPr>
+            <a:r>
+              <a:rPr lang="en-US" sz="2900" dirty="0" smtClean="0"/>
+              <a:t>LinkedIn: </a:t>
+            </a:r>
+            <a:r>
+              <a:rPr lang="en-US" sz="2900" dirty="0" smtClean="0">
+                <a:hlinkClick r:id="rId4"/>
+              </a:rPr>
+              <a:t>https</a:t>
+            </a:r>
+            <a:r>
+              <a:rPr lang="en-US" sz="2900" dirty="0">
+                <a:hlinkClick r:id="rId4"/>
+              </a:rPr>
+              <a:t>://</a:t>
+            </a:r>
+            <a:r>
+              <a:rPr lang="en-US" sz="2900" dirty="0" smtClean="0">
+                <a:hlinkClick r:id="rId4"/>
               </a:rPr>
               <a:t>www.linkedin.com/in/christophermmichael</a:t>
             </a:r>
@@ -5477,4 +6593,265 @@
     </a:ext>
   </a:extLst>
 </a:theme>
+</file>
+
+<file path=ppt/theme/theme2.xml><?xml version="1.0" encoding="utf-8"?>
+<a:theme xmlns:a="http://schemas.openxmlformats.org/drawingml/2006/main" name="Office Theme">
+  <a:themeElements>
+    <a:clrScheme name="Office">
+      <a:dk1>
+        <a:sysClr val="windowText" lastClr="000000"/>
+      </a:dk1>
+      <a:lt1>
+        <a:sysClr val="window" lastClr="FFFFFF"/>
+      </a:lt1>
+      <a:dk2>
+        <a:srgbClr val="44546A"/>
+      </a:dk2>
+      <a:lt2>
+        <a:srgbClr val="E7E6E6"/>
+      </a:lt2>
+      <a:accent1>
+        <a:srgbClr val="5B9BD5"/>
+      </a:accent1>
+      <a:accent2>
+        <a:srgbClr val="ED7D31"/>
+      </a:accent2>
+      <a:accent3>
+        <a:srgbClr val="A5A5A5"/>
+      </a:accent3>
+      <a:accent4>
+        <a:srgbClr val="FFC000"/>
+      </a:accent4>
+      <a:accent5>
+        <a:srgbClr val="4472C4"/>
+      </a:accent5>
+      <a:accent6>
+        <a:srgbClr val="70AD47"/>
+      </a:accent6>
+      <a:hlink>
+        <a:srgbClr val="0563C1"/>
+      </a:hlink>
+      <a:folHlink>
+        <a:srgbClr val="954F72"/>
+      </a:folHlink>
+    </a:clrScheme>
+    <a:fontScheme name="Office">
+      <a:majorFont>
+        <a:latin typeface="Calibri Light" panose="020F0302020204030204"/>
+        <a:ea typeface=""/>
+        <a:cs typeface=""/>
+        <a:font script="Jpan" typeface="Yu Gothic Light"/>
+        <a:font script="Hang" typeface="맑은 고딕"/>
+        <a:font script="Hans" typeface="DengXian Light"/>
+        <a:font script="Hant" typeface="新細明體"/>
+        <a:font script="Arab" typeface="Times New Roman"/>
+        <a:font script="Hebr" typeface="Times New Roman"/>
+        <a:font script="Thai" typeface="Angsana New"/>
+        <a:font script="Ethi" typeface="Nyala"/>
+        <a:font script="Beng" typeface="Vrinda"/>
+        <a:font script="Gujr" typeface="Shruti"/>
+        <a:font script="Khmr" typeface="MoolBoran"/>
+        <a:font script="Knda" typeface="Tunga"/>
+        <a:font script="Guru" typeface="Raavi"/>
+        <a:font script="Cans" typeface="Euphemia"/>
+        <a:font script="Cher" typeface="Plantagenet Cherokee"/>
+        <a:font script="Yiii" typeface="Microsoft Yi Baiti"/>
+        <a:font script="Tibt" typeface="Microsoft Himalaya"/>
+        <a:font script="Thaa" typeface="MV Boli"/>
+        <a:font script="Deva" typeface="Mangal"/>
+        <a:font script="Telu" typeface="Gautami"/>
+        <a:font script="Taml" typeface="Latha"/>
+        <a:font script="Syrc" typeface="Estrangelo Edessa"/>
+        <a:font script="Orya" typeface="Kalinga"/>
+        <a:font script="Mlym" typeface="Kartika"/>
+        <a:font script="Laoo" typeface="DokChampa"/>
+        <a:font script="Sinh" typeface="Iskoola Pota"/>
+        <a:font script="Mong" typeface="Mongolian Baiti"/>
+        <a:font script="Viet" typeface="Times New Roman"/>
+        <a:font script="Uigh" typeface="Microsoft Uighur"/>
+        <a:font script="Geor" typeface="Sylfaen"/>
+      </a:majorFont>
+      <a:minorFont>
+        <a:latin typeface="Calibri" panose="020F0502020204030204"/>
+        <a:ea typeface=""/>
+        <a:cs typeface=""/>
+        <a:font script="Jpan" typeface="Yu Gothic"/>
+        <a:font script="Hang" typeface="맑은 고딕"/>
+        <a:font script="Hans" typeface="DengXian"/>
+        <a:font script="Hant" typeface="新細明體"/>
+        <a:font script="Arab" typeface="Arial"/>
+        <a:font script="Hebr" typeface="Arial"/>
+        <a:font script="Thai" typeface="Cordia New"/>
+        <a:font script="Ethi" typeface="Nyala"/>
+        <a:font script="Beng" typeface="Vrinda"/>
+        <a:font script="Gujr" typeface="Shruti"/>
+        <a:font script="Khmr" typeface="DaunPenh"/>
+        <a:font script="Knda" typeface="Tunga"/>
+        <a:font script="Guru" typeface="Raavi"/>
+        <a:font script="Cans" typeface="Euphemia"/>
+        <a:font script="Cher" typeface="Plantagenet Cherokee"/>
+        <a:font script="Yiii" typeface="Microsoft Yi Baiti"/>
+        <a:font script="Tibt" typeface="Microsoft Himalaya"/>
+        <a:font script="Thaa" typeface="MV Boli"/>
+        <a:font script="Deva" typeface="Mangal"/>
+        <a:font script="Telu" typeface="Gautami"/>
+        <a:font script="Taml" typeface="Latha"/>
+        <a:font script="Syrc" typeface="Estrangelo Edessa"/>
+        <a:font script="Orya" typeface="Kalinga"/>
+        <a:font script="Mlym" typeface="Kartika"/>
+        <a:font script="Laoo" typeface="DokChampa"/>
+        <a:font script="Sinh" typeface="Iskoola Pota"/>
+        <a:font script="Mong" typeface="Mongolian Baiti"/>
+        <a:font script="Viet" typeface="Arial"/>
+        <a:font script="Uigh" typeface="Microsoft Uighur"/>
+        <a:font script="Geor" typeface="Sylfaen"/>
+      </a:minorFont>
+    </a:fontScheme>
+    <a:fmtScheme name="Office">
+      <a:fillStyleLst>
+        <a:solidFill>
+          <a:schemeClr val="phClr"/>
+        </a:solidFill>
+        <a:gradFill rotWithShape="1">
+          <a:gsLst>
+            <a:gs pos="0">
+              <a:schemeClr val="phClr">
+                <a:lumMod val="110000"/>
+                <a:satMod val="105000"/>
+                <a:tint val="67000"/>
+              </a:schemeClr>
+            </a:gs>
+            <a:gs pos="50000">
+              <a:schemeClr val="phClr">
+                <a:lumMod val="105000"/>
+                <a:satMod val="103000"/>
+                <a:tint val="73000"/>
+              </a:schemeClr>
+            </a:gs>
+            <a:gs pos="100000">
+              <a:schemeClr val="phClr">
+                <a:lumMod val="105000"/>
+                <a:satMod val="109000"/>
+                <a:tint val="81000"/>
+              </a:schemeClr>
+            </a:gs>
+          </a:gsLst>
+          <a:lin ang="5400000" scaled="0"/>
+        </a:gradFill>
+        <a:gradFill rotWithShape="1">
+          <a:gsLst>
+            <a:gs pos="0">
+              <a:schemeClr val="phClr">
+                <a:satMod val="103000"/>
+                <a:lumMod val="102000"/>
+                <a:tint val="94000"/>
+              </a:schemeClr>
+            </a:gs>
+            <a:gs pos="50000">
+              <a:schemeClr val="phClr">
+                <a:satMod val="110000"/>
+                <a:lumMod val="100000"/>
+                <a:shade val="100000"/>
+              </a:schemeClr>
+            </a:gs>
+            <a:gs pos="100000">
+              <a:schemeClr val="phClr">
+                <a:lumMod val="99000"/>
+                <a:satMod val="120000"/>
+                <a:shade val="78000"/>
+              </a:schemeClr>
+            </a:gs>
+          </a:gsLst>
+          <a:lin ang="5400000" scaled="0"/>
+        </a:gradFill>
+      </a:fillStyleLst>
+      <a:lnStyleLst>
+        <a:ln w="6350" cap="flat" cmpd="sng" algn="ctr">
+          <a:solidFill>
+            <a:schemeClr val="phClr"/>
+          </a:solidFill>
+          <a:prstDash val="solid"/>
+          <a:miter lim="800000"/>
+        </a:ln>
+        <a:ln w="12700" cap="flat" cmpd="sng" algn="ctr">
+          <a:solidFill>
+            <a:schemeClr val="phClr"/>
+          </a:solidFill>
+          <a:prstDash val="solid"/>
+          <a:miter lim="800000"/>
+        </a:ln>
+        <a:ln w="19050" cap="flat" cmpd="sng" algn="ctr">
+          <a:solidFill>
+            <a:schemeClr val="phClr"/>
+          </a:solidFill>
+          <a:prstDash val="solid"/>
+          <a:miter lim="800000"/>
+        </a:ln>
+      </a:lnStyleLst>
+      <a:effectStyleLst>
+        <a:effectStyle>
+          <a:effectLst/>
+        </a:effectStyle>
+        <a:effectStyle>
+          <a:effectLst/>
+        </a:effectStyle>
+        <a:effectStyle>
+          <a:effectLst>
+            <a:outerShdw blurRad="57150" dist="19050" dir="5400000" algn="ctr" rotWithShape="0">
+              <a:srgbClr val="000000">
+                <a:alpha val="63000"/>
+              </a:srgbClr>
+            </a:outerShdw>
+          </a:effectLst>
+        </a:effectStyle>
+      </a:effectStyleLst>
+      <a:bgFillStyleLst>
+        <a:solidFill>
+          <a:schemeClr val="phClr"/>
+        </a:solidFill>
+        <a:solidFill>
+          <a:schemeClr val="phClr">
+            <a:tint val="95000"/>
+            <a:satMod val="170000"/>
+          </a:schemeClr>
+        </a:solidFill>
+        <a:gradFill rotWithShape="1">
+          <a:gsLst>
+            <a:gs pos="0">
+              <a:schemeClr val="phClr">
+                <a:tint val="93000"/>
+                <a:satMod val="150000"/>
+                <a:shade val="98000"/>
+                <a:lumMod val="102000"/>
+              </a:schemeClr>
+            </a:gs>
+            <a:gs pos="50000">
+              <a:schemeClr val="phClr">
+                <a:tint val="98000"/>
+                <a:satMod val="130000"/>
+                <a:shade val="90000"/>
+                <a:lumMod val="103000"/>
+              </a:schemeClr>
+            </a:gs>
+            <a:gs pos="100000">
+              <a:schemeClr val="phClr">
+                <a:shade val="63000"/>
+                <a:satMod val="120000"/>
+              </a:schemeClr>
+            </a:gs>
+          </a:gsLst>
+          <a:lin ang="5400000" scaled="0"/>
+        </a:gradFill>
+      </a:bgFillStyleLst>
+    </a:fmtScheme>
+  </a:themeElements>
+  <a:objectDefaults/>
+  <a:extraClrSchemeLst/>
+  <a:extLst>
+    <a:ext uri="{05A4C25C-085E-4340-85A3-A5531E510DB2}">
+      <thm15:themeFamily xmlns:thm15="http://schemas.microsoft.com/office/thememl/2012/main" name="Office Theme" id="{62F939B6-93AF-4DB8-9C6B-D6C7DFDC589F}" vid="{4A3C46E8-61CC-4603-A589-7422A47A8E4A}"/>
+    </a:ext>
+  </a:extLst>
+</a:theme>
 </file>